--- a/doc/JSindo/install_linux.pptx
+++ b/doc/JSindo/install_linux.pptx
@@ -5,7 +5,7 @@
     <p:sldMasterId id="2147483660" r:id="rId1"/>
   </p:sldMasterIdLst>
   <p:notesMasterIdLst>
-    <p:notesMasterId r:id="rId13"/>
+    <p:notesMasterId r:id="rId12"/>
   </p:notesMasterIdLst>
   <p:sldIdLst>
     <p:sldId id="256" r:id="rId2"/>
@@ -15,10 +15,9 @@
     <p:sldId id="274" r:id="rId6"/>
     <p:sldId id="299" r:id="rId7"/>
     <p:sldId id="276" r:id="rId8"/>
-    <p:sldId id="264" r:id="rId9"/>
-    <p:sldId id="304" r:id="rId10"/>
-    <p:sldId id="306" r:id="rId11"/>
-    <p:sldId id="305" r:id="rId12"/>
+    <p:sldId id="304" r:id="rId9"/>
+    <p:sldId id="306" r:id="rId10"/>
+    <p:sldId id="305" r:id="rId11"/>
   </p:sldIdLst>
   <p:sldSz cx="9144000" cy="6858000" type="screen4x3"/>
   <p:notesSz cx="6858000" cy="9144000"/>
@@ -667,7 +666,7 @@
           <a:p>
             <a:fld id="{3F9D3D55-BD5C-034D-AC25-55F6153EBC0E}" type="slidenum">
               <a:rPr kumimoji="1" lang="ja-JP" altLang="en-US" smtClean="0"/>
-              <a:t>8</a:t>
+              <a:t>7</a:t>
             </a:fld>
             <a:endParaRPr kumimoji="1" lang="ja-JP" altLang="en-US"/>
           </a:p>
@@ -3819,11 +3818,7 @@
             </a:r>
             <a:r>
               <a:rPr lang="en-US" altLang="ja-JP" sz="4400" dirty="0" smtClean="0"/>
-              <a:t>for </a:t>
-            </a:r>
-            <a:r>
-              <a:rPr lang="en-US" altLang="ja-JP" sz="4400" dirty="0" smtClean="0"/>
-              <a:t>LINUX</a:t>
+              <a:t>for LINUX</a:t>
             </a:r>
             <a:endParaRPr kumimoji="1" lang="ja-JP" altLang="en-US" sz="4400" dirty="0"/>
           </a:p>
@@ -3930,472 +3925,6 @@
 </file>
 
 <file path=ppt/slides/slide10.xml><?xml version="1.0" encoding="utf-8"?>
-<p:sld xmlns:a="http://schemas.openxmlformats.org/drawingml/2006/main" xmlns:r="http://schemas.openxmlformats.org/officeDocument/2006/relationships" xmlns:p="http://schemas.openxmlformats.org/presentationml/2006/main">
-  <p:cSld>
-    <p:spTree>
-      <p:nvGrpSpPr>
-        <p:cNvPr id="1" name=""/>
-        <p:cNvGrpSpPr/>
-        <p:nvPr/>
-      </p:nvGrpSpPr>
-      <p:grpSpPr>
-        <a:xfrm>
-          <a:off x="0" y="0"/>
-          <a:ext cx="0" cy="0"/>
-          <a:chOff x="0" y="0"/>
-          <a:chExt cx="0" cy="0"/>
-        </a:xfrm>
-      </p:grpSpPr>
-      <p:sp>
-        <p:nvSpPr>
-          <p:cNvPr id="3" name="スライド番号プレースホルダー 2"/>
-          <p:cNvSpPr>
-            <a:spLocks noGrp="1"/>
-          </p:cNvSpPr>
-          <p:nvPr>
-            <p:ph type="sldNum" sz="quarter" idx="12"/>
-          </p:nvPr>
-        </p:nvSpPr>
-        <p:spPr/>
-        <p:txBody>
-          <a:bodyPr/>
-          <a:lstStyle/>
-          <a:p>
-            <a:fld id="{7D34BB6B-1E1A-9541-9560-488905BF54FF}" type="slidenum">
-              <a:rPr kumimoji="1" lang="ja-JP" altLang="en-US" smtClean="0"/>
-              <a:t>9</a:t>
-            </a:fld>
-            <a:endParaRPr kumimoji="1" lang="ja-JP" altLang="en-US"/>
-          </a:p>
-        </p:txBody>
-      </p:sp>
-      <p:sp>
-        <p:nvSpPr>
-          <p:cNvPr id="4" name="テキスト ボックス 3"/>
-          <p:cNvSpPr txBox="1"/>
-          <p:nvPr/>
-        </p:nvSpPr>
-        <p:spPr>
-          <a:xfrm>
-            <a:off x="322815" y="1278774"/>
-            <a:ext cx="5077859" cy="3139321"/>
-          </a:xfrm>
-          <a:prstGeom prst="rect">
-            <a:avLst/>
-          </a:prstGeom>
-          <a:noFill/>
-        </p:spPr>
-        <p:txBody>
-          <a:bodyPr wrap="square" rtlCol="0">
-            <a:spAutoFit/>
-          </a:bodyPr>
-          <a:lstStyle/>
-          <a:p>
-            <a:r>
-              <a:rPr lang="en-US" altLang="ja-JP" dirty="0" smtClean="0"/>
-              <a:t>Let’s open “sample/h2co.minfo”, </a:t>
-            </a:r>
-            <a:r>
-              <a:rPr lang="en-US" altLang="ja-JP" dirty="0"/>
-              <a:t>which comes with this </a:t>
-            </a:r>
-            <a:r>
-              <a:rPr lang="en-US" altLang="ja-JP" dirty="0" smtClean="0"/>
-              <a:t>document. It contains data of formaldehyde.</a:t>
-            </a:r>
-          </a:p>
-          <a:p>
-            <a:endParaRPr lang="en-US" altLang="ja-JP" dirty="0"/>
-          </a:p>
-          <a:p>
-            <a:r>
-              <a:rPr lang="en-US" altLang="ja-JP" dirty="0" smtClean="0"/>
-              <a:t>Click, File -&gt; Open, choose </a:t>
-            </a:r>
-            <a:r>
-              <a:rPr lang="en-US" altLang="ja-JP" dirty="0"/>
-              <a:t>“h2co.minfo</a:t>
-            </a:r>
-            <a:r>
-              <a:rPr lang="en-US" altLang="ja-JP" dirty="0" smtClean="0"/>
-              <a:t>”, and click Open. If you see formaldehyde, you’re done with the first step!</a:t>
-            </a:r>
-          </a:p>
-          <a:p>
-            <a:endParaRPr lang="en-US" altLang="ja-JP" dirty="0" smtClean="0"/>
-          </a:p>
-          <a:p>
-            <a:pPr lvl="1"/>
-            <a:r>
-              <a:rPr lang="en-US" altLang="ja-JP" dirty="0" smtClean="0"/>
-              <a:t>If this step fails, it is highly likely that Java3D has a problem. Double check if the </a:t>
-            </a:r>
-            <a:r>
-              <a:rPr lang="en-US" altLang="ja-JP" dirty="0" err="1" smtClean="0"/>
-              <a:t>jarfiles</a:t>
-            </a:r>
-            <a:r>
-              <a:rPr lang="en-US" altLang="ja-JP" dirty="0" smtClean="0"/>
-              <a:t> are set correctly, that is, if the right files are set to CLASSPATH.</a:t>
-            </a:r>
-          </a:p>
-        </p:txBody>
-      </p:sp>
-      <p:pic>
-        <p:nvPicPr>
-          <p:cNvPr id="5" name="図 9"/>
-          <p:cNvPicPr>
-            <a:picLocks noChangeAspect="1"/>
-          </p:cNvPicPr>
-          <p:nvPr/>
-        </p:nvPicPr>
-        <p:blipFill rotWithShape="1">
-          <a:blip r:embed="rId2">
-            <a:extLst>
-              <a:ext uri="{28A0092B-C50C-407E-A947-70E740481C1C}">
-                <a14:useLocalDpi xmlns:a14="http://schemas.microsoft.com/office/drawing/2010/main" val="0"/>
-              </a:ext>
-            </a:extLst>
-          </a:blip>
-          <a:srcRect b="1168"/>
-          <a:stretch/>
-        </p:blipFill>
-        <p:spPr bwMode="auto">
-          <a:xfrm>
-            <a:off x="5393913" y="566675"/>
-            <a:ext cx="3404900" cy="1268257"/>
-          </a:xfrm>
-          <a:prstGeom prst="rect">
-            <a:avLst/>
-          </a:prstGeom>
-          <a:noFill/>
-          <a:ln w="9525">
-            <a:solidFill>
-              <a:srgbClr val="000000"/>
-            </a:solidFill>
-            <a:miter lim="800000"/>
-            <a:headEnd/>
-            <a:tailEnd/>
-          </a:ln>
-          <a:extLst>
-            <a:ext uri="{909E8E84-426E-40DD-AFC4-6F175D3DCCD1}">
-              <a14:hiddenFill xmlns:a14="http://schemas.microsoft.com/office/drawing/2010/main">
-                <a:solidFill>
-                  <a:srgbClr val="FFFFFF"/>
-                </a:solidFill>
-              </a14:hiddenFill>
-            </a:ext>
-          </a:extLst>
-        </p:spPr>
-      </p:pic>
-      <p:cxnSp>
-        <p:nvCxnSpPr>
-          <p:cNvPr id="6" name="直線矢印コネクタ 5"/>
-          <p:cNvCxnSpPr/>
-          <p:nvPr/>
-        </p:nvCxnSpPr>
-        <p:spPr>
-          <a:xfrm>
-            <a:off x="5550185" y="908628"/>
-            <a:ext cx="0" cy="1278485"/>
-          </a:xfrm>
-          <a:prstGeom prst="straightConnector1">
-            <a:avLst/>
-          </a:prstGeom>
-          <a:ln w="28575">
-            <a:solidFill>
-              <a:srgbClr val="00B050"/>
-            </a:solidFill>
-            <a:tailEnd type="triangle"/>
-          </a:ln>
-        </p:spPr>
-        <p:style>
-          <a:lnRef idx="1">
-            <a:schemeClr val="accent1"/>
-          </a:lnRef>
-          <a:fillRef idx="0">
-            <a:schemeClr val="accent1"/>
-          </a:fillRef>
-          <a:effectRef idx="0">
-            <a:schemeClr val="accent1"/>
-          </a:effectRef>
-          <a:fontRef idx="minor">
-            <a:schemeClr val="tx1"/>
-          </a:fontRef>
-        </p:style>
-      </p:cxnSp>
-      <p:sp>
-        <p:nvSpPr>
-          <p:cNvPr id="7" name="テキスト ボックス 6"/>
-          <p:cNvSpPr txBox="1"/>
-          <p:nvPr/>
-        </p:nvSpPr>
-        <p:spPr>
-          <a:xfrm>
-            <a:off x="5597499" y="926181"/>
-            <a:ext cx="696024" cy="369332"/>
-          </a:xfrm>
-          <a:prstGeom prst="rect">
-            <a:avLst/>
-          </a:prstGeom>
-          <a:noFill/>
-        </p:spPr>
-        <p:txBody>
-          <a:bodyPr wrap="none" rtlCol="0">
-            <a:spAutoFit/>
-          </a:bodyPr>
-          <a:lstStyle/>
-          <a:p>
-            <a:r>
-              <a:rPr kumimoji="1" lang="en-US" altLang="ja-JP" dirty="0" smtClean="0"/>
-              <a:t>Open</a:t>
-            </a:r>
-            <a:endParaRPr kumimoji="1" lang="ja-JP" altLang="en-US" dirty="0"/>
-          </a:p>
-        </p:txBody>
-      </p:sp>
-      <p:pic>
-        <p:nvPicPr>
-          <p:cNvPr id="8" name="図 7"/>
-          <p:cNvPicPr>
-            <a:picLocks noChangeAspect="1"/>
-          </p:cNvPicPr>
-          <p:nvPr/>
-        </p:nvPicPr>
-        <p:blipFill rotWithShape="1">
-          <a:blip r:embed="rId3">
-            <a:extLst>
-              <a:ext uri="{28A0092B-C50C-407E-A947-70E740481C1C}">
-                <a14:useLocalDpi xmlns:a14="http://schemas.microsoft.com/office/drawing/2010/main" val="0"/>
-              </a:ext>
-            </a:extLst>
-          </a:blip>
-          <a:srcRect l="9182" t="7774" r="8854" b="19884"/>
-          <a:stretch/>
-        </p:blipFill>
-        <p:spPr>
-          <a:xfrm>
-            <a:off x="5481037" y="2273999"/>
-            <a:ext cx="2379121" cy="1328104"/>
-          </a:xfrm>
-          <a:prstGeom prst="rect">
-            <a:avLst/>
-          </a:prstGeom>
-          <a:ln>
-            <a:solidFill>
-              <a:schemeClr val="accent1"/>
-            </a:solidFill>
-          </a:ln>
-        </p:spPr>
-      </p:pic>
-      <p:sp>
-        <p:nvSpPr>
-          <p:cNvPr id="9" name="正方形/長方形 8"/>
-          <p:cNvSpPr/>
-          <p:nvPr/>
-        </p:nvSpPr>
-        <p:spPr>
-          <a:xfrm>
-            <a:off x="5527220" y="2635602"/>
-            <a:ext cx="480188" cy="141777"/>
-          </a:xfrm>
-          <a:prstGeom prst="rect">
-            <a:avLst/>
-          </a:prstGeom>
-          <a:noFill/>
-          <a:ln w="28575">
-            <a:solidFill>
-              <a:srgbClr val="00B050"/>
-            </a:solidFill>
-            <a:prstDash val="sysDash"/>
-          </a:ln>
-        </p:spPr>
-        <p:style>
-          <a:lnRef idx="2">
-            <a:schemeClr val="accent1">
-              <a:shade val="50000"/>
-            </a:schemeClr>
-          </a:lnRef>
-          <a:fillRef idx="1">
-            <a:schemeClr val="accent1"/>
-          </a:fillRef>
-          <a:effectRef idx="0">
-            <a:schemeClr val="accent1"/>
-          </a:effectRef>
-          <a:fontRef idx="minor">
-            <a:schemeClr val="lt1"/>
-          </a:fontRef>
-        </p:style>
-        <p:txBody>
-          <a:bodyPr rtlCol="0" anchor="ctr"/>
-          <a:lstStyle/>
-          <a:p>
-            <a:pPr algn="ctr"/>
-            <a:endParaRPr kumimoji="1" lang="ja-JP" altLang="en-US"/>
-          </a:p>
-        </p:txBody>
-      </p:sp>
-      <p:cxnSp>
-        <p:nvCxnSpPr>
-          <p:cNvPr id="10" name="直線矢印コネクタ 9"/>
-          <p:cNvCxnSpPr/>
-          <p:nvPr/>
-        </p:nvCxnSpPr>
-        <p:spPr>
-          <a:xfrm>
-            <a:off x="7578899" y="3575522"/>
-            <a:ext cx="7181" cy="323779"/>
-          </a:xfrm>
-          <a:prstGeom prst="straightConnector1">
-            <a:avLst/>
-          </a:prstGeom>
-          <a:ln w="28575">
-            <a:solidFill>
-              <a:srgbClr val="00B050"/>
-            </a:solidFill>
-            <a:tailEnd type="triangle"/>
-          </a:ln>
-        </p:spPr>
-        <p:style>
-          <a:lnRef idx="1">
-            <a:schemeClr val="accent1"/>
-          </a:lnRef>
-          <a:fillRef idx="0">
-            <a:schemeClr val="accent1"/>
-          </a:fillRef>
-          <a:effectRef idx="0">
-            <a:schemeClr val="accent1"/>
-          </a:effectRef>
-          <a:fontRef idx="minor">
-            <a:schemeClr val="tx1"/>
-          </a:fontRef>
-        </p:style>
-      </p:cxnSp>
-      <p:sp>
-        <p:nvSpPr>
-          <p:cNvPr id="11" name="テキスト ボックス 10"/>
-          <p:cNvSpPr txBox="1"/>
-          <p:nvPr/>
-        </p:nvSpPr>
-        <p:spPr>
-          <a:xfrm>
-            <a:off x="5939447" y="2713997"/>
-            <a:ext cx="1094124" cy="258837"/>
-          </a:xfrm>
-          <a:prstGeom prst="rect">
-            <a:avLst/>
-          </a:prstGeom>
-          <a:noFill/>
-        </p:spPr>
-        <p:txBody>
-          <a:bodyPr wrap="none" rtlCol="0">
-            <a:spAutoFit/>
-          </a:bodyPr>
-          <a:lstStyle/>
-          <a:p>
-            <a:r>
-              <a:rPr kumimoji="1" lang="en-US" altLang="ja-JP" dirty="0" smtClean="0"/>
-              <a:t>click to choose</a:t>
-            </a:r>
-            <a:endParaRPr kumimoji="1" lang="ja-JP" altLang="en-US" dirty="0"/>
-          </a:p>
-        </p:txBody>
-      </p:sp>
-      <p:sp>
-        <p:nvSpPr>
-          <p:cNvPr id="12" name="正方形/長方形 11"/>
-          <p:cNvSpPr/>
-          <p:nvPr/>
-        </p:nvSpPr>
-        <p:spPr>
-          <a:xfrm>
-            <a:off x="7395430" y="3396592"/>
-            <a:ext cx="391620" cy="150819"/>
-          </a:xfrm>
-          <a:prstGeom prst="rect">
-            <a:avLst/>
-          </a:prstGeom>
-          <a:noFill/>
-          <a:ln w="28575">
-            <a:solidFill>
-              <a:srgbClr val="00B050"/>
-            </a:solidFill>
-            <a:prstDash val="sysDash"/>
-          </a:ln>
-        </p:spPr>
-        <p:style>
-          <a:lnRef idx="2">
-            <a:schemeClr val="accent1">
-              <a:shade val="50000"/>
-            </a:schemeClr>
-          </a:lnRef>
-          <a:fillRef idx="1">
-            <a:schemeClr val="accent1"/>
-          </a:fillRef>
-          <a:effectRef idx="0">
-            <a:schemeClr val="accent1"/>
-          </a:effectRef>
-          <a:fontRef idx="minor">
-            <a:schemeClr val="lt1"/>
-          </a:fontRef>
-        </p:style>
-        <p:txBody>
-          <a:bodyPr rtlCol="0" anchor="ctr"/>
-          <a:lstStyle/>
-          <a:p>
-            <a:pPr algn="ctr"/>
-            <a:endParaRPr kumimoji="1" lang="ja-JP" altLang="en-US"/>
-          </a:p>
-        </p:txBody>
-      </p:sp>
-      <p:pic>
-        <p:nvPicPr>
-          <p:cNvPr id="13" name="図 12"/>
-          <p:cNvPicPr>
-            <a:picLocks noChangeAspect="1"/>
-          </p:cNvPicPr>
-          <p:nvPr/>
-        </p:nvPicPr>
-        <p:blipFill rotWithShape="1">
-          <a:blip r:embed="rId4">
-            <a:extLst>
-              <a:ext uri="{28A0092B-C50C-407E-A947-70E740481C1C}">
-                <a14:useLocalDpi xmlns:a14="http://schemas.microsoft.com/office/drawing/2010/main" val="0"/>
-              </a:ext>
-            </a:extLst>
-          </a:blip>
-          <a:srcRect l="9606" t="5208" r="9167" b="14212"/>
-          <a:stretch/>
-        </p:blipFill>
-        <p:spPr>
-          <a:xfrm>
-            <a:off x="6586537" y="4010190"/>
-            <a:ext cx="1943099" cy="1927617"/>
-          </a:xfrm>
-          <a:prstGeom prst="rect">
-            <a:avLst/>
-          </a:prstGeom>
-          <a:ln>
-            <a:solidFill>
-              <a:schemeClr val="accent1"/>
-            </a:solidFill>
-          </a:ln>
-        </p:spPr>
-      </p:pic>
-    </p:spTree>
-    <p:extLst>
-      <p:ext uri="{BB962C8B-B14F-4D97-AF65-F5344CB8AC3E}">
-        <p14:creationId xmlns:p14="http://schemas.microsoft.com/office/powerpoint/2010/main" val="1569966224"/>
-      </p:ext>
-    </p:extLst>
-  </p:cSld>
-  <p:clrMapOvr>
-    <a:masterClrMapping/>
-  </p:clrMapOvr>
-</p:sld>
-</file>
-
-<file path=ppt/slides/slide11.xml><?xml version="1.0" encoding="utf-8"?>
 <p:sld xmlns:a="http://schemas.openxmlformats.org/drawingml/2006/main" xmlns:r="http://schemas.openxmlformats.org/officeDocument/2006/relationships" xmlns:p="http://schemas.openxmlformats.org/presentationml/2006/main">
   <p:cSld>
     <p:spTree>
@@ -4742,7 +4271,7 @@
           <a:p>
             <a:fld id="{7D34BB6B-1E1A-9541-9560-488905BF54FF}" type="slidenum">
               <a:rPr kumimoji="1" lang="ja-JP" altLang="en-US" smtClean="0"/>
-              <a:t>10</a:t>
+              <a:t>9</a:t>
             </a:fld>
             <a:endParaRPr kumimoji="1" lang="ja-JP" altLang="en-US"/>
           </a:p>
@@ -8421,22 +7950,21 @@
             <p:ph type="title"/>
           </p:nvPr>
         </p:nvSpPr>
-        <p:spPr>
-          <a:xfrm>
-            <a:off x="628650" y="138955"/>
-            <a:ext cx="7886700" cy="713227"/>
-          </a:xfrm>
-        </p:spPr>
+        <p:spPr/>
         <p:txBody>
           <a:bodyPr/>
           <a:lstStyle/>
           <a:p>
             <a:r>
-              <a:rPr lang="en-US" altLang="ja-JP" dirty="0" smtClean="0"/>
-              <a:t>5. Test </a:t>
-            </a:r>
-            <a:r>
-              <a:rPr lang="en-US" altLang="ja-JP" dirty="0" err="1" smtClean="0"/>
+              <a:rPr lang="en-US" altLang="ja-JP" dirty="0"/>
+              <a:t>5</a:t>
+            </a:r>
+            <a:r>
+              <a:rPr kumimoji="1" lang="en-US" altLang="ja-JP" dirty="0" smtClean="0"/>
+              <a:t>. Test </a:t>
+            </a:r>
+            <a:r>
+              <a:rPr kumimoji="1" lang="en-US" altLang="ja-JP" dirty="0" err="1" smtClean="0"/>
               <a:t>JSindo</a:t>
             </a:r>
             <a:endParaRPr kumimoji="1" lang="ja-JP" altLang="en-US" dirty="0"/>
@@ -8451,8 +7979,8 @@
         </p:nvSpPr>
         <p:spPr>
           <a:xfrm>
-            <a:off x="771117" y="807953"/>
-            <a:ext cx="7615237" cy="5632311"/>
+            <a:off x="322815" y="3960190"/>
+            <a:ext cx="4842309" cy="1477328"/>
           </a:xfrm>
           <a:prstGeom prst="rect">
             <a:avLst/>
@@ -8465,182 +7993,88 @@
           </a:bodyPr>
           <a:lstStyle/>
           <a:p>
+            <a:r>
+              <a:rPr lang="en-US" altLang="ja-JP" dirty="0" smtClean="0"/>
+              <a:t>With </a:t>
+            </a:r>
+            <a:r>
+              <a:rPr lang="en-US" altLang="ja-JP" smtClean="0"/>
+              <a:t>this command, you </a:t>
+            </a:r>
+            <a:r>
+              <a:rPr lang="en-US" altLang="ja-JP" dirty="0" smtClean="0"/>
+              <a:t>should see a control panel of </a:t>
+            </a:r>
+            <a:r>
+              <a:rPr lang="en-US" altLang="ja-JP" dirty="0" err="1" smtClean="0"/>
+              <a:t>JSindo</a:t>
+            </a:r>
+            <a:r>
+              <a:rPr lang="en-US" altLang="ja-JP" dirty="0" smtClean="0"/>
+              <a:t>.</a:t>
+            </a:r>
+          </a:p>
+          <a:p>
+            <a:endParaRPr lang="en-US" altLang="ja-JP" dirty="0" smtClean="0"/>
+          </a:p>
+          <a:p>
             <a:pPr lvl="1"/>
             <a:r>
               <a:rPr lang="en-US" altLang="ja-JP" dirty="0" smtClean="0"/>
-              <a:t>Use the following command:</a:t>
-            </a:r>
-          </a:p>
-          <a:p>
-            <a:pPr lvl="1"/>
-            <a:endParaRPr lang="en-US" altLang="ja-JP" dirty="0" smtClean="0"/>
-          </a:p>
-          <a:p>
-            <a:pPr lvl="1"/>
-            <a:endParaRPr lang="en-US" altLang="ja-JP" dirty="0" smtClean="0"/>
-          </a:p>
-          <a:p>
-            <a:pPr lvl="1"/>
-            <a:endParaRPr lang="en-US" altLang="ja-JP" dirty="0" smtClean="0"/>
-          </a:p>
-          <a:p>
-            <a:pPr marL="342900" indent="-342900">
-              <a:buFont typeface="+mj-lt"/>
-              <a:buAutoNum type="arabicPeriod"/>
-            </a:pPr>
-            <a:r>
-              <a:rPr lang="en-US" altLang="ja-JP" dirty="0" smtClean="0">
-                <a:solidFill>
-                  <a:srgbClr val="FF0000"/>
-                </a:solidFill>
-              </a:rPr>
-              <a:t>I cannot or don’t want to copy </a:t>
-            </a:r>
-            <a:r>
-              <a:rPr lang="en-US" altLang="ja-JP" dirty="0" err="1" smtClean="0">
-                <a:solidFill>
-                  <a:srgbClr val="FF0000"/>
-                </a:solidFill>
-              </a:rPr>
-              <a:t>jarfiles</a:t>
-            </a:r>
-            <a:r>
-              <a:rPr lang="en-US" altLang="ja-JP" dirty="0" smtClean="0">
-                <a:solidFill>
-                  <a:srgbClr val="FF0000"/>
-                </a:solidFill>
-              </a:rPr>
-              <a:t> into an extension folder.</a:t>
-            </a:r>
-          </a:p>
-          <a:p>
-            <a:pPr lvl="1"/>
+              <a:t>If </a:t>
+            </a:r>
+            <a:r>
+              <a:rPr lang="en-US" altLang="ja-JP" dirty="0"/>
+              <a:t>you don’t see </a:t>
+            </a:r>
             <a:r>
               <a:rPr lang="en-US" altLang="ja-JP" dirty="0" smtClean="0"/>
-              <a:t>Specify all </a:t>
-            </a:r>
-            <a:r>
-              <a:rPr lang="en-US" altLang="ja-JP" dirty="0" err="1" smtClean="0"/>
-              <a:t>jarfiles</a:t>
+              <a:t>the </a:t>
+            </a:r>
+            <a:r>
+              <a:rPr lang="en-US" altLang="ja-JP" dirty="0"/>
+              <a:t>panel, review the installation of </a:t>
             </a:r>
             <a:r>
               <a:rPr lang="en-US" altLang="ja-JP" dirty="0" smtClean="0"/>
-              <a:t> using “:” as a separator, </a:t>
-            </a:r>
-            <a:endParaRPr lang="en-US" altLang="ja-JP" dirty="0"/>
-          </a:p>
-          <a:p>
-            <a:pPr lvl="1"/>
-            <a:endParaRPr lang="en-US" altLang="ja-JP" dirty="0" smtClean="0"/>
-          </a:p>
-          <a:p>
-            <a:pPr lvl="1"/>
-            <a:endParaRPr lang="en-US" altLang="ja-JP" dirty="0"/>
-          </a:p>
-          <a:p>
-            <a:pPr lvl="1"/>
-            <a:endParaRPr lang="en-US" altLang="ja-JP" dirty="0" smtClean="0"/>
-          </a:p>
-          <a:p>
-            <a:pPr marL="342900" indent="-342900">
-              <a:buFont typeface="+mj-lt"/>
-              <a:buAutoNum type="arabicPeriod"/>
-            </a:pPr>
-            <a:r>
-              <a:rPr lang="en-US" altLang="ja-JP" dirty="0" smtClean="0">
-                <a:solidFill>
-                  <a:srgbClr val="FF0000"/>
-                </a:solidFill>
-              </a:rPr>
-              <a:t>Is there an alternative to “-</a:t>
-            </a:r>
-            <a:r>
-              <a:rPr lang="en-US" altLang="ja-JP" dirty="0" err="1" smtClean="0">
-                <a:solidFill>
-                  <a:srgbClr val="FF0000"/>
-                </a:solidFill>
-              </a:rPr>
-              <a:t>cp</a:t>
-            </a:r>
-            <a:r>
-              <a:rPr lang="en-US" altLang="ja-JP" dirty="0" smtClean="0">
-                <a:solidFill>
-                  <a:srgbClr val="FF0000"/>
-                </a:solidFill>
-              </a:rPr>
-              <a:t>”? The command is too long.</a:t>
-            </a:r>
-            <a:endParaRPr lang="en-US" altLang="ja-JP" dirty="0"/>
-          </a:p>
-          <a:p>
-            <a:pPr lvl="1"/>
-            <a:r>
-              <a:rPr lang="en-US" altLang="ja-JP" dirty="0" smtClean="0"/>
-              <a:t>The environment variable, CLASSPATH, does the same thing. Set CLASSPATH for all </a:t>
-            </a:r>
-            <a:r>
-              <a:rPr lang="en-US" altLang="ja-JP" dirty="0" err="1" smtClean="0"/>
-              <a:t>jarfiles</a:t>
-            </a:r>
-            <a:r>
-              <a:rPr lang="en-US" altLang="ja-JP" dirty="0" smtClean="0"/>
-              <a:t>, </a:t>
-            </a:r>
-          </a:p>
-          <a:p>
-            <a:pPr lvl="1"/>
-            <a:endParaRPr lang="en-US" altLang="ja-JP" dirty="0"/>
-          </a:p>
-          <a:p>
-            <a:pPr lvl="1"/>
-            <a:endParaRPr lang="en-US" altLang="ja-JP" dirty="0" smtClean="0"/>
-          </a:p>
-          <a:p>
-            <a:pPr lvl="1"/>
-            <a:endParaRPr lang="en-US" altLang="ja-JP" dirty="0"/>
-          </a:p>
-          <a:p>
-            <a:pPr lvl="1"/>
-            <a:r>
-              <a:rPr lang="en-US" altLang="ja-JP" dirty="0" smtClean="0"/>
-              <a:t>Then, you can start simply by,</a:t>
-            </a:r>
-          </a:p>
-          <a:p>
-            <a:pPr lvl="1"/>
-            <a:endParaRPr lang="en-US" altLang="ja-JP" dirty="0"/>
-          </a:p>
-          <a:p>
-            <a:pPr lvl="1"/>
-            <a:endParaRPr lang="en-US" altLang="ja-JP" dirty="0" smtClean="0"/>
-          </a:p>
-          <a:p>
-            <a:pPr lvl="1"/>
-            <a:r>
-              <a:rPr lang="en-US" altLang="ja-JP" dirty="0" smtClean="0"/>
-              <a:t>I save the setting to ~/.</a:t>
-            </a:r>
-            <a:r>
-              <a:rPr lang="en-US" altLang="ja-JP" dirty="0" err="1" smtClean="0"/>
-              <a:t>bashrc</a:t>
-            </a:r>
-            <a:r>
-              <a:rPr lang="en-US" altLang="ja-JP" dirty="0" smtClean="0"/>
-              <a:t>, so that the CLASSPATH is configured upon login.</a:t>
-            </a:r>
-          </a:p>
-        </p:txBody>
-      </p:sp>
-      <p:sp>
-        <p:nvSpPr>
-          <p:cNvPr id="9" name="テキスト ボックス 8"/>
+              <a:t>Java. </a:t>
+            </a:r>
+          </a:p>
+        </p:txBody>
+      </p:sp>
+      <p:sp>
+        <p:nvSpPr>
+          <p:cNvPr id="6" name="スライド番号プレースホルダー 5"/>
+          <p:cNvSpPr>
+            <a:spLocks noGrp="1"/>
+          </p:cNvSpPr>
+          <p:nvPr>
+            <p:ph type="sldNum" sz="quarter" idx="12"/>
+          </p:nvPr>
+        </p:nvSpPr>
+        <p:spPr/>
+        <p:txBody>
+          <a:bodyPr/>
+          <a:lstStyle/>
+          <a:p>
+            <a:fld id="{7D34BB6B-1E1A-9541-9560-488905BF54FF}" type="slidenum">
+              <a:rPr kumimoji="1" lang="ja-JP" altLang="en-US" smtClean="0"/>
+              <a:t>7</a:t>
+            </a:fld>
+            <a:endParaRPr kumimoji="1" lang="ja-JP" altLang="en-US"/>
+          </a:p>
+        </p:txBody>
+      </p:sp>
+      <p:sp>
+        <p:nvSpPr>
+          <p:cNvPr id="14" name="テキスト ボックス 13"/>
           <p:cNvSpPr txBox="1"/>
           <p:nvPr/>
         </p:nvSpPr>
         <p:spPr>
           <a:xfrm>
-            <a:off x="1703820" y="2848838"/>
-            <a:ext cx="5484194" cy="276999"/>
+            <a:off x="1284172" y="1467882"/>
+            <a:ext cx="3903633" cy="276999"/>
           </a:xfrm>
           <a:prstGeom prst="rect">
             <a:avLst/>
@@ -8680,23 +8114,7 @@
                 <a:ea typeface="Courier" charset="0"/>
                 <a:cs typeface="Courier" charset="0"/>
               </a:rPr>
-              <a:t> JSindo-4.0_xxxxxx.jar:</a:t>
-            </a:r>
-            <a:r>
-              <a:rPr lang="is-IS" altLang="ja-JP" sz="1200" dirty="0" smtClean="0">
-                <a:latin typeface="Courier" charset="0"/>
-                <a:ea typeface="Courier" charset="0"/>
-                <a:cs typeface="Courier" charset="0"/>
-              </a:rPr>
-              <a:t>Jama-1.0.3.jar:...</a:t>
-            </a:r>
-            <a:r>
-              <a:rPr kumimoji="1" lang="en-US" altLang="ja-JP" sz="1200" dirty="0" smtClean="0">
-                <a:latin typeface="Courier" charset="0"/>
-                <a:ea typeface="Courier" charset="0"/>
-                <a:cs typeface="Courier" charset="0"/>
-              </a:rPr>
-              <a:t> </a:t>
+              <a:t> /path/to/JSindo-4.0.jar </a:t>
             </a:r>
             <a:r>
               <a:rPr kumimoji="1" lang="en-US" altLang="ja-JP" sz="1200" dirty="0" err="1" smtClean="0">
@@ -8716,14 +8134,52 @@
       </p:sp>
       <p:sp>
         <p:nvSpPr>
-          <p:cNvPr id="10" name="テキスト ボックス 9"/>
+          <p:cNvPr id="7" name="テキスト ボックス 6"/>
           <p:cNvSpPr txBox="1"/>
           <p:nvPr/>
         </p:nvSpPr>
         <p:spPr>
           <a:xfrm>
-            <a:off x="1691945" y="4551417"/>
-            <a:ext cx="5949064" cy="646331"/>
+            <a:off x="308921" y="1000897"/>
+            <a:ext cx="4528099" cy="369332"/>
+          </a:xfrm>
+          <a:prstGeom prst="rect">
+            <a:avLst/>
+          </a:prstGeom>
+          <a:noFill/>
+        </p:spPr>
+        <p:txBody>
+          <a:bodyPr wrap="none" rtlCol="0">
+            <a:spAutoFit/>
+          </a:bodyPr>
+          <a:lstStyle/>
+          <a:p>
+            <a:r>
+              <a:rPr lang="en-US" altLang="ja-JP" dirty="0" smtClean="0"/>
+              <a:t>Type the following command to invoke </a:t>
+            </a:r>
+            <a:r>
+              <a:rPr lang="en-US" altLang="ja-JP" dirty="0" err="1" smtClean="0"/>
+              <a:t>JSindo</a:t>
+            </a:r>
+            <a:r>
+              <a:rPr lang="en-US" altLang="ja-JP" dirty="0" smtClean="0"/>
+              <a:t>:</a:t>
+            </a:r>
+            <a:endParaRPr kumimoji="1" lang="ja-JP" altLang="en-US" dirty="0"/>
+          </a:p>
+        </p:txBody>
+      </p:sp>
+      <p:sp>
+        <p:nvSpPr>
+          <p:cNvPr id="16" name="テキスト ボックス 15"/>
+          <p:cNvSpPr txBox="1"/>
+          <p:nvPr/>
+        </p:nvSpPr>
+        <p:spPr>
+          <a:xfrm>
+            <a:off x="1259458" y="2463125"/>
+            <a:ext cx="5298245" cy="276999"/>
           </a:xfrm>
           <a:prstGeom prst="rect">
             <a:avLst/>
@@ -8763,63 +8219,20 @@
                 <a:ea typeface="Courier" charset="0"/>
                 <a:cs typeface="Courier" charset="0"/>
               </a:rPr>
-              <a:t>}:/path/to/JSindo-4.0_xxxxxx.jar</a:t>
-            </a:r>
-          </a:p>
-          <a:p>
-            <a:r>
-              <a:rPr lang="en-US" altLang="ja-JP" sz="1200" dirty="0" smtClean="0">
-                <a:latin typeface="Courier" charset="0"/>
-                <a:ea typeface="Courier" charset="0"/>
-                <a:cs typeface="Courier" charset="0"/>
-              </a:rPr>
-              <a:t>&gt; export CLASSPATH=${CLASSPATH}:/path/to/Jama-1.0.3.jar</a:t>
-            </a:r>
-          </a:p>
-          <a:p>
-            <a:r>
-              <a:rPr lang="en-US" altLang="ja-JP" sz="1200" dirty="0" smtClean="0">
-                <a:latin typeface="Courier" charset="0"/>
-                <a:ea typeface="Courier" charset="0"/>
-                <a:cs typeface="Courier" charset="0"/>
-              </a:rPr>
-              <a:t>...</a:t>
-            </a:r>
-          </a:p>
-        </p:txBody>
-      </p:sp>
-      <p:sp>
-        <p:nvSpPr>
-          <p:cNvPr id="3" name="スライド番号プレースホルダー 2"/>
-          <p:cNvSpPr>
-            <a:spLocks noGrp="1"/>
-          </p:cNvSpPr>
-          <p:nvPr>
-            <p:ph type="sldNum" sz="quarter" idx="12"/>
-          </p:nvPr>
-        </p:nvSpPr>
-        <p:spPr/>
-        <p:txBody>
-          <a:bodyPr/>
-          <a:lstStyle/>
-          <a:p>
-            <a:fld id="{7D34BB6B-1E1A-9541-9560-488905BF54FF}" type="slidenum">
-              <a:rPr kumimoji="1" lang="ja-JP" altLang="en-US" smtClean="0"/>
-              <a:t>7</a:t>
-            </a:fld>
-            <a:endParaRPr kumimoji="1" lang="ja-JP" altLang="en-US"/>
-          </a:p>
-        </p:txBody>
-      </p:sp>
-      <p:sp>
-        <p:nvSpPr>
-          <p:cNvPr id="11" name="テキスト ボックス 10"/>
+              <a:t>}:/path/to/JSindo-4.0.jar</a:t>
+            </a:r>
+          </a:p>
+        </p:txBody>
+      </p:sp>
+      <p:sp>
+        <p:nvSpPr>
+          <p:cNvPr id="18" name="テキスト ボックス 17"/>
           <p:cNvSpPr txBox="1"/>
           <p:nvPr/>
         </p:nvSpPr>
         <p:spPr>
           <a:xfrm>
-            <a:off x="1703820" y="5657681"/>
+            <a:off x="1271333" y="3309897"/>
             <a:ext cx="1393330" cy="276999"/>
           </a:xfrm>
           <a:prstGeom prst="rect">
@@ -8870,10 +8283,125 @@
           </a:p>
         </p:txBody>
       </p:sp>
+      <p:sp>
+        <p:nvSpPr>
+          <p:cNvPr id="8" name="テキスト ボックス 7"/>
+          <p:cNvSpPr txBox="1"/>
+          <p:nvPr/>
+        </p:nvSpPr>
+        <p:spPr>
+          <a:xfrm>
+            <a:off x="383059" y="2001795"/>
+            <a:ext cx="5185843" cy="369332"/>
+          </a:xfrm>
+          <a:prstGeom prst="rect">
+            <a:avLst/>
+          </a:prstGeom>
+          <a:noFill/>
+        </p:spPr>
+        <p:txBody>
+          <a:bodyPr wrap="none" rtlCol="0">
+            <a:spAutoFit/>
+          </a:bodyPr>
+          <a:lstStyle/>
+          <a:p>
+            <a:r>
+              <a:rPr kumimoji="1" lang="en-US" altLang="ja-JP" dirty="0" smtClean="0"/>
+              <a:t>Alternately, you may add in your ~/.</a:t>
+            </a:r>
+            <a:r>
+              <a:rPr kumimoji="1" lang="en-US" altLang="ja-JP" dirty="0" err="1" smtClean="0"/>
+              <a:t>bashrc</a:t>
+            </a:r>
+            <a:r>
+              <a:rPr kumimoji="1" lang="en-US" altLang="ja-JP" dirty="0" smtClean="0"/>
+              <a:t> as before, </a:t>
+            </a:r>
+            <a:endParaRPr kumimoji="1" lang="ja-JP" altLang="en-US" dirty="0"/>
+          </a:p>
+        </p:txBody>
+      </p:sp>
+      <p:sp>
+        <p:nvSpPr>
+          <p:cNvPr id="20" name="テキスト ボックス 19"/>
+          <p:cNvSpPr txBox="1"/>
+          <p:nvPr/>
+        </p:nvSpPr>
+        <p:spPr>
+          <a:xfrm>
+            <a:off x="383059" y="2866767"/>
+            <a:ext cx="2953244" cy="369332"/>
+          </a:xfrm>
+          <a:prstGeom prst="rect">
+            <a:avLst/>
+          </a:prstGeom>
+          <a:noFill/>
+        </p:spPr>
+        <p:txBody>
+          <a:bodyPr wrap="none" rtlCol="0">
+            <a:spAutoFit/>
+          </a:bodyPr>
+          <a:lstStyle/>
+          <a:p>
+            <a:r>
+              <a:rPr kumimoji="1" lang="en-US" altLang="ja-JP" dirty="0" smtClean="0"/>
+              <a:t>Then, you can simply start by,</a:t>
+            </a:r>
+            <a:endParaRPr kumimoji="1" lang="ja-JP" altLang="en-US" dirty="0"/>
+          </a:p>
+        </p:txBody>
+      </p:sp>
+      <p:pic>
+        <p:nvPicPr>
+          <p:cNvPr id="21" name="図 9"/>
+          <p:cNvPicPr>
+            <a:picLocks noChangeAspect="1"/>
+          </p:cNvPicPr>
+          <p:nvPr/>
+        </p:nvPicPr>
+        <p:blipFill rotWithShape="1">
+          <a:blip r:embed="rId3">
+            <a:extLst>
+              <a:ext uri="{28A0092B-C50C-407E-A947-70E740481C1C}">
+                <a14:useLocalDpi xmlns:a14="http://schemas.microsoft.com/office/drawing/2010/main" val="0"/>
+              </a:ext>
+            </a:extLst>
+          </a:blip>
+          <a:srcRect b="1168"/>
+          <a:stretch/>
+        </p:blipFill>
+        <p:spPr bwMode="auto">
+          <a:xfrm>
+            <a:off x="5196205" y="3989498"/>
+            <a:ext cx="3404900" cy="1268257"/>
+          </a:xfrm>
+          <a:prstGeom prst="rect">
+            <a:avLst/>
+          </a:prstGeom>
+          <a:noFill/>
+          <a:ln w="9525">
+            <a:solidFill>
+              <a:srgbClr val="000000"/>
+            </a:solidFill>
+            <a:miter lim="800000"/>
+            <a:headEnd/>
+            <a:tailEnd/>
+          </a:ln>
+          <a:extLst>
+            <a:ext uri="{909E8E84-426E-40DD-AFC4-6F175D3DCCD1}">
+              <a14:hiddenFill xmlns:a14="http://schemas.microsoft.com/office/drawing/2010/main">
+                <a:solidFill>
+                  <a:srgbClr val="FFFFFF"/>
+                </a:solidFill>
+              </a14:hiddenFill>
+            </a:ext>
+          </a:extLst>
+        </p:spPr>
+      </p:pic>
     </p:spTree>
     <p:extLst>
       <p:ext uri="{BB962C8B-B14F-4D97-AF65-F5344CB8AC3E}">
-        <p14:creationId xmlns:p14="http://schemas.microsoft.com/office/powerpoint/2010/main" val="917103730"/>
+        <p14:creationId xmlns:p14="http://schemas.microsoft.com/office/powerpoint/2010/main" val="1655778384"/>
       </p:ext>
     </p:extLst>
   </p:cSld>
@@ -8902,109 +8430,7 @@
       </p:grpSpPr>
       <p:sp>
         <p:nvSpPr>
-          <p:cNvPr id="2" name="タイトル 1"/>
-          <p:cNvSpPr>
-            <a:spLocks noGrp="1"/>
-          </p:cNvSpPr>
-          <p:nvPr>
-            <p:ph type="title"/>
-          </p:nvPr>
-        </p:nvSpPr>
-        <p:spPr/>
-        <p:txBody>
-          <a:bodyPr/>
-          <a:lstStyle/>
-          <a:p>
-            <a:r>
-              <a:rPr lang="en-US" altLang="ja-JP" dirty="0"/>
-              <a:t>5</a:t>
-            </a:r>
-            <a:r>
-              <a:rPr kumimoji="1" lang="en-US" altLang="ja-JP" dirty="0" smtClean="0"/>
-              <a:t>. Test </a:t>
-            </a:r>
-            <a:r>
-              <a:rPr kumimoji="1" lang="en-US" altLang="ja-JP" dirty="0" err="1" smtClean="0"/>
-              <a:t>JSindo</a:t>
-            </a:r>
-            <a:endParaRPr kumimoji="1" lang="ja-JP" altLang="en-US" dirty="0"/>
-          </a:p>
-        </p:txBody>
-      </p:sp>
-      <p:sp>
-        <p:nvSpPr>
-          <p:cNvPr id="4" name="テキスト ボックス 3"/>
-          <p:cNvSpPr txBox="1"/>
-          <p:nvPr/>
-        </p:nvSpPr>
-        <p:spPr>
-          <a:xfrm>
-            <a:off x="322815" y="3960190"/>
-            <a:ext cx="4842309" cy="1477328"/>
-          </a:xfrm>
-          <a:prstGeom prst="rect">
-            <a:avLst/>
-          </a:prstGeom>
-          <a:noFill/>
-        </p:spPr>
-        <p:txBody>
-          <a:bodyPr wrap="square" rtlCol="0">
-            <a:spAutoFit/>
-          </a:bodyPr>
-          <a:lstStyle/>
-          <a:p>
-            <a:r>
-              <a:rPr lang="en-US" altLang="ja-JP" dirty="0" smtClean="0"/>
-              <a:t>With </a:t>
-            </a:r>
-            <a:r>
-              <a:rPr lang="en-US" altLang="ja-JP" smtClean="0"/>
-              <a:t>this command, you </a:t>
-            </a:r>
-            <a:r>
-              <a:rPr lang="en-US" altLang="ja-JP" dirty="0" smtClean="0"/>
-              <a:t>should see a control panel of </a:t>
-            </a:r>
-            <a:r>
-              <a:rPr lang="en-US" altLang="ja-JP" dirty="0" err="1" smtClean="0"/>
-              <a:t>JSindo</a:t>
-            </a:r>
-            <a:r>
-              <a:rPr lang="en-US" altLang="ja-JP" dirty="0" smtClean="0"/>
-              <a:t>.</a:t>
-            </a:r>
-          </a:p>
-          <a:p>
-            <a:endParaRPr lang="en-US" altLang="ja-JP" dirty="0" smtClean="0"/>
-          </a:p>
-          <a:p>
-            <a:pPr lvl="1"/>
-            <a:r>
-              <a:rPr lang="en-US" altLang="ja-JP" dirty="0" smtClean="0"/>
-              <a:t>If </a:t>
-            </a:r>
-            <a:r>
-              <a:rPr lang="en-US" altLang="ja-JP" dirty="0"/>
-              <a:t>you don’t see </a:t>
-            </a:r>
-            <a:r>
-              <a:rPr lang="en-US" altLang="ja-JP" dirty="0" smtClean="0"/>
-              <a:t>the </a:t>
-            </a:r>
-            <a:r>
-              <a:rPr lang="en-US" altLang="ja-JP" dirty="0"/>
-              <a:t>panel, review the installation of </a:t>
-            </a:r>
-            <a:r>
-              <a:rPr lang="en-US" altLang="ja-JP" dirty="0" smtClean="0"/>
-              <a:t>Java. </a:t>
-            </a:r>
-          </a:p>
-        </p:txBody>
-      </p:sp>
-      <p:sp>
-        <p:nvSpPr>
-          <p:cNvPr id="6" name="スライド番号プレースホルダー 5"/>
+          <p:cNvPr id="3" name="スライド番号プレースホルダー 2"/>
           <p:cNvSpPr>
             <a:spLocks noGrp="1"/>
           </p:cNvSpPr>
@@ -9027,300 +8453,86 @@
       </p:sp>
       <p:sp>
         <p:nvSpPr>
-          <p:cNvPr id="14" name="テキスト ボックス 13"/>
+          <p:cNvPr id="4" name="テキスト ボックス 3"/>
           <p:cNvSpPr txBox="1"/>
           <p:nvPr/>
         </p:nvSpPr>
         <p:spPr>
           <a:xfrm>
-            <a:off x="1284172" y="1467882"/>
-            <a:ext cx="3903633" cy="276999"/>
+            <a:off x="322815" y="1278774"/>
+            <a:ext cx="5077859" cy="3139321"/>
           </a:xfrm>
           <a:prstGeom prst="rect">
             <a:avLst/>
           </a:prstGeom>
           <a:noFill/>
-          <a:ln>
-            <a:solidFill>
-              <a:srgbClr val="00B050"/>
-            </a:solidFill>
-          </a:ln>
-        </p:spPr>
-        <p:txBody>
-          <a:bodyPr wrap="none" rtlCol="0">
+        </p:spPr>
+        <p:txBody>
+          <a:bodyPr wrap="square" rtlCol="0">
             <a:spAutoFit/>
           </a:bodyPr>
           <a:lstStyle/>
           <a:p>
             <a:r>
-              <a:rPr kumimoji="1" lang="en-US" altLang="ja-JP" sz="1200" dirty="0" smtClean="0">
-                <a:latin typeface="Courier" charset="0"/>
-                <a:ea typeface="Courier" charset="0"/>
-                <a:cs typeface="Courier" charset="0"/>
-              </a:rPr>
-              <a:t>&gt;java –</a:t>
-            </a:r>
-            <a:r>
-              <a:rPr kumimoji="1" lang="en-US" altLang="ja-JP" sz="1200" dirty="0" err="1" smtClean="0">
-                <a:latin typeface="Courier" charset="0"/>
-                <a:ea typeface="Courier" charset="0"/>
-                <a:cs typeface="Courier" charset="0"/>
-              </a:rPr>
-              <a:t>cp</a:t>
-            </a:r>
-            <a:r>
-              <a:rPr kumimoji="1" lang="en-US" altLang="ja-JP" sz="1200" dirty="0" smtClean="0">
-                <a:latin typeface="Courier" charset="0"/>
-                <a:ea typeface="Courier" charset="0"/>
-                <a:cs typeface="Courier" charset="0"/>
-              </a:rPr>
-              <a:t> /path/to/JSindo-4.0.jar </a:t>
-            </a:r>
-            <a:r>
-              <a:rPr kumimoji="1" lang="en-US" altLang="ja-JP" sz="1200" dirty="0" err="1" smtClean="0">
-                <a:latin typeface="Courier" charset="0"/>
-                <a:ea typeface="Courier" charset="0"/>
-                <a:cs typeface="Courier" charset="0"/>
-              </a:rPr>
-              <a:t>JSindo</a:t>
-            </a:r>
-            <a:endParaRPr kumimoji="1" lang="ja-JP" altLang="en-US" sz="1200" dirty="0">
-              <a:latin typeface="Courier" charset="0"/>
-              <a:ea typeface="Courier" charset="0"/>
-              <a:cs typeface="Courier" charset="0"/>
-            </a:endParaRPr>
-          </a:p>
-        </p:txBody>
-      </p:sp>
-      <p:sp>
-        <p:nvSpPr>
-          <p:cNvPr id="7" name="テキスト ボックス 6"/>
-          <p:cNvSpPr txBox="1"/>
-          <p:nvPr/>
-        </p:nvSpPr>
-        <p:spPr>
-          <a:xfrm>
-            <a:off x="308921" y="1000897"/>
-            <a:ext cx="4528099" cy="369332"/>
-          </a:xfrm>
-          <a:prstGeom prst="rect">
-            <a:avLst/>
-          </a:prstGeom>
-          <a:noFill/>
-        </p:spPr>
-        <p:txBody>
-          <a:bodyPr wrap="none" rtlCol="0">
-            <a:spAutoFit/>
-          </a:bodyPr>
-          <a:lstStyle/>
-          <a:p>
-            <a:r>
               <a:rPr lang="en-US" altLang="ja-JP" dirty="0" smtClean="0"/>
-              <a:t>Type the following command to invoke </a:t>
+              <a:t>Let’s open “sample/h2co.minfo”, </a:t>
+            </a:r>
+            <a:r>
+              <a:rPr lang="en-US" altLang="ja-JP" dirty="0"/>
+              <a:t>which comes with this </a:t>
+            </a:r>
+            <a:r>
+              <a:rPr lang="en-US" altLang="ja-JP" dirty="0" smtClean="0"/>
+              <a:t>document. It contains data of formaldehyde.</a:t>
+            </a:r>
+          </a:p>
+          <a:p>
+            <a:endParaRPr lang="en-US" altLang="ja-JP" dirty="0"/>
+          </a:p>
+          <a:p>
+            <a:r>
+              <a:rPr lang="en-US" altLang="ja-JP" dirty="0" smtClean="0"/>
+              <a:t>Click, File -&gt; Open, choose </a:t>
+            </a:r>
+            <a:r>
+              <a:rPr lang="en-US" altLang="ja-JP" dirty="0"/>
+              <a:t>“h2co.minfo</a:t>
+            </a:r>
+            <a:r>
+              <a:rPr lang="en-US" altLang="ja-JP" dirty="0" smtClean="0"/>
+              <a:t>”, and click Open. If you see formaldehyde, you’re done with the first step!</a:t>
+            </a:r>
+          </a:p>
+          <a:p>
+            <a:endParaRPr lang="en-US" altLang="ja-JP" dirty="0" smtClean="0"/>
+          </a:p>
+          <a:p>
+            <a:pPr lvl="1"/>
+            <a:r>
+              <a:rPr lang="en-US" altLang="ja-JP" dirty="0" smtClean="0"/>
+              <a:t>If this step fails, it is highly likely that Java3D has a problem. Double check if the </a:t>
             </a:r>
             <a:r>
               <a:rPr lang="en-US" altLang="ja-JP" dirty="0" err="1" smtClean="0"/>
-              <a:t>JSindo</a:t>
+              <a:t>jarfiles</a:t>
             </a:r>
             <a:r>
               <a:rPr lang="en-US" altLang="ja-JP" dirty="0" smtClean="0"/>
-              <a:t>:</a:t>
-            </a:r>
-            <a:endParaRPr kumimoji="1" lang="ja-JP" altLang="en-US" dirty="0"/>
-          </a:p>
-        </p:txBody>
-      </p:sp>
-      <p:sp>
-        <p:nvSpPr>
-          <p:cNvPr id="16" name="テキスト ボックス 15"/>
-          <p:cNvSpPr txBox="1"/>
-          <p:nvPr/>
-        </p:nvSpPr>
-        <p:spPr>
-          <a:xfrm>
-            <a:off x="1259458" y="2463125"/>
-            <a:ext cx="5298245" cy="276999"/>
-          </a:xfrm>
-          <a:prstGeom prst="rect">
-            <a:avLst/>
-          </a:prstGeom>
-          <a:noFill/>
-          <a:ln>
-            <a:solidFill>
-              <a:srgbClr val="00B050"/>
-            </a:solidFill>
-          </a:ln>
-        </p:spPr>
-        <p:txBody>
-          <a:bodyPr wrap="none" rtlCol="0">
-            <a:spAutoFit/>
-          </a:bodyPr>
-          <a:lstStyle/>
-          <a:p>
-            <a:r>
-              <a:rPr lang="en-US" altLang="ja-JP" sz="1200" dirty="0" smtClean="0">
-                <a:latin typeface="Courier" charset="0"/>
-                <a:ea typeface="Courier" charset="0"/>
-                <a:cs typeface="Courier" charset="0"/>
-              </a:rPr>
-              <a:t>&gt; export </a:t>
-            </a:r>
-            <a:r>
-              <a:rPr lang="en-US" altLang="ja-JP" sz="1200" dirty="0">
-                <a:latin typeface="Courier" charset="0"/>
-                <a:ea typeface="Courier" charset="0"/>
-                <a:cs typeface="Courier" charset="0"/>
-              </a:rPr>
-              <a:t>CLASSPATH=${CLASSPATH</a:t>
-            </a:r>
-            <a:r>
-              <a:rPr lang="en-US" altLang="ja-JP" sz="1200" dirty="0" smtClean="0">
-                <a:latin typeface="Courier" charset="0"/>
-                <a:ea typeface="Courier" charset="0"/>
-                <a:cs typeface="Courier" charset="0"/>
-              </a:rPr>
-              <a:t>}:/path/to/JSindo-4.0.jar</a:t>
-            </a:r>
-          </a:p>
-        </p:txBody>
-      </p:sp>
-      <p:sp>
-        <p:nvSpPr>
-          <p:cNvPr id="18" name="テキスト ボックス 17"/>
-          <p:cNvSpPr txBox="1"/>
-          <p:nvPr/>
-        </p:nvSpPr>
-        <p:spPr>
-          <a:xfrm>
-            <a:off x="1271333" y="3309897"/>
-            <a:ext cx="1393330" cy="276999"/>
-          </a:xfrm>
-          <a:prstGeom prst="rect">
-            <a:avLst/>
-          </a:prstGeom>
-          <a:noFill/>
-          <a:ln>
-            <a:solidFill>
-              <a:srgbClr val="00B050"/>
-            </a:solidFill>
-          </a:ln>
-        </p:spPr>
-        <p:txBody>
-          <a:bodyPr wrap="none" rtlCol="0">
-            <a:spAutoFit/>
-          </a:bodyPr>
-          <a:lstStyle/>
-          <a:p>
-            <a:r>
-              <a:rPr kumimoji="1" lang="en-US" altLang="ja-JP" sz="1200" smtClean="0">
-                <a:latin typeface="Courier" charset="0"/>
-                <a:ea typeface="Courier" charset="0"/>
-                <a:cs typeface="Courier" charset="0"/>
-              </a:rPr>
-              <a:t>&gt; </a:t>
-            </a:r>
-            <a:r>
-              <a:rPr kumimoji="1" lang="en-US" altLang="ja-JP" sz="1200" dirty="0" smtClean="0">
-                <a:latin typeface="Courier" charset="0"/>
-                <a:ea typeface="Courier" charset="0"/>
-                <a:cs typeface="Courier" charset="0"/>
-              </a:rPr>
-              <a:t>java </a:t>
-            </a:r>
-            <a:r>
-              <a:rPr kumimoji="1" lang="en-US" altLang="ja-JP" sz="1200" dirty="0" err="1" smtClean="0">
-                <a:latin typeface="Courier" charset="0"/>
-                <a:ea typeface="Courier" charset="0"/>
-                <a:cs typeface="Courier" charset="0"/>
-              </a:rPr>
-              <a:t>JSindo</a:t>
-            </a:r>
-            <a:endParaRPr kumimoji="1" lang="ja-JP" altLang="en-US" sz="1200" dirty="0">
-              <a:latin typeface="Courier" charset="0"/>
-              <a:ea typeface="Courier" charset="0"/>
-              <a:cs typeface="Courier" charset="0"/>
-            </a:endParaRPr>
-          </a:p>
-        </p:txBody>
-      </p:sp>
-      <p:sp>
-        <p:nvSpPr>
-          <p:cNvPr id="8" name="テキスト ボックス 7"/>
-          <p:cNvSpPr txBox="1"/>
-          <p:nvPr/>
-        </p:nvSpPr>
-        <p:spPr>
-          <a:xfrm>
-            <a:off x="383059" y="2001795"/>
-            <a:ext cx="5185843" cy="369332"/>
-          </a:xfrm>
-          <a:prstGeom prst="rect">
-            <a:avLst/>
-          </a:prstGeom>
-          <a:noFill/>
-        </p:spPr>
-        <p:txBody>
-          <a:bodyPr wrap="none" rtlCol="0">
-            <a:spAutoFit/>
-          </a:bodyPr>
-          <a:lstStyle/>
-          <a:p>
-            <a:r>
-              <a:rPr kumimoji="1" lang="en-US" altLang="ja-JP" dirty="0" smtClean="0"/>
-              <a:t>Alternately, you may add in your ~/.</a:t>
-            </a:r>
-            <a:r>
-              <a:rPr kumimoji="1" lang="en-US" altLang="ja-JP" dirty="0" err="1" smtClean="0"/>
-              <a:t>bashrc</a:t>
-            </a:r>
-            <a:r>
-              <a:rPr kumimoji="1" lang="en-US" altLang="ja-JP" dirty="0" smtClean="0"/>
-              <a:t> as before, </a:t>
-            </a:r>
-            <a:endParaRPr kumimoji="1" lang="ja-JP" altLang="en-US" dirty="0"/>
-          </a:p>
-        </p:txBody>
-      </p:sp>
-      <p:sp>
-        <p:nvSpPr>
-          <p:cNvPr id="20" name="テキスト ボックス 19"/>
-          <p:cNvSpPr txBox="1"/>
-          <p:nvPr/>
-        </p:nvSpPr>
-        <p:spPr>
-          <a:xfrm>
-            <a:off x="383059" y="2866767"/>
-            <a:ext cx="2953244" cy="369332"/>
-          </a:xfrm>
-          <a:prstGeom prst="rect">
-            <a:avLst/>
-          </a:prstGeom>
-          <a:noFill/>
-        </p:spPr>
-        <p:txBody>
-          <a:bodyPr wrap="none" rtlCol="0">
-            <a:spAutoFit/>
-          </a:bodyPr>
-          <a:lstStyle/>
-          <a:p>
-            <a:r>
-              <a:rPr kumimoji="1" lang="en-US" altLang="ja-JP" dirty="0" smtClean="0"/>
-              <a:t>Then, you can simply start by,</a:t>
-            </a:r>
-            <a:endParaRPr kumimoji="1" lang="ja-JP" altLang="en-US" dirty="0"/>
+              <a:t> are set correctly, that is, if the right files are set to CLASSPATH.</a:t>
+            </a:r>
           </a:p>
         </p:txBody>
       </p:sp>
       <p:pic>
         <p:nvPicPr>
-          <p:cNvPr id="21" name="図 9"/>
+          <p:cNvPr id="5" name="図 9"/>
           <p:cNvPicPr>
             <a:picLocks noChangeAspect="1"/>
           </p:cNvPicPr>
           <p:nvPr/>
         </p:nvPicPr>
         <p:blipFill rotWithShape="1">
-          <a:blip r:embed="rId3">
+          <a:blip r:embed="rId2">
             <a:extLst>
               <a:ext uri="{28A0092B-C50C-407E-A947-70E740481C1C}">
                 <a14:useLocalDpi xmlns:a14="http://schemas.microsoft.com/office/drawing/2010/main" val="0"/>
@@ -9332,7 +8544,7 @@
         </p:blipFill>
         <p:spPr bwMode="auto">
           <a:xfrm>
-            <a:off x="5196205" y="3989498"/>
+            <a:off x="5393913" y="566675"/>
             <a:ext cx="3404900" cy="1268257"/>
           </a:xfrm>
           <a:prstGeom prst="rect">
@@ -9358,10 +8570,304 @@
           </a:extLst>
         </p:spPr>
       </p:pic>
+      <p:cxnSp>
+        <p:nvCxnSpPr>
+          <p:cNvPr id="6" name="直線矢印コネクタ 5"/>
+          <p:cNvCxnSpPr/>
+          <p:nvPr/>
+        </p:nvCxnSpPr>
+        <p:spPr>
+          <a:xfrm>
+            <a:off x="5550185" y="908628"/>
+            <a:ext cx="0" cy="1278485"/>
+          </a:xfrm>
+          <a:prstGeom prst="straightConnector1">
+            <a:avLst/>
+          </a:prstGeom>
+          <a:ln w="28575">
+            <a:solidFill>
+              <a:srgbClr val="00B050"/>
+            </a:solidFill>
+            <a:tailEnd type="triangle"/>
+          </a:ln>
+        </p:spPr>
+        <p:style>
+          <a:lnRef idx="1">
+            <a:schemeClr val="accent1"/>
+          </a:lnRef>
+          <a:fillRef idx="0">
+            <a:schemeClr val="accent1"/>
+          </a:fillRef>
+          <a:effectRef idx="0">
+            <a:schemeClr val="accent1"/>
+          </a:effectRef>
+          <a:fontRef idx="minor">
+            <a:schemeClr val="tx1"/>
+          </a:fontRef>
+        </p:style>
+      </p:cxnSp>
+      <p:sp>
+        <p:nvSpPr>
+          <p:cNvPr id="7" name="テキスト ボックス 6"/>
+          <p:cNvSpPr txBox="1"/>
+          <p:nvPr/>
+        </p:nvSpPr>
+        <p:spPr>
+          <a:xfrm>
+            <a:off x="5597499" y="926181"/>
+            <a:ext cx="696024" cy="369332"/>
+          </a:xfrm>
+          <a:prstGeom prst="rect">
+            <a:avLst/>
+          </a:prstGeom>
+          <a:noFill/>
+        </p:spPr>
+        <p:txBody>
+          <a:bodyPr wrap="none" rtlCol="0">
+            <a:spAutoFit/>
+          </a:bodyPr>
+          <a:lstStyle/>
+          <a:p>
+            <a:r>
+              <a:rPr kumimoji="1" lang="en-US" altLang="ja-JP" dirty="0" smtClean="0"/>
+              <a:t>Open</a:t>
+            </a:r>
+            <a:endParaRPr kumimoji="1" lang="ja-JP" altLang="en-US" dirty="0"/>
+          </a:p>
+        </p:txBody>
+      </p:sp>
+      <p:pic>
+        <p:nvPicPr>
+          <p:cNvPr id="8" name="図 7"/>
+          <p:cNvPicPr>
+            <a:picLocks noChangeAspect="1"/>
+          </p:cNvPicPr>
+          <p:nvPr/>
+        </p:nvPicPr>
+        <p:blipFill rotWithShape="1">
+          <a:blip r:embed="rId3">
+            <a:extLst>
+              <a:ext uri="{28A0092B-C50C-407E-A947-70E740481C1C}">
+                <a14:useLocalDpi xmlns:a14="http://schemas.microsoft.com/office/drawing/2010/main" val="0"/>
+              </a:ext>
+            </a:extLst>
+          </a:blip>
+          <a:srcRect l="9182" t="7774" r="8854" b="19884"/>
+          <a:stretch/>
+        </p:blipFill>
+        <p:spPr>
+          <a:xfrm>
+            <a:off x="5481037" y="2273999"/>
+            <a:ext cx="2379121" cy="1328104"/>
+          </a:xfrm>
+          <a:prstGeom prst="rect">
+            <a:avLst/>
+          </a:prstGeom>
+          <a:ln>
+            <a:solidFill>
+              <a:schemeClr val="accent1"/>
+            </a:solidFill>
+          </a:ln>
+        </p:spPr>
+      </p:pic>
+      <p:sp>
+        <p:nvSpPr>
+          <p:cNvPr id="9" name="正方形/長方形 8"/>
+          <p:cNvSpPr/>
+          <p:nvPr/>
+        </p:nvSpPr>
+        <p:spPr>
+          <a:xfrm>
+            <a:off x="5527220" y="2635602"/>
+            <a:ext cx="480188" cy="141777"/>
+          </a:xfrm>
+          <a:prstGeom prst="rect">
+            <a:avLst/>
+          </a:prstGeom>
+          <a:noFill/>
+          <a:ln w="28575">
+            <a:solidFill>
+              <a:srgbClr val="00B050"/>
+            </a:solidFill>
+            <a:prstDash val="sysDash"/>
+          </a:ln>
+        </p:spPr>
+        <p:style>
+          <a:lnRef idx="2">
+            <a:schemeClr val="accent1">
+              <a:shade val="50000"/>
+            </a:schemeClr>
+          </a:lnRef>
+          <a:fillRef idx="1">
+            <a:schemeClr val="accent1"/>
+          </a:fillRef>
+          <a:effectRef idx="0">
+            <a:schemeClr val="accent1"/>
+          </a:effectRef>
+          <a:fontRef idx="minor">
+            <a:schemeClr val="lt1"/>
+          </a:fontRef>
+        </p:style>
+        <p:txBody>
+          <a:bodyPr rtlCol="0" anchor="ctr"/>
+          <a:lstStyle/>
+          <a:p>
+            <a:pPr algn="ctr"/>
+            <a:endParaRPr kumimoji="1" lang="ja-JP" altLang="en-US"/>
+          </a:p>
+        </p:txBody>
+      </p:sp>
+      <p:cxnSp>
+        <p:nvCxnSpPr>
+          <p:cNvPr id="10" name="直線矢印コネクタ 9"/>
+          <p:cNvCxnSpPr/>
+          <p:nvPr/>
+        </p:nvCxnSpPr>
+        <p:spPr>
+          <a:xfrm>
+            <a:off x="7578899" y="3575522"/>
+            <a:ext cx="7181" cy="323779"/>
+          </a:xfrm>
+          <a:prstGeom prst="straightConnector1">
+            <a:avLst/>
+          </a:prstGeom>
+          <a:ln w="28575">
+            <a:solidFill>
+              <a:srgbClr val="00B050"/>
+            </a:solidFill>
+            <a:tailEnd type="triangle"/>
+          </a:ln>
+        </p:spPr>
+        <p:style>
+          <a:lnRef idx="1">
+            <a:schemeClr val="accent1"/>
+          </a:lnRef>
+          <a:fillRef idx="0">
+            <a:schemeClr val="accent1"/>
+          </a:fillRef>
+          <a:effectRef idx="0">
+            <a:schemeClr val="accent1"/>
+          </a:effectRef>
+          <a:fontRef idx="minor">
+            <a:schemeClr val="tx1"/>
+          </a:fontRef>
+        </p:style>
+      </p:cxnSp>
+      <p:sp>
+        <p:nvSpPr>
+          <p:cNvPr id="11" name="テキスト ボックス 10"/>
+          <p:cNvSpPr txBox="1"/>
+          <p:nvPr/>
+        </p:nvSpPr>
+        <p:spPr>
+          <a:xfrm>
+            <a:off x="5939447" y="2713997"/>
+            <a:ext cx="1094124" cy="258837"/>
+          </a:xfrm>
+          <a:prstGeom prst="rect">
+            <a:avLst/>
+          </a:prstGeom>
+          <a:noFill/>
+        </p:spPr>
+        <p:txBody>
+          <a:bodyPr wrap="none" rtlCol="0">
+            <a:spAutoFit/>
+          </a:bodyPr>
+          <a:lstStyle/>
+          <a:p>
+            <a:r>
+              <a:rPr kumimoji="1" lang="en-US" altLang="ja-JP" dirty="0" smtClean="0"/>
+              <a:t>click to choose</a:t>
+            </a:r>
+            <a:endParaRPr kumimoji="1" lang="ja-JP" altLang="en-US" dirty="0"/>
+          </a:p>
+        </p:txBody>
+      </p:sp>
+      <p:sp>
+        <p:nvSpPr>
+          <p:cNvPr id="12" name="正方形/長方形 11"/>
+          <p:cNvSpPr/>
+          <p:nvPr/>
+        </p:nvSpPr>
+        <p:spPr>
+          <a:xfrm>
+            <a:off x="7395430" y="3396592"/>
+            <a:ext cx="391620" cy="150819"/>
+          </a:xfrm>
+          <a:prstGeom prst="rect">
+            <a:avLst/>
+          </a:prstGeom>
+          <a:noFill/>
+          <a:ln w="28575">
+            <a:solidFill>
+              <a:srgbClr val="00B050"/>
+            </a:solidFill>
+            <a:prstDash val="sysDash"/>
+          </a:ln>
+        </p:spPr>
+        <p:style>
+          <a:lnRef idx="2">
+            <a:schemeClr val="accent1">
+              <a:shade val="50000"/>
+            </a:schemeClr>
+          </a:lnRef>
+          <a:fillRef idx="1">
+            <a:schemeClr val="accent1"/>
+          </a:fillRef>
+          <a:effectRef idx="0">
+            <a:schemeClr val="accent1"/>
+          </a:effectRef>
+          <a:fontRef idx="minor">
+            <a:schemeClr val="lt1"/>
+          </a:fontRef>
+        </p:style>
+        <p:txBody>
+          <a:bodyPr rtlCol="0" anchor="ctr"/>
+          <a:lstStyle/>
+          <a:p>
+            <a:pPr algn="ctr"/>
+            <a:endParaRPr kumimoji="1" lang="ja-JP" altLang="en-US"/>
+          </a:p>
+        </p:txBody>
+      </p:sp>
+      <p:pic>
+        <p:nvPicPr>
+          <p:cNvPr id="13" name="図 12"/>
+          <p:cNvPicPr>
+            <a:picLocks noChangeAspect="1"/>
+          </p:cNvPicPr>
+          <p:nvPr/>
+        </p:nvPicPr>
+        <p:blipFill rotWithShape="1">
+          <a:blip r:embed="rId4">
+            <a:extLst>
+              <a:ext uri="{28A0092B-C50C-407E-A947-70E740481C1C}">
+                <a14:useLocalDpi xmlns:a14="http://schemas.microsoft.com/office/drawing/2010/main" val="0"/>
+              </a:ext>
+            </a:extLst>
+          </a:blip>
+          <a:srcRect l="9606" t="5208" r="9167" b="14212"/>
+          <a:stretch/>
+        </p:blipFill>
+        <p:spPr>
+          <a:xfrm>
+            <a:off x="6586537" y="4010190"/>
+            <a:ext cx="1943099" cy="1927617"/>
+          </a:xfrm>
+          <a:prstGeom prst="rect">
+            <a:avLst/>
+          </a:prstGeom>
+          <a:ln>
+            <a:solidFill>
+              <a:schemeClr val="accent1"/>
+            </a:solidFill>
+          </a:ln>
+        </p:spPr>
+      </p:pic>
     </p:spTree>
     <p:extLst>
       <p:ext uri="{BB962C8B-B14F-4D97-AF65-F5344CB8AC3E}">
-        <p14:creationId xmlns:p14="http://schemas.microsoft.com/office/powerpoint/2010/main" val="1655778384"/>
+        <p14:creationId xmlns:p14="http://schemas.microsoft.com/office/powerpoint/2010/main" val="1569966224"/>
       </p:ext>
     </p:extLst>
   </p:cSld>

--- a/doc/JSindo/install_linux.pptx
+++ b/doc/JSindo/install_linux.pptx
@@ -9,14 +9,14 @@
   </p:notesMasterIdLst>
   <p:sldIdLst>
     <p:sldId id="256" r:id="rId2"/>
-    <p:sldId id="291" r:id="rId3"/>
-    <p:sldId id="292" r:id="rId4"/>
-    <p:sldId id="293" r:id="rId5"/>
-    <p:sldId id="274" r:id="rId6"/>
-    <p:sldId id="299" r:id="rId7"/>
-    <p:sldId id="276" r:id="rId8"/>
-    <p:sldId id="304" r:id="rId9"/>
-    <p:sldId id="306" r:id="rId10"/>
+    <p:sldId id="307" r:id="rId3"/>
+    <p:sldId id="308" r:id="rId4"/>
+    <p:sldId id="292" r:id="rId5"/>
+    <p:sldId id="293" r:id="rId6"/>
+    <p:sldId id="274" r:id="rId7"/>
+    <p:sldId id="299" r:id="rId8"/>
+    <p:sldId id="276" r:id="rId9"/>
+    <p:sldId id="304" r:id="rId10"/>
     <p:sldId id="305" r:id="rId11"/>
   </p:sldIdLst>
   <p:sldSz cx="9144000" cy="6858000" type="screen4x3"/>
@@ -217,7 +217,7 @@
           <a:p>
             <a:fld id="{BB0F0136-69B4-D44B-9FED-4928016A3512}" type="datetimeFigureOut">
               <a:rPr kumimoji="1" lang="ja-JP" altLang="en-US" smtClean="0"/>
-              <a:t>2018/5/22</a:t>
+              <a:t>2018/6/13</a:t>
             </a:fld>
             <a:endParaRPr kumimoji="1" lang="ja-JP" altLang="en-US"/>
           </a:p>
@@ -666,7 +666,7 @@
           <a:p>
             <a:fld id="{3F9D3D55-BD5C-034D-AC25-55F6153EBC0E}" type="slidenum">
               <a:rPr kumimoji="1" lang="ja-JP" altLang="en-US" smtClean="0"/>
-              <a:t>7</a:t>
+              <a:t>8</a:t>
             </a:fld>
             <a:endParaRPr kumimoji="1" lang="ja-JP" altLang="en-US"/>
           </a:p>
@@ -816,7 +816,7 @@
           <a:p>
             <a:fld id="{8F1A2EAE-8A19-6140-AB90-FBA793328AFC}" type="datetime1">
               <a:rPr kumimoji="1" lang="ja-JP" altLang="en-US" smtClean="0"/>
-              <a:t>2018/5/22</a:t>
+              <a:t>2018/6/13</a:t>
             </a:fld>
             <a:endParaRPr kumimoji="1" lang="ja-JP" altLang="en-US"/>
           </a:p>
@@ -1013,7 +1013,7 @@
           <a:p>
             <a:fld id="{5032F6CD-D8C5-EA47-935C-33C61990A9AF}" type="datetime1">
               <a:rPr kumimoji="1" lang="ja-JP" altLang="en-US" smtClean="0"/>
-              <a:t>2018/5/22</a:t>
+              <a:t>2018/6/13</a:t>
             </a:fld>
             <a:endParaRPr kumimoji="1" lang="ja-JP" altLang="en-US"/>
           </a:p>
@@ -1220,7 +1220,7 @@
           <a:p>
             <a:fld id="{7432CAB7-B1D1-C842-BB27-1789136EF085}" type="datetime1">
               <a:rPr kumimoji="1" lang="ja-JP" altLang="en-US" smtClean="0"/>
-              <a:t>2018/5/22</a:t>
+              <a:t>2018/6/13</a:t>
             </a:fld>
             <a:endParaRPr kumimoji="1" lang="ja-JP" altLang="en-US"/>
           </a:p>
@@ -1417,7 +1417,7 @@
           <a:p>
             <a:fld id="{59F606A1-BF80-4F40-AD73-3A1303D72015}" type="datetime1">
               <a:rPr kumimoji="1" lang="ja-JP" altLang="en-US" smtClean="0"/>
-              <a:t>2018/5/22</a:t>
+              <a:t>2018/6/13</a:t>
             </a:fld>
             <a:endParaRPr kumimoji="1" lang="ja-JP" altLang="en-US"/>
           </a:p>
@@ -1656,7 +1656,7 @@
           <a:p>
             <a:fld id="{201370A8-86D7-DE4D-BAB6-D17D5C3BEC5A}" type="datetime1">
               <a:rPr kumimoji="1" lang="ja-JP" altLang="en-US" smtClean="0"/>
-              <a:t>2018/5/22</a:t>
+              <a:t>2018/6/13</a:t>
             </a:fld>
             <a:endParaRPr kumimoji="1" lang="ja-JP" altLang="en-US"/>
           </a:p>
@@ -1947,7 +1947,7 @@
           <a:p>
             <a:fld id="{2F8DFF1A-26F6-734D-81A6-596D27E77CDE}" type="datetime1">
               <a:rPr kumimoji="1" lang="ja-JP" altLang="en-US" smtClean="0"/>
-              <a:t>2018/5/22</a:t>
+              <a:t>2018/6/13</a:t>
             </a:fld>
             <a:endParaRPr kumimoji="1" lang="ja-JP" altLang="en-US"/>
           </a:p>
@@ -2373,7 +2373,7 @@
           <a:p>
             <a:fld id="{DA4D6ED2-2E77-3346-9932-196F8E0DDE9D}" type="datetime1">
               <a:rPr kumimoji="1" lang="ja-JP" altLang="en-US" smtClean="0"/>
-              <a:t>2018/5/22</a:t>
+              <a:t>2018/6/13</a:t>
             </a:fld>
             <a:endParaRPr kumimoji="1" lang="ja-JP" altLang="en-US"/>
           </a:p>
@@ -2486,7 +2486,7 @@
           <a:p>
             <a:fld id="{E0D62E53-0DE6-954C-A642-97CC889F03F2}" type="datetime1">
               <a:rPr kumimoji="1" lang="ja-JP" altLang="en-US" smtClean="0"/>
-              <a:t>2018/5/22</a:t>
+              <a:t>2018/6/13</a:t>
             </a:fld>
             <a:endParaRPr kumimoji="1" lang="ja-JP" altLang="en-US"/>
           </a:p>
@@ -2576,7 +2576,7 @@
           <a:p>
             <a:fld id="{4C76B436-8A19-1A40-8CF4-6DE75F461D19}" type="datetime1">
               <a:rPr kumimoji="1" lang="ja-JP" altLang="en-US" smtClean="0"/>
-              <a:t>2018/5/22</a:t>
+              <a:t>2018/6/13</a:t>
             </a:fld>
             <a:endParaRPr kumimoji="1" lang="ja-JP" altLang="en-US"/>
           </a:p>
@@ -2880,7 +2880,7 @@
           <a:p>
             <a:fld id="{50F977A8-A6EB-6544-A402-5123A38A5E0F}" type="datetime1">
               <a:rPr kumimoji="1" lang="ja-JP" altLang="en-US" smtClean="0"/>
-              <a:t>2018/5/22</a:t>
+              <a:t>2018/6/13</a:t>
             </a:fld>
             <a:endParaRPr kumimoji="1" lang="ja-JP" altLang="en-US"/>
           </a:p>
@@ -3132,7 +3132,7 @@
           <a:p>
             <a:fld id="{AC63A33F-D5AB-5D4B-9CED-7FFE32473911}" type="datetime1">
               <a:rPr kumimoji="1" lang="ja-JP" altLang="en-US" smtClean="0"/>
-              <a:t>2018/5/22</a:t>
+              <a:t>2018/6/13</a:t>
             </a:fld>
             <a:endParaRPr kumimoji="1" lang="ja-JP" altLang="en-US"/>
           </a:p>
@@ -3372,7 +3372,7 @@
           <a:p>
             <a:fld id="{533D1301-D078-CF4D-9B69-E985276E2D1F}" type="datetime1">
               <a:rPr kumimoji="1" lang="ja-JP" altLang="en-US" smtClean="0"/>
-              <a:t>2018/5/22</a:t>
+              <a:t>2018/6/13</a:t>
             </a:fld>
             <a:endParaRPr kumimoji="1" lang="ja-JP" altLang="en-US"/>
           </a:p>
@@ -3867,7 +3867,7 @@
             <a:pPr algn="ctr"/>
             <a:r>
               <a:rPr kumimoji="1" lang="en-US" altLang="ja-JP" dirty="0" smtClean="0"/>
-              <a:t>2018/05/21</a:t>
+              <a:t>2018/06/04</a:t>
             </a:r>
             <a:endParaRPr kumimoji="1" lang="ja-JP" altLang="en-US" dirty="0"/>
           </a:p>
@@ -4065,7 +4065,7 @@
         <p:spPr>
           <a:xfrm>
             <a:off x="225833" y="841421"/>
-            <a:ext cx="5077859" cy="5355312"/>
+            <a:ext cx="5077859" cy="5632311"/>
           </a:xfrm>
           <a:prstGeom prst="rect">
             <a:avLst/>
@@ -4122,7 +4122,7 @@
             </a:r>
             <a:r>
               <a:rPr lang="en-US" altLang="ja-JP" dirty="0" smtClean="0"/>
-              <a:t> of JAMA is set correctly.</a:t>
+              <a:t> of JAMA is located in the folder.</a:t>
             </a:r>
             <a:endParaRPr lang="en-US" altLang="ja-JP" dirty="0"/>
           </a:p>
@@ -4132,15 +4132,7 @@
           <a:p>
             <a:r>
               <a:rPr lang="en-US" altLang="ja-JP" dirty="0" smtClean="0"/>
-              <a:t>If the panel appears, you’re all set! </a:t>
-            </a:r>
-            <a:r>
-              <a:rPr lang="en-US" altLang="ja-JP" dirty="0" err="1" smtClean="0"/>
-              <a:t>Congradulations</a:t>
-            </a:r>
-            <a:r>
-              <a:rPr lang="en-US" altLang="ja-JP" dirty="0" smtClean="0"/>
-              <a:t>!</a:t>
+              <a:t>If the panel appears, you’re all set! Congratulations!</a:t>
             </a:r>
           </a:p>
           <a:p>
@@ -4314,38 +4306,9 @@
           <a:chExt cx="0" cy="0"/>
         </a:xfrm>
       </p:grpSpPr>
-      <p:pic>
-        <p:nvPicPr>
-          <p:cNvPr id="4" name="図 3"/>
-          <p:cNvPicPr>
-            <a:picLocks noChangeAspect="1"/>
-          </p:cNvPicPr>
-          <p:nvPr/>
-        </p:nvPicPr>
-        <p:blipFill rotWithShape="1">
-          <a:blip r:embed="rId2">
-            <a:extLst>
-              <a:ext uri="{28A0092B-C50C-407E-A947-70E740481C1C}">
-                <a14:useLocalDpi xmlns:a14="http://schemas.microsoft.com/office/drawing/2010/main" val="0"/>
-              </a:ext>
-            </a:extLst>
-          </a:blip>
-          <a:srcRect t="1350"/>
-          <a:stretch/>
-        </p:blipFill>
-        <p:spPr>
-          <a:xfrm>
-            <a:off x="603867" y="1877475"/>
-            <a:ext cx="3830073" cy="2287159"/>
-          </a:xfrm>
-          <a:prstGeom prst="rect">
-            <a:avLst/>
-          </a:prstGeom>
-        </p:spPr>
-      </p:pic>
-      <p:sp>
-        <p:nvSpPr>
-          <p:cNvPr id="2" name="タイトル 1"/>
+      <p:sp>
+        <p:nvSpPr>
+          <p:cNvPr id="7" name="タイトル 6"/>
           <p:cNvSpPr>
             <a:spLocks noGrp="1"/>
           </p:cNvSpPr>
@@ -4359,7 +4322,7 @@
           <a:lstStyle/>
           <a:p>
             <a:r>
-              <a:rPr kumimoji="1" lang="en-US" altLang="ja-JP" dirty="0" smtClean="0"/>
+              <a:rPr lang="en-US" altLang="ja-JP" dirty="0"/>
               <a:t>1. Install Java</a:t>
             </a:r>
             <a:endParaRPr kumimoji="1" lang="ja-JP" altLang="en-US" dirty="0"/>
@@ -4368,101 +4331,7 @@
       </p:sp>
       <p:sp>
         <p:nvSpPr>
-          <p:cNvPr id="3" name="正方形/長方形 2"/>
-          <p:cNvSpPr/>
-          <p:nvPr/>
-        </p:nvSpPr>
-        <p:spPr>
-          <a:xfrm>
-            <a:off x="1018240" y="1305734"/>
-            <a:ext cx="2693173" cy="369332"/>
-          </a:xfrm>
-          <a:prstGeom prst="rect">
-            <a:avLst/>
-          </a:prstGeom>
-        </p:spPr>
-        <p:txBody>
-          <a:bodyPr wrap="none">
-            <a:spAutoFit/>
-          </a:bodyPr>
-          <a:lstStyle/>
-          <a:p>
-            <a:r>
-              <a:rPr lang="ja-JP" altLang="en-US" dirty="0" smtClean="0"/>
-              <a:t>https://www.java.com/en/</a:t>
-            </a:r>
-            <a:endParaRPr lang="ja-JP" altLang="en-US" dirty="0"/>
-          </a:p>
-        </p:txBody>
-      </p:sp>
-      <p:cxnSp>
-        <p:nvCxnSpPr>
-          <p:cNvPr id="6" name="直線矢印コネクタ 5"/>
-          <p:cNvCxnSpPr/>
-          <p:nvPr/>
-        </p:nvCxnSpPr>
-        <p:spPr>
-          <a:xfrm flipV="1">
-            <a:off x="1650808" y="3765106"/>
-            <a:ext cx="0" cy="1177159"/>
-          </a:xfrm>
-          <a:prstGeom prst="straightConnector1">
-            <a:avLst/>
-          </a:prstGeom>
-          <a:ln w="38100">
-            <a:solidFill>
-              <a:srgbClr val="00B050"/>
-            </a:solidFill>
-            <a:tailEnd type="triangle"/>
-          </a:ln>
-        </p:spPr>
-        <p:style>
-          <a:lnRef idx="1">
-            <a:schemeClr val="accent1"/>
-          </a:lnRef>
-          <a:fillRef idx="0">
-            <a:schemeClr val="accent1"/>
-          </a:fillRef>
-          <a:effectRef idx="0">
-            <a:schemeClr val="accent1"/>
-          </a:effectRef>
-          <a:fontRef idx="minor">
-            <a:schemeClr val="tx1"/>
-          </a:fontRef>
-        </p:style>
-      </p:cxnSp>
-      <p:sp>
-        <p:nvSpPr>
-          <p:cNvPr id="8" name="テキスト ボックス 7"/>
-          <p:cNvSpPr txBox="1"/>
-          <p:nvPr/>
-        </p:nvSpPr>
-        <p:spPr>
-          <a:xfrm>
-            <a:off x="199765" y="5006694"/>
-            <a:ext cx="4015975" cy="369332"/>
-          </a:xfrm>
-          <a:prstGeom prst="rect">
-            <a:avLst/>
-          </a:prstGeom>
-          <a:noFill/>
-        </p:spPr>
-        <p:txBody>
-          <a:bodyPr wrap="square" rtlCol="0">
-            <a:spAutoFit/>
-          </a:bodyPr>
-          <a:lstStyle/>
-          <a:p>
-            <a:r>
-              <a:rPr kumimoji="1" lang="en-US" altLang="ja-JP" dirty="0" smtClean="0"/>
-              <a:t>Click here and follow the instructions.</a:t>
-            </a:r>
-          </a:p>
-        </p:txBody>
-      </p:sp>
-      <p:sp>
-        <p:nvSpPr>
-          <p:cNvPr id="5" name="スライド番号プレースホルダー 4"/>
+          <p:cNvPr id="2" name="スライド番号プレースホルダー 1"/>
           <p:cNvSpPr>
             <a:spLocks noGrp="1"/>
           </p:cNvSpPr>
@@ -4483,16 +4352,232 @@
           </a:p>
         </p:txBody>
       </p:sp>
+      <p:sp>
+        <p:nvSpPr>
+          <p:cNvPr id="3" name="テキスト ボックス 2"/>
+          <p:cNvSpPr txBox="1"/>
+          <p:nvPr/>
+        </p:nvSpPr>
+        <p:spPr>
+          <a:xfrm>
+            <a:off x="635006" y="989958"/>
+            <a:ext cx="8014724" cy="646331"/>
+          </a:xfrm>
+          <a:prstGeom prst="rect">
+            <a:avLst/>
+          </a:prstGeom>
+          <a:noFill/>
+        </p:spPr>
+        <p:txBody>
+          <a:bodyPr wrap="square" rtlCol="0">
+            <a:spAutoFit/>
+          </a:bodyPr>
+          <a:lstStyle/>
+          <a:p>
+            <a:r>
+              <a:rPr lang="en-US" altLang="ja-JP" dirty="0"/>
+              <a:t>Let’s check if </a:t>
+            </a:r>
+            <a:r>
+              <a:rPr lang="en-US" altLang="ja-JP" dirty="0" smtClean="0"/>
+              <a:t>you have </a:t>
+            </a:r>
+            <a:r>
+              <a:rPr lang="en-US" altLang="ja-JP" dirty="0"/>
+              <a:t>Java installed or not, and the version of Java if you have. </a:t>
+            </a:r>
+            <a:endParaRPr lang="en-US" altLang="ja-JP" dirty="0" smtClean="0"/>
+          </a:p>
+          <a:p>
+            <a:r>
+              <a:rPr lang="en-US" altLang="ja-JP" dirty="0" smtClean="0"/>
+              <a:t>In the terminal, type “java -version” and you will see a message like this:</a:t>
+            </a:r>
+          </a:p>
+        </p:txBody>
+      </p:sp>
+      <p:sp>
+        <p:nvSpPr>
+          <p:cNvPr id="4" name="テキスト ボックス 3"/>
+          <p:cNvSpPr txBox="1"/>
+          <p:nvPr/>
+        </p:nvSpPr>
+        <p:spPr>
+          <a:xfrm>
+            <a:off x="1312714" y="1679572"/>
+            <a:ext cx="5298245" cy="830997"/>
+          </a:xfrm>
+          <a:prstGeom prst="rect">
+            <a:avLst/>
+          </a:prstGeom>
+          <a:noFill/>
+          <a:ln>
+            <a:solidFill>
+              <a:srgbClr val="00B050"/>
+            </a:solidFill>
+          </a:ln>
+        </p:spPr>
+        <p:txBody>
+          <a:bodyPr wrap="none" rtlCol="0">
+            <a:spAutoFit/>
+          </a:bodyPr>
+          <a:lstStyle/>
+          <a:p>
+            <a:r>
+              <a:rPr kumimoji="1" lang="en-US" altLang="ja-JP" sz="1200" dirty="0" smtClean="0">
+                <a:latin typeface="Courier" charset="0"/>
+                <a:ea typeface="Courier" charset="0"/>
+                <a:cs typeface="Courier" charset="0"/>
+              </a:rPr>
+              <a:t>&gt;java –version</a:t>
+            </a:r>
+          </a:p>
+          <a:p>
+            <a:r>
+              <a:rPr lang="en-US" altLang="ja-JP" sz="1200" dirty="0" err="1">
+                <a:latin typeface="Courier" charset="0"/>
+                <a:ea typeface="Courier" charset="0"/>
+                <a:cs typeface="Courier" charset="0"/>
+              </a:rPr>
+              <a:t>openjdk</a:t>
+            </a:r>
+            <a:r>
+              <a:rPr lang="en-US" altLang="ja-JP" sz="1200" dirty="0">
+                <a:latin typeface="Courier" charset="0"/>
+                <a:ea typeface="Courier" charset="0"/>
+                <a:cs typeface="Courier" charset="0"/>
+              </a:rPr>
+              <a:t> version "</a:t>
+            </a:r>
+            <a:r>
+              <a:rPr lang="en-US" altLang="ja-JP" sz="1200" b="1" dirty="0" smtClean="0">
+                <a:solidFill>
+                  <a:srgbClr val="FF0000"/>
+                </a:solidFill>
+                <a:latin typeface="Courier" charset="0"/>
+                <a:ea typeface="Courier" charset="0"/>
+                <a:cs typeface="Courier" charset="0"/>
+              </a:rPr>
+              <a:t>1.8.0_121</a:t>
+            </a:r>
+            <a:r>
+              <a:rPr lang="en-US" altLang="ja-JP" sz="1200" dirty="0" smtClean="0">
+                <a:latin typeface="Courier" charset="0"/>
+                <a:ea typeface="Courier" charset="0"/>
+                <a:cs typeface="Courier" charset="0"/>
+              </a:rPr>
+              <a:t>”</a:t>
+            </a:r>
+          </a:p>
+          <a:p>
+            <a:r>
+              <a:rPr lang="en-US" altLang="ja-JP" sz="1200" dirty="0" err="1" smtClean="0">
+                <a:latin typeface="Courier" charset="0"/>
+                <a:ea typeface="Courier" charset="0"/>
+                <a:cs typeface="Courier" charset="0"/>
+              </a:rPr>
+              <a:t>OpenJDK</a:t>
+            </a:r>
+            <a:r>
+              <a:rPr lang="en-US" altLang="ja-JP" sz="1200" dirty="0" smtClean="0">
+                <a:latin typeface="Courier" charset="0"/>
+                <a:ea typeface="Courier" charset="0"/>
+                <a:cs typeface="Courier" charset="0"/>
+              </a:rPr>
+              <a:t> </a:t>
+            </a:r>
+            <a:r>
+              <a:rPr lang="en-US" altLang="ja-JP" sz="1200" dirty="0">
+                <a:latin typeface="Courier" charset="0"/>
+                <a:ea typeface="Courier" charset="0"/>
+                <a:cs typeface="Courier" charset="0"/>
+              </a:rPr>
+              <a:t>Runtime Environment (build 1.8.0_121-b13</a:t>
+            </a:r>
+            <a:r>
+              <a:rPr lang="en-US" altLang="ja-JP" sz="1200" dirty="0" smtClean="0">
+                <a:latin typeface="Courier" charset="0"/>
+                <a:ea typeface="Courier" charset="0"/>
+                <a:cs typeface="Courier" charset="0"/>
+              </a:rPr>
+              <a:t>)</a:t>
+            </a:r>
+          </a:p>
+          <a:p>
+            <a:r>
+              <a:rPr lang="en-US" altLang="ja-JP" sz="1200" dirty="0" err="1" smtClean="0">
+                <a:latin typeface="Courier" charset="0"/>
+                <a:ea typeface="Courier" charset="0"/>
+                <a:cs typeface="Courier" charset="0"/>
+              </a:rPr>
+              <a:t>OpenJDK</a:t>
+            </a:r>
+            <a:r>
+              <a:rPr lang="en-US" altLang="ja-JP" sz="1200" dirty="0" smtClean="0">
+                <a:latin typeface="Courier" charset="0"/>
+                <a:ea typeface="Courier" charset="0"/>
+                <a:cs typeface="Courier" charset="0"/>
+              </a:rPr>
+              <a:t> </a:t>
+            </a:r>
+            <a:r>
+              <a:rPr lang="en-US" altLang="ja-JP" sz="1200" dirty="0">
+                <a:latin typeface="Courier" charset="0"/>
+                <a:ea typeface="Courier" charset="0"/>
+                <a:cs typeface="Courier" charset="0"/>
+              </a:rPr>
+              <a:t>64-Bit Server VM (build 25.121-b13, mixed mode</a:t>
+            </a:r>
+            <a:r>
+              <a:rPr lang="en-US" altLang="ja-JP" sz="1200" dirty="0" smtClean="0">
+                <a:latin typeface="Courier" charset="0"/>
+                <a:ea typeface="Courier" charset="0"/>
+                <a:cs typeface="Courier" charset="0"/>
+              </a:rPr>
+              <a:t>)</a:t>
+            </a:r>
+          </a:p>
+        </p:txBody>
+      </p:sp>
+      <p:sp>
+        <p:nvSpPr>
+          <p:cNvPr id="5" name="TextBox 24"/>
+          <p:cNvSpPr txBox="1"/>
+          <p:nvPr/>
+        </p:nvSpPr>
+        <p:spPr>
+          <a:xfrm>
+            <a:off x="673088" y="2703174"/>
+            <a:ext cx="7874012" cy="369332"/>
+          </a:xfrm>
+          <a:prstGeom prst="rect">
+            <a:avLst/>
+          </a:prstGeom>
+          <a:noFill/>
+        </p:spPr>
+        <p:txBody>
+          <a:bodyPr wrap="square" rtlCol="0">
+            <a:spAutoFit/>
+          </a:bodyPr>
+          <a:lstStyle/>
+          <a:p>
+            <a:r>
+              <a:rPr lang="en-US" dirty="0" smtClean="0"/>
+              <a:t>If your Java is 1.8.xxx (=JDK8), then you can skip the installation and go to Chap. 2. </a:t>
+            </a:r>
+          </a:p>
+        </p:txBody>
+      </p:sp>
       <p:pic>
         <p:nvPicPr>
-          <p:cNvPr id="10" name="図 9"/>
+          <p:cNvPr id="8" name="図 7"/>
           <p:cNvPicPr>
             <a:picLocks noChangeAspect="1"/>
           </p:cNvPicPr>
           <p:nvPr/>
         </p:nvPicPr>
         <p:blipFill>
-          <a:blip r:embed="rId3">
+          <a:blip r:embed="rId2">
             <a:extLst>
               <a:ext uri="{28A0092B-C50C-407E-A947-70E740481C1C}">
                 <a14:useLocalDpi xmlns:a14="http://schemas.microsoft.com/office/drawing/2010/main" val="0"/>
@@ -4505,8 +4590,8 @@
         </p:blipFill>
         <p:spPr>
           <a:xfrm>
-            <a:off x="4987637" y="1708662"/>
-            <a:ext cx="3812136" cy="3851321"/>
+            <a:off x="6632812" y="3420318"/>
+            <a:ext cx="2276513" cy="2299913"/>
           </a:xfrm>
           <a:prstGeom prst="rect">
             <a:avLst/>
@@ -4515,14 +4600,14 @@
       </p:pic>
       <p:sp>
         <p:nvSpPr>
-          <p:cNvPr id="11" name="正方形/長方形 10"/>
+          <p:cNvPr id="9" name="正方形/長方形 8"/>
           <p:cNvSpPr/>
           <p:nvPr/>
         </p:nvSpPr>
         <p:spPr>
           <a:xfrm>
-            <a:off x="5269606" y="1305734"/>
-            <a:ext cx="2467727" cy="369332"/>
+            <a:off x="6636091" y="5774237"/>
+            <a:ext cx="2208297" cy="338554"/>
           </a:xfrm>
           <a:prstGeom prst="rect">
             <a:avLst/>
@@ -4535,76 +4620,45 @@
           <a:lstStyle/>
           <a:p>
             <a:r>
-              <a:rPr lang="en-US" altLang="ja-JP" dirty="0" smtClean="0"/>
+              <a:rPr lang="en-US" altLang="ja-JP" sz="1600" dirty="0" smtClean="0"/>
               <a:t>http</a:t>
             </a:r>
             <a:r>
-              <a:rPr lang="en-US" altLang="ja-JP" dirty="0"/>
+              <a:rPr lang="en-US" altLang="ja-JP" sz="1600" dirty="0"/>
               <a:t>://</a:t>
             </a:r>
             <a:r>
-              <a:rPr lang="en-US" altLang="ja-JP" dirty="0" err="1"/>
+              <a:rPr lang="en-US" altLang="ja-JP" sz="1600" dirty="0" err="1"/>
               <a:t>openjdk.java.net</a:t>
             </a:r>
             <a:r>
-              <a:rPr lang="en-US" altLang="ja-JP" dirty="0"/>
+              <a:rPr lang="en-US" altLang="ja-JP" sz="1600" dirty="0"/>
               <a:t>/</a:t>
             </a:r>
-            <a:endParaRPr lang="ja-JP" altLang="en-US" dirty="0"/>
-          </a:p>
-        </p:txBody>
-      </p:sp>
-      <p:cxnSp>
-        <p:nvCxnSpPr>
-          <p:cNvPr id="15" name="直線矢印コネクタ 14"/>
-          <p:cNvCxnSpPr/>
-          <p:nvPr/>
-        </p:nvCxnSpPr>
-        <p:spPr>
-          <a:xfrm flipV="1">
-            <a:off x="3420094" y="3440239"/>
-            <a:ext cx="3610098" cy="1508165"/>
-          </a:xfrm>
-          <a:prstGeom prst="straightConnector1">
-            <a:avLst/>
-          </a:prstGeom>
-          <a:ln w="38100">
-            <a:solidFill>
-              <a:srgbClr val="00B050"/>
-            </a:solidFill>
-            <a:tailEnd type="triangle"/>
-          </a:ln>
-        </p:spPr>
-        <p:style>
-          <a:lnRef idx="1">
-            <a:schemeClr val="accent1"/>
-          </a:lnRef>
-          <a:fillRef idx="0">
-            <a:schemeClr val="accent1"/>
-          </a:fillRef>
-          <a:effectRef idx="0">
-            <a:schemeClr val="accent1"/>
-          </a:effectRef>
-          <a:fontRef idx="minor">
-            <a:schemeClr val="tx1"/>
-          </a:fontRef>
-        </p:style>
-      </p:cxnSp>
-      <p:sp>
-        <p:nvSpPr>
-          <p:cNvPr id="9" name="テキスト ボックス 8"/>
+            <a:endParaRPr lang="ja-JP" altLang="en-US" sz="1600" dirty="0"/>
+          </a:p>
+        </p:txBody>
+      </p:sp>
+      <p:sp>
+        <p:nvSpPr>
+          <p:cNvPr id="10" name="テキスト ボックス 9"/>
           <p:cNvSpPr txBox="1"/>
           <p:nvPr/>
         </p:nvSpPr>
         <p:spPr>
           <a:xfrm>
-            <a:off x="578735" y="902825"/>
-            <a:ext cx="5566011" cy="369332"/>
+            <a:off x="1039757" y="5569183"/>
+            <a:ext cx="3159839" cy="276999"/>
           </a:xfrm>
           <a:prstGeom prst="rect">
             <a:avLst/>
           </a:prstGeom>
           <a:noFill/>
+          <a:ln>
+            <a:solidFill>
+              <a:srgbClr val="00B050"/>
+            </a:solidFill>
+          </a:ln>
         </p:spPr>
         <p:txBody>
           <a:bodyPr wrap="none" rtlCol="0">
@@ -4613,31 +4667,47 @@
           <a:lstStyle/>
           <a:p>
             <a:r>
-              <a:rPr kumimoji="1" lang="en-US" altLang="ja-JP" dirty="0" smtClean="0"/>
-              <a:t>Install Java </a:t>
-            </a:r>
-            <a:r>
-              <a:rPr kumimoji="1" lang="en-US" altLang="ja-JP" smtClean="0"/>
-              <a:t>of Oracle </a:t>
-            </a:r>
-            <a:r>
-              <a:rPr kumimoji="1" lang="en-US" altLang="ja-JP" dirty="0" smtClean="0"/>
-              <a:t>(left), Open JDK (right), or any other. </a:t>
-            </a:r>
-            <a:endParaRPr kumimoji="1" lang="ja-JP" altLang="en-US" dirty="0"/>
-          </a:p>
-        </p:txBody>
-      </p:sp>
-      <p:sp>
-        <p:nvSpPr>
-          <p:cNvPr id="12" name="テキスト ボックス 11"/>
+              <a:rPr lang="en-US" altLang="ja-JP" sz="1200" dirty="0">
+                <a:latin typeface="Courier" charset="0"/>
+                <a:ea typeface="Courier" charset="0"/>
+                <a:cs typeface="Courier" charset="0"/>
+              </a:rPr>
+              <a:t>&gt; </a:t>
+            </a:r>
+            <a:r>
+              <a:rPr lang="en-US" altLang="ja-JP" sz="1200" dirty="0" smtClean="0">
+                <a:latin typeface="Courier" charset="0"/>
+                <a:ea typeface="Courier" charset="0"/>
+                <a:cs typeface="Courier" charset="0"/>
+              </a:rPr>
+              <a:t>apt-get </a:t>
+            </a:r>
+            <a:r>
+              <a:rPr lang="en-US" altLang="ja-JP" sz="1200" dirty="0">
+                <a:latin typeface="Courier" charset="0"/>
+                <a:ea typeface="Courier" charset="0"/>
+                <a:cs typeface="Courier" charset="0"/>
+              </a:rPr>
+              <a:t>install openjdk-8-jre</a:t>
+            </a:r>
+            <a:endParaRPr lang="en-US" altLang="ja-JP" sz="1200" dirty="0" smtClean="0">
+              <a:latin typeface="Courier" charset="0"/>
+              <a:ea typeface="Courier" charset="0"/>
+              <a:cs typeface="Courier" charset="0"/>
+            </a:endParaRPr>
+          </a:p>
+        </p:txBody>
+      </p:sp>
+      <p:sp>
+        <p:nvSpPr>
+          <p:cNvPr id="11" name="テキスト ボックス 10"/>
           <p:cNvSpPr txBox="1"/>
           <p:nvPr/>
         </p:nvSpPr>
         <p:spPr>
           <a:xfrm>
-            <a:off x="211873" y="5750158"/>
-            <a:ext cx="8657863" cy="523220"/>
+            <a:off x="696036" y="4804013"/>
+            <a:ext cx="3590342" cy="369332"/>
           </a:xfrm>
           <a:prstGeom prst="rect">
             <a:avLst/>
@@ -4645,31 +4715,250 @@
           <a:noFill/>
         </p:spPr>
         <p:txBody>
+          <a:bodyPr wrap="none" rtlCol="0">
+            <a:spAutoFit/>
+          </a:bodyPr>
+          <a:lstStyle/>
+          <a:p>
+            <a:r>
+              <a:rPr kumimoji="1" lang="en-US" altLang="ja-JP" dirty="0" smtClean="0"/>
+              <a:t>To install JDK8, type in the terminal, </a:t>
+            </a:r>
+            <a:endParaRPr kumimoji="1" lang="ja-JP" altLang="en-US" dirty="0"/>
+          </a:p>
+        </p:txBody>
+      </p:sp>
+      <p:sp>
+        <p:nvSpPr>
+          <p:cNvPr id="12" name="テキスト ボックス 11"/>
+          <p:cNvSpPr txBox="1"/>
+          <p:nvPr/>
+        </p:nvSpPr>
+        <p:spPr>
+          <a:xfrm>
+            <a:off x="4599296" y="5513695"/>
+            <a:ext cx="1811265" cy="369332"/>
+          </a:xfrm>
+          <a:prstGeom prst="rect">
+            <a:avLst/>
+          </a:prstGeom>
+          <a:noFill/>
+        </p:spPr>
+        <p:txBody>
+          <a:bodyPr wrap="none" rtlCol="0">
+            <a:spAutoFit/>
+          </a:bodyPr>
+          <a:lstStyle/>
+          <a:p>
+            <a:r>
+              <a:rPr kumimoji="1" lang="en-US" altLang="ja-JP" dirty="0" smtClean="0"/>
+              <a:t>(</a:t>
+            </a:r>
+            <a:r>
+              <a:rPr kumimoji="1" lang="en-US" altLang="ja-JP" dirty="0" err="1" smtClean="0"/>
+              <a:t>Debian</a:t>
+            </a:r>
+            <a:r>
+              <a:rPr lang="en-US" altLang="ja-JP" dirty="0" smtClean="0"/>
+              <a:t>, Ubuntu)</a:t>
+            </a:r>
+            <a:endParaRPr kumimoji="1" lang="ja-JP" altLang="en-US" dirty="0"/>
+          </a:p>
+        </p:txBody>
+      </p:sp>
+      <p:sp>
+        <p:nvSpPr>
+          <p:cNvPr id="13" name="テキスト ボックス 12"/>
+          <p:cNvSpPr txBox="1"/>
+          <p:nvPr/>
+        </p:nvSpPr>
+        <p:spPr>
+          <a:xfrm>
+            <a:off x="1039757" y="5200693"/>
+            <a:ext cx="3159839" cy="276999"/>
+          </a:xfrm>
+          <a:prstGeom prst="rect">
+            <a:avLst/>
+          </a:prstGeom>
+          <a:noFill/>
+          <a:ln>
+            <a:solidFill>
+              <a:srgbClr val="00B050"/>
+            </a:solidFill>
+          </a:ln>
+        </p:spPr>
+        <p:txBody>
+          <a:bodyPr wrap="none" rtlCol="0">
+            <a:spAutoFit/>
+          </a:bodyPr>
+          <a:lstStyle/>
+          <a:p>
+            <a:r>
+              <a:rPr lang="en-US" altLang="ja-JP" sz="1200" dirty="0">
+                <a:latin typeface="Courier" charset="0"/>
+                <a:ea typeface="Courier" charset="0"/>
+                <a:cs typeface="Courier" charset="0"/>
+              </a:rPr>
+              <a:t>&gt; yum install java-1.8.0-openjdk</a:t>
+            </a:r>
+            <a:endParaRPr lang="en-US" altLang="ja-JP" sz="1200" dirty="0" smtClean="0">
+              <a:latin typeface="Courier" charset="0"/>
+              <a:ea typeface="Courier" charset="0"/>
+              <a:cs typeface="Courier" charset="0"/>
+            </a:endParaRPr>
+          </a:p>
+        </p:txBody>
+      </p:sp>
+      <p:sp>
+        <p:nvSpPr>
+          <p:cNvPr id="14" name="テキスト ボックス 13"/>
+          <p:cNvSpPr txBox="1"/>
+          <p:nvPr/>
+        </p:nvSpPr>
+        <p:spPr>
+          <a:xfrm>
+            <a:off x="4599296" y="5145206"/>
+            <a:ext cx="973536" cy="369332"/>
+          </a:xfrm>
+          <a:prstGeom prst="rect">
+            <a:avLst/>
+          </a:prstGeom>
+          <a:noFill/>
+        </p:spPr>
+        <p:txBody>
+          <a:bodyPr wrap="none" rtlCol="0">
+            <a:spAutoFit/>
+          </a:bodyPr>
+          <a:lstStyle/>
+          <a:p>
+            <a:r>
+              <a:rPr kumimoji="1" lang="en-US" altLang="ja-JP" dirty="0" smtClean="0"/>
+              <a:t>(Fedora</a:t>
+            </a:r>
+            <a:r>
+              <a:rPr lang="en-US" altLang="ja-JP" dirty="0" smtClean="0"/>
+              <a:t>)</a:t>
+            </a:r>
+            <a:endParaRPr kumimoji="1" lang="ja-JP" altLang="en-US" dirty="0"/>
+          </a:p>
+        </p:txBody>
+      </p:sp>
+      <p:sp>
+        <p:nvSpPr>
+          <p:cNvPr id="15" name="テキスト ボックス 14"/>
+          <p:cNvSpPr txBox="1"/>
+          <p:nvPr/>
+        </p:nvSpPr>
+        <p:spPr>
+          <a:xfrm>
+            <a:off x="750627" y="5936774"/>
+            <a:ext cx="4342086" cy="369332"/>
+          </a:xfrm>
+          <a:prstGeom prst="rect">
+            <a:avLst/>
+          </a:prstGeom>
+          <a:noFill/>
+        </p:spPr>
+        <p:txBody>
+          <a:bodyPr wrap="none" rtlCol="0">
+            <a:spAutoFit/>
+          </a:bodyPr>
+          <a:lstStyle/>
+          <a:p>
+            <a:r>
+              <a:rPr kumimoji="1" lang="en-US" altLang="ja-JP" dirty="0" smtClean="0"/>
+              <a:t>See the </a:t>
+            </a:r>
+            <a:r>
+              <a:rPr kumimoji="1" lang="en-US" altLang="ja-JP" dirty="0" err="1" smtClean="0"/>
+              <a:t>OpenJDK</a:t>
+            </a:r>
+            <a:r>
+              <a:rPr kumimoji="1" lang="en-US" altLang="ja-JP" dirty="0" smtClean="0"/>
+              <a:t> website for further details.</a:t>
+            </a:r>
+            <a:endParaRPr kumimoji="1" lang="ja-JP" altLang="en-US" dirty="0"/>
+          </a:p>
+        </p:txBody>
+      </p:sp>
+      <p:sp>
+        <p:nvSpPr>
+          <p:cNvPr id="16" name="TextBox 24"/>
+          <p:cNvSpPr txBox="1"/>
+          <p:nvPr/>
+        </p:nvSpPr>
+        <p:spPr>
+          <a:xfrm>
+            <a:off x="673088" y="3194494"/>
+            <a:ext cx="5795951" cy="1477328"/>
+          </a:xfrm>
+          <a:prstGeom prst="rect">
+            <a:avLst/>
+          </a:prstGeom>
+          <a:noFill/>
+        </p:spPr>
+        <p:txBody>
           <a:bodyPr wrap="square" rtlCol="0">
             <a:spAutoFit/>
           </a:bodyPr>
           <a:lstStyle/>
           <a:p>
             <a:r>
-              <a:rPr lang="en-US" altLang="ja-JP" sz="1400" dirty="0" smtClean="0"/>
-              <a:t>Note: Although Java 9 and 10 have been released since 2017/09 and 2018/03, respectively, Java 8 (1.8.x) is still recommended for </a:t>
-            </a:r>
-            <a:r>
-              <a:rPr lang="en-US" altLang="ja-JP" sz="1400" dirty="0" err="1" smtClean="0"/>
+              <a:rPr lang="en-US" altLang="ja-JP" dirty="0" smtClean="0"/>
+              <a:t>If </a:t>
+            </a:r>
+            <a:r>
+              <a:rPr lang="en-US" altLang="ja-JP" dirty="0"/>
+              <a:t>your Java is a newer </a:t>
+            </a:r>
+            <a:r>
+              <a:rPr lang="en-US" altLang="ja-JP" dirty="0" smtClean="0"/>
+              <a:t>one, 1.9.xxx (=JDK9) </a:t>
+            </a:r>
+            <a:r>
+              <a:rPr lang="en-US" altLang="ja-JP" dirty="0"/>
+              <a:t>and </a:t>
+            </a:r>
+            <a:r>
+              <a:rPr lang="en-US" altLang="ja-JP" dirty="0" smtClean="0"/>
+              <a:t>later, </a:t>
+            </a:r>
+            <a:r>
+              <a:rPr lang="en-US" altLang="ja-JP" dirty="0"/>
+              <a:t>it is unfortunately </a:t>
+            </a:r>
+            <a:r>
+              <a:rPr lang="en-US" altLang="ja-JP" dirty="0">
+                <a:solidFill>
+                  <a:srgbClr val="FF0000"/>
+                </a:solidFill>
+              </a:rPr>
+              <a:t>NOT</a:t>
+            </a:r>
+            <a:r>
+              <a:rPr lang="en-US" altLang="ja-JP" dirty="0"/>
+              <a:t> compatible with Java3D library, which </a:t>
+            </a:r>
+            <a:r>
+              <a:rPr lang="en-US" altLang="ja-JP" dirty="0" err="1"/>
               <a:t>JSindo</a:t>
             </a:r>
             <a:r>
-              <a:rPr lang="en-US" altLang="ja-JP" sz="1400" dirty="0" smtClean="0"/>
-              <a:t>, because it uses Java3D which may or may not be compatible with the newer Java.   </a:t>
-            </a:r>
-            <a:endParaRPr lang="ja-JP" altLang="en-US" sz="1400" dirty="0"/>
+              <a:rPr lang="en-US" altLang="ja-JP" dirty="0"/>
+              <a:t> use for visualization. </a:t>
+            </a:r>
+            <a:r>
+              <a:rPr lang="en-US" altLang="ja-JP" dirty="0" smtClean="0"/>
+              <a:t>You may either uninstall or switch to JDK8 keeping the current ones. Ask google for details. </a:t>
+            </a:r>
+            <a:endParaRPr lang="en-US" altLang="ja-JP" dirty="0"/>
           </a:p>
         </p:txBody>
       </p:sp>
     </p:spTree>
     <p:extLst>
       <p:ext uri="{BB962C8B-B14F-4D97-AF65-F5344CB8AC3E}">
-        <p14:creationId xmlns:p14="http://schemas.microsoft.com/office/powerpoint/2010/main" val="961762028"/>
+        <p14:creationId xmlns:p14="http://schemas.microsoft.com/office/powerpoint/2010/main" val="359615772"/>
       </p:ext>
     </p:extLst>
   </p:cSld>
@@ -4696,6 +4985,840 @@
           <a:chExt cx="0" cy="0"/>
         </a:xfrm>
       </p:grpSpPr>
+      <p:grpSp>
+        <p:nvGrpSpPr>
+          <p:cNvPr id="5" name="Group 4"/>
+          <p:cNvGrpSpPr/>
+          <p:nvPr/>
+        </p:nvGrpSpPr>
+        <p:grpSpPr>
+          <a:xfrm>
+            <a:off x="466418" y="1879879"/>
+            <a:ext cx="3711152" cy="4342486"/>
+            <a:chOff x="466418" y="1810606"/>
+            <a:chExt cx="3711152" cy="4342486"/>
+          </a:xfrm>
+        </p:grpSpPr>
+        <p:pic>
+          <p:nvPicPr>
+            <p:cNvPr id="8" name="Picture 7"/>
+            <p:cNvPicPr>
+              <a:picLocks noChangeAspect="1"/>
+            </p:cNvPicPr>
+            <p:nvPr/>
+          </p:nvPicPr>
+          <p:blipFill>
+            <a:blip r:embed="rId2" cstate="print">
+              <a:extLst>
+                <a:ext uri="{28A0092B-C50C-407E-A947-70E740481C1C}">
+                  <a14:useLocalDpi xmlns:a14="http://schemas.microsoft.com/office/drawing/2010/main"/>
+                </a:ext>
+              </a:extLst>
+            </a:blip>
+            <a:stretch>
+              <a:fillRect/>
+            </a:stretch>
+          </p:blipFill>
+          <p:spPr>
+            <a:xfrm>
+              <a:off x="466418" y="1810606"/>
+              <a:ext cx="3711152" cy="4342486"/>
+            </a:xfrm>
+            <a:prstGeom prst="rect">
+              <a:avLst/>
+            </a:prstGeom>
+            <a:ln>
+              <a:solidFill>
+                <a:schemeClr val="tx1"/>
+              </a:solidFill>
+            </a:ln>
+          </p:spPr>
+        </p:pic>
+        <p:sp>
+          <p:nvSpPr>
+            <p:cNvPr id="11" name="Rectangle 10"/>
+            <p:cNvSpPr/>
+            <p:nvPr/>
+          </p:nvSpPr>
+          <p:spPr>
+            <a:xfrm>
+              <a:off x="2805970" y="5150393"/>
+              <a:ext cx="545690" cy="324465"/>
+            </a:xfrm>
+            <a:prstGeom prst="rect">
+              <a:avLst/>
+            </a:prstGeom>
+            <a:noFill/>
+            <a:ln w="19050">
+              <a:solidFill>
+                <a:srgbClr val="FF0000"/>
+              </a:solidFill>
+            </a:ln>
+          </p:spPr>
+          <p:style>
+            <a:lnRef idx="2">
+              <a:schemeClr val="accent1">
+                <a:shade val="50000"/>
+              </a:schemeClr>
+            </a:lnRef>
+            <a:fillRef idx="1">
+              <a:schemeClr val="accent1"/>
+            </a:fillRef>
+            <a:effectRef idx="0">
+              <a:schemeClr val="accent1"/>
+            </a:effectRef>
+            <a:fontRef idx="minor">
+              <a:schemeClr val="lt1"/>
+            </a:fontRef>
+          </p:style>
+          <p:txBody>
+            <a:bodyPr rtlCol="0" anchor="ctr"/>
+            <a:lstStyle/>
+            <a:p>
+              <a:pPr algn="ctr"/>
+              <a:endParaRPr lang="en-US"/>
+            </a:p>
+          </p:txBody>
+        </p:sp>
+        <p:grpSp>
+          <p:nvGrpSpPr>
+            <p:cNvPr id="29" name="Group 28"/>
+            <p:cNvGrpSpPr/>
+            <p:nvPr/>
+          </p:nvGrpSpPr>
+          <p:grpSpPr>
+            <a:xfrm>
+              <a:off x="1346190" y="3219441"/>
+              <a:ext cx="1964053" cy="1617045"/>
+              <a:chOff x="1357162" y="3378467"/>
+              <a:chExt cx="1964053" cy="1617045"/>
+            </a:xfrm>
+          </p:grpSpPr>
+          <p:sp>
+            <p:nvSpPr>
+              <p:cNvPr id="17" name="Rectangle 16"/>
+              <p:cNvSpPr/>
+              <p:nvPr/>
+            </p:nvSpPr>
+            <p:spPr>
+              <a:xfrm>
+                <a:off x="1357162" y="3378467"/>
+                <a:ext cx="1963554" cy="1617045"/>
+              </a:xfrm>
+              <a:prstGeom prst="rect">
+                <a:avLst/>
+              </a:prstGeom>
+              <a:noFill/>
+              <a:ln>
+                <a:solidFill>
+                  <a:srgbClr val="FF0000"/>
+                </a:solidFill>
+              </a:ln>
+            </p:spPr>
+            <p:style>
+              <a:lnRef idx="2">
+                <a:schemeClr val="accent1">
+                  <a:shade val="50000"/>
+                </a:schemeClr>
+              </a:lnRef>
+              <a:fillRef idx="1">
+                <a:schemeClr val="accent1"/>
+              </a:fillRef>
+              <a:effectRef idx="0">
+                <a:schemeClr val="accent1"/>
+              </a:effectRef>
+              <a:fontRef idx="minor">
+                <a:schemeClr val="lt1"/>
+              </a:fontRef>
+            </p:style>
+            <p:txBody>
+              <a:bodyPr rtlCol="0" anchor="ctr"/>
+              <a:lstStyle/>
+              <a:p>
+                <a:pPr algn="ctr"/>
+                <a:endParaRPr lang="en-US"/>
+              </a:p>
+            </p:txBody>
+          </p:sp>
+          <p:cxnSp>
+            <p:nvCxnSpPr>
+              <p:cNvPr id="19" name="Straight Connector 18"/>
+              <p:cNvCxnSpPr/>
+              <p:nvPr/>
+            </p:nvCxnSpPr>
+            <p:spPr>
+              <a:xfrm>
+                <a:off x="1364493" y="3387544"/>
+                <a:ext cx="1956722" cy="1601384"/>
+              </a:xfrm>
+              <a:prstGeom prst="line">
+                <a:avLst/>
+              </a:prstGeom>
+              <a:ln w="19050">
+                <a:solidFill>
+                  <a:srgbClr val="FF0000"/>
+                </a:solidFill>
+              </a:ln>
+            </p:spPr>
+            <p:style>
+              <a:lnRef idx="1">
+                <a:schemeClr val="accent1"/>
+              </a:lnRef>
+              <a:fillRef idx="0">
+                <a:schemeClr val="accent1"/>
+              </a:fillRef>
+              <a:effectRef idx="0">
+                <a:schemeClr val="accent1"/>
+              </a:effectRef>
+              <a:fontRef idx="minor">
+                <a:schemeClr val="tx1"/>
+              </a:fontRef>
+            </p:style>
+          </p:cxnSp>
+          <p:cxnSp>
+            <p:nvCxnSpPr>
+              <p:cNvPr id="20" name="Straight Connector 19"/>
+              <p:cNvCxnSpPr/>
+              <p:nvPr/>
+            </p:nvCxnSpPr>
+            <p:spPr>
+              <a:xfrm flipV="1">
+                <a:off x="1359755" y="3387544"/>
+                <a:ext cx="1956722" cy="1606124"/>
+              </a:xfrm>
+              <a:prstGeom prst="line">
+                <a:avLst/>
+              </a:prstGeom>
+              <a:ln w="19050">
+                <a:solidFill>
+                  <a:srgbClr val="FF0000"/>
+                </a:solidFill>
+              </a:ln>
+            </p:spPr>
+            <p:style>
+              <a:lnRef idx="1">
+                <a:schemeClr val="accent1"/>
+              </a:lnRef>
+              <a:fillRef idx="0">
+                <a:schemeClr val="accent1"/>
+              </a:fillRef>
+              <a:effectRef idx="0">
+                <a:schemeClr val="accent1"/>
+              </a:effectRef>
+              <a:fontRef idx="minor">
+                <a:schemeClr val="tx1"/>
+              </a:fontRef>
+            </p:style>
+          </p:cxnSp>
+        </p:grpSp>
+        <p:sp>
+          <p:nvSpPr>
+            <p:cNvPr id="15" name="TextBox 14"/>
+            <p:cNvSpPr txBox="1"/>
+            <p:nvPr/>
+          </p:nvSpPr>
+          <p:spPr>
+            <a:xfrm>
+              <a:off x="1815514" y="3857161"/>
+              <a:ext cx="1055097" cy="369332"/>
+            </a:xfrm>
+            <a:prstGeom prst="rect">
+              <a:avLst/>
+            </a:prstGeom>
+            <a:solidFill>
+              <a:schemeClr val="bg1"/>
+            </a:solidFill>
+            <a:ln>
+              <a:solidFill>
+                <a:srgbClr val="FF0000"/>
+              </a:solidFill>
+            </a:ln>
+          </p:spPr>
+          <p:txBody>
+            <a:bodyPr wrap="none" rtlCol="0">
+              <a:spAutoFit/>
+            </a:bodyPr>
+            <a:lstStyle/>
+            <a:p>
+              <a:r>
+                <a:rPr lang="en-US" dirty="0" smtClean="0"/>
+                <a:t>Not this! </a:t>
+              </a:r>
+              <a:endParaRPr lang="en-US" dirty="0"/>
+            </a:p>
+          </p:txBody>
+        </p:sp>
+        <p:sp>
+          <p:nvSpPr>
+            <p:cNvPr id="30" name="TextBox 29"/>
+            <p:cNvSpPr txBox="1"/>
+            <p:nvPr/>
+          </p:nvSpPr>
+          <p:spPr>
+            <a:xfrm>
+              <a:off x="503141" y="5141861"/>
+              <a:ext cx="1139543" cy="369332"/>
+            </a:xfrm>
+            <a:prstGeom prst="rect">
+              <a:avLst/>
+            </a:prstGeom>
+            <a:noFill/>
+          </p:spPr>
+          <p:txBody>
+            <a:bodyPr wrap="none" rtlCol="0">
+              <a:spAutoFit/>
+            </a:bodyPr>
+            <a:lstStyle/>
+            <a:p>
+              <a:r>
+                <a:rPr lang="en-US" smtClean="0"/>
+                <a:t>Java SE 8u</a:t>
+              </a:r>
+              <a:endParaRPr lang="en-US"/>
+            </a:p>
+          </p:txBody>
+        </p:sp>
+        <p:cxnSp>
+          <p:nvCxnSpPr>
+            <p:cNvPr id="31" name="Straight Arrow Connector 30"/>
+            <p:cNvCxnSpPr/>
+            <p:nvPr/>
+          </p:nvCxnSpPr>
+          <p:spPr>
+            <a:xfrm flipV="1">
+              <a:off x="1118581" y="4971028"/>
+              <a:ext cx="228600" cy="194981"/>
+            </a:xfrm>
+            <a:prstGeom prst="straightConnector1">
+              <a:avLst/>
+            </a:prstGeom>
+            <a:ln>
+              <a:solidFill>
+                <a:schemeClr val="tx1"/>
+              </a:solidFill>
+              <a:tailEnd type="triangle"/>
+            </a:ln>
+          </p:spPr>
+          <p:style>
+            <a:lnRef idx="1">
+              <a:schemeClr val="accent1"/>
+            </a:lnRef>
+            <a:fillRef idx="0">
+              <a:schemeClr val="accent1"/>
+            </a:fillRef>
+            <a:effectRef idx="0">
+              <a:schemeClr val="accent1"/>
+            </a:effectRef>
+            <a:fontRef idx="minor">
+              <a:schemeClr val="tx1"/>
+            </a:fontRef>
+          </p:style>
+        </p:cxnSp>
+      </p:grpSp>
+      <p:sp>
+        <p:nvSpPr>
+          <p:cNvPr id="3" name="スライド番号プレースホルダー 2"/>
+          <p:cNvSpPr>
+            <a:spLocks noGrp="1"/>
+          </p:cNvSpPr>
+          <p:nvPr>
+            <p:ph type="sldNum" sz="quarter" idx="12"/>
+          </p:nvPr>
+        </p:nvSpPr>
+        <p:spPr/>
+        <p:txBody>
+          <a:bodyPr/>
+          <a:lstStyle/>
+          <a:p>
+            <a:fld id="{7D34BB6B-1E1A-9541-9560-488905BF54FF}" type="slidenum">
+              <a:rPr kumimoji="1" lang="ja-JP" altLang="en-US" smtClean="0"/>
+              <a:t>2</a:t>
+            </a:fld>
+            <a:endParaRPr kumimoji="1" lang="ja-JP" altLang="en-US" dirty="0"/>
+          </a:p>
+        </p:txBody>
+      </p:sp>
+      <p:sp>
+        <p:nvSpPr>
+          <p:cNvPr id="6" name="テキスト ボックス 17"/>
+          <p:cNvSpPr txBox="1"/>
+          <p:nvPr/>
+        </p:nvSpPr>
+        <p:spPr>
+          <a:xfrm>
+            <a:off x="388646" y="692955"/>
+            <a:ext cx="6714339" cy="369332"/>
+          </a:xfrm>
+          <a:prstGeom prst="rect">
+            <a:avLst/>
+          </a:prstGeom>
+          <a:noFill/>
+        </p:spPr>
+        <p:txBody>
+          <a:bodyPr wrap="none" rtlCol="0">
+            <a:spAutoFit/>
+          </a:bodyPr>
+          <a:lstStyle/>
+          <a:p>
+            <a:r>
+              <a:rPr lang="en-US" altLang="ja-JP" dirty="0"/>
+              <a:t>Search “Java SE download” in </a:t>
+            </a:r>
+            <a:r>
+              <a:rPr lang="en-US" altLang="ja-JP" dirty="0" smtClean="0"/>
+              <a:t>Google and </a:t>
+            </a:r>
+            <a:r>
+              <a:rPr lang="en-US" altLang="ja-JP" dirty="0" err="1" smtClean="0"/>
+              <a:t>goto</a:t>
+            </a:r>
+            <a:r>
+              <a:rPr lang="en-US" altLang="ja-JP" dirty="0"/>
+              <a:t> </a:t>
+            </a:r>
+            <a:r>
+              <a:rPr lang="en-US" altLang="ja-JP" dirty="0" smtClean="0"/>
+              <a:t>the following website. </a:t>
+            </a:r>
+          </a:p>
+        </p:txBody>
+      </p:sp>
+      <p:sp>
+        <p:nvSpPr>
+          <p:cNvPr id="10" name="TextBox 9"/>
+          <p:cNvSpPr txBox="1"/>
+          <p:nvPr/>
+        </p:nvSpPr>
+        <p:spPr>
+          <a:xfrm>
+            <a:off x="383458" y="253928"/>
+            <a:ext cx="8531942" cy="369332"/>
+          </a:xfrm>
+          <a:prstGeom prst="rect">
+            <a:avLst/>
+          </a:prstGeom>
+          <a:noFill/>
+        </p:spPr>
+        <p:txBody>
+          <a:bodyPr wrap="square" rtlCol="0">
+            <a:spAutoFit/>
+          </a:bodyPr>
+          <a:lstStyle/>
+          <a:p>
+            <a:r>
+              <a:rPr lang="en-US" dirty="0" smtClean="0"/>
+              <a:t>Alternately, you may use Oracle Java 1.8.x. </a:t>
+            </a:r>
+            <a:r>
+              <a:rPr lang="en-US" smtClean="0"/>
+              <a:t>It </a:t>
+            </a:r>
+            <a:r>
+              <a:rPr lang="en-US" dirty="0" smtClean="0"/>
+              <a:t>is available from here. </a:t>
+            </a:r>
+            <a:endParaRPr lang="en-US" dirty="0"/>
+          </a:p>
+        </p:txBody>
+      </p:sp>
+      <p:cxnSp>
+        <p:nvCxnSpPr>
+          <p:cNvPr id="13" name="Straight Arrow Connector 12"/>
+          <p:cNvCxnSpPr/>
+          <p:nvPr/>
+        </p:nvCxnSpPr>
+        <p:spPr>
+          <a:xfrm flipV="1">
+            <a:off x="3351660" y="3287628"/>
+            <a:ext cx="1209368" cy="1932038"/>
+          </a:xfrm>
+          <a:prstGeom prst="straightConnector1">
+            <a:avLst/>
+          </a:prstGeom>
+          <a:ln>
+            <a:solidFill>
+              <a:srgbClr val="FF0000"/>
+            </a:solidFill>
+            <a:tailEnd type="triangle"/>
+          </a:ln>
+        </p:spPr>
+        <p:style>
+          <a:lnRef idx="1">
+            <a:schemeClr val="accent1"/>
+          </a:lnRef>
+          <a:fillRef idx="0">
+            <a:schemeClr val="accent1"/>
+          </a:fillRef>
+          <a:effectRef idx="0">
+            <a:schemeClr val="accent1"/>
+          </a:effectRef>
+          <a:fontRef idx="minor">
+            <a:schemeClr val="tx1"/>
+          </a:fontRef>
+        </p:style>
+      </p:cxnSp>
+      <p:grpSp>
+        <p:nvGrpSpPr>
+          <p:cNvPr id="4" name="Group 3"/>
+          <p:cNvGrpSpPr/>
+          <p:nvPr/>
+        </p:nvGrpSpPr>
+        <p:grpSpPr>
+          <a:xfrm>
+            <a:off x="4699166" y="1906026"/>
+            <a:ext cx="3718661" cy="2019465"/>
+            <a:chOff x="4699166" y="1836753"/>
+            <a:chExt cx="3718661" cy="2019465"/>
+          </a:xfrm>
+        </p:grpSpPr>
+        <p:pic>
+          <p:nvPicPr>
+            <p:cNvPr id="9" name="Picture 8"/>
+            <p:cNvPicPr>
+              <a:picLocks noChangeAspect="1"/>
+            </p:cNvPicPr>
+            <p:nvPr/>
+          </p:nvPicPr>
+          <p:blipFill>
+            <a:blip r:embed="rId3" cstate="print">
+              <a:extLst>
+                <a:ext uri="{28A0092B-C50C-407E-A947-70E740481C1C}">
+                  <a14:useLocalDpi xmlns:a14="http://schemas.microsoft.com/office/drawing/2010/main"/>
+                </a:ext>
+              </a:extLst>
+            </a:blip>
+            <a:stretch>
+              <a:fillRect/>
+            </a:stretch>
+          </p:blipFill>
+          <p:spPr>
+            <a:xfrm>
+              <a:off x="4701711" y="1836753"/>
+              <a:ext cx="3716116" cy="2019465"/>
+            </a:xfrm>
+            <a:prstGeom prst="rect">
+              <a:avLst/>
+            </a:prstGeom>
+            <a:ln>
+              <a:solidFill>
+                <a:schemeClr val="tx1"/>
+              </a:solidFill>
+            </a:ln>
+          </p:spPr>
+        </p:pic>
+        <p:sp>
+          <p:nvSpPr>
+            <p:cNvPr id="34" name="Rectangle 33"/>
+            <p:cNvSpPr/>
+            <p:nvPr/>
+          </p:nvSpPr>
+          <p:spPr>
+            <a:xfrm>
+              <a:off x="4699166" y="2678654"/>
+              <a:ext cx="3635372" cy="411985"/>
+            </a:xfrm>
+            <a:prstGeom prst="rect">
+              <a:avLst/>
+            </a:prstGeom>
+            <a:noFill/>
+            <a:ln w="19050">
+              <a:solidFill>
+                <a:srgbClr val="FF0000"/>
+              </a:solidFill>
+            </a:ln>
+          </p:spPr>
+          <p:style>
+            <a:lnRef idx="2">
+              <a:schemeClr val="accent1">
+                <a:shade val="50000"/>
+              </a:schemeClr>
+            </a:lnRef>
+            <a:fillRef idx="1">
+              <a:schemeClr val="accent1"/>
+            </a:fillRef>
+            <a:effectRef idx="0">
+              <a:schemeClr val="accent1"/>
+            </a:effectRef>
+            <a:fontRef idx="minor">
+              <a:schemeClr val="lt1"/>
+            </a:fontRef>
+          </p:style>
+          <p:txBody>
+            <a:bodyPr rtlCol="0" anchor="ctr"/>
+            <a:lstStyle/>
+            <a:p>
+              <a:pPr algn="ctr"/>
+              <a:endParaRPr lang="en-US"/>
+            </a:p>
+          </p:txBody>
+        </p:sp>
+        <p:sp>
+          <p:nvSpPr>
+            <p:cNvPr id="35" name="Rectangle 34"/>
+            <p:cNvSpPr/>
+            <p:nvPr/>
+          </p:nvSpPr>
+          <p:spPr>
+            <a:xfrm>
+              <a:off x="5317352" y="2228605"/>
+              <a:ext cx="1304296" cy="180304"/>
+            </a:xfrm>
+            <a:prstGeom prst="rect">
+              <a:avLst/>
+            </a:prstGeom>
+            <a:noFill/>
+            <a:ln w="19050">
+              <a:solidFill>
+                <a:srgbClr val="FF0000"/>
+              </a:solidFill>
+            </a:ln>
+          </p:spPr>
+          <p:style>
+            <a:lnRef idx="2">
+              <a:schemeClr val="accent1">
+                <a:shade val="50000"/>
+              </a:schemeClr>
+            </a:lnRef>
+            <a:fillRef idx="1">
+              <a:schemeClr val="accent1"/>
+            </a:fillRef>
+            <a:effectRef idx="0">
+              <a:schemeClr val="accent1"/>
+            </a:effectRef>
+            <a:fontRef idx="minor">
+              <a:schemeClr val="lt1"/>
+            </a:fontRef>
+          </p:style>
+          <p:txBody>
+            <a:bodyPr rtlCol="0" anchor="ctr"/>
+            <a:lstStyle/>
+            <a:p>
+              <a:pPr algn="ctr"/>
+              <a:endParaRPr lang="en-US"/>
+            </a:p>
+          </p:txBody>
+        </p:sp>
+      </p:grpSp>
+      <p:cxnSp>
+        <p:nvCxnSpPr>
+          <p:cNvPr id="37" name="Straight Arrow Connector 36"/>
+          <p:cNvCxnSpPr/>
+          <p:nvPr/>
+        </p:nvCxnSpPr>
+        <p:spPr>
+          <a:xfrm>
+            <a:off x="5578459" y="1831812"/>
+            <a:ext cx="0" cy="414550"/>
+          </a:xfrm>
+          <a:prstGeom prst="straightConnector1">
+            <a:avLst/>
+          </a:prstGeom>
+          <a:ln>
+            <a:solidFill>
+              <a:schemeClr val="tx1"/>
+            </a:solidFill>
+            <a:tailEnd type="triangle"/>
+          </a:ln>
+        </p:spPr>
+        <p:style>
+          <a:lnRef idx="1">
+            <a:schemeClr val="accent1"/>
+          </a:lnRef>
+          <a:fillRef idx="0">
+            <a:schemeClr val="accent1"/>
+          </a:fillRef>
+          <a:effectRef idx="0">
+            <a:schemeClr val="accent1"/>
+          </a:effectRef>
+          <a:fontRef idx="minor">
+            <a:schemeClr val="tx1"/>
+          </a:fontRef>
+        </p:style>
+      </p:cxnSp>
+      <p:sp>
+        <p:nvSpPr>
+          <p:cNvPr id="40" name="TextBox 39"/>
+          <p:cNvSpPr txBox="1"/>
+          <p:nvPr/>
+        </p:nvSpPr>
+        <p:spPr>
+          <a:xfrm>
+            <a:off x="5215316" y="1484658"/>
+            <a:ext cx="804131" cy="369332"/>
+          </a:xfrm>
+          <a:prstGeom prst="rect">
+            <a:avLst/>
+          </a:prstGeom>
+          <a:noFill/>
+        </p:spPr>
+        <p:txBody>
+          <a:bodyPr wrap="none" rtlCol="0">
+            <a:spAutoFit/>
+          </a:bodyPr>
+          <a:lstStyle/>
+          <a:p>
+            <a:r>
+              <a:rPr lang="en-US" dirty="0" smtClean="0"/>
+              <a:t>accept</a:t>
+            </a:r>
+            <a:endParaRPr lang="en-US" dirty="0"/>
+          </a:p>
+        </p:txBody>
+      </p:sp>
+      <p:sp>
+        <p:nvSpPr>
+          <p:cNvPr id="2" name="TextBox 1"/>
+          <p:cNvSpPr txBox="1"/>
+          <p:nvPr/>
+        </p:nvSpPr>
+        <p:spPr>
+          <a:xfrm>
+            <a:off x="1172103" y="1073641"/>
+            <a:ext cx="6242286" cy="338554"/>
+          </a:xfrm>
+          <a:prstGeom prst="rect">
+            <a:avLst/>
+          </a:prstGeom>
+          <a:noFill/>
+        </p:spPr>
+        <p:txBody>
+          <a:bodyPr wrap="none" rtlCol="0">
+            <a:spAutoFit/>
+          </a:bodyPr>
+          <a:lstStyle/>
+          <a:p>
+            <a:r>
+              <a:rPr lang="en-US" altLang="ja-JP" sz="1600" dirty="0"/>
+              <a:t>http://</a:t>
+            </a:r>
+            <a:r>
+              <a:rPr lang="en-US" altLang="ja-JP" sz="1600" dirty="0" err="1" smtClean="0"/>
+              <a:t>www.oracle.com</a:t>
+            </a:r>
+            <a:r>
+              <a:rPr lang="en-US" altLang="ja-JP" sz="1600" dirty="0" smtClean="0"/>
+              <a:t>/</a:t>
+            </a:r>
+            <a:r>
+              <a:rPr lang="en-US" altLang="ja-JP" sz="1600" dirty="0" err="1" smtClean="0"/>
+              <a:t>technetwork</a:t>
+            </a:r>
+            <a:r>
+              <a:rPr lang="en-US" altLang="ja-JP" sz="1600" dirty="0" smtClean="0"/>
+              <a:t>/java/</a:t>
+            </a:r>
+            <a:r>
+              <a:rPr lang="en-US" altLang="ja-JP" sz="1600" dirty="0" err="1" smtClean="0"/>
+              <a:t>javase</a:t>
+            </a:r>
+            <a:r>
+              <a:rPr lang="en-US" altLang="ja-JP" sz="1600" dirty="0" smtClean="0"/>
+              <a:t>/downloads/</a:t>
+            </a:r>
+            <a:r>
+              <a:rPr lang="en-US" altLang="ja-JP" sz="1600" dirty="0" err="1" smtClean="0"/>
+              <a:t>index.html</a:t>
+            </a:r>
+            <a:endParaRPr lang="en-US" altLang="ja-JP" sz="1600" dirty="0"/>
+          </a:p>
+        </p:txBody>
+      </p:sp>
+      <p:cxnSp>
+        <p:nvCxnSpPr>
+          <p:cNvPr id="32" name="Straight Arrow Connector 31"/>
+          <p:cNvCxnSpPr/>
+          <p:nvPr/>
+        </p:nvCxnSpPr>
+        <p:spPr>
+          <a:xfrm>
+            <a:off x="781172" y="1102943"/>
+            <a:ext cx="0" cy="719349"/>
+          </a:xfrm>
+          <a:prstGeom prst="straightConnector1">
+            <a:avLst/>
+          </a:prstGeom>
+          <a:ln>
+            <a:solidFill>
+              <a:schemeClr val="tx1"/>
+            </a:solidFill>
+            <a:tailEnd type="triangle"/>
+          </a:ln>
+        </p:spPr>
+        <p:style>
+          <a:lnRef idx="1">
+            <a:schemeClr val="accent1"/>
+          </a:lnRef>
+          <a:fillRef idx="0">
+            <a:schemeClr val="accent1"/>
+          </a:fillRef>
+          <a:effectRef idx="0">
+            <a:schemeClr val="accent1"/>
+          </a:effectRef>
+          <a:fontRef idx="minor">
+            <a:schemeClr val="tx1"/>
+          </a:fontRef>
+        </p:style>
+      </p:cxnSp>
+      <p:sp>
+        <p:nvSpPr>
+          <p:cNvPr id="14" name="テキスト ボックス 13"/>
+          <p:cNvSpPr txBox="1"/>
+          <p:nvPr/>
+        </p:nvSpPr>
+        <p:spPr>
+          <a:xfrm>
+            <a:off x="4756919" y="4038845"/>
+            <a:ext cx="4139656" cy="646331"/>
+          </a:xfrm>
+          <a:prstGeom prst="rect">
+            <a:avLst/>
+          </a:prstGeom>
+          <a:noFill/>
+        </p:spPr>
+        <p:txBody>
+          <a:bodyPr wrap="square" rtlCol="0">
+            <a:spAutoFit/>
+          </a:bodyPr>
+          <a:lstStyle/>
+          <a:p>
+            <a:r>
+              <a:rPr kumimoji="1" lang="en-US" altLang="ja-JP" dirty="0" smtClean="0"/>
+              <a:t>i586 and x64 is 32- and 64-bit, respectively. I think you will normally choose 64-bit. </a:t>
+            </a:r>
+            <a:endParaRPr kumimoji="1" lang="ja-JP" altLang="en-US" dirty="0"/>
+          </a:p>
+        </p:txBody>
+      </p:sp>
+    </p:spTree>
+    <p:extLst>
+      <p:ext uri="{BB962C8B-B14F-4D97-AF65-F5344CB8AC3E}">
+        <p14:creationId xmlns:p14="http://schemas.microsoft.com/office/powerpoint/2010/main" val="783373783"/>
+      </p:ext>
+    </p:extLst>
+  </p:cSld>
+  <p:clrMapOvr>
+    <a:masterClrMapping/>
+  </p:clrMapOvr>
+</p:sld>
+</file>
+
+<file path=ppt/slides/slide4.xml><?xml version="1.0" encoding="utf-8"?>
+<p:sld xmlns:a="http://schemas.openxmlformats.org/drawingml/2006/main" xmlns:r="http://schemas.openxmlformats.org/officeDocument/2006/relationships" xmlns:p="http://schemas.openxmlformats.org/presentationml/2006/main">
+  <p:cSld>
+    <p:spTree>
+      <p:nvGrpSpPr>
+        <p:cNvPr id="1" name=""/>
+        <p:cNvGrpSpPr/>
+        <p:nvPr/>
+      </p:nvGrpSpPr>
+      <p:grpSpPr>
+        <a:xfrm>
+          <a:off x="0" y="0"/>
+          <a:ext cx="0" cy="0"/>
+          <a:chOff x="0" y="0"/>
+          <a:chExt cx="0" cy="0"/>
+        </a:xfrm>
+      </p:grpSpPr>
       <p:sp>
         <p:nvSpPr>
           <p:cNvPr id="2" name="タイトル 1"/>
@@ -4744,7 +5867,7 @@
           <a:p>
             <a:fld id="{7D34BB6B-1E1A-9541-9560-488905BF54FF}" type="slidenum">
               <a:rPr kumimoji="1" lang="ja-JP" altLang="en-US" smtClean="0"/>
-              <a:t>2</a:t>
+              <a:t>3</a:t>
             </a:fld>
             <a:endParaRPr kumimoji="1" lang="ja-JP" altLang="en-US"/>
           </a:p>
@@ -5269,7 +6392,7 @@
 </p:sld>
 </file>
 
-<file path=ppt/slides/slide4.xml><?xml version="1.0" encoding="utf-8"?>
+<file path=ppt/slides/slide5.xml><?xml version="1.0" encoding="utf-8"?>
 <p:sld xmlns:a="http://schemas.openxmlformats.org/drawingml/2006/main" xmlns:r="http://schemas.openxmlformats.org/officeDocument/2006/relationships" xmlns:p="http://schemas.openxmlformats.org/presentationml/2006/main">
   <p:cSld>
     <p:spTree>
@@ -5800,7 +6923,7 @@
           <a:p>
             <a:fld id="{7D34BB6B-1E1A-9541-9560-488905BF54FF}" type="slidenum">
               <a:rPr kumimoji="1" lang="ja-JP" altLang="en-US" smtClean="0"/>
-              <a:t>3</a:t>
+              <a:t>4</a:t>
             </a:fld>
             <a:endParaRPr kumimoji="1" lang="ja-JP" altLang="en-US" dirty="0"/>
           </a:p>
@@ -5923,23 +7046,7 @@
                 <a:ea typeface="Courier" charset="0"/>
                 <a:cs typeface="Courier" charset="0"/>
               </a:rPr>
-              <a:t>&gt; </a:t>
-            </a:r>
-            <a:r>
-              <a:rPr lang="en-US" altLang="ja-JP" sz="1200" dirty="0" err="1" smtClean="0">
-                <a:latin typeface="Courier" charset="0"/>
-                <a:ea typeface="Courier" charset="0"/>
-                <a:cs typeface="Courier" charset="0"/>
-              </a:rPr>
-              <a:t>sudo</a:t>
-            </a:r>
-            <a:r>
-              <a:rPr lang="en-US" altLang="ja-JP" sz="1200" dirty="0" smtClean="0">
-                <a:latin typeface="Courier" charset="0"/>
-                <a:ea typeface="Courier" charset="0"/>
-                <a:cs typeface="Courier" charset="0"/>
-              </a:rPr>
-              <a:t> apt-get install p7zip</a:t>
+              <a:t>&gt; apt-get install p7zip</a:t>
             </a:r>
           </a:p>
         </p:txBody>
@@ -6045,33 +7152,33 @@
                 <a:ea typeface="Courier" charset="0"/>
                 <a:cs typeface="Courier" charset="0"/>
               </a:rPr>
-              <a:t>&gt; 7za </a:t>
-            </a:r>
-            <a:r>
-              <a:rPr lang="en-US" altLang="ja-JP" sz="1200" dirty="0">
-                <a:latin typeface="Courier" charset="0"/>
-                <a:ea typeface="Courier" charset="0"/>
-                <a:cs typeface="Courier" charset="0"/>
-              </a:rPr>
-              <a:t>e </a:t>
-            </a:r>
+              <a:t>&gt; 7za x jogamp-all-platforms.7z</a:t>
+            </a:r>
+          </a:p>
+          <a:p>
             <a:r>
               <a:rPr lang="en-US" altLang="ja-JP" sz="1200" dirty="0" smtClean="0">
                 <a:latin typeface="Courier" charset="0"/>
                 <a:ea typeface="Courier" charset="0"/>
                 <a:cs typeface="Courier" charset="0"/>
               </a:rPr>
-              <a:t>jogamp-all-platforms.7z</a:t>
-            </a:r>
-          </a:p>
-          <a:p>
+              <a:t>&gt; </a:t>
+            </a:r>
+            <a:r>
+              <a:rPr lang="en-US" altLang="ja-JP" sz="1200" smtClean="0">
+                <a:latin typeface="Courier" charset="0"/>
+                <a:ea typeface="Courier" charset="0"/>
+                <a:cs typeface="Courier" charset="0"/>
+              </a:rPr>
+              <a:t>7za x </a:t>
+            </a:r>
             <a:r>
               <a:rPr lang="en-US" altLang="ja-JP" sz="1200" dirty="0" smtClean="0">
                 <a:latin typeface="Courier" charset="0"/>
                 <a:ea typeface="Courier" charset="0"/>
                 <a:cs typeface="Courier" charset="0"/>
               </a:rPr>
-              <a:t>&gt; 7za e jogamp-java3d.7z </a:t>
+              <a:t>jogamp-java3d.7z </a:t>
             </a:r>
           </a:p>
         </p:txBody>
@@ -6080,544 +7187,6 @@
     <p:extLst>
       <p:ext uri="{BB962C8B-B14F-4D97-AF65-F5344CB8AC3E}">
         <p14:creationId xmlns:p14="http://schemas.microsoft.com/office/powerpoint/2010/main" val="1896670269"/>
-      </p:ext>
-    </p:extLst>
-  </p:cSld>
-  <p:clrMapOvr>
-    <a:masterClrMapping/>
-  </p:clrMapOvr>
-</p:sld>
-</file>
-
-<file path=ppt/slides/slide5.xml><?xml version="1.0" encoding="utf-8"?>
-<p:sld xmlns:a="http://schemas.openxmlformats.org/drawingml/2006/main" xmlns:r="http://schemas.openxmlformats.org/officeDocument/2006/relationships" xmlns:p="http://schemas.openxmlformats.org/presentationml/2006/main">
-  <p:cSld>
-    <p:spTree>
-      <p:nvGrpSpPr>
-        <p:cNvPr id="1" name=""/>
-        <p:cNvGrpSpPr/>
-        <p:nvPr/>
-      </p:nvGrpSpPr>
-      <p:grpSpPr>
-        <a:xfrm>
-          <a:off x="0" y="0"/>
-          <a:ext cx="0" cy="0"/>
-          <a:chOff x="0" y="0"/>
-          <a:chExt cx="0" cy="0"/>
-        </a:xfrm>
-      </p:grpSpPr>
-      <p:sp>
-        <p:nvSpPr>
-          <p:cNvPr id="2" name="スライド番号プレースホルダー 1"/>
-          <p:cNvSpPr>
-            <a:spLocks noGrp="1"/>
-          </p:cNvSpPr>
-          <p:nvPr>
-            <p:ph type="sldNum" sz="quarter" idx="12"/>
-          </p:nvPr>
-        </p:nvSpPr>
-        <p:spPr/>
-        <p:txBody>
-          <a:bodyPr/>
-          <a:lstStyle/>
-          <a:p>
-            <a:fld id="{7D34BB6B-1E1A-9541-9560-488905BF54FF}" type="slidenum">
-              <a:rPr kumimoji="1" lang="ja-JP" altLang="en-US" smtClean="0"/>
-              <a:t>4</a:t>
-            </a:fld>
-            <a:endParaRPr kumimoji="1" lang="ja-JP" altLang="en-US" dirty="0"/>
-          </a:p>
-        </p:txBody>
-      </p:sp>
-      <p:sp>
-        <p:nvSpPr>
-          <p:cNvPr id="5" name="テキスト ボックス 4"/>
-          <p:cNvSpPr txBox="1"/>
-          <p:nvPr/>
-        </p:nvSpPr>
-        <p:spPr>
-          <a:xfrm>
-            <a:off x="570176" y="945533"/>
-            <a:ext cx="8229440" cy="646331"/>
-          </a:xfrm>
-          <a:prstGeom prst="rect">
-            <a:avLst/>
-          </a:prstGeom>
-          <a:noFill/>
-        </p:spPr>
-        <p:txBody>
-          <a:bodyPr wrap="square" rtlCol="0">
-            <a:spAutoFit/>
-          </a:bodyPr>
-          <a:lstStyle/>
-          <a:p>
-            <a:r>
-              <a:rPr kumimoji="1" lang="en-US" altLang="ja-JP" dirty="0" smtClean="0"/>
-              <a:t>You will find jar files </a:t>
-            </a:r>
-            <a:r>
-              <a:rPr lang="en-US" altLang="ja-JP" dirty="0" smtClean="0"/>
-              <a:t>in </a:t>
-            </a:r>
-            <a:r>
-              <a:rPr lang="en-US" altLang="ja-JP" dirty="0" err="1" smtClean="0"/>
-              <a:t>jogamp</a:t>
-            </a:r>
-            <a:r>
-              <a:rPr lang="en-US" altLang="ja-JP" dirty="0" smtClean="0"/>
-              <a:t>-all-platforms/jar and in jogamp-java3d. The following jar files are needed for </a:t>
-            </a:r>
-            <a:r>
-              <a:rPr lang="en-US" altLang="ja-JP" dirty="0" err="1" smtClean="0"/>
-              <a:t>JSindo</a:t>
-            </a:r>
-            <a:r>
-              <a:rPr lang="en-US" altLang="ja-JP" dirty="0" smtClean="0"/>
-              <a:t>:</a:t>
-            </a:r>
-            <a:endParaRPr kumimoji="1" lang="ja-JP" altLang="en-US" dirty="0"/>
-          </a:p>
-        </p:txBody>
-      </p:sp>
-      <p:sp>
-        <p:nvSpPr>
-          <p:cNvPr id="6" name="テキスト ボックス 5"/>
-          <p:cNvSpPr txBox="1"/>
-          <p:nvPr/>
-        </p:nvSpPr>
-        <p:spPr>
-          <a:xfrm>
-            <a:off x="1145904" y="1800732"/>
-            <a:ext cx="3747372" cy="1200329"/>
-          </a:xfrm>
-          <a:prstGeom prst="rect">
-            <a:avLst/>
-          </a:prstGeom>
-          <a:noFill/>
-          <a:ln>
-            <a:solidFill>
-              <a:srgbClr val="00B050"/>
-            </a:solidFill>
-          </a:ln>
-        </p:spPr>
-        <p:txBody>
-          <a:bodyPr wrap="square" rtlCol="0">
-            <a:spAutoFit/>
-          </a:bodyPr>
-          <a:lstStyle/>
-          <a:p>
-            <a:r>
-              <a:rPr lang="en-US" altLang="ja-JP" sz="1200" dirty="0" err="1" smtClean="0">
-                <a:latin typeface="Courier" charset="0"/>
-                <a:ea typeface="Courier" charset="0"/>
-                <a:cs typeface="Courier" charset="0"/>
-              </a:rPr>
-              <a:t>jogamp</a:t>
-            </a:r>
-            <a:r>
-              <a:rPr lang="en-US" altLang="ja-JP" sz="1200" dirty="0" smtClean="0">
-                <a:latin typeface="Courier" charset="0"/>
-                <a:ea typeface="Courier" charset="0"/>
-                <a:cs typeface="Courier" charset="0"/>
-              </a:rPr>
-              <a:t>-all-platforms/jar/</a:t>
-            </a:r>
-          </a:p>
-          <a:p>
-            <a:pPr lvl="1"/>
-            <a:r>
-              <a:rPr lang="en-US" altLang="ja-JP" sz="1200" dirty="0" err="1" smtClean="0">
-                <a:latin typeface="Courier" charset="0"/>
-                <a:ea typeface="Courier" charset="0"/>
-                <a:cs typeface="Courier" charset="0"/>
-              </a:rPr>
-              <a:t>gluegen-rt.jar</a:t>
-            </a:r>
-            <a:endParaRPr lang="en-US" altLang="ja-JP" sz="1200" dirty="0" smtClean="0">
-              <a:latin typeface="Courier" charset="0"/>
-              <a:ea typeface="Courier" charset="0"/>
-              <a:cs typeface="Courier" charset="0"/>
-            </a:endParaRPr>
-          </a:p>
-          <a:p>
-            <a:pPr lvl="1"/>
-            <a:r>
-              <a:rPr lang="en-US" altLang="ja-JP" sz="1200" dirty="0" err="1" smtClean="0">
-                <a:latin typeface="Courier" charset="0"/>
-                <a:ea typeface="Courier" charset="0"/>
-                <a:cs typeface="Courier" charset="0"/>
-              </a:rPr>
-              <a:t>gluegen.jar</a:t>
-            </a:r>
-            <a:endParaRPr lang="en-US" altLang="ja-JP" sz="1200" dirty="0" smtClean="0">
-              <a:latin typeface="Courier" charset="0"/>
-              <a:ea typeface="Courier" charset="0"/>
-              <a:cs typeface="Courier" charset="0"/>
-            </a:endParaRPr>
-          </a:p>
-          <a:p>
-            <a:pPr lvl="1"/>
-            <a:r>
-              <a:rPr lang="en-US" altLang="ja-JP" sz="1200" dirty="0" err="1" smtClean="0">
-                <a:latin typeface="Courier" charset="0"/>
-                <a:ea typeface="Courier" charset="0"/>
-                <a:cs typeface="Courier" charset="0"/>
-              </a:rPr>
-              <a:t>gluegen</a:t>
-            </a:r>
-            <a:r>
-              <a:rPr lang="en-US" altLang="ja-JP" sz="1200" dirty="0" smtClean="0">
-                <a:latin typeface="Courier" charset="0"/>
-                <a:ea typeface="Courier" charset="0"/>
-                <a:cs typeface="Courier" charset="0"/>
-              </a:rPr>
-              <a:t>-</a:t>
-            </a:r>
-            <a:r>
-              <a:rPr lang="en-US" altLang="ja-JP" sz="1200" dirty="0" err="1" smtClean="0">
-                <a:latin typeface="Courier" charset="0"/>
-                <a:ea typeface="Courier" charset="0"/>
-                <a:cs typeface="Courier" charset="0"/>
-              </a:rPr>
-              <a:t>rt</a:t>
-            </a:r>
-            <a:r>
-              <a:rPr lang="en-US" altLang="ja-JP" sz="1200" dirty="0" smtClean="0">
-                <a:latin typeface="Courier" charset="0"/>
-                <a:ea typeface="Courier" charset="0"/>
-                <a:cs typeface="Courier" charset="0"/>
-              </a:rPr>
-              <a:t>-natives-</a:t>
-            </a:r>
-            <a:r>
-              <a:rPr lang="en-US" altLang="ja-JP" sz="1200" dirty="0" err="1" smtClean="0">
-                <a:solidFill>
-                  <a:srgbClr val="FF0000"/>
-                </a:solidFill>
-                <a:latin typeface="Courier" charset="0"/>
-                <a:ea typeface="Courier" charset="0"/>
-                <a:cs typeface="Courier" charset="0"/>
-              </a:rPr>
-              <a:t>linux</a:t>
-            </a:r>
-            <a:r>
-              <a:rPr lang="en-US" altLang="ja-JP" sz="1200" dirty="0" smtClean="0">
-                <a:solidFill>
-                  <a:srgbClr val="FF0000"/>
-                </a:solidFill>
-                <a:latin typeface="Courier" charset="0"/>
-                <a:ea typeface="Courier" charset="0"/>
-                <a:cs typeface="Courier" charset="0"/>
-              </a:rPr>
-              <a:t>-</a:t>
-            </a:r>
-            <a:r>
-              <a:rPr lang="en-US" altLang="ja-JP" sz="1200" dirty="0" err="1" smtClean="0">
-                <a:solidFill>
-                  <a:srgbClr val="FF0000"/>
-                </a:solidFill>
-                <a:latin typeface="Courier" charset="0"/>
-                <a:ea typeface="Courier" charset="0"/>
-                <a:cs typeface="Courier" charset="0"/>
-              </a:rPr>
-              <a:t>XXX</a:t>
-            </a:r>
-            <a:r>
-              <a:rPr lang="en-US" altLang="ja-JP" sz="1200" dirty="0" err="1" smtClean="0">
-                <a:latin typeface="Courier" charset="0"/>
-                <a:ea typeface="Courier" charset="0"/>
-                <a:cs typeface="Courier" charset="0"/>
-              </a:rPr>
-              <a:t>.jar</a:t>
-            </a:r>
-            <a:r>
-              <a:rPr lang="en-US" altLang="ja-JP" sz="1200" dirty="0" smtClean="0">
-                <a:latin typeface="Courier" charset="0"/>
-                <a:ea typeface="Courier" charset="0"/>
-                <a:cs typeface="Courier" charset="0"/>
-              </a:rPr>
-              <a:t> </a:t>
-            </a:r>
-          </a:p>
-          <a:p>
-            <a:pPr lvl="1"/>
-            <a:r>
-              <a:rPr lang="en-US" altLang="ja-JP" sz="1200" dirty="0" err="1" smtClean="0">
-                <a:latin typeface="Courier" charset="0"/>
-                <a:ea typeface="Courier" charset="0"/>
-                <a:cs typeface="Courier" charset="0"/>
-              </a:rPr>
-              <a:t>jogl-all.jar</a:t>
-            </a:r>
-            <a:endParaRPr lang="en-US" altLang="ja-JP" sz="1200" dirty="0" smtClean="0">
-              <a:latin typeface="Courier" charset="0"/>
-              <a:ea typeface="Courier" charset="0"/>
-              <a:cs typeface="Courier" charset="0"/>
-            </a:endParaRPr>
-          </a:p>
-          <a:p>
-            <a:pPr lvl="1"/>
-            <a:r>
-              <a:rPr lang="en-US" altLang="ja-JP" sz="1200" dirty="0" err="1" smtClean="0">
-                <a:latin typeface="Courier" charset="0"/>
-                <a:ea typeface="Courier" charset="0"/>
-                <a:cs typeface="Courier" charset="0"/>
-              </a:rPr>
-              <a:t>jogl</a:t>
-            </a:r>
-            <a:r>
-              <a:rPr lang="en-US" altLang="ja-JP" sz="1200" dirty="0" smtClean="0">
-                <a:latin typeface="Courier" charset="0"/>
-                <a:ea typeface="Courier" charset="0"/>
-                <a:cs typeface="Courier" charset="0"/>
-              </a:rPr>
-              <a:t>-all-natives-</a:t>
-            </a:r>
-            <a:r>
-              <a:rPr lang="en-US" altLang="ja-JP" sz="1200" dirty="0" err="1" smtClean="0">
-                <a:solidFill>
-                  <a:srgbClr val="FF0000"/>
-                </a:solidFill>
-                <a:latin typeface="Courier" charset="0"/>
-                <a:ea typeface="Courier" charset="0"/>
-                <a:cs typeface="Courier" charset="0"/>
-              </a:rPr>
-              <a:t>linux</a:t>
-            </a:r>
-            <a:r>
-              <a:rPr lang="en-US" altLang="ja-JP" sz="1200" dirty="0" smtClean="0">
-                <a:solidFill>
-                  <a:srgbClr val="FF0000"/>
-                </a:solidFill>
-                <a:latin typeface="Courier" charset="0"/>
-                <a:ea typeface="Courier" charset="0"/>
-                <a:cs typeface="Courier" charset="0"/>
-              </a:rPr>
-              <a:t>-</a:t>
-            </a:r>
-            <a:r>
-              <a:rPr lang="en-US" altLang="ja-JP" sz="1200" dirty="0" err="1" smtClean="0">
-                <a:solidFill>
-                  <a:srgbClr val="FF0000"/>
-                </a:solidFill>
-                <a:latin typeface="Courier" charset="0"/>
-                <a:ea typeface="Courier" charset="0"/>
-                <a:cs typeface="Courier" charset="0"/>
-              </a:rPr>
-              <a:t>XXX</a:t>
-            </a:r>
-            <a:r>
-              <a:rPr lang="en-US" altLang="ja-JP" sz="1200" dirty="0" err="1" smtClean="0">
-                <a:latin typeface="Courier" charset="0"/>
-                <a:ea typeface="Courier" charset="0"/>
-                <a:cs typeface="Courier" charset="0"/>
-              </a:rPr>
-              <a:t>.jar</a:t>
-            </a:r>
-            <a:endParaRPr lang="en-US" altLang="ja-JP" sz="1200" dirty="0" smtClean="0">
-              <a:latin typeface="Courier" charset="0"/>
-              <a:ea typeface="Courier" charset="0"/>
-              <a:cs typeface="Courier" charset="0"/>
-            </a:endParaRPr>
-          </a:p>
-        </p:txBody>
-      </p:sp>
-      <p:sp>
-        <p:nvSpPr>
-          <p:cNvPr id="11" name="テキスト ボックス 10"/>
-          <p:cNvSpPr txBox="1"/>
-          <p:nvPr/>
-        </p:nvSpPr>
-        <p:spPr>
-          <a:xfrm>
-            <a:off x="5114671" y="1801214"/>
-            <a:ext cx="1928681" cy="830997"/>
-          </a:xfrm>
-          <a:prstGeom prst="rect">
-            <a:avLst/>
-          </a:prstGeom>
-          <a:noFill/>
-          <a:ln>
-            <a:solidFill>
-              <a:srgbClr val="00B050"/>
-            </a:solidFill>
-          </a:ln>
-        </p:spPr>
-        <p:txBody>
-          <a:bodyPr wrap="square" rtlCol="0">
-            <a:spAutoFit/>
-          </a:bodyPr>
-          <a:lstStyle/>
-          <a:p>
-            <a:r>
-              <a:rPr lang="en-US" altLang="ja-JP" sz="1200" dirty="0" smtClean="0">
-                <a:latin typeface="Courier" charset="0"/>
-                <a:ea typeface="Courier" charset="0"/>
-                <a:cs typeface="Courier" charset="0"/>
-              </a:rPr>
-              <a:t>jogamp-java3d/</a:t>
-            </a:r>
-          </a:p>
-          <a:p>
-            <a:pPr lvl="1"/>
-            <a:r>
-              <a:rPr lang="en-US" altLang="ja-JP" sz="1200" dirty="0" smtClean="0">
-                <a:latin typeface="Courier" charset="0"/>
-                <a:ea typeface="Courier" charset="0"/>
-                <a:cs typeface="Courier" charset="0"/>
-              </a:rPr>
-              <a:t>j3dcore.jar</a:t>
-            </a:r>
-          </a:p>
-          <a:p>
-            <a:pPr lvl="1"/>
-            <a:r>
-              <a:rPr lang="en-US" altLang="ja-JP" sz="1200" dirty="0" smtClean="0">
-                <a:latin typeface="Courier" charset="0"/>
-                <a:ea typeface="Courier" charset="0"/>
-                <a:cs typeface="Courier" charset="0"/>
-              </a:rPr>
-              <a:t>j3dutils.jar</a:t>
-            </a:r>
-          </a:p>
-          <a:p>
-            <a:pPr lvl="1"/>
-            <a:r>
-              <a:rPr lang="en-US" altLang="ja-JP" sz="1200" dirty="0" err="1">
-                <a:latin typeface="Courier" charset="0"/>
-                <a:ea typeface="Courier" charset="0"/>
-                <a:cs typeface="Courier" charset="0"/>
-              </a:rPr>
-              <a:t>vecmath.jar</a:t>
-            </a:r>
-            <a:endParaRPr lang="en-US" altLang="ja-JP" sz="1200" dirty="0" smtClean="0">
-              <a:latin typeface="Courier" charset="0"/>
-              <a:ea typeface="Courier" charset="0"/>
-              <a:cs typeface="Courier" charset="0"/>
-            </a:endParaRPr>
-          </a:p>
-        </p:txBody>
-      </p:sp>
-      <p:sp>
-        <p:nvSpPr>
-          <p:cNvPr id="17" name="テキスト ボックス 16"/>
-          <p:cNvSpPr txBox="1"/>
-          <p:nvPr/>
-        </p:nvSpPr>
-        <p:spPr>
-          <a:xfrm>
-            <a:off x="629393" y="3335683"/>
-            <a:ext cx="7958554" cy="369332"/>
-          </a:xfrm>
-          <a:prstGeom prst="rect">
-            <a:avLst/>
-          </a:prstGeom>
-          <a:noFill/>
-        </p:spPr>
-        <p:txBody>
-          <a:bodyPr wrap="square" rtlCol="0">
-            <a:spAutoFit/>
-          </a:bodyPr>
-          <a:lstStyle/>
-          <a:p>
-            <a:r>
-              <a:rPr kumimoji="1" lang="en-US" altLang="ja-JP" dirty="0" smtClean="0"/>
-              <a:t>where </a:t>
-            </a:r>
-            <a:r>
-              <a:rPr kumimoji="1" lang="en-US" altLang="ja-JP" dirty="0" smtClean="0">
-                <a:solidFill>
-                  <a:srgbClr val="FF0000"/>
-                </a:solidFill>
-              </a:rPr>
-              <a:t>XXX</a:t>
-            </a:r>
-            <a:r>
-              <a:rPr kumimoji="1" lang="en-US" altLang="ja-JP" dirty="0" smtClean="0"/>
-              <a:t> = </a:t>
-            </a:r>
-            <a:r>
-              <a:rPr lang="en-US" altLang="ja-JP" dirty="0" smtClean="0"/>
-              <a:t>amd64 </a:t>
-            </a:r>
-            <a:r>
-              <a:rPr lang="en-US" altLang="ja-JP" dirty="0"/>
-              <a:t>or </a:t>
-            </a:r>
-            <a:r>
-              <a:rPr lang="en-US" altLang="ja-JP" dirty="0" smtClean="0"/>
-              <a:t>i586 </a:t>
-            </a:r>
-            <a:r>
-              <a:rPr lang="en-US" altLang="ja-JP" dirty="0"/>
-              <a:t>for </a:t>
-            </a:r>
-            <a:r>
-              <a:rPr lang="en-US" altLang="ja-JP" dirty="0" smtClean="0"/>
-              <a:t>64 or 32-bit</a:t>
-            </a:r>
-            <a:r>
-              <a:rPr lang="en-US" altLang="ja-JP" smtClean="0"/>
-              <a:t>, respectively.</a:t>
-            </a:r>
-            <a:endParaRPr lang="en-US" altLang="ja-JP" dirty="0" smtClean="0"/>
-          </a:p>
-        </p:txBody>
-      </p:sp>
-      <p:sp>
-        <p:nvSpPr>
-          <p:cNvPr id="18" name="テキスト ボックス 17"/>
-          <p:cNvSpPr txBox="1"/>
-          <p:nvPr/>
-        </p:nvSpPr>
-        <p:spPr>
-          <a:xfrm>
-            <a:off x="3289384" y="3768008"/>
-            <a:ext cx="4873706" cy="276999"/>
-          </a:xfrm>
-          <a:prstGeom prst="rect">
-            <a:avLst/>
-          </a:prstGeom>
-          <a:noFill/>
-        </p:spPr>
-        <p:txBody>
-          <a:bodyPr wrap="none" rtlCol="0">
-            <a:spAutoFit/>
-          </a:bodyPr>
-          <a:lstStyle/>
-          <a:p>
-            <a:r>
-              <a:rPr kumimoji="1" lang="en-US" altLang="ja-JP" sz="1200" dirty="0" smtClean="0"/>
-              <a:t>(* </a:t>
-            </a:r>
-            <a:r>
-              <a:rPr kumimoji="1" lang="en-US" altLang="ja-JP" sz="1200" dirty="0" smtClean="0">
-                <a:solidFill>
-                  <a:srgbClr val="FF0000"/>
-                </a:solidFill>
-              </a:rPr>
-              <a:t>XXX</a:t>
-            </a:r>
-            <a:r>
-              <a:rPr kumimoji="1" lang="en-US" altLang="ja-JP" sz="1200" dirty="0" smtClean="0"/>
-              <a:t> = armv6 and armv6hf are for ARM </a:t>
-            </a:r>
-            <a:r>
-              <a:rPr kumimoji="1" lang="en-US" altLang="ja-JP" sz="1200" dirty="0" err="1" smtClean="0"/>
-              <a:t>cpus</a:t>
-            </a:r>
-            <a:r>
-              <a:rPr kumimoji="1" lang="en-US" altLang="ja-JP" sz="1200" dirty="0" smtClean="0"/>
-              <a:t>, which are used for phones.) </a:t>
-            </a:r>
-            <a:endParaRPr kumimoji="1" lang="ja-JP" altLang="en-US" sz="1200" dirty="0"/>
-          </a:p>
-        </p:txBody>
-      </p:sp>
-    </p:spTree>
-    <p:extLst>
-      <p:ext uri="{BB962C8B-B14F-4D97-AF65-F5344CB8AC3E}">
-        <p14:creationId xmlns:p14="http://schemas.microsoft.com/office/powerpoint/2010/main" val="238213718"/>
       </p:ext>
     </p:extLst>
   </p:cSld>
@@ -6646,403 +7215,7 @@
       </p:grpSpPr>
       <p:sp>
         <p:nvSpPr>
-          <p:cNvPr id="2" name="タイトル 1"/>
-          <p:cNvSpPr>
-            <a:spLocks noGrp="1"/>
-          </p:cNvSpPr>
-          <p:nvPr>
-            <p:ph type="title"/>
-          </p:nvPr>
-        </p:nvSpPr>
-        <p:spPr/>
-        <p:txBody>
-          <a:bodyPr/>
-          <a:lstStyle/>
-          <a:p>
-            <a:r>
-              <a:rPr kumimoji="1" lang="en-US" altLang="ja-JP" dirty="0" smtClean="0"/>
-              <a:t>3. Download JAMA</a:t>
-            </a:r>
-            <a:endParaRPr kumimoji="1" lang="ja-JP" altLang="en-US" dirty="0"/>
-          </a:p>
-        </p:txBody>
-      </p:sp>
-      <p:sp>
-        <p:nvSpPr>
-          <p:cNvPr id="3" name="テキスト ボックス 2"/>
-          <p:cNvSpPr txBox="1"/>
-          <p:nvPr/>
-        </p:nvSpPr>
-        <p:spPr>
-          <a:xfrm>
-            <a:off x="1417320" y="1662142"/>
-            <a:ext cx="4155240" cy="369332"/>
-          </a:xfrm>
-          <a:prstGeom prst="rect">
-            <a:avLst/>
-          </a:prstGeom>
-          <a:noFill/>
-        </p:spPr>
-        <p:txBody>
-          <a:bodyPr wrap="none" rtlCol="0">
-            <a:spAutoFit/>
-          </a:bodyPr>
-          <a:lstStyle/>
-          <a:p>
-            <a:r>
-              <a:rPr lang="en-US" altLang="ja-JP" dirty="0"/>
-              <a:t>https://</a:t>
-            </a:r>
-            <a:r>
-              <a:rPr lang="en-US" altLang="ja-JP" dirty="0" err="1"/>
-              <a:t>math.nist.gov</a:t>
-            </a:r>
-            <a:r>
-              <a:rPr lang="en-US" altLang="ja-JP" dirty="0"/>
-              <a:t>/</a:t>
-            </a:r>
-            <a:r>
-              <a:rPr lang="en-US" altLang="ja-JP" dirty="0" err="1"/>
-              <a:t>javanumerics</a:t>
-            </a:r>
-            <a:r>
-              <a:rPr lang="en-US" altLang="ja-JP" dirty="0"/>
-              <a:t>/</a:t>
-            </a:r>
-            <a:r>
-              <a:rPr lang="en-US" altLang="ja-JP" dirty="0" err="1"/>
-              <a:t>jama</a:t>
-            </a:r>
-            <a:r>
-              <a:rPr lang="en-US" altLang="ja-JP" dirty="0"/>
-              <a:t>/</a:t>
-            </a:r>
-            <a:endParaRPr kumimoji="1" lang="ja-JP" altLang="en-US" dirty="0"/>
-          </a:p>
-        </p:txBody>
-      </p:sp>
-      <p:sp>
-        <p:nvSpPr>
-          <p:cNvPr id="4" name="テキスト ボックス 3"/>
-          <p:cNvSpPr txBox="1"/>
-          <p:nvPr/>
-        </p:nvSpPr>
-        <p:spPr>
-          <a:xfrm>
-            <a:off x="754381" y="1065462"/>
-            <a:ext cx="8218170" cy="646331"/>
-          </a:xfrm>
-          <a:prstGeom prst="rect">
-            <a:avLst/>
-          </a:prstGeom>
-          <a:noFill/>
-        </p:spPr>
-        <p:txBody>
-          <a:bodyPr wrap="square" rtlCol="0">
-            <a:spAutoFit/>
-          </a:bodyPr>
-          <a:lstStyle/>
-          <a:p>
-            <a:r>
-              <a:rPr kumimoji="1" lang="en-US" altLang="ja-JP" dirty="0" smtClean="0"/>
-              <a:t>JAMA is  a linear algebra library for JAVA. We use it for matrix </a:t>
-            </a:r>
-            <a:r>
-              <a:rPr kumimoji="1" lang="en-US" altLang="ja-JP" dirty="0" err="1" smtClean="0"/>
-              <a:t>maltiplications</a:t>
-            </a:r>
-            <a:r>
-              <a:rPr kumimoji="1" lang="en-US" altLang="ja-JP" dirty="0" smtClean="0"/>
-              <a:t>, diagonalization, and so on. It can be downloaded from, </a:t>
-            </a:r>
-            <a:endParaRPr kumimoji="1" lang="ja-JP" altLang="en-US" dirty="0"/>
-          </a:p>
-        </p:txBody>
-      </p:sp>
-      <p:pic>
-        <p:nvPicPr>
-          <p:cNvPr id="5" name="図 4"/>
-          <p:cNvPicPr>
-            <a:picLocks noChangeAspect="1"/>
-          </p:cNvPicPr>
-          <p:nvPr/>
-        </p:nvPicPr>
-        <p:blipFill>
-          <a:blip r:embed="rId2">
-            <a:extLst>
-              <a:ext uri="{28A0092B-C50C-407E-A947-70E740481C1C}">
-                <a14:useLocalDpi xmlns:a14="http://schemas.microsoft.com/office/drawing/2010/main" val="0"/>
-              </a:ext>
-            </a:extLst>
-          </a:blip>
-          <a:stretch>
-            <a:fillRect/>
-          </a:stretch>
-        </p:blipFill>
-        <p:spPr>
-          <a:xfrm>
-            <a:off x="1508760" y="2112291"/>
-            <a:ext cx="5460451" cy="2147195"/>
-          </a:xfrm>
-          <a:prstGeom prst="rect">
-            <a:avLst/>
-          </a:prstGeom>
-        </p:spPr>
-      </p:pic>
-      <p:pic>
-        <p:nvPicPr>
-          <p:cNvPr id="6" name="図 5"/>
-          <p:cNvPicPr>
-            <a:picLocks noChangeAspect="1"/>
-          </p:cNvPicPr>
-          <p:nvPr/>
-        </p:nvPicPr>
-        <p:blipFill>
-          <a:blip r:embed="rId3">
-            <a:extLst>
-              <a:ext uri="{28A0092B-C50C-407E-A947-70E740481C1C}">
-                <a14:useLocalDpi xmlns:a14="http://schemas.microsoft.com/office/drawing/2010/main" val="0"/>
-              </a:ext>
-            </a:extLst>
-          </a:blip>
-          <a:stretch>
-            <a:fillRect/>
-          </a:stretch>
-        </p:blipFill>
-        <p:spPr>
-          <a:xfrm>
-            <a:off x="1570992" y="4735341"/>
-            <a:ext cx="3169539" cy="1480312"/>
-          </a:xfrm>
-          <a:prstGeom prst="rect">
-            <a:avLst/>
-          </a:prstGeom>
-        </p:spPr>
-      </p:pic>
-      <p:sp>
-        <p:nvSpPr>
-          <p:cNvPr id="7" name="テキスト ボックス 6"/>
-          <p:cNvSpPr txBox="1"/>
-          <p:nvPr/>
-        </p:nvSpPr>
-        <p:spPr>
-          <a:xfrm rot="5400000">
-            <a:off x="1671267" y="4306703"/>
-            <a:ext cx="343364" cy="369332"/>
-          </a:xfrm>
-          <a:prstGeom prst="rect">
-            <a:avLst/>
-          </a:prstGeom>
-          <a:noFill/>
-        </p:spPr>
-        <p:txBody>
-          <a:bodyPr wrap="none" rtlCol="0">
-            <a:spAutoFit/>
-          </a:bodyPr>
-          <a:lstStyle/>
-          <a:p>
-            <a:r>
-              <a:rPr kumimoji="1" lang="en-US" altLang="ja-JP" smtClean="0"/>
-              <a:t>…</a:t>
-            </a:r>
-            <a:endParaRPr kumimoji="1" lang="ja-JP" altLang="en-US" dirty="0"/>
-          </a:p>
-        </p:txBody>
-      </p:sp>
-      <p:cxnSp>
-        <p:nvCxnSpPr>
-          <p:cNvPr id="8" name="直線矢印コネクタ 7"/>
-          <p:cNvCxnSpPr/>
-          <p:nvPr/>
-        </p:nvCxnSpPr>
-        <p:spPr>
-          <a:xfrm flipH="1">
-            <a:off x="2002658" y="4325574"/>
-            <a:ext cx="2" cy="379141"/>
-          </a:xfrm>
-          <a:prstGeom prst="straightConnector1">
-            <a:avLst/>
-          </a:prstGeom>
-          <a:ln w="28575">
-            <a:solidFill>
-              <a:srgbClr val="00B050"/>
-            </a:solidFill>
-            <a:tailEnd type="triangle"/>
-          </a:ln>
-        </p:spPr>
-        <p:style>
-          <a:lnRef idx="1">
-            <a:schemeClr val="accent1"/>
-          </a:lnRef>
-          <a:fillRef idx="0">
-            <a:schemeClr val="accent1"/>
-          </a:fillRef>
-          <a:effectRef idx="0">
-            <a:schemeClr val="accent1"/>
-          </a:effectRef>
-          <a:fontRef idx="minor">
-            <a:schemeClr val="tx1"/>
-          </a:fontRef>
-        </p:style>
-      </p:cxnSp>
-      <p:sp>
-        <p:nvSpPr>
-          <p:cNvPr id="9" name="テキスト ボックス 8"/>
-          <p:cNvSpPr txBox="1"/>
-          <p:nvPr/>
-        </p:nvSpPr>
-        <p:spPr>
-          <a:xfrm>
-            <a:off x="2029349" y="4322502"/>
-            <a:ext cx="1275093" cy="369332"/>
-          </a:xfrm>
-          <a:prstGeom prst="rect">
-            <a:avLst/>
-          </a:prstGeom>
-          <a:noFill/>
-        </p:spPr>
-        <p:txBody>
-          <a:bodyPr wrap="none" rtlCol="0">
-            <a:spAutoFit/>
-          </a:bodyPr>
-          <a:lstStyle/>
-          <a:p>
-            <a:r>
-              <a:rPr kumimoji="1" lang="en-US" altLang="ja-JP" smtClean="0"/>
-              <a:t>Scroll </a:t>
-            </a:r>
-            <a:r>
-              <a:rPr kumimoji="1" lang="en-US" altLang="ja-JP" dirty="0" smtClean="0"/>
-              <a:t>down</a:t>
-            </a:r>
-            <a:endParaRPr kumimoji="1" lang="ja-JP" altLang="en-US" dirty="0"/>
-          </a:p>
-        </p:txBody>
-      </p:sp>
-      <p:sp>
-        <p:nvSpPr>
-          <p:cNvPr id="10" name="正方形/長方形 9"/>
-          <p:cNvSpPr/>
-          <p:nvPr/>
-        </p:nvSpPr>
-        <p:spPr>
-          <a:xfrm>
-            <a:off x="2180765" y="5812577"/>
-            <a:ext cx="894944" cy="194563"/>
-          </a:xfrm>
-          <a:prstGeom prst="rect">
-            <a:avLst/>
-          </a:prstGeom>
-          <a:noFill/>
-          <a:ln w="28575">
-            <a:solidFill>
-              <a:srgbClr val="00B050"/>
-            </a:solidFill>
-            <a:prstDash val="sysDash"/>
-          </a:ln>
-        </p:spPr>
-        <p:style>
-          <a:lnRef idx="2">
-            <a:schemeClr val="accent1">
-              <a:shade val="50000"/>
-            </a:schemeClr>
-          </a:lnRef>
-          <a:fillRef idx="1">
-            <a:schemeClr val="accent1"/>
-          </a:fillRef>
-          <a:effectRef idx="0">
-            <a:schemeClr val="accent1"/>
-          </a:effectRef>
-          <a:fontRef idx="minor">
-            <a:schemeClr val="lt1"/>
-          </a:fontRef>
-        </p:style>
-        <p:txBody>
-          <a:bodyPr rtlCol="0" anchor="ctr"/>
-          <a:lstStyle/>
-          <a:p>
-            <a:pPr algn="ctr"/>
-            <a:endParaRPr kumimoji="1" lang="ja-JP" altLang="en-US"/>
-          </a:p>
-        </p:txBody>
-      </p:sp>
-      <p:sp>
-        <p:nvSpPr>
-          <p:cNvPr id="11" name="テキスト ボックス 10"/>
-          <p:cNvSpPr txBox="1"/>
-          <p:nvPr/>
-        </p:nvSpPr>
-        <p:spPr>
-          <a:xfrm>
-            <a:off x="4228785" y="5679919"/>
-            <a:ext cx="3281155" cy="369332"/>
-          </a:xfrm>
-          <a:prstGeom prst="rect">
-            <a:avLst/>
-          </a:prstGeom>
-          <a:noFill/>
-        </p:spPr>
-        <p:txBody>
-          <a:bodyPr wrap="none" rtlCol="0">
-            <a:spAutoFit/>
-          </a:bodyPr>
-          <a:lstStyle/>
-          <a:p>
-            <a:r>
-              <a:rPr kumimoji="1" lang="en-US" altLang="ja-JP" dirty="0" smtClean="0"/>
-              <a:t>click here and download a </a:t>
-            </a:r>
-            <a:r>
-              <a:rPr kumimoji="1" lang="en-US" altLang="ja-JP" dirty="0" err="1" smtClean="0"/>
-              <a:t>jarfile</a:t>
-            </a:r>
-            <a:r>
-              <a:rPr kumimoji="1" lang="en-US" altLang="ja-JP" dirty="0" smtClean="0"/>
-              <a:t>.</a:t>
-            </a:r>
-            <a:endParaRPr kumimoji="1" lang="ja-JP" altLang="en-US" dirty="0"/>
-          </a:p>
-        </p:txBody>
-      </p:sp>
-      <p:cxnSp>
-        <p:nvCxnSpPr>
-          <p:cNvPr id="12" name="直線矢印コネクタ 11"/>
-          <p:cNvCxnSpPr/>
-          <p:nvPr/>
-        </p:nvCxnSpPr>
-        <p:spPr>
-          <a:xfrm flipV="1">
-            <a:off x="3143770" y="5894293"/>
-            <a:ext cx="1080607" cy="3142"/>
-          </a:xfrm>
-          <a:prstGeom prst="straightConnector1">
-            <a:avLst/>
-          </a:prstGeom>
-          <a:ln w="28575">
-            <a:solidFill>
-              <a:srgbClr val="00B050"/>
-            </a:solidFill>
-            <a:tailEnd type="triangle"/>
-          </a:ln>
-        </p:spPr>
-        <p:style>
-          <a:lnRef idx="1">
-            <a:schemeClr val="accent1"/>
-          </a:lnRef>
-          <a:fillRef idx="0">
-            <a:schemeClr val="accent1"/>
-          </a:fillRef>
-          <a:effectRef idx="0">
-            <a:schemeClr val="accent1"/>
-          </a:effectRef>
-          <a:fontRef idx="minor">
-            <a:schemeClr val="tx1"/>
-          </a:fontRef>
-        </p:style>
-      </p:cxnSp>
-      <p:sp>
-        <p:nvSpPr>
-          <p:cNvPr id="13" name="スライド番号プレースホルダー 12"/>
+          <p:cNvPr id="2" name="スライド番号プレースホルダー 1"/>
           <p:cNvSpPr>
             <a:spLocks noGrp="1"/>
           </p:cNvSpPr>
@@ -7059,14 +7232,667 @@
               <a:rPr kumimoji="1" lang="ja-JP" altLang="en-US" smtClean="0"/>
               <a:t>5</a:t>
             </a:fld>
-            <a:endParaRPr kumimoji="1" lang="ja-JP" altLang="en-US"/>
+            <a:endParaRPr kumimoji="1" lang="ja-JP" altLang="en-US" dirty="0"/>
+          </a:p>
+        </p:txBody>
+      </p:sp>
+      <p:sp>
+        <p:nvSpPr>
+          <p:cNvPr id="5" name="テキスト ボックス 4"/>
+          <p:cNvSpPr txBox="1"/>
+          <p:nvPr/>
+        </p:nvSpPr>
+        <p:spPr>
+          <a:xfrm>
+            <a:off x="570176" y="945533"/>
+            <a:ext cx="8229440" cy="646331"/>
+          </a:xfrm>
+          <a:prstGeom prst="rect">
+            <a:avLst/>
+          </a:prstGeom>
+          <a:noFill/>
+        </p:spPr>
+        <p:txBody>
+          <a:bodyPr wrap="square" rtlCol="0">
+            <a:spAutoFit/>
+          </a:bodyPr>
+          <a:lstStyle/>
+          <a:p>
+            <a:r>
+              <a:rPr kumimoji="1" lang="en-US" altLang="ja-JP" dirty="0" smtClean="0"/>
+              <a:t>You will find jar files </a:t>
+            </a:r>
+            <a:r>
+              <a:rPr lang="en-US" altLang="ja-JP" dirty="0" smtClean="0"/>
+              <a:t>in </a:t>
+            </a:r>
+            <a:r>
+              <a:rPr lang="en-US" altLang="ja-JP" dirty="0" err="1" smtClean="0"/>
+              <a:t>jogamp</a:t>
+            </a:r>
+            <a:r>
+              <a:rPr lang="en-US" altLang="ja-JP" dirty="0" smtClean="0"/>
+              <a:t>-all-platforms/jar and in jogamp-java3d. The following jar files are needed for </a:t>
+            </a:r>
+            <a:r>
+              <a:rPr lang="en-US" altLang="ja-JP" dirty="0" err="1" smtClean="0"/>
+              <a:t>JSindo</a:t>
+            </a:r>
+            <a:r>
+              <a:rPr lang="en-US" altLang="ja-JP" dirty="0" smtClean="0"/>
+              <a:t>:</a:t>
+            </a:r>
+            <a:endParaRPr kumimoji="1" lang="ja-JP" altLang="en-US" dirty="0"/>
+          </a:p>
+        </p:txBody>
+      </p:sp>
+      <p:sp>
+        <p:nvSpPr>
+          <p:cNvPr id="6" name="テキスト ボックス 5"/>
+          <p:cNvSpPr txBox="1"/>
+          <p:nvPr/>
+        </p:nvSpPr>
+        <p:spPr>
+          <a:xfrm>
+            <a:off x="1145904" y="1800732"/>
+            <a:ext cx="3747372" cy="1200329"/>
+          </a:xfrm>
+          <a:prstGeom prst="rect">
+            <a:avLst/>
+          </a:prstGeom>
+          <a:noFill/>
+          <a:ln>
+            <a:solidFill>
+              <a:srgbClr val="00B050"/>
+            </a:solidFill>
+          </a:ln>
+        </p:spPr>
+        <p:txBody>
+          <a:bodyPr wrap="square" rtlCol="0">
+            <a:spAutoFit/>
+          </a:bodyPr>
+          <a:lstStyle/>
+          <a:p>
+            <a:r>
+              <a:rPr lang="en-US" altLang="ja-JP" sz="1200" dirty="0" err="1" smtClean="0">
+                <a:latin typeface="Courier" charset="0"/>
+                <a:ea typeface="Courier" charset="0"/>
+                <a:cs typeface="Courier" charset="0"/>
+              </a:rPr>
+              <a:t>jogamp</a:t>
+            </a:r>
+            <a:r>
+              <a:rPr lang="en-US" altLang="ja-JP" sz="1200" dirty="0" smtClean="0">
+                <a:latin typeface="Courier" charset="0"/>
+                <a:ea typeface="Courier" charset="0"/>
+                <a:cs typeface="Courier" charset="0"/>
+              </a:rPr>
+              <a:t>-all-platforms/jar/</a:t>
+            </a:r>
+          </a:p>
+          <a:p>
+            <a:pPr lvl="1"/>
+            <a:r>
+              <a:rPr lang="en-US" altLang="ja-JP" sz="1200" dirty="0" err="1" smtClean="0">
+                <a:latin typeface="Courier" charset="0"/>
+                <a:ea typeface="Courier" charset="0"/>
+                <a:cs typeface="Courier" charset="0"/>
+              </a:rPr>
+              <a:t>gluegen-rt.jar</a:t>
+            </a:r>
+            <a:endParaRPr lang="en-US" altLang="ja-JP" sz="1200" dirty="0" smtClean="0">
+              <a:latin typeface="Courier" charset="0"/>
+              <a:ea typeface="Courier" charset="0"/>
+              <a:cs typeface="Courier" charset="0"/>
+            </a:endParaRPr>
+          </a:p>
+          <a:p>
+            <a:pPr lvl="1"/>
+            <a:r>
+              <a:rPr lang="en-US" altLang="ja-JP" sz="1200" dirty="0" err="1" smtClean="0">
+                <a:latin typeface="Courier" charset="0"/>
+                <a:ea typeface="Courier" charset="0"/>
+                <a:cs typeface="Courier" charset="0"/>
+              </a:rPr>
+              <a:t>gluegen.jar</a:t>
+            </a:r>
+            <a:endParaRPr lang="en-US" altLang="ja-JP" sz="1200" dirty="0" smtClean="0">
+              <a:latin typeface="Courier" charset="0"/>
+              <a:ea typeface="Courier" charset="0"/>
+              <a:cs typeface="Courier" charset="0"/>
+            </a:endParaRPr>
+          </a:p>
+          <a:p>
+            <a:pPr lvl="1"/>
+            <a:r>
+              <a:rPr lang="en-US" altLang="ja-JP" sz="1200" dirty="0" err="1" smtClean="0">
+                <a:latin typeface="Courier" charset="0"/>
+                <a:ea typeface="Courier" charset="0"/>
+                <a:cs typeface="Courier" charset="0"/>
+              </a:rPr>
+              <a:t>gluegen</a:t>
+            </a:r>
+            <a:r>
+              <a:rPr lang="en-US" altLang="ja-JP" sz="1200" dirty="0" smtClean="0">
+                <a:latin typeface="Courier" charset="0"/>
+                <a:ea typeface="Courier" charset="0"/>
+                <a:cs typeface="Courier" charset="0"/>
+              </a:rPr>
+              <a:t>-</a:t>
+            </a:r>
+            <a:r>
+              <a:rPr lang="en-US" altLang="ja-JP" sz="1200" dirty="0" err="1" smtClean="0">
+                <a:latin typeface="Courier" charset="0"/>
+                <a:ea typeface="Courier" charset="0"/>
+                <a:cs typeface="Courier" charset="0"/>
+              </a:rPr>
+              <a:t>rt</a:t>
+            </a:r>
+            <a:r>
+              <a:rPr lang="en-US" altLang="ja-JP" sz="1200" dirty="0" smtClean="0">
+                <a:latin typeface="Courier" charset="0"/>
+                <a:ea typeface="Courier" charset="0"/>
+                <a:cs typeface="Courier" charset="0"/>
+              </a:rPr>
+              <a:t>-natives-</a:t>
+            </a:r>
+            <a:r>
+              <a:rPr lang="en-US" altLang="ja-JP" sz="1200" dirty="0" err="1" smtClean="0">
+                <a:solidFill>
+                  <a:srgbClr val="FF0000"/>
+                </a:solidFill>
+                <a:latin typeface="Courier" charset="0"/>
+                <a:ea typeface="Courier" charset="0"/>
+                <a:cs typeface="Courier" charset="0"/>
+              </a:rPr>
+              <a:t>linux</a:t>
+            </a:r>
+            <a:r>
+              <a:rPr lang="en-US" altLang="ja-JP" sz="1200" dirty="0" smtClean="0">
+                <a:solidFill>
+                  <a:srgbClr val="FF0000"/>
+                </a:solidFill>
+                <a:latin typeface="Courier" charset="0"/>
+                <a:ea typeface="Courier" charset="0"/>
+                <a:cs typeface="Courier" charset="0"/>
+              </a:rPr>
+              <a:t>-</a:t>
+            </a:r>
+            <a:r>
+              <a:rPr lang="en-US" altLang="ja-JP" sz="1200" dirty="0" err="1" smtClean="0">
+                <a:solidFill>
+                  <a:srgbClr val="FF0000"/>
+                </a:solidFill>
+                <a:latin typeface="Courier" charset="0"/>
+                <a:ea typeface="Courier" charset="0"/>
+                <a:cs typeface="Courier" charset="0"/>
+              </a:rPr>
+              <a:t>XXX</a:t>
+            </a:r>
+            <a:r>
+              <a:rPr lang="en-US" altLang="ja-JP" sz="1200" dirty="0" err="1" smtClean="0">
+                <a:latin typeface="Courier" charset="0"/>
+                <a:ea typeface="Courier" charset="0"/>
+                <a:cs typeface="Courier" charset="0"/>
+              </a:rPr>
+              <a:t>.jar</a:t>
+            </a:r>
+            <a:r>
+              <a:rPr lang="en-US" altLang="ja-JP" sz="1200" dirty="0" smtClean="0">
+                <a:latin typeface="Courier" charset="0"/>
+                <a:ea typeface="Courier" charset="0"/>
+                <a:cs typeface="Courier" charset="0"/>
+              </a:rPr>
+              <a:t> </a:t>
+            </a:r>
+          </a:p>
+          <a:p>
+            <a:pPr lvl="1"/>
+            <a:r>
+              <a:rPr lang="en-US" altLang="ja-JP" sz="1200" dirty="0" err="1" smtClean="0">
+                <a:latin typeface="Courier" charset="0"/>
+                <a:ea typeface="Courier" charset="0"/>
+                <a:cs typeface="Courier" charset="0"/>
+              </a:rPr>
+              <a:t>jogl-all.jar</a:t>
+            </a:r>
+            <a:endParaRPr lang="en-US" altLang="ja-JP" sz="1200" dirty="0" smtClean="0">
+              <a:latin typeface="Courier" charset="0"/>
+              <a:ea typeface="Courier" charset="0"/>
+              <a:cs typeface="Courier" charset="0"/>
+            </a:endParaRPr>
+          </a:p>
+          <a:p>
+            <a:pPr lvl="1"/>
+            <a:r>
+              <a:rPr lang="en-US" altLang="ja-JP" sz="1200" dirty="0" err="1" smtClean="0">
+                <a:latin typeface="Courier" charset="0"/>
+                <a:ea typeface="Courier" charset="0"/>
+                <a:cs typeface="Courier" charset="0"/>
+              </a:rPr>
+              <a:t>jogl</a:t>
+            </a:r>
+            <a:r>
+              <a:rPr lang="en-US" altLang="ja-JP" sz="1200" dirty="0" smtClean="0">
+                <a:latin typeface="Courier" charset="0"/>
+                <a:ea typeface="Courier" charset="0"/>
+                <a:cs typeface="Courier" charset="0"/>
+              </a:rPr>
+              <a:t>-all-natives-</a:t>
+            </a:r>
+            <a:r>
+              <a:rPr lang="en-US" altLang="ja-JP" sz="1200" dirty="0" err="1" smtClean="0">
+                <a:solidFill>
+                  <a:srgbClr val="FF0000"/>
+                </a:solidFill>
+                <a:latin typeface="Courier" charset="0"/>
+                <a:ea typeface="Courier" charset="0"/>
+                <a:cs typeface="Courier" charset="0"/>
+              </a:rPr>
+              <a:t>linux</a:t>
+            </a:r>
+            <a:r>
+              <a:rPr lang="en-US" altLang="ja-JP" sz="1200" dirty="0" smtClean="0">
+                <a:solidFill>
+                  <a:srgbClr val="FF0000"/>
+                </a:solidFill>
+                <a:latin typeface="Courier" charset="0"/>
+                <a:ea typeface="Courier" charset="0"/>
+                <a:cs typeface="Courier" charset="0"/>
+              </a:rPr>
+              <a:t>-</a:t>
+            </a:r>
+            <a:r>
+              <a:rPr lang="en-US" altLang="ja-JP" sz="1200" dirty="0" err="1" smtClean="0">
+                <a:solidFill>
+                  <a:srgbClr val="FF0000"/>
+                </a:solidFill>
+                <a:latin typeface="Courier" charset="0"/>
+                <a:ea typeface="Courier" charset="0"/>
+                <a:cs typeface="Courier" charset="0"/>
+              </a:rPr>
+              <a:t>XXX</a:t>
+            </a:r>
+            <a:r>
+              <a:rPr lang="en-US" altLang="ja-JP" sz="1200" dirty="0" err="1" smtClean="0">
+                <a:latin typeface="Courier" charset="0"/>
+                <a:ea typeface="Courier" charset="0"/>
+                <a:cs typeface="Courier" charset="0"/>
+              </a:rPr>
+              <a:t>.jar</a:t>
+            </a:r>
+            <a:endParaRPr lang="en-US" altLang="ja-JP" sz="1200" dirty="0" smtClean="0">
+              <a:latin typeface="Courier" charset="0"/>
+              <a:ea typeface="Courier" charset="0"/>
+              <a:cs typeface="Courier" charset="0"/>
+            </a:endParaRPr>
+          </a:p>
+        </p:txBody>
+      </p:sp>
+      <p:sp>
+        <p:nvSpPr>
+          <p:cNvPr id="11" name="テキスト ボックス 10"/>
+          <p:cNvSpPr txBox="1"/>
+          <p:nvPr/>
+        </p:nvSpPr>
+        <p:spPr>
+          <a:xfrm>
+            <a:off x="5114671" y="1801214"/>
+            <a:ext cx="1928681" cy="830997"/>
+          </a:xfrm>
+          <a:prstGeom prst="rect">
+            <a:avLst/>
+          </a:prstGeom>
+          <a:noFill/>
+          <a:ln>
+            <a:solidFill>
+              <a:srgbClr val="00B050"/>
+            </a:solidFill>
+          </a:ln>
+        </p:spPr>
+        <p:txBody>
+          <a:bodyPr wrap="square" rtlCol="0">
+            <a:spAutoFit/>
+          </a:bodyPr>
+          <a:lstStyle/>
+          <a:p>
+            <a:r>
+              <a:rPr lang="en-US" altLang="ja-JP" sz="1200" dirty="0" smtClean="0">
+                <a:latin typeface="Courier" charset="0"/>
+                <a:ea typeface="Courier" charset="0"/>
+                <a:cs typeface="Courier" charset="0"/>
+              </a:rPr>
+              <a:t>jogamp-java3d/</a:t>
+            </a:r>
+          </a:p>
+          <a:p>
+            <a:pPr lvl="1"/>
+            <a:r>
+              <a:rPr lang="en-US" altLang="ja-JP" sz="1200" dirty="0" smtClean="0">
+                <a:latin typeface="Courier" charset="0"/>
+                <a:ea typeface="Courier" charset="0"/>
+                <a:cs typeface="Courier" charset="0"/>
+              </a:rPr>
+              <a:t>j3dcore.jar</a:t>
+            </a:r>
+          </a:p>
+          <a:p>
+            <a:pPr lvl="1"/>
+            <a:r>
+              <a:rPr lang="en-US" altLang="ja-JP" sz="1200" dirty="0" smtClean="0">
+                <a:latin typeface="Courier" charset="0"/>
+                <a:ea typeface="Courier" charset="0"/>
+                <a:cs typeface="Courier" charset="0"/>
+              </a:rPr>
+              <a:t>j3dutils.jar</a:t>
+            </a:r>
+          </a:p>
+          <a:p>
+            <a:pPr lvl="1"/>
+            <a:r>
+              <a:rPr lang="en-US" altLang="ja-JP" sz="1200" dirty="0" err="1">
+                <a:latin typeface="Courier" charset="0"/>
+                <a:ea typeface="Courier" charset="0"/>
+                <a:cs typeface="Courier" charset="0"/>
+              </a:rPr>
+              <a:t>vecmath.jar</a:t>
+            </a:r>
+            <a:endParaRPr lang="en-US" altLang="ja-JP" sz="1200" dirty="0" smtClean="0">
+              <a:latin typeface="Courier" charset="0"/>
+              <a:ea typeface="Courier" charset="0"/>
+              <a:cs typeface="Courier" charset="0"/>
+            </a:endParaRPr>
+          </a:p>
+        </p:txBody>
+      </p:sp>
+      <p:sp>
+        <p:nvSpPr>
+          <p:cNvPr id="17" name="テキスト ボックス 16"/>
+          <p:cNvSpPr txBox="1"/>
+          <p:nvPr/>
+        </p:nvSpPr>
+        <p:spPr>
+          <a:xfrm>
+            <a:off x="629393" y="3335683"/>
+            <a:ext cx="7958554" cy="2308324"/>
+          </a:xfrm>
+          <a:prstGeom prst="rect">
+            <a:avLst/>
+          </a:prstGeom>
+          <a:noFill/>
+        </p:spPr>
+        <p:txBody>
+          <a:bodyPr wrap="square" rtlCol="0">
+            <a:spAutoFit/>
+          </a:bodyPr>
+          <a:lstStyle/>
+          <a:p>
+            <a:r>
+              <a:rPr kumimoji="1" lang="en-US" altLang="ja-JP" dirty="0" smtClean="0"/>
+              <a:t>where </a:t>
+            </a:r>
+            <a:r>
+              <a:rPr kumimoji="1" lang="en-US" altLang="ja-JP" dirty="0" smtClean="0">
+                <a:solidFill>
+                  <a:srgbClr val="FF0000"/>
+                </a:solidFill>
+              </a:rPr>
+              <a:t>XXX</a:t>
+            </a:r>
+            <a:r>
+              <a:rPr kumimoji="1" lang="en-US" altLang="ja-JP" dirty="0" smtClean="0"/>
+              <a:t> = </a:t>
+            </a:r>
+            <a:r>
+              <a:rPr lang="en-US" altLang="ja-JP" dirty="0" smtClean="0"/>
+              <a:t>amd64 </a:t>
+            </a:r>
+            <a:r>
+              <a:rPr lang="en-US" altLang="ja-JP" dirty="0"/>
+              <a:t>or </a:t>
+            </a:r>
+            <a:r>
+              <a:rPr lang="en-US" altLang="ja-JP" dirty="0" smtClean="0"/>
+              <a:t>i586 </a:t>
+            </a:r>
+            <a:r>
+              <a:rPr lang="en-US" altLang="ja-JP" dirty="0"/>
+              <a:t>for </a:t>
+            </a:r>
+            <a:r>
+              <a:rPr lang="en-US" altLang="ja-JP" dirty="0" smtClean="0"/>
+              <a:t>64 or 32-bit, respectively</a:t>
+            </a:r>
+            <a:r>
+              <a:rPr lang="en-US" altLang="ja-JP" dirty="0"/>
+              <a:t>. </a:t>
+            </a:r>
+            <a:r>
+              <a:rPr lang="en-US" altLang="ja-JP" dirty="0" smtClean="0"/>
+              <a:t>You can check </a:t>
+            </a:r>
+            <a:r>
+              <a:rPr lang="en-US" altLang="ja-JP" dirty="0"/>
+              <a:t>if your Java is 32- or 64-bit. In the terminal, type “java -version” and you will see a message like this:</a:t>
+            </a:r>
+          </a:p>
+          <a:p>
+            <a:endParaRPr lang="en-US" altLang="ja-JP" dirty="0"/>
+          </a:p>
+          <a:p>
+            <a:endParaRPr lang="en-US" altLang="ja-JP" dirty="0"/>
+          </a:p>
+          <a:p>
+            <a:endParaRPr lang="en-US" altLang="ja-JP" dirty="0"/>
+          </a:p>
+          <a:p>
+            <a:endParaRPr lang="en-US" altLang="ja-JP" dirty="0"/>
+          </a:p>
+          <a:p>
+            <a:r>
+              <a:rPr lang="en-US" altLang="ja-JP" dirty="0"/>
+              <a:t>This is an example of 64-bit. If “64-Bit” is absent, then it’s 32-bit. </a:t>
+            </a:r>
+          </a:p>
+        </p:txBody>
+      </p:sp>
+      <p:sp>
+        <p:nvSpPr>
+          <p:cNvPr id="18" name="テキスト ボックス 17"/>
+          <p:cNvSpPr txBox="1"/>
+          <p:nvPr/>
+        </p:nvSpPr>
+        <p:spPr>
+          <a:xfrm>
+            <a:off x="3760438" y="5777391"/>
+            <a:ext cx="4873706" cy="276999"/>
+          </a:xfrm>
+          <a:prstGeom prst="rect">
+            <a:avLst/>
+          </a:prstGeom>
+          <a:noFill/>
+        </p:spPr>
+        <p:txBody>
+          <a:bodyPr wrap="none" rtlCol="0">
+            <a:spAutoFit/>
+          </a:bodyPr>
+          <a:lstStyle/>
+          <a:p>
+            <a:r>
+              <a:rPr kumimoji="1" lang="en-US" altLang="ja-JP" sz="1200" dirty="0" smtClean="0"/>
+              <a:t>(* </a:t>
+            </a:r>
+            <a:r>
+              <a:rPr kumimoji="1" lang="en-US" altLang="ja-JP" sz="1200" dirty="0" smtClean="0">
+                <a:solidFill>
+                  <a:srgbClr val="FF0000"/>
+                </a:solidFill>
+              </a:rPr>
+              <a:t>XXX</a:t>
+            </a:r>
+            <a:r>
+              <a:rPr kumimoji="1" lang="en-US" altLang="ja-JP" sz="1200" dirty="0" smtClean="0"/>
+              <a:t> = armv6 and armv6hf are for ARM </a:t>
+            </a:r>
+            <a:r>
+              <a:rPr kumimoji="1" lang="en-US" altLang="ja-JP" sz="1200" dirty="0" err="1" smtClean="0"/>
+              <a:t>cpus</a:t>
+            </a:r>
+            <a:r>
+              <a:rPr kumimoji="1" lang="en-US" altLang="ja-JP" sz="1200" dirty="0" smtClean="0"/>
+              <a:t>, which are used for phones.) </a:t>
+            </a:r>
+            <a:endParaRPr kumimoji="1" lang="ja-JP" altLang="en-US" sz="1200" dirty="0"/>
+          </a:p>
+        </p:txBody>
+      </p:sp>
+      <p:sp>
+        <p:nvSpPr>
+          <p:cNvPr id="8" name="テキスト ボックス 7"/>
+          <p:cNvSpPr txBox="1"/>
+          <p:nvPr/>
+        </p:nvSpPr>
+        <p:spPr>
+          <a:xfrm>
+            <a:off x="1160315" y="4296841"/>
+            <a:ext cx="5298245" cy="830997"/>
+          </a:xfrm>
+          <a:prstGeom prst="rect">
+            <a:avLst/>
+          </a:prstGeom>
+          <a:noFill/>
+          <a:ln>
+            <a:solidFill>
+              <a:srgbClr val="00B050"/>
+            </a:solidFill>
+          </a:ln>
+        </p:spPr>
+        <p:txBody>
+          <a:bodyPr wrap="none" rtlCol="0">
+            <a:spAutoFit/>
+          </a:bodyPr>
+          <a:lstStyle/>
+          <a:p>
+            <a:r>
+              <a:rPr kumimoji="1" lang="en-US" altLang="ja-JP" sz="1200" dirty="0" smtClean="0">
+                <a:latin typeface="Courier" charset="0"/>
+                <a:ea typeface="Courier" charset="0"/>
+                <a:cs typeface="Courier" charset="0"/>
+              </a:rPr>
+              <a:t>&gt;java –version</a:t>
+            </a:r>
+          </a:p>
+          <a:p>
+            <a:r>
+              <a:rPr lang="en-US" altLang="ja-JP" sz="1200" dirty="0" err="1">
+                <a:latin typeface="Courier" charset="0"/>
+                <a:ea typeface="Courier" charset="0"/>
+                <a:cs typeface="Courier" charset="0"/>
+              </a:rPr>
+              <a:t>openjdk</a:t>
+            </a:r>
+            <a:r>
+              <a:rPr lang="en-US" altLang="ja-JP" sz="1200" dirty="0">
+                <a:latin typeface="Courier" charset="0"/>
+                <a:ea typeface="Courier" charset="0"/>
+                <a:cs typeface="Courier" charset="0"/>
+              </a:rPr>
+              <a:t> version "</a:t>
+            </a:r>
+            <a:r>
+              <a:rPr lang="en-US" altLang="ja-JP" sz="1200" dirty="0" smtClean="0">
+                <a:latin typeface="Courier" charset="0"/>
+                <a:ea typeface="Courier" charset="0"/>
+                <a:cs typeface="Courier" charset="0"/>
+              </a:rPr>
+              <a:t>1.8.0_121”</a:t>
+            </a:r>
+          </a:p>
+          <a:p>
+            <a:r>
+              <a:rPr lang="en-US" altLang="ja-JP" sz="1200" dirty="0" err="1" smtClean="0">
+                <a:latin typeface="Courier" charset="0"/>
+                <a:ea typeface="Courier" charset="0"/>
+                <a:cs typeface="Courier" charset="0"/>
+              </a:rPr>
+              <a:t>OpenJDK</a:t>
+            </a:r>
+            <a:r>
+              <a:rPr lang="en-US" altLang="ja-JP" sz="1200" dirty="0" smtClean="0">
+                <a:latin typeface="Courier" charset="0"/>
+                <a:ea typeface="Courier" charset="0"/>
+                <a:cs typeface="Courier" charset="0"/>
+              </a:rPr>
+              <a:t> </a:t>
+            </a:r>
+            <a:r>
+              <a:rPr lang="en-US" altLang="ja-JP" sz="1200" dirty="0">
+                <a:latin typeface="Courier" charset="0"/>
+                <a:ea typeface="Courier" charset="0"/>
+                <a:cs typeface="Courier" charset="0"/>
+              </a:rPr>
+              <a:t>Runtime Environment (build 1.8.0_121-b13</a:t>
+            </a:r>
+            <a:r>
+              <a:rPr lang="en-US" altLang="ja-JP" sz="1200" dirty="0" smtClean="0">
+                <a:latin typeface="Courier" charset="0"/>
+                <a:ea typeface="Courier" charset="0"/>
+                <a:cs typeface="Courier" charset="0"/>
+              </a:rPr>
+              <a:t>)</a:t>
+            </a:r>
+          </a:p>
+          <a:p>
+            <a:r>
+              <a:rPr lang="en-US" altLang="ja-JP" sz="1200" dirty="0" err="1" smtClean="0">
+                <a:latin typeface="Courier" charset="0"/>
+                <a:ea typeface="Courier" charset="0"/>
+                <a:cs typeface="Courier" charset="0"/>
+              </a:rPr>
+              <a:t>OpenJDK</a:t>
+            </a:r>
+            <a:r>
+              <a:rPr lang="en-US" altLang="ja-JP" sz="1200" dirty="0" smtClean="0">
+                <a:latin typeface="Courier" charset="0"/>
+                <a:ea typeface="Courier" charset="0"/>
+                <a:cs typeface="Courier" charset="0"/>
+              </a:rPr>
+              <a:t> </a:t>
+            </a:r>
+            <a:r>
+              <a:rPr lang="en-US" altLang="ja-JP" sz="1200" b="1" dirty="0">
+                <a:solidFill>
+                  <a:srgbClr val="FF0000"/>
+                </a:solidFill>
+                <a:latin typeface="Courier" charset="0"/>
+                <a:ea typeface="Courier" charset="0"/>
+                <a:cs typeface="Courier" charset="0"/>
+              </a:rPr>
+              <a:t>64-Bit</a:t>
+            </a:r>
+            <a:r>
+              <a:rPr lang="en-US" altLang="ja-JP" sz="1200" dirty="0">
+                <a:latin typeface="Courier" charset="0"/>
+                <a:ea typeface="Courier" charset="0"/>
+                <a:cs typeface="Courier" charset="0"/>
+              </a:rPr>
+              <a:t> Server VM (build 25.121-b13, mixed mode</a:t>
+            </a:r>
+            <a:r>
+              <a:rPr lang="en-US" altLang="ja-JP" sz="1200" dirty="0" smtClean="0">
+                <a:latin typeface="Courier" charset="0"/>
+                <a:ea typeface="Courier" charset="0"/>
+                <a:cs typeface="Courier" charset="0"/>
+              </a:rPr>
+              <a:t>)</a:t>
+            </a:r>
           </a:p>
         </p:txBody>
       </p:sp>
     </p:spTree>
     <p:extLst>
       <p:ext uri="{BB962C8B-B14F-4D97-AF65-F5344CB8AC3E}">
-        <p14:creationId xmlns:p14="http://schemas.microsoft.com/office/powerpoint/2010/main" val="1719898318"/>
+        <p14:creationId xmlns:p14="http://schemas.microsoft.com/office/powerpoint/2010/main" val="238213718"/>
       </p:ext>
     </p:extLst>
   </p:cSld>
@@ -7095,7 +7921,7 @@
       </p:grpSpPr>
       <p:sp>
         <p:nvSpPr>
-          <p:cNvPr id="4" name="タイトル 3"/>
+          <p:cNvPr id="2" name="タイトル 1"/>
           <p:cNvSpPr>
             <a:spLocks noGrp="1"/>
           </p:cNvSpPr>
@@ -7109,16 +7935,62 @@
           <a:lstStyle/>
           <a:p>
             <a:r>
+              <a:rPr kumimoji="1" lang="en-US" altLang="ja-JP" dirty="0" smtClean="0"/>
+              <a:t>3. Download JAMA</a:t>
+            </a:r>
+            <a:endParaRPr kumimoji="1" lang="ja-JP" altLang="en-US" dirty="0"/>
+          </a:p>
+        </p:txBody>
+      </p:sp>
+      <p:sp>
+        <p:nvSpPr>
+          <p:cNvPr id="3" name="テキスト ボックス 2"/>
+          <p:cNvSpPr txBox="1"/>
+          <p:nvPr/>
+        </p:nvSpPr>
+        <p:spPr>
+          <a:xfrm>
+            <a:off x="1417320" y="1662142"/>
+            <a:ext cx="4155240" cy="369332"/>
+          </a:xfrm>
+          <a:prstGeom prst="rect">
+            <a:avLst/>
+          </a:prstGeom>
+          <a:noFill/>
+        </p:spPr>
+        <p:txBody>
+          <a:bodyPr wrap="none" rtlCol="0">
+            <a:spAutoFit/>
+          </a:bodyPr>
+          <a:lstStyle/>
+          <a:p>
+            <a:r>
               <a:rPr lang="en-US" altLang="ja-JP" dirty="0"/>
-              <a:t>4. </a:t>
-            </a:r>
-            <a:r>
-              <a:rPr lang="en-US" altLang="ja-JP" dirty="0" smtClean="0"/>
-              <a:t>Setup the jar </a:t>
+              <a:t>https://</a:t>
+            </a:r>
+            <a:r>
+              <a:rPr lang="en-US" altLang="ja-JP" dirty="0" err="1"/>
+              <a:t>math.nist.gov</a:t>
             </a:r>
             <a:r>
               <a:rPr lang="en-US" altLang="ja-JP" dirty="0"/>
-              <a:t>files</a:t>
+              <a:t>/</a:t>
+            </a:r>
+            <a:r>
+              <a:rPr lang="en-US" altLang="ja-JP" dirty="0" err="1"/>
+              <a:t>javanumerics</a:t>
+            </a:r>
+            <a:r>
+              <a:rPr lang="en-US" altLang="ja-JP" dirty="0"/>
+              <a:t>/</a:t>
+            </a:r>
+            <a:r>
+              <a:rPr lang="en-US" altLang="ja-JP" dirty="0" err="1"/>
+              <a:t>jama</a:t>
+            </a:r>
+            <a:r>
+              <a:rPr lang="en-US" altLang="ja-JP" dirty="0"/>
+              <a:t>/</a:t>
             </a:r>
             <a:endParaRPr kumimoji="1" lang="ja-JP" altLang="en-US" dirty="0"/>
           </a:p>
@@ -7126,7 +7998,326 @@
       </p:sp>
       <p:sp>
         <p:nvSpPr>
-          <p:cNvPr id="2" name="スライド番号プレースホルダー 1"/>
+          <p:cNvPr id="4" name="テキスト ボックス 3"/>
+          <p:cNvSpPr txBox="1"/>
+          <p:nvPr/>
+        </p:nvSpPr>
+        <p:spPr>
+          <a:xfrm>
+            <a:off x="754381" y="1065462"/>
+            <a:ext cx="8218170" cy="646331"/>
+          </a:xfrm>
+          <a:prstGeom prst="rect">
+            <a:avLst/>
+          </a:prstGeom>
+          <a:noFill/>
+        </p:spPr>
+        <p:txBody>
+          <a:bodyPr wrap="square" rtlCol="0">
+            <a:spAutoFit/>
+          </a:bodyPr>
+          <a:lstStyle/>
+          <a:p>
+            <a:r>
+              <a:rPr kumimoji="1" lang="en-US" altLang="ja-JP" dirty="0" smtClean="0"/>
+              <a:t>JAMA is  a linear algebra library for JAVA. We use it for </a:t>
+            </a:r>
+            <a:r>
+              <a:rPr kumimoji="1" lang="en-US" altLang="ja-JP" smtClean="0"/>
+              <a:t>matrix multiplications</a:t>
+            </a:r>
+            <a:r>
+              <a:rPr kumimoji="1" lang="en-US" altLang="ja-JP" dirty="0" smtClean="0"/>
+              <a:t>, diagonalization, and so on. It can be downloaded from, </a:t>
+            </a:r>
+            <a:endParaRPr kumimoji="1" lang="ja-JP" altLang="en-US" dirty="0"/>
+          </a:p>
+        </p:txBody>
+      </p:sp>
+      <p:pic>
+        <p:nvPicPr>
+          <p:cNvPr id="5" name="図 4"/>
+          <p:cNvPicPr>
+            <a:picLocks noChangeAspect="1"/>
+          </p:cNvPicPr>
+          <p:nvPr/>
+        </p:nvPicPr>
+        <p:blipFill>
+          <a:blip r:embed="rId2">
+            <a:extLst>
+              <a:ext uri="{28A0092B-C50C-407E-A947-70E740481C1C}">
+                <a14:useLocalDpi xmlns:a14="http://schemas.microsoft.com/office/drawing/2010/main" val="0"/>
+              </a:ext>
+            </a:extLst>
+          </a:blip>
+          <a:stretch>
+            <a:fillRect/>
+          </a:stretch>
+        </p:blipFill>
+        <p:spPr>
+          <a:xfrm>
+            <a:off x="1508760" y="2112291"/>
+            <a:ext cx="5460451" cy="2147195"/>
+          </a:xfrm>
+          <a:prstGeom prst="rect">
+            <a:avLst/>
+          </a:prstGeom>
+        </p:spPr>
+      </p:pic>
+      <p:pic>
+        <p:nvPicPr>
+          <p:cNvPr id="6" name="図 5"/>
+          <p:cNvPicPr>
+            <a:picLocks noChangeAspect="1"/>
+          </p:cNvPicPr>
+          <p:nvPr/>
+        </p:nvPicPr>
+        <p:blipFill>
+          <a:blip r:embed="rId3">
+            <a:extLst>
+              <a:ext uri="{28A0092B-C50C-407E-A947-70E740481C1C}">
+                <a14:useLocalDpi xmlns:a14="http://schemas.microsoft.com/office/drawing/2010/main" val="0"/>
+              </a:ext>
+            </a:extLst>
+          </a:blip>
+          <a:stretch>
+            <a:fillRect/>
+          </a:stretch>
+        </p:blipFill>
+        <p:spPr>
+          <a:xfrm>
+            <a:off x="1570992" y="4735341"/>
+            <a:ext cx="3169539" cy="1480312"/>
+          </a:xfrm>
+          <a:prstGeom prst="rect">
+            <a:avLst/>
+          </a:prstGeom>
+        </p:spPr>
+      </p:pic>
+      <p:sp>
+        <p:nvSpPr>
+          <p:cNvPr id="7" name="テキスト ボックス 6"/>
+          <p:cNvSpPr txBox="1"/>
+          <p:nvPr/>
+        </p:nvSpPr>
+        <p:spPr>
+          <a:xfrm rot="5400000">
+            <a:off x="1671267" y="4306703"/>
+            <a:ext cx="343364" cy="369332"/>
+          </a:xfrm>
+          <a:prstGeom prst="rect">
+            <a:avLst/>
+          </a:prstGeom>
+          <a:noFill/>
+        </p:spPr>
+        <p:txBody>
+          <a:bodyPr wrap="none" rtlCol="0">
+            <a:spAutoFit/>
+          </a:bodyPr>
+          <a:lstStyle/>
+          <a:p>
+            <a:r>
+              <a:rPr kumimoji="1" lang="en-US" altLang="ja-JP" smtClean="0"/>
+              <a:t>…</a:t>
+            </a:r>
+            <a:endParaRPr kumimoji="1" lang="ja-JP" altLang="en-US" dirty="0"/>
+          </a:p>
+        </p:txBody>
+      </p:sp>
+      <p:cxnSp>
+        <p:nvCxnSpPr>
+          <p:cNvPr id="8" name="直線矢印コネクタ 7"/>
+          <p:cNvCxnSpPr/>
+          <p:nvPr/>
+        </p:nvCxnSpPr>
+        <p:spPr>
+          <a:xfrm flipH="1">
+            <a:off x="2002658" y="4325574"/>
+            <a:ext cx="2" cy="379141"/>
+          </a:xfrm>
+          <a:prstGeom prst="straightConnector1">
+            <a:avLst/>
+          </a:prstGeom>
+          <a:ln w="28575">
+            <a:solidFill>
+              <a:srgbClr val="00B050"/>
+            </a:solidFill>
+            <a:tailEnd type="triangle"/>
+          </a:ln>
+        </p:spPr>
+        <p:style>
+          <a:lnRef idx="1">
+            <a:schemeClr val="accent1"/>
+          </a:lnRef>
+          <a:fillRef idx="0">
+            <a:schemeClr val="accent1"/>
+          </a:fillRef>
+          <a:effectRef idx="0">
+            <a:schemeClr val="accent1"/>
+          </a:effectRef>
+          <a:fontRef idx="minor">
+            <a:schemeClr val="tx1"/>
+          </a:fontRef>
+        </p:style>
+      </p:cxnSp>
+      <p:sp>
+        <p:nvSpPr>
+          <p:cNvPr id="9" name="テキスト ボックス 8"/>
+          <p:cNvSpPr txBox="1"/>
+          <p:nvPr/>
+        </p:nvSpPr>
+        <p:spPr>
+          <a:xfrm>
+            <a:off x="2029349" y="4322502"/>
+            <a:ext cx="1275093" cy="369332"/>
+          </a:xfrm>
+          <a:prstGeom prst="rect">
+            <a:avLst/>
+          </a:prstGeom>
+          <a:noFill/>
+        </p:spPr>
+        <p:txBody>
+          <a:bodyPr wrap="none" rtlCol="0">
+            <a:spAutoFit/>
+          </a:bodyPr>
+          <a:lstStyle/>
+          <a:p>
+            <a:r>
+              <a:rPr kumimoji="1" lang="en-US" altLang="ja-JP" smtClean="0"/>
+              <a:t>Scroll </a:t>
+            </a:r>
+            <a:r>
+              <a:rPr kumimoji="1" lang="en-US" altLang="ja-JP" dirty="0" smtClean="0"/>
+              <a:t>down</a:t>
+            </a:r>
+            <a:endParaRPr kumimoji="1" lang="ja-JP" altLang="en-US" dirty="0"/>
+          </a:p>
+        </p:txBody>
+      </p:sp>
+      <p:sp>
+        <p:nvSpPr>
+          <p:cNvPr id="10" name="正方形/長方形 9"/>
+          <p:cNvSpPr/>
+          <p:nvPr/>
+        </p:nvSpPr>
+        <p:spPr>
+          <a:xfrm>
+            <a:off x="2180765" y="5812577"/>
+            <a:ext cx="894944" cy="194563"/>
+          </a:xfrm>
+          <a:prstGeom prst="rect">
+            <a:avLst/>
+          </a:prstGeom>
+          <a:noFill/>
+          <a:ln w="28575">
+            <a:solidFill>
+              <a:srgbClr val="00B050"/>
+            </a:solidFill>
+            <a:prstDash val="sysDash"/>
+          </a:ln>
+        </p:spPr>
+        <p:style>
+          <a:lnRef idx="2">
+            <a:schemeClr val="accent1">
+              <a:shade val="50000"/>
+            </a:schemeClr>
+          </a:lnRef>
+          <a:fillRef idx="1">
+            <a:schemeClr val="accent1"/>
+          </a:fillRef>
+          <a:effectRef idx="0">
+            <a:schemeClr val="accent1"/>
+          </a:effectRef>
+          <a:fontRef idx="minor">
+            <a:schemeClr val="lt1"/>
+          </a:fontRef>
+        </p:style>
+        <p:txBody>
+          <a:bodyPr rtlCol="0" anchor="ctr"/>
+          <a:lstStyle/>
+          <a:p>
+            <a:pPr algn="ctr"/>
+            <a:endParaRPr kumimoji="1" lang="ja-JP" altLang="en-US"/>
+          </a:p>
+        </p:txBody>
+      </p:sp>
+      <p:sp>
+        <p:nvSpPr>
+          <p:cNvPr id="11" name="テキスト ボックス 10"/>
+          <p:cNvSpPr txBox="1"/>
+          <p:nvPr/>
+        </p:nvSpPr>
+        <p:spPr>
+          <a:xfrm>
+            <a:off x="4228785" y="5679919"/>
+            <a:ext cx="3281155" cy="369332"/>
+          </a:xfrm>
+          <a:prstGeom prst="rect">
+            <a:avLst/>
+          </a:prstGeom>
+          <a:noFill/>
+        </p:spPr>
+        <p:txBody>
+          <a:bodyPr wrap="none" rtlCol="0">
+            <a:spAutoFit/>
+          </a:bodyPr>
+          <a:lstStyle/>
+          <a:p>
+            <a:r>
+              <a:rPr kumimoji="1" lang="en-US" altLang="ja-JP" dirty="0" smtClean="0"/>
+              <a:t>click here and download a </a:t>
+            </a:r>
+            <a:r>
+              <a:rPr kumimoji="1" lang="en-US" altLang="ja-JP" dirty="0" err="1" smtClean="0"/>
+              <a:t>jarfile</a:t>
+            </a:r>
+            <a:r>
+              <a:rPr kumimoji="1" lang="en-US" altLang="ja-JP" dirty="0" smtClean="0"/>
+              <a:t>.</a:t>
+            </a:r>
+            <a:endParaRPr kumimoji="1" lang="ja-JP" altLang="en-US" dirty="0"/>
+          </a:p>
+        </p:txBody>
+      </p:sp>
+      <p:cxnSp>
+        <p:nvCxnSpPr>
+          <p:cNvPr id="12" name="直線矢印コネクタ 11"/>
+          <p:cNvCxnSpPr/>
+          <p:nvPr/>
+        </p:nvCxnSpPr>
+        <p:spPr>
+          <a:xfrm flipV="1">
+            <a:off x="3143770" y="5894293"/>
+            <a:ext cx="1080607" cy="3142"/>
+          </a:xfrm>
+          <a:prstGeom prst="straightConnector1">
+            <a:avLst/>
+          </a:prstGeom>
+          <a:ln w="28575">
+            <a:solidFill>
+              <a:srgbClr val="00B050"/>
+            </a:solidFill>
+            <a:tailEnd type="triangle"/>
+          </a:ln>
+        </p:spPr>
+        <p:style>
+          <a:lnRef idx="1">
+            <a:schemeClr val="accent1"/>
+          </a:lnRef>
+          <a:fillRef idx="0">
+            <a:schemeClr val="accent1"/>
+          </a:fillRef>
+          <a:effectRef idx="0">
+            <a:schemeClr val="accent1"/>
+          </a:effectRef>
+          <a:fontRef idx="minor">
+            <a:schemeClr val="tx1"/>
+          </a:fontRef>
+        </p:style>
+      </p:cxnSp>
+      <p:sp>
+        <p:nvSpPr>
+          <p:cNvPr id="13" name="スライド番号プレースホルダー 12"/>
           <p:cNvSpPr>
             <a:spLocks noGrp="1"/>
           </p:cNvSpPr>
@@ -7147,773 +8338,10 @@
           </a:p>
         </p:txBody>
       </p:sp>
-      <p:sp>
-        <p:nvSpPr>
-          <p:cNvPr id="8" name="テキスト ボックス 7"/>
-          <p:cNvSpPr txBox="1"/>
-          <p:nvPr/>
-        </p:nvSpPr>
-        <p:spPr>
-          <a:xfrm>
-            <a:off x="635006" y="919444"/>
-            <a:ext cx="8014724" cy="5909310"/>
-          </a:xfrm>
-          <a:prstGeom prst="rect">
-            <a:avLst/>
-          </a:prstGeom>
-          <a:noFill/>
-        </p:spPr>
-        <p:txBody>
-          <a:bodyPr wrap="square" rtlCol="0">
-            <a:spAutoFit/>
-          </a:bodyPr>
-          <a:lstStyle/>
-          <a:p>
-            <a:r>
-              <a:rPr lang="en-US" altLang="ja-JP" dirty="0" smtClean="0"/>
-              <a:t>Let’s first check if your Java is 32- or 64-bit. In the terminal, type “java -version” and you will see a message like this:</a:t>
-            </a:r>
-          </a:p>
-          <a:p>
-            <a:endParaRPr lang="en-US" altLang="ja-JP" dirty="0" smtClean="0"/>
-          </a:p>
-          <a:p>
-            <a:endParaRPr lang="en-US" altLang="ja-JP" dirty="0"/>
-          </a:p>
-          <a:p>
-            <a:endParaRPr lang="en-US" altLang="ja-JP" dirty="0" smtClean="0"/>
-          </a:p>
-          <a:p>
-            <a:endParaRPr lang="en-US" altLang="ja-JP" dirty="0"/>
-          </a:p>
-          <a:p>
-            <a:r>
-              <a:rPr lang="en-US" altLang="ja-JP" dirty="0" smtClean="0"/>
-              <a:t>This is an example of 64-bit. If “64-Bit” is absent, then it’s 32-bit. </a:t>
-            </a:r>
-          </a:p>
-          <a:p>
-            <a:endParaRPr lang="en-US" altLang="ja-JP" dirty="0" smtClean="0"/>
-          </a:p>
-          <a:p>
-            <a:r>
-              <a:rPr lang="en-US" altLang="ja-JP" dirty="0" smtClean="0"/>
-              <a:t>Now, we add the jar files to an environment variable CLASSPATH. If you are in bash, </a:t>
-            </a:r>
-          </a:p>
-          <a:p>
-            <a:endParaRPr lang="en-US" altLang="ja-JP" dirty="0"/>
-          </a:p>
-          <a:p>
-            <a:endParaRPr lang="en-US" altLang="ja-JP" dirty="0" smtClean="0"/>
-          </a:p>
-          <a:p>
-            <a:endParaRPr lang="en-US" altLang="ja-JP" dirty="0"/>
-          </a:p>
-          <a:p>
-            <a:endParaRPr lang="en-US" altLang="ja-JP" dirty="0" smtClean="0"/>
-          </a:p>
-          <a:p>
-            <a:endParaRPr lang="en-US" altLang="ja-JP" dirty="0" smtClean="0"/>
-          </a:p>
-          <a:p>
-            <a:endParaRPr lang="en-US" altLang="ja-JP" dirty="0"/>
-          </a:p>
-          <a:p>
-            <a:endParaRPr lang="en-US" altLang="ja-JP" dirty="0"/>
-          </a:p>
-          <a:p>
-            <a:endParaRPr lang="en-US" altLang="ja-JP" dirty="0" smtClean="0"/>
-          </a:p>
-          <a:p>
-            <a:endParaRPr lang="en-US" altLang="ja-JP" dirty="0"/>
-          </a:p>
-          <a:p>
-            <a:endParaRPr lang="en-US" altLang="ja-JP" dirty="0" smtClean="0"/>
-          </a:p>
-          <a:p>
-            <a:r>
-              <a:rPr lang="en-US" altLang="ja-JP" dirty="0" smtClean="0"/>
-              <a:t>where </a:t>
-            </a:r>
-            <a:r>
-              <a:rPr lang="en-US" altLang="ja-JP" dirty="0" smtClean="0">
-                <a:solidFill>
-                  <a:srgbClr val="FF0000"/>
-                </a:solidFill>
-              </a:rPr>
-              <a:t>xxx</a:t>
-            </a:r>
-            <a:r>
-              <a:rPr lang="en-US" altLang="ja-JP" dirty="0" smtClean="0"/>
-              <a:t> = </a:t>
-            </a:r>
-            <a:r>
-              <a:rPr lang="en-US" altLang="ja-JP" dirty="0"/>
-              <a:t>amd64 </a:t>
-            </a:r>
-            <a:r>
-              <a:rPr lang="en-US" altLang="ja-JP" dirty="0" smtClean="0"/>
-              <a:t>or </a:t>
-            </a:r>
-            <a:r>
-              <a:rPr lang="en-US" altLang="ja-JP" dirty="0"/>
-              <a:t>i586 for </a:t>
-            </a:r>
-            <a:r>
-              <a:rPr lang="en-US" altLang="ja-JP" dirty="0" smtClean="0"/>
-              <a:t>64-bit or 32-bit, respectively. You may want to add these lines in your ~/.</a:t>
-            </a:r>
-            <a:r>
-              <a:rPr lang="en-US" altLang="ja-JP" dirty="0" err="1" smtClean="0"/>
-              <a:t>bashrc</a:t>
-            </a:r>
-            <a:r>
-              <a:rPr lang="en-US" altLang="ja-JP" dirty="0" smtClean="0"/>
-              <a:t>, so that they take effect upon login.</a:t>
-            </a:r>
-          </a:p>
-        </p:txBody>
-      </p:sp>
-      <p:sp>
-        <p:nvSpPr>
-          <p:cNvPr id="9" name="テキスト ボックス 8"/>
-          <p:cNvSpPr txBox="1"/>
-          <p:nvPr/>
-        </p:nvSpPr>
-        <p:spPr>
-          <a:xfrm>
-            <a:off x="1312714" y="1609058"/>
-            <a:ext cx="5298245" cy="830997"/>
-          </a:xfrm>
-          <a:prstGeom prst="rect">
-            <a:avLst/>
-          </a:prstGeom>
-          <a:noFill/>
-          <a:ln>
-            <a:solidFill>
-              <a:srgbClr val="00B050"/>
-            </a:solidFill>
-          </a:ln>
-        </p:spPr>
-        <p:txBody>
-          <a:bodyPr wrap="none" rtlCol="0">
-            <a:spAutoFit/>
-          </a:bodyPr>
-          <a:lstStyle/>
-          <a:p>
-            <a:r>
-              <a:rPr kumimoji="1" lang="en-US" altLang="ja-JP" sz="1200" dirty="0" smtClean="0">
-                <a:latin typeface="Courier" charset="0"/>
-                <a:ea typeface="Courier" charset="0"/>
-                <a:cs typeface="Courier" charset="0"/>
-              </a:rPr>
-              <a:t>&gt;java –version</a:t>
-            </a:r>
-          </a:p>
-          <a:p>
-            <a:r>
-              <a:rPr lang="en-US" altLang="ja-JP" sz="1200" dirty="0" err="1">
-                <a:latin typeface="Courier" charset="0"/>
-                <a:ea typeface="Courier" charset="0"/>
-                <a:cs typeface="Courier" charset="0"/>
-              </a:rPr>
-              <a:t>openjdk</a:t>
-            </a:r>
-            <a:r>
-              <a:rPr lang="en-US" altLang="ja-JP" sz="1200" dirty="0">
-                <a:latin typeface="Courier" charset="0"/>
-                <a:ea typeface="Courier" charset="0"/>
-                <a:cs typeface="Courier" charset="0"/>
-              </a:rPr>
-              <a:t> version "</a:t>
-            </a:r>
-            <a:r>
-              <a:rPr lang="en-US" altLang="ja-JP" sz="1200" dirty="0" smtClean="0">
-                <a:latin typeface="Courier" charset="0"/>
-                <a:ea typeface="Courier" charset="0"/>
-                <a:cs typeface="Courier" charset="0"/>
-              </a:rPr>
-              <a:t>1.8.0_121”</a:t>
-            </a:r>
-          </a:p>
-          <a:p>
-            <a:r>
-              <a:rPr lang="en-US" altLang="ja-JP" sz="1200" dirty="0" err="1" smtClean="0">
-                <a:latin typeface="Courier" charset="0"/>
-                <a:ea typeface="Courier" charset="0"/>
-                <a:cs typeface="Courier" charset="0"/>
-              </a:rPr>
-              <a:t>OpenJDK</a:t>
-            </a:r>
-            <a:r>
-              <a:rPr lang="en-US" altLang="ja-JP" sz="1200" dirty="0" smtClean="0">
-                <a:latin typeface="Courier" charset="0"/>
-                <a:ea typeface="Courier" charset="0"/>
-                <a:cs typeface="Courier" charset="0"/>
-              </a:rPr>
-              <a:t> </a:t>
-            </a:r>
-            <a:r>
-              <a:rPr lang="en-US" altLang="ja-JP" sz="1200" dirty="0">
-                <a:latin typeface="Courier" charset="0"/>
-                <a:ea typeface="Courier" charset="0"/>
-                <a:cs typeface="Courier" charset="0"/>
-              </a:rPr>
-              <a:t>Runtime Environment (build 1.8.0_121-b13</a:t>
-            </a:r>
-            <a:r>
-              <a:rPr lang="en-US" altLang="ja-JP" sz="1200" dirty="0" smtClean="0">
-                <a:latin typeface="Courier" charset="0"/>
-                <a:ea typeface="Courier" charset="0"/>
-                <a:cs typeface="Courier" charset="0"/>
-              </a:rPr>
-              <a:t>)</a:t>
-            </a:r>
-          </a:p>
-          <a:p>
-            <a:r>
-              <a:rPr lang="en-US" altLang="ja-JP" sz="1200" dirty="0" err="1" smtClean="0">
-                <a:latin typeface="Courier" charset="0"/>
-                <a:ea typeface="Courier" charset="0"/>
-                <a:cs typeface="Courier" charset="0"/>
-              </a:rPr>
-              <a:t>OpenJDK</a:t>
-            </a:r>
-            <a:r>
-              <a:rPr lang="en-US" altLang="ja-JP" sz="1200" dirty="0" smtClean="0">
-                <a:latin typeface="Courier" charset="0"/>
-                <a:ea typeface="Courier" charset="0"/>
-                <a:cs typeface="Courier" charset="0"/>
-              </a:rPr>
-              <a:t> </a:t>
-            </a:r>
-            <a:r>
-              <a:rPr lang="en-US" altLang="ja-JP" sz="1200" b="1" dirty="0">
-                <a:solidFill>
-                  <a:srgbClr val="FF0000"/>
-                </a:solidFill>
-                <a:latin typeface="Courier" charset="0"/>
-                <a:ea typeface="Courier" charset="0"/>
-                <a:cs typeface="Courier" charset="0"/>
-              </a:rPr>
-              <a:t>64-Bit</a:t>
-            </a:r>
-            <a:r>
-              <a:rPr lang="en-US" altLang="ja-JP" sz="1200" dirty="0">
-                <a:latin typeface="Courier" charset="0"/>
-                <a:ea typeface="Courier" charset="0"/>
-                <a:cs typeface="Courier" charset="0"/>
-              </a:rPr>
-              <a:t> Server VM (build 25.121-b13, mixed mode</a:t>
-            </a:r>
-            <a:r>
-              <a:rPr lang="en-US" altLang="ja-JP" sz="1200" dirty="0" smtClean="0">
-                <a:latin typeface="Courier" charset="0"/>
-                <a:ea typeface="Courier" charset="0"/>
-                <a:cs typeface="Courier" charset="0"/>
-              </a:rPr>
-              <a:t>)</a:t>
-            </a:r>
-          </a:p>
-        </p:txBody>
-      </p:sp>
-      <p:sp>
-        <p:nvSpPr>
-          <p:cNvPr id="10" name="テキスト ボックス 9"/>
-          <p:cNvSpPr txBox="1"/>
-          <p:nvPr/>
-        </p:nvSpPr>
-        <p:spPr>
-          <a:xfrm>
-            <a:off x="1265622" y="3580907"/>
-            <a:ext cx="7250703" cy="2492990"/>
-          </a:xfrm>
-          <a:prstGeom prst="rect">
-            <a:avLst/>
-          </a:prstGeom>
-          <a:noFill/>
-          <a:ln>
-            <a:solidFill>
-              <a:srgbClr val="00B050"/>
-            </a:solidFill>
-          </a:ln>
-        </p:spPr>
-        <p:txBody>
-          <a:bodyPr wrap="none" rtlCol="0">
-            <a:spAutoFit/>
-          </a:bodyPr>
-          <a:lstStyle/>
-          <a:p>
-            <a:r>
-              <a:rPr lang="en-US" altLang="ja-JP" sz="1200" dirty="0" smtClean="0">
-                <a:latin typeface="Courier" charset="0"/>
-                <a:ea typeface="Courier" charset="0"/>
-                <a:cs typeface="Courier" charset="0"/>
-              </a:rPr>
-              <a:t>JOGAMP_JAR</a:t>
-            </a:r>
-            <a:r>
-              <a:rPr lang="en-US" altLang="ja-JP" sz="1200" dirty="0">
-                <a:latin typeface="Courier" charset="0"/>
-                <a:ea typeface="Courier" charset="0"/>
-                <a:cs typeface="Courier" charset="0"/>
-              </a:rPr>
-              <a:t>=${HOME}/</a:t>
-            </a:r>
-            <a:r>
-              <a:rPr lang="en-US" altLang="ja-JP" sz="1200" dirty="0" smtClean="0">
-                <a:latin typeface="Courier" charset="0"/>
-                <a:ea typeface="Courier" charset="0"/>
-                <a:cs typeface="Courier" charset="0"/>
-              </a:rPr>
-              <a:t>lib/</a:t>
-            </a:r>
-            <a:r>
-              <a:rPr lang="en-US" altLang="ja-JP" sz="1200" dirty="0" err="1" smtClean="0">
-                <a:latin typeface="Courier" charset="0"/>
-                <a:ea typeface="Courier" charset="0"/>
-                <a:cs typeface="Courier" charset="0"/>
-              </a:rPr>
-              <a:t>jogamp</a:t>
-            </a:r>
-            <a:r>
-              <a:rPr lang="en-US" altLang="ja-JP" sz="1200" dirty="0" smtClean="0">
-                <a:latin typeface="Courier" charset="0"/>
-                <a:ea typeface="Courier" charset="0"/>
-                <a:cs typeface="Courier" charset="0"/>
-              </a:rPr>
-              <a:t>-all-platforms/jar</a:t>
-            </a:r>
-          </a:p>
-          <a:p>
-            <a:r>
-              <a:rPr lang="en-US" altLang="ja-JP" sz="1200" dirty="0" smtClean="0">
-                <a:latin typeface="Courier" charset="0"/>
-                <a:ea typeface="Courier" charset="0"/>
-                <a:cs typeface="Courier" charset="0"/>
-              </a:rPr>
-              <a:t>export </a:t>
-            </a:r>
-            <a:r>
-              <a:rPr lang="en-US" altLang="ja-JP" sz="1200" dirty="0">
-                <a:latin typeface="Courier" charset="0"/>
-                <a:ea typeface="Courier" charset="0"/>
-                <a:cs typeface="Courier" charset="0"/>
-              </a:rPr>
-              <a:t>CLASSPATH=${CLASSPATH}:${JOGAMP_JAR}/</a:t>
-            </a:r>
-            <a:r>
-              <a:rPr lang="en-US" altLang="ja-JP" sz="1200" dirty="0" err="1" smtClean="0">
-                <a:latin typeface="Courier" charset="0"/>
-                <a:ea typeface="Courier" charset="0"/>
-                <a:cs typeface="Courier" charset="0"/>
-              </a:rPr>
-              <a:t>gluegen.jar</a:t>
-            </a:r>
-            <a:endParaRPr lang="en-US" altLang="ja-JP" sz="1200" dirty="0" smtClean="0">
-              <a:latin typeface="Courier" charset="0"/>
-              <a:ea typeface="Courier" charset="0"/>
-              <a:cs typeface="Courier" charset="0"/>
-            </a:endParaRPr>
-          </a:p>
-          <a:p>
-            <a:r>
-              <a:rPr lang="en-US" altLang="ja-JP" sz="1200" dirty="0">
-                <a:latin typeface="Courier" charset="0"/>
-                <a:ea typeface="Courier" charset="0"/>
-                <a:cs typeface="Courier" charset="0"/>
-              </a:rPr>
-              <a:t>export CLASSPATH=${CLASSPATH</a:t>
-            </a:r>
-            <a:r>
-              <a:rPr lang="en-US" altLang="ja-JP" sz="1200" dirty="0" smtClean="0">
-                <a:latin typeface="Courier" charset="0"/>
-                <a:ea typeface="Courier" charset="0"/>
-                <a:cs typeface="Courier" charset="0"/>
-              </a:rPr>
-              <a:t>}:${</a:t>
-            </a:r>
-            <a:r>
-              <a:rPr lang="en-US" altLang="ja-JP" sz="1200" dirty="0">
-                <a:latin typeface="Courier" charset="0"/>
-                <a:ea typeface="Courier" charset="0"/>
-                <a:cs typeface="Courier" charset="0"/>
-              </a:rPr>
-              <a:t>JOGAMP_JAR}/</a:t>
-            </a:r>
-            <a:r>
-              <a:rPr lang="en-US" altLang="ja-JP" sz="1200" dirty="0" err="1" smtClean="0">
-                <a:latin typeface="Courier" charset="0"/>
-                <a:ea typeface="Courier" charset="0"/>
-                <a:cs typeface="Courier" charset="0"/>
-              </a:rPr>
-              <a:t>gluegen-rt.jar</a:t>
-            </a:r>
-            <a:endParaRPr lang="en-US" altLang="ja-JP" sz="1200" dirty="0" smtClean="0">
-              <a:latin typeface="Courier" charset="0"/>
-              <a:ea typeface="Courier" charset="0"/>
-              <a:cs typeface="Courier" charset="0"/>
-            </a:endParaRPr>
-          </a:p>
-          <a:p>
-            <a:r>
-              <a:rPr lang="en-US" altLang="ja-JP" sz="1200" dirty="0" smtClean="0">
-                <a:latin typeface="Courier" charset="0"/>
-                <a:ea typeface="Courier" charset="0"/>
-                <a:cs typeface="Courier" charset="0"/>
-              </a:rPr>
-              <a:t>export </a:t>
-            </a:r>
-            <a:r>
-              <a:rPr lang="en-US" altLang="ja-JP" sz="1200" dirty="0">
-                <a:latin typeface="Courier" charset="0"/>
-                <a:ea typeface="Courier" charset="0"/>
-                <a:cs typeface="Courier" charset="0"/>
-              </a:rPr>
-              <a:t>CLASSPATH=${CLASSPATH}:${JOGAMP_JAR}/</a:t>
-            </a:r>
-            <a:r>
-              <a:rPr lang="en-US" altLang="ja-JP" sz="1200" dirty="0" err="1" smtClean="0">
-                <a:latin typeface="Courier" charset="0"/>
-                <a:ea typeface="Courier" charset="0"/>
-                <a:cs typeface="Courier" charset="0"/>
-              </a:rPr>
-              <a:t>jogl-all.jar</a:t>
-            </a:r>
-            <a:endParaRPr lang="en-US" altLang="ja-JP" sz="1200" dirty="0" smtClean="0">
-              <a:latin typeface="Courier" charset="0"/>
-              <a:ea typeface="Courier" charset="0"/>
-              <a:cs typeface="Courier" charset="0"/>
-            </a:endParaRPr>
-          </a:p>
-          <a:p>
-            <a:r>
-              <a:rPr lang="en-US" altLang="ja-JP" sz="1200" dirty="0" smtClean="0">
-                <a:latin typeface="Courier" charset="0"/>
-                <a:ea typeface="Courier" charset="0"/>
-                <a:cs typeface="Courier" charset="0"/>
-              </a:rPr>
-              <a:t>export </a:t>
-            </a:r>
-            <a:r>
-              <a:rPr lang="en-US" altLang="ja-JP" sz="1200" dirty="0">
-                <a:latin typeface="Courier" charset="0"/>
-                <a:ea typeface="Courier" charset="0"/>
-                <a:cs typeface="Courier" charset="0"/>
-              </a:rPr>
-              <a:t>CLASSPATH=${CLASSPATH}:${JOGAMP_JAR}/</a:t>
-            </a:r>
-            <a:r>
-              <a:rPr lang="en-US" altLang="ja-JP" sz="1200" dirty="0" err="1" smtClean="0">
-                <a:latin typeface="Courier" charset="0"/>
-                <a:ea typeface="Courier" charset="0"/>
-                <a:cs typeface="Courier" charset="0"/>
-              </a:rPr>
-              <a:t>gluegen</a:t>
-            </a:r>
-            <a:r>
-              <a:rPr lang="en-US" altLang="ja-JP" sz="1200" dirty="0" smtClean="0">
-                <a:latin typeface="Courier" charset="0"/>
-                <a:ea typeface="Courier" charset="0"/>
-                <a:cs typeface="Courier" charset="0"/>
-              </a:rPr>
-              <a:t>-</a:t>
-            </a:r>
-            <a:r>
-              <a:rPr lang="en-US" altLang="ja-JP" sz="1200" dirty="0" err="1" smtClean="0">
-                <a:latin typeface="Courier" charset="0"/>
-                <a:ea typeface="Courier" charset="0"/>
-                <a:cs typeface="Courier" charset="0"/>
-              </a:rPr>
-              <a:t>rt</a:t>
-            </a:r>
-            <a:r>
-              <a:rPr lang="en-US" altLang="ja-JP" sz="1200" dirty="0" smtClean="0">
-                <a:latin typeface="Courier" charset="0"/>
-                <a:ea typeface="Courier" charset="0"/>
-                <a:cs typeface="Courier" charset="0"/>
-              </a:rPr>
-              <a:t>-natives-</a:t>
-            </a:r>
-            <a:r>
-              <a:rPr lang="en-US" altLang="ja-JP" sz="1200" dirty="0" err="1" smtClean="0">
-                <a:latin typeface="Courier" charset="0"/>
-                <a:ea typeface="Courier" charset="0"/>
-                <a:cs typeface="Courier" charset="0"/>
-              </a:rPr>
-              <a:t>linux</a:t>
-            </a:r>
-            <a:r>
-              <a:rPr lang="en-US" altLang="ja-JP" sz="1200" dirty="0" smtClean="0">
-                <a:latin typeface="Courier" charset="0"/>
-                <a:ea typeface="Courier" charset="0"/>
-                <a:cs typeface="Courier" charset="0"/>
-              </a:rPr>
-              <a:t>-</a:t>
-            </a:r>
-            <a:r>
-              <a:rPr lang="en-US" altLang="ja-JP" sz="1200" dirty="0" err="1" smtClean="0">
-                <a:solidFill>
-                  <a:srgbClr val="FF0000"/>
-                </a:solidFill>
-                <a:latin typeface="Courier" charset="0"/>
-                <a:ea typeface="Courier" charset="0"/>
-                <a:cs typeface="Courier" charset="0"/>
-              </a:rPr>
-              <a:t>xxx</a:t>
-            </a:r>
-            <a:r>
-              <a:rPr lang="en-US" altLang="ja-JP" sz="1200" dirty="0" err="1" smtClean="0">
-                <a:latin typeface="Courier" charset="0"/>
-                <a:ea typeface="Courier" charset="0"/>
-                <a:cs typeface="Courier" charset="0"/>
-              </a:rPr>
-              <a:t>.jar</a:t>
-            </a:r>
-            <a:endParaRPr lang="en-US" altLang="ja-JP" sz="1200" dirty="0" smtClean="0">
-              <a:latin typeface="Courier" charset="0"/>
-              <a:ea typeface="Courier" charset="0"/>
-              <a:cs typeface="Courier" charset="0"/>
-            </a:endParaRPr>
-          </a:p>
-          <a:p>
-            <a:r>
-              <a:rPr lang="en-US" altLang="ja-JP" sz="1200" dirty="0" smtClean="0">
-                <a:latin typeface="Courier" charset="0"/>
-                <a:ea typeface="Courier" charset="0"/>
-                <a:cs typeface="Courier" charset="0"/>
-              </a:rPr>
-              <a:t>export </a:t>
-            </a:r>
-            <a:r>
-              <a:rPr lang="en-US" altLang="ja-JP" sz="1200" dirty="0">
-                <a:latin typeface="Courier" charset="0"/>
-                <a:ea typeface="Courier" charset="0"/>
-                <a:cs typeface="Courier" charset="0"/>
-              </a:rPr>
-              <a:t>CLASSPATH=${CLASSPATH}:${JOGAMP_JAR}/</a:t>
-            </a:r>
-            <a:r>
-              <a:rPr lang="en-US" altLang="ja-JP" sz="1200" dirty="0" err="1" smtClean="0">
-                <a:latin typeface="Courier" charset="0"/>
-                <a:ea typeface="Courier" charset="0"/>
-                <a:cs typeface="Courier" charset="0"/>
-              </a:rPr>
-              <a:t>jogl</a:t>
-            </a:r>
-            <a:r>
-              <a:rPr lang="en-US" altLang="ja-JP" sz="1200" dirty="0" smtClean="0">
-                <a:latin typeface="Courier" charset="0"/>
-                <a:ea typeface="Courier" charset="0"/>
-                <a:cs typeface="Courier" charset="0"/>
-              </a:rPr>
-              <a:t>-all-natives-</a:t>
-            </a:r>
-            <a:r>
-              <a:rPr lang="en-US" altLang="ja-JP" sz="1200" dirty="0" err="1" smtClean="0">
-                <a:latin typeface="Courier" charset="0"/>
-                <a:ea typeface="Courier" charset="0"/>
-                <a:cs typeface="Courier" charset="0"/>
-              </a:rPr>
-              <a:t>linux</a:t>
-            </a:r>
-            <a:r>
-              <a:rPr lang="en-US" altLang="ja-JP" sz="1200" dirty="0" smtClean="0">
-                <a:latin typeface="Courier" charset="0"/>
-                <a:ea typeface="Courier" charset="0"/>
-                <a:cs typeface="Courier" charset="0"/>
-              </a:rPr>
-              <a:t>-</a:t>
-            </a:r>
-            <a:r>
-              <a:rPr lang="en-US" altLang="ja-JP" sz="1200" dirty="0" err="1" smtClean="0">
-                <a:solidFill>
-                  <a:srgbClr val="FF0000"/>
-                </a:solidFill>
-                <a:latin typeface="Courier" charset="0"/>
-                <a:ea typeface="Courier" charset="0"/>
-                <a:cs typeface="Courier" charset="0"/>
-              </a:rPr>
-              <a:t>xxx</a:t>
-            </a:r>
-            <a:r>
-              <a:rPr lang="en-US" altLang="ja-JP" sz="1200" dirty="0" err="1" smtClean="0">
-                <a:latin typeface="Courier" charset="0"/>
-                <a:ea typeface="Courier" charset="0"/>
-                <a:cs typeface="Courier" charset="0"/>
-              </a:rPr>
-              <a:t>.jar</a:t>
-            </a:r>
-            <a:endParaRPr lang="en-US" altLang="ja-JP" sz="1200" dirty="0" smtClean="0">
-              <a:latin typeface="Courier" charset="0"/>
-              <a:ea typeface="Courier" charset="0"/>
-              <a:cs typeface="Courier" charset="0"/>
-            </a:endParaRPr>
-          </a:p>
-          <a:p>
-            <a:endParaRPr lang="en-US" altLang="ja-JP" sz="1200" dirty="0">
-              <a:latin typeface="Courier" charset="0"/>
-              <a:ea typeface="Courier" charset="0"/>
-              <a:cs typeface="Courier" charset="0"/>
-            </a:endParaRPr>
-          </a:p>
-          <a:p>
-            <a:r>
-              <a:rPr lang="en-US" altLang="ja-JP" sz="1200" dirty="0" smtClean="0">
-                <a:latin typeface="Courier" charset="0"/>
-                <a:ea typeface="Courier" charset="0"/>
-                <a:cs typeface="Courier" charset="0"/>
-              </a:rPr>
-              <a:t>J3D_JAR</a:t>
-            </a:r>
-            <a:r>
-              <a:rPr lang="en-US" altLang="ja-JP" sz="1200" dirty="0">
-                <a:latin typeface="Courier" charset="0"/>
-                <a:ea typeface="Courier" charset="0"/>
-                <a:cs typeface="Courier" charset="0"/>
-              </a:rPr>
-              <a:t>=${HOME}/</a:t>
-            </a:r>
-            <a:r>
-              <a:rPr lang="en-US" altLang="ja-JP" sz="1200" dirty="0" smtClean="0">
-                <a:latin typeface="Courier" charset="0"/>
-                <a:ea typeface="Courier" charset="0"/>
-                <a:cs typeface="Courier" charset="0"/>
-              </a:rPr>
-              <a:t>lib/jogamp-java3d</a:t>
-            </a:r>
-          </a:p>
-          <a:p>
-            <a:r>
-              <a:rPr lang="en-US" altLang="ja-JP" sz="1200" dirty="0" smtClean="0">
-                <a:latin typeface="Courier" charset="0"/>
-                <a:ea typeface="Courier" charset="0"/>
-                <a:cs typeface="Courier" charset="0"/>
-              </a:rPr>
-              <a:t>export </a:t>
-            </a:r>
-            <a:r>
-              <a:rPr lang="en-US" altLang="ja-JP" sz="1200" dirty="0">
-                <a:latin typeface="Courier" charset="0"/>
-                <a:ea typeface="Courier" charset="0"/>
-                <a:cs typeface="Courier" charset="0"/>
-              </a:rPr>
-              <a:t>CLASSPATH=${CLASSPATH}:${J3D_JAR}/</a:t>
-            </a:r>
-            <a:r>
-              <a:rPr lang="en-US" altLang="ja-JP" sz="1200" dirty="0" smtClean="0">
-                <a:latin typeface="Courier" charset="0"/>
-                <a:ea typeface="Courier" charset="0"/>
-                <a:cs typeface="Courier" charset="0"/>
-              </a:rPr>
-              <a:t>j3dcore.jar</a:t>
-            </a:r>
-          </a:p>
-          <a:p>
-            <a:r>
-              <a:rPr lang="en-US" altLang="ja-JP" sz="1200" dirty="0" smtClean="0">
-                <a:latin typeface="Courier" charset="0"/>
-                <a:ea typeface="Courier" charset="0"/>
-                <a:cs typeface="Courier" charset="0"/>
-              </a:rPr>
-              <a:t>export </a:t>
-            </a:r>
-            <a:r>
-              <a:rPr lang="en-US" altLang="ja-JP" sz="1200" dirty="0">
-                <a:latin typeface="Courier" charset="0"/>
-                <a:ea typeface="Courier" charset="0"/>
-                <a:cs typeface="Courier" charset="0"/>
-              </a:rPr>
-              <a:t>CLASSPATH=${CLASSPATH}:${J3D_JAR}/</a:t>
-            </a:r>
-            <a:r>
-              <a:rPr lang="en-US" altLang="ja-JP" sz="1200" dirty="0" smtClean="0">
-                <a:latin typeface="Courier" charset="0"/>
-                <a:ea typeface="Courier" charset="0"/>
-                <a:cs typeface="Courier" charset="0"/>
-              </a:rPr>
-              <a:t>j3dutils.jar</a:t>
-            </a:r>
-          </a:p>
-          <a:p>
-            <a:r>
-              <a:rPr lang="en-US" altLang="ja-JP" sz="1200" dirty="0" smtClean="0">
-                <a:latin typeface="Courier" charset="0"/>
-                <a:ea typeface="Courier" charset="0"/>
-                <a:cs typeface="Courier" charset="0"/>
-              </a:rPr>
-              <a:t>export </a:t>
-            </a:r>
-            <a:r>
-              <a:rPr lang="en-US" altLang="ja-JP" sz="1200" dirty="0">
-                <a:latin typeface="Courier" charset="0"/>
-                <a:ea typeface="Courier" charset="0"/>
-                <a:cs typeface="Courier" charset="0"/>
-              </a:rPr>
-              <a:t>CLASSPATH=${CLASSPATH}:${J3D_JAR}/</a:t>
-            </a:r>
-            <a:r>
-              <a:rPr lang="en-US" altLang="ja-JP" sz="1200" dirty="0" err="1" smtClean="0">
-                <a:latin typeface="Courier" charset="0"/>
-                <a:ea typeface="Courier" charset="0"/>
-                <a:cs typeface="Courier" charset="0"/>
-              </a:rPr>
-              <a:t>vecmath.jar</a:t>
-            </a:r>
-            <a:endParaRPr lang="en-US" altLang="ja-JP" sz="1200" dirty="0" smtClean="0">
-              <a:latin typeface="Courier" charset="0"/>
-              <a:ea typeface="Courier" charset="0"/>
-              <a:cs typeface="Courier" charset="0"/>
-            </a:endParaRPr>
-          </a:p>
-          <a:p>
-            <a:endParaRPr lang="en-US" altLang="ja-JP" sz="1200" dirty="0">
-              <a:latin typeface="Courier" charset="0"/>
-              <a:ea typeface="Courier" charset="0"/>
-              <a:cs typeface="Courier" charset="0"/>
-            </a:endParaRPr>
-          </a:p>
-          <a:p>
-            <a:r>
-              <a:rPr lang="en-US" altLang="ja-JP" sz="1200" dirty="0" smtClean="0">
-                <a:latin typeface="Courier" charset="0"/>
-                <a:ea typeface="Courier" charset="0"/>
-                <a:cs typeface="Courier" charset="0"/>
-              </a:rPr>
-              <a:t>export CLASSPATH=${CLASSPATH}:</a:t>
-            </a:r>
-            <a:r>
-              <a:rPr lang="en-US" altLang="ja-JP" sz="1200" dirty="0">
-                <a:latin typeface="Courier" charset="0"/>
-                <a:ea typeface="Courier" charset="0"/>
-                <a:cs typeface="Courier" charset="0"/>
-              </a:rPr>
-              <a:t>${HOME}/lib/</a:t>
-            </a:r>
-            <a:r>
-              <a:rPr lang="en-US" altLang="ja-JP" sz="1200" dirty="0" err="1">
-                <a:latin typeface="Courier" charset="0"/>
-                <a:ea typeface="Courier" charset="0"/>
-                <a:cs typeface="Courier" charset="0"/>
-              </a:rPr>
-              <a:t>jama</a:t>
-            </a:r>
-            <a:r>
-              <a:rPr lang="en-US" altLang="ja-JP" sz="1200" dirty="0" smtClean="0">
-                <a:latin typeface="Courier" charset="0"/>
-                <a:ea typeface="Courier" charset="0"/>
-                <a:cs typeface="Courier" charset="0"/>
-              </a:rPr>
-              <a:t>/Jama-1.0.3.jar</a:t>
-            </a:r>
-          </a:p>
-        </p:txBody>
-      </p:sp>
     </p:spTree>
     <p:extLst>
       <p:ext uri="{BB962C8B-B14F-4D97-AF65-F5344CB8AC3E}">
-        <p14:creationId xmlns:p14="http://schemas.microsoft.com/office/powerpoint/2010/main" val="1856527837"/>
+        <p14:creationId xmlns:p14="http://schemas.microsoft.com/office/powerpoint/2010/main" val="1719898318"/>
       </p:ext>
     </p:extLst>
   </p:cSld>
@@ -7942,7 +8370,7 @@
       </p:grpSpPr>
       <p:sp>
         <p:nvSpPr>
-          <p:cNvPr id="2" name="タイトル 1"/>
+          <p:cNvPr id="4" name="タイトル 3"/>
           <p:cNvSpPr>
             <a:spLocks noGrp="1"/>
           </p:cNvSpPr>
@@ -7950,101 +8378,37 @@
             <p:ph type="title"/>
           </p:nvPr>
         </p:nvSpPr>
-        <p:spPr/>
-        <p:txBody>
-          <a:bodyPr/>
+        <p:spPr>
+          <a:xfrm>
+            <a:off x="628650" y="210207"/>
+            <a:ext cx="8307532" cy="713227"/>
+          </a:xfrm>
+        </p:spPr>
+        <p:txBody>
+          <a:bodyPr>
+            <a:normAutofit/>
+          </a:bodyPr>
           <a:lstStyle/>
           <a:p>
             <a:r>
               <a:rPr lang="en-US" altLang="ja-JP" dirty="0"/>
-              <a:t>5</a:t>
-            </a:r>
-            <a:r>
-              <a:rPr kumimoji="1" lang="en-US" altLang="ja-JP" dirty="0" smtClean="0"/>
-              <a:t>. Test </a:t>
-            </a:r>
-            <a:r>
-              <a:rPr kumimoji="1" lang="en-US" altLang="ja-JP" dirty="0" err="1" smtClean="0"/>
-              <a:t>JSindo</a:t>
-            </a:r>
-            <a:endParaRPr kumimoji="1" lang="ja-JP" altLang="en-US" dirty="0"/>
-          </a:p>
-        </p:txBody>
-      </p:sp>
-      <p:sp>
-        <p:nvSpPr>
-          <p:cNvPr id="4" name="テキスト ボックス 3"/>
-          <p:cNvSpPr txBox="1"/>
-          <p:nvPr/>
-        </p:nvSpPr>
-        <p:spPr>
-          <a:xfrm>
-            <a:off x="322815" y="3960190"/>
-            <a:ext cx="4842309" cy="1477328"/>
-          </a:xfrm>
-          <a:prstGeom prst="rect">
-            <a:avLst/>
-          </a:prstGeom>
-          <a:noFill/>
-        </p:spPr>
-        <p:txBody>
-          <a:bodyPr wrap="square" rtlCol="0">
-            <a:spAutoFit/>
-          </a:bodyPr>
-          <a:lstStyle/>
-          <a:p>
+              <a:t>4. </a:t>
+            </a:r>
             <a:r>
               <a:rPr lang="en-US" altLang="ja-JP" dirty="0" smtClean="0"/>
-              <a:t>With </a:t>
-            </a:r>
-            <a:r>
-              <a:rPr lang="en-US" altLang="ja-JP" smtClean="0"/>
-              <a:t>this command, you </a:t>
-            </a:r>
-            <a:r>
-              <a:rPr lang="en-US" altLang="ja-JP" dirty="0" smtClean="0"/>
-              <a:t>should see a control panel of </a:t>
+              <a:t>Download and test </a:t>
             </a:r>
             <a:r>
               <a:rPr lang="en-US" altLang="ja-JP" dirty="0" err="1" smtClean="0"/>
               <a:t>JSindo</a:t>
             </a:r>
-            <a:r>
-              <a:rPr lang="en-US" altLang="ja-JP" dirty="0" smtClean="0"/>
-              <a:t>.</a:t>
-            </a:r>
-          </a:p>
-          <a:p>
-            <a:endParaRPr lang="en-US" altLang="ja-JP" dirty="0" smtClean="0"/>
-          </a:p>
-          <a:p>
-            <a:pPr lvl="1"/>
-            <a:r>
-              <a:rPr lang="en-US" altLang="ja-JP" dirty="0" smtClean="0"/>
-              <a:t>If </a:t>
-            </a:r>
-            <a:r>
-              <a:rPr lang="en-US" altLang="ja-JP" dirty="0"/>
-              <a:t>you don’t see </a:t>
-            </a:r>
-            <a:r>
-              <a:rPr lang="en-US" altLang="ja-JP" dirty="0" smtClean="0"/>
-              <a:t>the </a:t>
-            </a:r>
-            <a:r>
-              <a:rPr lang="en-US" altLang="ja-JP" dirty="0"/>
-              <a:t>panel, review the installation of </a:t>
-            </a:r>
-            <a:r>
-              <a:rPr lang="en-US" altLang="ja-JP" dirty="0" smtClean="0"/>
-              <a:t>Java. </a:t>
-            </a:r>
-          </a:p>
-        </p:txBody>
-      </p:sp>
-      <p:sp>
-        <p:nvSpPr>
-          <p:cNvPr id="6" name="スライド番号プレースホルダー 5"/>
+            <a:endParaRPr kumimoji="1" lang="ja-JP" altLang="en-US" dirty="0"/>
+          </a:p>
+        </p:txBody>
+      </p:sp>
+      <p:sp>
+        <p:nvSpPr>
+          <p:cNvPr id="2" name="スライド番号プレースホルダー 1"/>
           <p:cNvSpPr>
             <a:spLocks noGrp="1"/>
           </p:cNvSpPr>
@@ -8061,20 +8425,126 @@
               <a:rPr kumimoji="1" lang="ja-JP" altLang="en-US" smtClean="0"/>
               <a:t>7</a:t>
             </a:fld>
-            <a:endParaRPr kumimoji="1" lang="ja-JP" altLang="en-US"/>
-          </a:p>
-        </p:txBody>
-      </p:sp>
-      <p:sp>
-        <p:nvSpPr>
-          <p:cNvPr id="14" name="テキスト ボックス 13"/>
+            <a:endParaRPr kumimoji="1" lang="ja-JP" altLang="en-US" dirty="0"/>
+          </a:p>
+        </p:txBody>
+      </p:sp>
+      <p:sp>
+        <p:nvSpPr>
+          <p:cNvPr id="8" name="テキスト ボックス 7"/>
           <p:cNvSpPr txBox="1"/>
           <p:nvPr/>
         </p:nvSpPr>
         <p:spPr>
           <a:xfrm>
-            <a:off x="1284172" y="1467882"/>
-            <a:ext cx="3903633" cy="276999"/>
+            <a:off x="635006" y="1184217"/>
+            <a:ext cx="8014724" cy="1477328"/>
+          </a:xfrm>
+          <a:prstGeom prst="rect">
+            <a:avLst/>
+          </a:prstGeom>
+          <a:noFill/>
+        </p:spPr>
+        <p:txBody>
+          <a:bodyPr wrap="square" rtlCol="0">
+            <a:spAutoFit/>
+          </a:bodyPr>
+          <a:lstStyle/>
+          <a:p>
+            <a:r>
+              <a:rPr lang="en-US" altLang="ja-JP" dirty="0" smtClean="0"/>
+              <a:t>Download JSindo-4.x.jar and </a:t>
+            </a:r>
+            <a:r>
+              <a:rPr lang="en-US" altLang="ja-JP" dirty="0" err="1" smtClean="0"/>
+              <a:t>sample.tar.gz</a:t>
+            </a:r>
+            <a:r>
+              <a:rPr lang="en-US" altLang="ja-JP" dirty="0" smtClean="0"/>
+              <a:t> (or </a:t>
+            </a:r>
+            <a:r>
+              <a:rPr lang="en-US" altLang="ja-JP" dirty="0" err="1" smtClean="0"/>
+              <a:t>sample.zip</a:t>
+            </a:r>
+            <a:r>
+              <a:rPr lang="en-US" altLang="ja-JP" dirty="0" smtClean="0"/>
+              <a:t>) from our website:</a:t>
+            </a:r>
+          </a:p>
+          <a:p>
+            <a:pPr lvl="1"/>
+            <a:r>
+              <a:rPr lang="en-US" altLang="ja-JP" dirty="0"/>
+              <a:t>http://</a:t>
+            </a:r>
+            <a:r>
+              <a:rPr lang="en-US" altLang="ja-JP" dirty="0" err="1"/>
+              <a:t>www.riken.jp</a:t>
+            </a:r>
+            <a:r>
+              <a:rPr lang="en-US" altLang="ja-JP" dirty="0"/>
+              <a:t>/TMS2012/</a:t>
+            </a:r>
+            <a:r>
+              <a:rPr lang="en-US" altLang="ja-JP" dirty="0" err="1"/>
+              <a:t>tms</a:t>
+            </a:r>
+            <a:r>
+              <a:rPr lang="en-US" altLang="ja-JP" dirty="0"/>
+              <a:t>/</a:t>
+            </a:r>
+            <a:r>
+              <a:rPr lang="en-US" altLang="ja-JP" dirty="0" err="1"/>
+              <a:t>en</a:t>
+            </a:r>
+            <a:r>
+              <a:rPr lang="en-US" altLang="ja-JP" dirty="0"/>
+              <a:t>/research/software/</a:t>
+            </a:r>
+            <a:r>
+              <a:rPr lang="en-US" altLang="ja-JP" dirty="0" err="1"/>
+              <a:t>sindo</a:t>
+            </a:r>
+            <a:r>
+              <a:rPr lang="en-US" altLang="ja-JP" dirty="0"/>
+              <a:t>/</a:t>
+            </a:r>
+            <a:r>
+              <a:rPr lang="en-US" altLang="ja-JP" dirty="0" err="1"/>
+              <a:t>index.html</a:t>
+            </a:r>
+            <a:endParaRPr lang="en-US" altLang="ja-JP" dirty="0"/>
+          </a:p>
+          <a:p>
+            <a:endParaRPr lang="en-US" altLang="ja-JP" dirty="0" smtClean="0"/>
+          </a:p>
+          <a:p>
+            <a:r>
+              <a:rPr lang="en-US" altLang="ja-JP" dirty="0" smtClean="0"/>
+              <a:t>Now, create a new folder (${HOME}/</a:t>
+            </a:r>
+            <a:r>
+              <a:rPr lang="en-US" altLang="ja-JP" dirty="0" err="1" smtClean="0"/>
+              <a:t>JSindo</a:t>
+            </a:r>
+            <a:r>
+              <a:rPr lang="en-US" altLang="ja-JP" dirty="0" smtClean="0"/>
+              <a:t>/jar in the example below), and copy all jar files in there, </a:t>
+            </a:r>
+          </a:p>
+        </p:txBody>
+      </p:sp>
+      <p:sp>
+        <p:nvSpPr>
+          <p:cNvPr id="10" name="テキスト ボックス 9"/>
+          <p:cNvSpPr txBox="1"/>
+          <p:nvPr/>
+        </p:nvSpPr>
+        <p:spPr>
+          <a:xfrm>
+            <a:off x="891550" y="2777340"/>
+            <a:ext cx="8030778" cy="2862322"/>
           </a:xfrm>
           <a:prstGeom prst="rect">
             <a:avLst/>
@@ -8087,49 +8557,948 @@
           </a:ln>
         </p:spPr>
         <p:txBody>
-          <a:bodyPr wrap="none" rtlCol="0">
+          <a:bodyPr wrap="square" rtlCol="0">
             <a:spAutoFit/>
           </a:bodyPr>
           <a:lstStyle/>
           <a:p>
             <a:r>
-              <a:rPr kumimoji="1" lang="en-US" altLang="ja-JP" sz="1200" dirty="0" smtClean="0">
-                <a:latin typeface="Courier" charset="0"/>
-                <a:ea typeface="Courier" charset="0"/>
-                <a:cs typeface="Courier" charset="0"/>
-              </a:rPr>
-              <a:t>&gt;java –</a:t>
-            </a:r>
-            <a:r>
-              <a:rPr kumimoji="1" lang="en-US" altLang="ja-JP" sz="1200" dirty="0" err="1" smtClean="0">
-                <a:latin typeface="Courier" charset="0"/>
-                <a:ea typeface="Courier" charset="0"/>
-                <a:cs typeface="Courier" charset="0"/>
-              </a:rPr>
-              <a:t>cp</a:t>
-            </a:r>
-            <a:r>
-              <a:rPr kumimoji="1" lang="en-US" altLang="ja-JP" sz="1200" dirty="0" smtClean="0">
-                <a:latin typeface="Courier" charset="0"/>
-                <a:ea typeface="Courier" charset="0"/>
-                <a:cs typeface="Courier" charset="0"/>
-              </a:rPr>
-              <a:t> /path/to/JSindo-4.0.jar </a:t>
-            </a:r>
-            <a:r>
-              <a:rPr kumimoji="1" lang="en-US" altLang="ja-JP" sz="1200" dirty="0" err="1" smtClean="0">
+              <a:rPr lang="en-US" altLang="ja-JP" sz="1200" dirty="0" smtClean="0">
+                <a:latin typeface="Courier" charset="0"/>
+                <a:ea typeface="Courier" charset="0"/>
+                <a:cs typeface="Courier" charset="0"/>
+              </a:rPr>
+              <a:t>&gt; </a:t>
+            </a:r>
+            <a:r>
+              <a:rPr lang="en-US" altLang="ja-JP" sz="1200" dirty="0" err="1" smtClean="0">
+                <a:latin typeface="Courier" charset="0"/>
+                <a:ea typeface="Courier" charset="0"/>
+                <a:cs typeface="Courier" charset="0"/>
+              </a:rPr>
+              <a:t>jsindo_jar</a:t>
+            </a:r>
+            <a:r>
+              <a:rPr lang="en-US" altLang="ja-JP" sz="1200" dirty="0" smtClean="0">
+                <a:latin typeface="Courier" charset="0"/>
+                <a:ea typeface="Courier" charset="0"/>
+                <a:cs typeface="Courier" charset="0"/>
+              </a:rPr>
+              <a:t>=${</a:t>
+            </a:r>
+            <a:r>
+              <a:rPr lang="en-US" altLang="ja-JP" sz="1200" dirty="0">
+                <a:latin typeface="Courier" charset="0"/>
+                <a:ea typeface="Courier" charset="0"/>
+                <a:cs typeface="Courier" charset="0"/>
+              </a:rPr>
+              <a:t>HOME</a:t>
+            </a:r>
+            <a:r>
+              <a:rPr lang="en-US" altLang="ja-JP" sz="1200" dirty="0" smtClean="0">
+                <a:latin typeface="Courier" charset="0"/>
+                <a:ea typeface="Courier" charset="0"/>
+                <a:cs typeface="Courier" charset="0"/>
+              </a:rPr>
+              <a:t>}/</a:t>
+            </a:r>
+            <a:r>
+              <a:rPr lang="en-US" altLang="ja-JP" sz="1200" dirty="0" err="1" smtClean="0">
                 <a:latin typeface="Courier" charset="0"/>
                 <a:ea typeface="Courier" charset="0"/>
                 <a:cs typeface="Courier" charset="0"/>
               </a:rPr>
               <a:t>JSindo</a:t>
             </a:r>
-            <a:endParaRPr kumimoji="1" lang="ja-JP" altLang="en-US" sz="1200" dirty="0">
+            <a:r>
+              <a:rPr lang="en-US" altLang="ja-JP" sz="1200" dirty="0" smtClean="0">
+                <a:latin typeface="Courier" charset="0"/>
+                <a:ea typeface="Courier" charset="0"/>
+                <a:cs typeface="Courier" charset="0"/>
+              </a:rPr>
+              <a:t>/jar</a:t>
+            </a:r>
+          </a:p>
+          <a:p>
+            <a:r>
+              <a:rPr lang="en-US" altLang="ja-JP" sz="1200" dirty="0" smtClean="0">
+                <a:latin typeface="Courier" charset="0"/>
+                <a:ea typeface="Courier" charset="0"/>
+                <a:cs typeface="Courier" charset="0"/>
+              </a:rPr>
+              <a:t>&gt; </a:t>
+            </a:r>
+            <a:r>
+              <a:rPr lang="en-US" altLang="ja-JP" sz="1200" dirty="0" err="1" smtClean="0">
+                <a:latin typeface="Courier" charset="0"/>
+                <a:ea typeface="Courier" charset="0"/>
+                <a:cs typeface="Courier" charset="0"/>
+              </a:rPr>
+              <a:t>mkdir</a:t>
+            </a:r>
+            <a:r>
+              <a:rPr lang="en-US" altLang="ja-JP" sz="1200" smtClean="0">
+                <a:latin typeface="Courier" charset="0"/>
+                <a:ea typeface="Courier" charset="0"/>
+                <a:cs typeface="Courier" charset="0"/>
+              </a:rPr>
+              <a:t> -p $</a:t>
+            </a:r>
+            <a:r>
+              <a:rPr lang="en-US" altLang="ja-JP" sz="1200" dirty="0" err="1" smtClean="0">
+                <a:latin typeface="Courier" charset="0"/>
+                <a:ea typeface="Courier" charset="0"/>
+                <a:cs typeface="Courier" charset="0"/>
+              </a:rPr>
+              <a:t>jarfiles</a:t>
+            </a:r>
+            <a:endParaRPr lang="en-US" altLang="ja-JP" sz="1200" dirty="0" smtClean="0">
               <a:latin typeface="Courier" charset="0"/>
               <a:ea typeface="Courier" charset="0"/>
               <a:cs typeface="Courier" charset="0"/>
             </a:endParaRPr>
           </a:p>
+          <a:p>
+            <a:endParaRPr lang="en-US" altLang="ja-JP" sz="1200" dirty="0" smtClean="0">
+              <a:latin typeface="Courier" charset="0"/>
+              <a:ea typeface="Courier" charset="0"/>
+              <a:cs typeface="Courier" charset="0"/>
+            </a:endParaRPr>
+          </a:p>
+          <a:p>
+            <a:r>
+              <a:rPr lang="en-US" altLang="ja-JP" sz="1200" dirty="0" smtClean="0">
+                <a:latin typeface="Courier" charset="0"/>
+                <a:ea typeface="Courier" charset="0"/>
+                <a:cs typeface="Courier" charset="0"/>
+              </a:rPr>
+              <a:t>&gt; </a:t>
+            </a:r>
+            <a:r>
+              <a:rPr lang="en-US" altLang="ja-JP" sz="1200" dirty="0" err="1" smtClean="0">
+                <a:latin typeface="Courier" charset="0"/>
+                <a:ea typeface="Courier" charset="0"/>
+                <a:cs typeface="Courier" charset="0"/>
+              </a:rPr>
+              <a:t>cp</a:t>
+            </a:r>
+            <a:r>
+              <a:rPr lang="en-US" altLang="ja-JP" sz="1200" dirty="0" smtClean="0">
+                <a:latin typeface="Courier" charset="0"/>
+                <a:ea typeface="Courier" charset="0"/>
+                <a:cs typeface="Courier" charset="0"/>
+              </a:rPr>
+              <a:t> /path/to/</a:t>
+            </a:r>
+            <a:r>
+              <a:rPr lang="en-US" altLang="ja-JP" sz="1200" dirty="0" err="1" smtClean="0">
+                <a:latin typeface="Courier" charset="0"/>
+                <a:ea typeface="Courier" charset="0"/>
+                <a:cs typeface="Courier" charset="0"/>
+              </a:rPr>
+              <a:t>jogamp</a:t>
+            </a:r>
+            <a:r>
+              <a:rPr lang="en-US" altLang="ja-JP" sz="1200" dirty="0" smtClean="0">
+                <a:latin typeface="Courier" charset="0"/>
+                <a:ea typeface="Courier" charset="0"/>
+                <a:cs typeface="Courier" charset="0"/>
+              </a:rPr>
+              <a:t>-all-platforms/jar/</a:t>
+            </a:r>
+            <a:r>
+              <a:rPr lang="en-US" altLang="ja-JP" sz="1200" dirty="0" err="1" smtClean="0">
+                <a:latin typeface="Courier" charset="0"/>
+                <a:ea typeface="Courier" charset="0"/>
+                <a:cs typeface="Courier" charset="0"/>
+              </a:rPr>
+              <a:t>gluegen.jar</a:t>
+            </a:r>
+            <a:r>
+              <a:rPr lang="en-US" altLang="ja-JP" sz="1200" dirty="0" smtClean="0">
+                <a:latin typeface="Courier" charset="0"/>
+                <a:ea typeface="Courier" charset="0"/>
+                <a:cs typeface="Courier" charset="0"/>
+              </a:rPr>
+              <a:t>    $</a:t>
+            </a:r>
+            <a:r>
+              <a:rPr lang="en-US" altLang="ja-JP" sz="1200" dirty="0" err="1" smtClean="0">
+                <a:latin typeface="Courier" charset="0"/>
+                <a:ea typeface="Courier" charset="0"/>
+                <a:cs typeface="Courier" charset="0"/>
+              </a:rPr>
+              <a:t>jsindo_jar</a:t>
+            </a:r>
+            <a:endParaRPr lang="en-US" altLang="ja-JP" sz="1200" dirty="0" smtClean="0">
+              <a:latin typeface="Courier" charset="0"/>
+              <a:ea typeface="Courier" charset="0"/>
+              <a:cs typeface="Courier" charset="0"/>
+            </a:endParaRPr>
+          </a:p>
+          <a:p>
+            <a:r>
+              <a:rPr lang="en-US" altLang="ja-JP" sz="1200" dirty="0" smtClean="0">
+                <a:latin typeface="Courier" charset="0"/>
+                <a:ea typeface="Courier" charset="0"/>
+                <a:cs typeface="Courier" charset="0"/>
+              </a:rPr>
+              <a:t>&gt; </a:t>
+            </a:r>
+            <a:r>
+              <a:rPr lang="en-US" altLang="ja-JP" sz="1200" dirty="0" err="1" smtClean="0">
+                <a:latin typeface="Courier" charset="0"/>
+                <a:ea typeface="Courier" charset="0"/>
+                <a:cs typeface="Courier" charset="0"/>
+              </a:rPr>
+              <a:t>cp</a:t>
+            </a:r>
+            <a:r>
+              <a:rPr lang="en-US" altLang="ja-JP" sz="1200" dirty="0" smtClean="0">
+                <a:latin typeface="Courier" charset="0"/>
+                <a:ea typeface="Courier" charset="0"/>
+                <a:cs typeface="Courier" charset="0"/>
+              </a:rPr>
+              <a:t> </a:t>
+            </a:r>
+            <a:r>
+              <a:rPr lang="en-US" altLang="ja-JP" sz="1200" dirty="0">
+                <a:latin typeface="Courier" charset="0"/>
+                <a:ea typeface="Courier" charset="0"/>
+                <a:cs typeface="Courier" charset="0"/>
+              </a:rPr>
+              <a:t>/</a:t>
+            </a:r>
+            <a:r>
+              <a:rPr lang="en-US" altLang="ja-JP" sz="1200" dirty="0" smtClean="0">
+                <a:latin typeface="Courier" charset="0"/>
+                <a:ea typeface="Courier" charset="0"/>
+                <a:cs typeface="Courier" charset="0"/>
+              </a:rPr>
+              <a:t>path/to/</a:t>
+            </a:r>
+            <a:r>
+              <a:rPr lang="en-US" altLang="ja-JP" sz="1200" dirty="0" err="1" smtClean="0">
+                <a:latin typeface="Courier" charset="0"/>
+                <a:ea typeface="Courier" charset="0"/>
+                <a:cs typeface="Courier" charset="0"/>
+              </a:rPr>
+              <a:t>jogamp</a:t>
+            </a:r>
+            <a:r>
+              <a:rPr lang="en-US" altLang="ja-JP" sz="1200" dirty="0" smtClean="0">
+                <a:latin typeface="Courier" charset="0"/>
+                <a:ea typeface="Courier" charset="0"/>
+                <a:cs typeface="Courier" charset="0"/>
+              </a:rPr>
+              <a:t>-all-platforms/jar/</a:t>
+            </a:r>
+            <a:r>
+              <a:rPr lang="en-US" altLang="ja-JP" sz="1200" dirty="0" err="1" smtClean="0">
+                <a:latin typeface="Courier" charset="0"/>
+                <a:ea typeface="Courier" charset="0"/>
+                <a:cs typeface="Courier" charset="0"/>
+              </a:rPr>
+              <a:t>gluegen-rt.jar</a:t>
+            </a:r>
+            <a:r>
+              <a:rPr lang="en-US" altLang="ja-JP" sz="1200" dirty="0" smtClean="0">
+                <a:latin typeface="Courier" charset="0"/>
+                <a:ea typeface="Courier" charset="0"/>
+                <a:cs typeface="Courier" charset="0"/>
+              </a:rPr>
+              <a:t> $</a:t>
+            </a:r>
+            <a:r>
+              <a:rPr lang="en-US" altLang="ja-JP" sz="1200" dirty="0" err="1" smtClean="0">
+                <a:latin typeface="Courier" charset="0"/>
+                <a:ea typeface="Courier" charset="0"/>
+                <a:cs typeface="Courier" charset="0"/>
+              </a:rPr>
+              <a:t>jsindo_jar</a:t>
+            </a:r>
+            <a:endParaRPr lang="en-US" altLang="ja-JP" sz="1200" dirty="0">
+              <a:latin typeface="Courier" charset="0"/>
+              <a:ea typeface="Courier" charset="0"/>
+              <a:cs typeface="Courier" charset="0"/>
+            </a:endParaRPr>
+          </a:p>
+          <a:p>
+            <a:r>
+              <a:rPr lang="en-US" altLang="ja-JP" sz="1200" dirty="0" smtClean="0">
+                <a:latin typeface="Courier" charset="0"/>
+                <a:ea typeface="Courier" charset="0"/>
+                <a:cs typeface="Courier" charset="0"/>
+              </a:rPr>
+              <a:t>&gt; </a:t>
+            </a:r>
+            <a:r>
+              <a:rPr lang="en-US" altLang="ja-JP" sz="1200" dirty="0" err="1" smtClean="0">
+                <a:latin typeface="Courier" charset="0"/>
+                <a:ea typeface="Courier" charset="0"/>
+                <a:cs typeface="Courier" charset="0"/>
+              </a:rPr>
+              <a:t>cp</a:t>
+            </a:r>
+            <a:r>
+              <a:rPr lang="en-US" altLang="ja-JP" sz="1200" dirty="0" smtClean="0">
+                <a:latin typeface="Courier" charset="0"/>
+                <a:ea typeface="Courier" charset="0"/>
+                <a:cs typeface="Courier" charset="0"/>
+              </a:rPr>
+              <a:t> </a:t>
+            </a:r>
+            <a:r>
+              <a:rPr lang="en-US" altLang="ja-JP" sz="1200" dirty="0">
+                <a:latin typeface="Courier" charset="0"/>
+                <a:ea typeface="Courier" charset="0"/>
+                <a:cs typeface="Courier" charset="0"/>
+              </a:rPr>
+              <a:t>/path/to</a:t>
+            </a:r>
+            <a:r>
+              <a:rPr lang="en-US" altLang="ja-JP" sz="1200" dirty="0" smtClean="0">
+                <a:latin typeface="Courier" charset="0"/>
+                <a:ea typeface="Courier" charset="0"/>
+                <a:cs typeface="Courier" charset="0"/>
+              </a:rPr>
+              <a:t>/</a:t>
+            </a:r>
+            <a:r>
+              <a:rPr lang="en-US" altLang="ja-JP" sz="1200" dirty="0" err="1" smtClean="0">
+                <a:latin typeface="Courier" charset="0"/>
+                <a:ea typeface="Courier" charset="0"/>
+                <a:cs typeface="Courier" charset="0"/>
+              </a:rPr>
+              <a:t>jogamp</a:t>
+            </a:r>
+            <a:r>
+              <a:rPr lang="en-US" altLang="ja-JP" sz="1200" dirty="0" smtClean="0">
+                <a:latin typeface="Courier" charset="0"/>
+                <a:ea typeface="Courier" charset="0"/>
+                <a:cs typeface="Courier" charset="0"/>
+              </a:rPr>
+              <a:t>-all-platforms/jar/</a:t>
+            </a:r>
+            <a:r>
+              <a:rPr lang="en-US" altLang="ja-JP" sz="1200" dirty="0" err="1" smtClean="0">
+                <a:latin typeface="Courier" charset="0"/>
+                <a:ea typeface="Courier" charset="0"/>
+                <a:cs typeface="Courier" charset="0"/>
+              </a:rPr>
+              <a:t>jogl-all.jar</a:t>
+            </a:r>
+            <a:r>
+              <a:rPr lang="en-US" altLang="ja-JP" sz="1200" dirty="0" smtClean="0">
+                <a:latin typeface="Courier" charset="0"/>
+                <a:ea typeface="Courier" charset="0"/>
+                <a:cs typeface="Courier" charset="0"/>
+              </a:rPr>
+              <a:t>   $</a:t>
+            </a:r>
+            <a:r>
+              <a:rPr lang="en-US" altLang="ja-JP" sz="1200" dirty="0" err="1" smtClean="0">
+                <a:latin typeface="Courier" charset="0"/>
+                <a:ea typeface="Courier" charset="0"/>
+                <a:cs typeface="Courier" charset="0"/>
+              </a:rPr>
+              <a:t>jsindo_jar</a:t>
+            </a:r>
+            <a:endParaRPr lang="en-US" altLang="ja-JP" sz="1200" dirty="0">
+              <a:latin typeface="Courier" charset="0"/>
+              <a:ea typeface="Courier" charset="0"/>
+              <a:cs typeface="Courier" charset="0"/>
+            </a:endParaRPr>
+          </a:p>
+          <a:p>
+            <a:r>
+              <a:rPr lang="en-US" altLang="ja-JP" sz="1200" dirty="0" smtClean="0">
+                <a:latin typeface="Courier" charset="0"/>
+                <a:ea typeface="Courier" charset="0"/>
+                <a:cs typeface="Courier" charset="0"/>
+              </a:rPr>
+              <a:t>&gt; </a:t>
+            </a:r>
+            <a:r>
+              <a:rPr lang="en-US" altLang="ja-JP" sz="1200" dirty="0" err="1" smtClean="0">
+                <a:latin typeface="Courier" charset="0"/>
+                <a:ea typeface="Courier" charset="0"/>
+                <a:cs typeface="Courier" charset="0"/>
+              </a:rPr>
+              <a:t>cp</a:t>
+            </a:r>
+            <a:r>
+              <a:rPr lang="en-US" altLang="ja-JP" sz="1200" dirty="0" smtClean="0">
+                <a:latin typeface="Courier" charset="0"/>
+                <a:ea typeface="Courier" charset="0"/>
+                <a:cs typeface="Courier" charset="0"/>
+              </a:rPr>
+              <a:t> </a:t>
+            </a:r>
+            <a:r>
+              <a:rPr lang="en-US" altLang="ja-JP" sz="1200" dirty="0">
+                <a:latin typeface="Courier" charset="0"/>
+                <a:ea typeface="Courier" charset="0"/>
+                <a:cs typeface="Courier" charset="0"/>
+              </a:rPr>
+              <a:t>/path/to</a:t>
+            </a:r>
+            <a:r>
+              <a:rPr lang="en-US" altLang="ja-JP" sz="1200" dirty="0" smtClean="0">
+                <a:latin typeface="Courier" charset="0"/>
+                <a:ea typeface="Courier" charset="0"/>
+                <a:cs typeface="Courier" charset="0"/>
+              </a:rPr>
+              <a:t>/</a:t>
+            </a:r>
+            <a:r>
+              <a:rPr lang="en-US" altLang="ja-JP" sz="1200" dirty="0" err="1" smtClean="0">
+                <a:latin typeface="Courier" charset="0"/>
+                <a:ea typeface="Courier" charset="0"/>
+                <a:cs typeface="Courier" charset="0"/>
+              </a:rPr>
+              <a:t>jogamp</a:t>
+            </a:r>
+            <a:r>
+              <a:rPr lang="en-US" altLang="ja-JP" sz="1200" dirty="0" smtClean="0">
+                <a:latin typeface="Courier" charset="0"/>
+                <a:ea typeface="Courier" charset="0"/>
+                <a:cs typeface="Courier" charset="0"/>
+              </a:rPr>
+              <a:t>-all-platforms/jar/</a:t>
+            </a:r>
+            <a:r>
+              <a:rPr lang="en-US" altLang="ja-JP" sz="1200" dirty="0" err="1" smtClean="0">
+                <a:latin typeface="Courier" charset="0"/>
+                <a:ea typeface="Courier" charset="0"/>
+                <a:cs typeface="Courier" charset="0"/>
+              </a:rPr>
+              <a:t>gluegen</a:t>
+            </a:r>
+            <a:r>
+              <a:rPr lang="en-US" altLang="ja-JP" sz="1200" dirty="0" smtClean="0">
+                <a:latin typeface="Courier" charset="0"/>
+                <a:ea typeface="Courier" charset="0"/>
+                <a:cs typeface="Courier" charset="0"/>
+              </a:rPr>
+              <a:t>-</a:t>
+            </a:r>
+            <a:r>
+              <a:rPr lang="en-US" altLang="ja-JP" sz="1200" dirty="0" err="1" smtClean="0">
+                <a:latin typeface="Courier" charset="0"/>
+                <a:ea typeface="Courier" charset="0"/>
+                <a:cs typeface="Courier" charset="0"/>
+              </a:rPr>
+              <a:t>rt</a:t>
+            </a:r>
+            <a:r>
+              <a:rPr lang="en-US" altLang="ja-JP" sz="1200" dirty="0" smtClean="0">
+                <a:latin typeface="Courier" charset="0"/>
+                <a:ea typeface="Courier" charset="0"/>
+                <a:cs typeface="Courier" charset="0"/>
+              </a:rPr>
+              <a:t>-natives-</a:t>
+            </a:r>
+            <a:r>
+              <a:rPr lang="en-US" altLang="ja-JP" sz="1200" dirty="0" err="1" smtClean="0">
+                <a:latin typeface="Courier" charset="0"/>
+                <a:ea typeface="Courier" charset="0"/>
+                <a:cs typeface="Courier" charset="0"/>
+              </a:rPr>
+              <a:t>linux</a:t>
+            </a:r>
+            <a:r>
+              <a:rPr lang="en-US" altLang="ja-JP" sz="1200" dirty="0" smtClean="0">
+                <a:latin typeface="Courier" charset="0"/>
+                <a:ea typeface="Courier" charset="0"/>
+                <a:cs typeface="Courier" charset="0"/>
+              </a:rPr>
+              <a:t>-</a:t>
+            </a:r>
+            <a:r>
+              <a:rPr lang="en-US" altLang="ja-JP" sz="1200" dirty="0" err="1" smtClean="0">
+                <a:solidFill>
+                  <a:srgbClr val="FF0000"/>
+                </a:solidFill>
+                <a:latin typeface="Courier" charset="0"/>
+                <a:ea typeface="Courier" charset="0"/>
+                <a:cs typeface="Courier" charset="0"/>
+              </a:rPr>
+              <a:t>xxx</a:t>
+            </a:r>
+            <a:r>
+              <a:rPr lang="en-US" altLang="ja-JP" sz="1200" dirty="0" err="1" smtClean="0">
+                <a:latin typeface="Courier" charset="0"/>
+                <a:ea typeface="Courier" charset="0"/>
+                <a:cs typeface="Courier" charset="0"/>
+              </a:rPr>
+              <a:t>.jar</a:t>
+            </a:r>
+            <a:r>
+              <a:rPr lang="en-US" altLang="ja-JP" sz="1200" dirty="0" smtClean="0">
+                <a:latin typeface="Courier" charset="0"/>
+                <a:ea typeface="Courier" charset="0"/>
+                <a:cs typeface="Courier" charset="0"/>
+              </a:rPr>
+              <a:t> </a:t>
+            </a:r>
+            <a:r>
+              <a:rPr lang="en-US" altLang="ja-JP" sz="1200" dirty="0">
+                <a:latin typeface="Courier" charset="0"/>
+                <a:ea typeface="Courier" charset="0"/>
+                <a:cs typeface="Courier" charset="0"/>
+              </a:rPr>
+              <a:t>$</a:t>
+            </a:r>
+            <a:r>
+              <a:rPr lang="en-US" altLang="ja-JP" sz="1200" dirty="0" err="1" smtClean="0">
+                <a:latin typeface="Courier" charset="0"/>
+                <a:ea typeface="Courier" charset="0"/>
+                <a:cs typeface="Courier" charset="0"/>
+              </a:rPr>
+              <a:t>jsindo_jar</a:t>
+            </a:r>
+            <a:endParaRPr lang="en-US" altLang="ja-JP" sz="1200" dirty="0">
+              <a:latin typeface="Courier" charset="0"/>
+              <a:ea typeface="Courier" charset="0"/>
+              <a:cs typeface="Courier" charset="0"/>
+            </a:endParaRPr>
+          </a:p>
+          <a:p>
+            <a:r>
+              <a:rPr lang="en-US" altLang="ja-JP" sz="1200" dirty="0" smtClean="0">
+                <a:latin typeface="Courier" charset="0"/>
+                <a:ea typeface="Courier" charset="0"/>
+                <a:cs typeface="Courier" charset="0"/>
+              </a:rPr>
+              <a:t>&gt; </a:t>
+            </a:r>
+            <a:r>
+              <a:rPr lang="en-US" altLang="ja-JP" sz="1200" dirty="0" err="1" smtClean="0">
+                <a:latin typeface="Courier" charset="0"/>
+                <a:ea typeface="Courier" charset="0"/>
+                <a:cs typeface="Courier" charset="0"/>
+              </a:rPr>
+              <a:t>cp</a:t>
+            </a:r>
+            <a:r>
+              <a:rPr lang="en-US" altLang="ja-JP" sz="1200" dirty="0" smtClean="0">
+                <a:latin typeface="Courier" charset="0"/>
+                <a:ea typeface="Courier" charset="0"/>
+                <a:cs typeface="Courier" charset="0"/>
+              </a:rPr>
+              <a:t> </a:t>
+            </a:r>
+            <a:r>
+              <a:rPr lang="en-US" altLang="ja-JP" sz="1200" dirty="0">
+                <a:latin typeface="Courier" charset="0"/>
+                <a:ea typeface="Courier" charset="0"/>
+                <a:cs typeface="Courier" charset="0"/>
+              </a:rPr>
+              <a:t>/path/to</a:t>
+            </a:r>
+            <a:r>
+              <a:rPr lang="en-US" altLang="ja-JP" sz="1200" dirty="0" smtClean="0">
+                <a:latin typeface="Courier" charset="0"/>
+                <a:ea typeface="Courier" charset="0"/>
+                <a:cs typeface="Courier" charset="0"/>
+              </a:rPr>
+              <a:t>/</a:t>
+            </a:r>
+            <a:r>
+              <a:rPr lang="en-US" altLang="ja-JP" sz="1200" dirty="0" err="1" smtClean="0">
+                <a:latin typeface="Courier" charset="0"/>
+                <a:ea typeface="Courier" charset="0"/>
+                <a:cs typeface="Courier" charset="0"/>
+              </a:rPr>
+              <a:t>jogamp</a:t>
+            </a:r>
+            <a:r>
+              <a:rPr lang="en-US" altLang="ja-JP" sz="1200" dirty="0" smtClean="0">
+                <a:latin typeface="Courier" charset="0"/>
+                <a:ea typeface="Courier" charset="0"/>
+                <a:cs typeface="Courier" charset="0"/>
+              </a:rPr>
+              <a:t>-all-platforms/jar/</a:t>
+            </a:r>
+            <a:r>
+              <a:rPr lang="en-US" altLang="ja-JP" sz="1200" dirty="0" err="1" smtClean="0">
+                <a:latin typeface="Courier" charset="0"/>
+                <a:ea typeface="Courier" charset="0"/>
+                <a:cs typeface="Courier" charset="0"/>
+              </a:rPr>
+              <a:t>jogl</a:t>
+            </a:r>
+            <a:r>
+              <a:rPr lang="en-US" altLang="ja-JP" sz="1200" dirty="0" smtClean="0">
+                <a:latin typeface="Courier" charset="0"/>
+                <a:ea typeface="Courier" charset="0"/>
+                <a:cs typeface="Courier" charset="0"/>
+              </a:rPr>
+              <a:t>-all-natives-</a:t>
+            </a:r>
+            <a:r>
+              <a:rPr lang="en-US" altLang="ja-JP" sz="1200" dirty="0" err="1" smtClean="0">
+                <a:latin typeface="Courier" charset="0"/>
+                <a:ea typeface="Courier" charset="0"/>
+                <a:cs typeface="Courier" charset="0"/>
+              </a:rPr>
+              <a:t>linux</a:t>
+            </a:r>
+            <a:r>
+              <a:rPr lang="en-US" altLang="ja-JP" sz="1200" dirty="0" smtClean="0">
+                <a:latin typeface="Courier" charset="0"/>
+                <a:ea typeface="Courier" charset="0"/>
+                <a:cs typeface="Courier" charset="0"/>
+              </a:rPr>
+              <a:t>-</a:t>
+            </a:r>
+            <a:r>
+              <a:rPr lang="en-US" altLang="ja-JP" sz="1200" dirty="0" err="1" smtClean="0">
+                <a:solidFill>
+                  <a:srgbClr val="FF0000"/>
+                </a:solidFill>
+                <a:latin typeface="Courier" charset="0"/>
+                <a:ea typeface="Courier" charset="0"/>
+                <a:cs typeface="Courier" charset="0"/>
+              </a:rPr>
+              <a:t>xxx</a:t>
+            </a:r>
+            <a:r>
+              <a:rPr lang="en-US" altLang="ja-JP" sz="1200" dirty="0" err="1" smtClean="0">
+                <a:latin typeface="Courier" charset="0"/>
+                <a:ea typeface="Courier" charset="0"/>
+                <a:cs typeface="Courier" charset="0"/>
+              </a:rPr>
+              <a:t>.jar</a:t>
+            </a:r>
+            <a:r>
+              <a:rPr lang="en-US" altLang="ja-JP" sz="1200" dirty="0" smtClean="0">
+                <a:latin typeface="Courier" charset="0"/>
+                <a:ea typeface="Courier" charset="0"/>
+                <a:cs typeface="Courier" charset="0"/>
+              </a:rPr>
+              <a:t>   $</a:t>
+            </a:r>
+            <a:r>
+              <a:rPr lang="en-US" altLang="ja-JP" sz="1200" dirty="0" err="1" smtClean="0">
+                <a:latin typeface="Courier" charset="0"/>
+                <a:ea typeface="Courier" charset="0"/>
+                <a:cs typeface="Courier" charset="0"/>
+              </a:rPr>
+              <a:t>jsindo_jar</a:t>
+            </a:r>
+            <a:endParaRPr lang="en-US" altLang="ja-JP" sz="1200" dirty="0" smtClean="0">
+              <a:latin typeface="Courier" charset="0"/>
+              <a:ea typeface="Courier" charset="0"/>
+              <a:cs typeface="Courier" charset="0"/>
+            </a:endParaRPr>
+          </a:p>
+          <a:p>
+            <a:endParaRPr lang="en-US" altLang="ja-JP" sz="1200" dirty="0" smtClean="0">
+              <a:latin typeface="Courier" charset="0"/>
+              <a:ea typeface="Courier" charset="0"/>
+              <a:cs typeface="Courier" charset="0"/>
+            </a:endParaRPr>
+          </a:p>
+          <a:p>
+            <a:r>
+              <a:rPr lang="en-US" altLang="ja-JP" sz="1200" dirty="0" smtClean="0">
+                <a:latin typeface="Courier" charset="0"/>
+                <a:ea typeface="Courier" charset="0"/>
+                <a:cs typeface="Courier" charset="0"/>
+              </a:rPr>
+              <a:t>&gt; </a:t>
+            </a:r>
+            <a:r>
+              <a:rPr lang="en-US" altLang="ja-JP" sz="1200" dirty="0" err="1" smtClean="0">
+                <a:latin typeface="Courier" charset="0"/>
+                <a:ea typeface="Courier" charset="0"/>
+                <a:cs typeface="Courier" charset="0"/>
+              </a:rPr>
+              <a:t>cp</a:t>
+            </a:r>
+            <a:r>
+              <a:rPr lang="en-US" altLang="ja-JP" sz="1200" dirty="0" smtClean="0">
+                <a:latin typeface="Courier" charset="0"/>
+                <a:ea typeface="Courier" charset="0"/>
+                <a:cs typeface="Courier" charset="0"/>
+              </a:rPr>
+              <a:t> </a:t>
+            </a:r>
+            <a:r>
+              <a:rPr lang="en-US" altLang="ja-JP" sz="1200" dirty="0">
+                <a:latin typeface="Courier" charset="0"/>
+                <a:ea typeface="Courier" charset="0"/>
+                <a:cs typeface="Courier" charset="0"/>
+              </a:rPr>
+              <a:t>/path/to</a:t>
+            </a:r>
+            <a:r>
+              <a:rPr lang="en-US" altLang="ja-JP" sz="1200" dirty="0" smtClean="0">
+                <a:latin typeface="Courier" charset="0"/>
+                <a:ea typeface="Courier" charset="0"/>
+                <a:cs typeface="Courier" charset="0"/>
+              </a:rPr>
+              <a:t>/jogamp-java3d/j3dutils.jar $</a:t>
+            </a:r>
+            <a:r>
+              <a:rPr lang="en-US" altLang="ja-JP" sz="1200" dirty="0" err="1" smtClean="0">
+                <a:latin typeface="Courier" charset="0"/>
+                <a:ea typeface="Courier" charset="0"/>
+                <a:cs typeface="Courier" charset="0"/>
+              </a:rPr>
+              <a:t>jsindo_jar</a:t>
+            </a:r>
+            <a:endParaRPr lang="en-US" altLang="ja-JP" sz="1200" dirty="0" smtClean="0">
+              <a:latin typeface="Courier" charset="0"/>
+              <a:ea typeface="Courier" charset="0"/>
+              <a:cs typeface="Courier" charset="0"/>
+            </a:endParaRPr>
+          </a:p>
+          <a:p>
+            <a:r>
+              <a:rPr lang="en-US" altLang="ja-JP" sz="1200" dirty="0" smtClean="0">
+                <a:latin typeface="Courier" charset="0"/>
+                <a:ea typeface="Courier" charset="0"/>
+                <a:cs typeface="Courier" charset="0"/>
+              </a:rPr>
+              <a:t>&gt; </a:t>
+            </a:r>
+            <a:r>
+              <a:rPr lang="en-US" altLang="ja-JP" sz="1200" dirty="0" err="1" smtClean="0">
+                <a:latin typeface="Courier" charset="0"/>
+                <a:ea typeface="Courier" charset="0"/>
+                <a:cs typeface="Courier" charset="0"/>
+              </a:rPr>
+              <a:t>cp</a:t>
+            </a:r>
+            <a:r>
+              <a:rPr lang="en-US" altLang="ja-JP" sz="1200" dirty="0" smtClean="0">
+                <a:latin typeface="Courier" charset="0"/>
+                <a:ea typeface="Courier" charset="0"/>
+                <a:cs typeface="Courier" charset="0"/>
+              </a:rPr>
+              <a:t> </a:t>
+            </a:r>
+            <a:r>
+              <a:rPr lang="en-US" altLang="ja-JP" sz="1200" dirty="0">
+                <a:latin typeface="Courier" charset="0"/>
+                <a:ea typeface="Courier" charset="0"/>
+                <a:cs typeface="Courier" charset="0"/>
+              </a:rPr>
+              <a:t>/path/to</a:t>
+            </a:r>
+            <a:r>
+              <a:rPr lang="en-US" altLang="ja-JP" sz="1200" dirty="0" smtClean="0">
+                <a:latin typeface="Courier" charset="0"/>
+                <a:ea typeface="Courier" charset="0"/>
+                <a:cs typeface="Courier" charset="0"/>
+              </a:rPr>
+              <a:t>/jogamp-java3d/j3dcore.jar  $</a:t>
+            </a:r>
+            <a:r>
+              <a:rPr lang="en-US" altLang="ja-JP" sz="1200" dirty="0" err="1" smtClean="0">
+                <a:latin typeface="Courier" charset="0"/>
+                <a:ea typeface="Courier" charset="0"/>
+                <a:cs typeface="Courier" charset="0"/>
+              </a:rPr>
+              <a:t>jsindo_jar</a:t>
+            </a:r>
+            <a:endParaRPr lang="en-US" altLang="ja-JP" sz="1200" dirty="0">
+              <a:latin typeface="Courier" charset="0"/>
+              <a:ea typeface="Courier" charset="0"/>
+              <a:cs typeface="Courier" charset="0"/>
+            </a:endParaRPr>
+          </a:p>
+          <a:p>
+            <a:r>
+              <a:rPr lang="en-US" altLang="ja-JP" sz="1200" dirty="0" smtClean="0">
+                <a:latin typeface="Courier" charset="0"/>
+                <a:ea typeface="Courier" charset="0"/>
+                <a:cs typeface="Courier" charset="0"/>
+              </a:rPr>
+              <a:t>&gt; </a:t>
+            </a:r>
+            <a:r>
+              <a:rPr lang="en-US" altLang="ja-JP" sz="1200" dirty="0" err="1" smtClean="0">
+                <a:latin typeface="Courier" charset="0"/>
+                <a:ea typeface="Courier" charset="0"/>
+                <a:cs typeface="Courier" charset="0"/>
+              </a:rPr>
+              <a:t>cp</a:t>
+            </a:r>
+            <a:r>
+              <a:rPr lang="en-US" altLang="ja-JP" sz="1200" dirty="0" smtClean="0">
+                <a:latin typeface="Courier" charset="0"/>
+                <a:ea typeface="Courier" charset="0"/>
+                <a:cs typeface="Courier" charset="0"/>
+              </a:rPr>
+              <a:t> </a:t>
+            </a:r>
+            <a:r>
+              <a:rPr lang="en-US" altLang="ja-JP" sz="1200" dirty="0">
+                <a:latin typeface="Courier" charset="0"/>
+                <a:ea typeface="Courier" charset="0"/>
+                <a:cs typeface="Courier" charset="0"/>
+              </a:rPr>
+              <a:t>/path/to</a:t>
+            </a:r>
+            <a:r>
+              <a:rPr lang="en-US" altLang="ja-JP" sz="1200" dirty="0" smtClean="0">
+                <a:latin typeface="Courier" charset="0"/>
+                <a:ea typeface="Courier" charset="0"/>
+                <a:cs typeface="Courier" charset="0"/>
+              </a:rPr>
+              <a:t>/jogamp-java3d/</a:t>
+            </a:r>
+            <a:r>
+              <a:rPr lang="en-US" altLang="ja-JP" sz="1200" dirty="0" err="1" smtClean="0">
+                <a:latin typeface="Courier" charset="0"/>
+                <a:ea typeface="Courier" charset="0"/>
+                <a:cs typeface="Courier" charset="0"/>
+              </a:rPr>
+              <a:t>vecmath.jar</a:t>
+            </a:r>
+            <a:r>
+              <a:rPr lang="en-US" altLang="ja-JP" sz="1200" dirty="0" smtClean="0">
+                <a:latin typeface="Courier" charset="0"/>
+                <a:ea typeface="Courier" charset="0"/>
+                <a:cs typeface="Courier" charset="0"/>
+              </a:rPr>
+              <a:t>  $</a:t>
+            </a:r>
+            <a:r>
+              <a:rPr lang="en-US" altLang="ja-JP" sz="1200" dirty="0" err="1" smtClean="0">
+                <a:latin typeface="Courier" charset="0"/>
+                <a:ea typeface="Courier" charset="0"/>
+                <a:cs typeface="Courier" charset="0"/>
+              </a:rPr>
+              <a:t>jsindo_jar</a:t>
+            </a:r>
+            <a:endParaRPr lang="en-US" altLang="ja-JP" sz="1200" dirty="0" smtClean="0">
+              <a:latin typeface="Courier" charset="0"/>
+              <a:ea typeface="Courier" charset="0"/>
+              <a:cs typeface="Courier" charset="0"/>
+            </a:endParaRPr>
+          </a:p>
+          <a:p>
+            <a:endParaRPr lang="en-US" altLang="ja-JP" sz="1200" dirty="0" smtClean="0">
+              <a:latin typeface="Courier" charset="0"/>
+              <a:ea typeface="Courier" charset="0"/>
+              <a:cs typeface="Courier" charset="0"/>
+            </a:endParaRPr>
+          </a:p>
+          <a:p>
+            <a:r>
+              <a:rPr lang="en-US" altLang="ja-JP" sz="1200" dirty="0" smtClean="0">
+                <a:latin typeface="Courier" charset="0"/>
+                <a:ea typeface="Courier" charset="0"/>
+                <a:cs typeface="Courier" charset="0"/>
+              </a:rPr>
+              <a:t>&gt; </a:t>
+            </a:r>
+            <a:r>
+              <a:rPr lang="en-US" altLang="ja-JP" sz="1200" dirty="0" err="1" smtClean="0">
+                <a:latin typeface="Courier" charset="0"/>
+                <a:ea typeface="Courier" charset="0"/>
+                <a:cs typeface="Courier" charset="0"/>
+              </a:rPr>
+              <a:t>cp</a:t>
+            </a:r>
+            <a:r>
+              <a:rPr lang="en-US" altLang="ja-JP" sz="1200" dirty="0" smtClean="0">
+                <a:latin typeface="Courier" charset="0"/>
+                <a:ea typeface="Courier" charset="0"/>
+                <a:cs typeface="Courier" charset="0"/>
+              </a:rPr>
+              <a:t> </a:t>
+            </a:r>
+            <a:r>
+              <a:rPr lang="en-US" altLang="ja-JP" sz="1200" dirty="0">
+                <a:latin typeface="Courier" charset="0"/>
+                <a:ea typeface="Courier" charset="0"/>
+                <a:cs typeface="Courier" charset="0"/>
+              </a:rPr>
+              <a:t>/path/to</a:t>
+            </a:r>
+            <a:r>
+              <a:rPr lang="en-US" altLang="ja-JP" sz="1200" dirty="0" smtClean="0">
+                <a:latin typeface="Courier" charset="0"/>
+                <a:ea typeface="Courier" charset="0"/>
+                <a:cs typeface="Courier" charset="0"/>
+              </a:rPr>
+              <a:t>/Jama-1.0.3.jar $</a:t>
+            </a:r>
+            <a:r>
+              <a:rPr lang="en-US" altLang="ja-JP" sz="1200" dirty="0" err="1" smtClean="0">
+                <a:latin typeface="Courier" charset="0"/>
+                <a:ea typeface="Courier" charset="0"/>
+                <a:cs typeface="Courier" charset="0"/>
+              </a:rPr>
+              <a:t>jsindo_jar</a:t>
+            </a:r>
+            <a:endParaRPr lang="en-US" altLang="ja-JP" sz="1200" dirty="0" smtClean="0">
+              <a:latin typeface="Courier" charset="0"/>
+              <a:ea typeface="Courier" charset="0"/>
+              <a:cs typeface="Courier" charset="0"/>
+            </a:endParaRPr>
+          </a:p>
+          <a:p>
+            <a:r>
+              <a:rPr lang="en-US" altLang="ja-JP" sz="1200" dirty="0" smtClean="0">
+                <a:latin typeface="Courier" charset="0"/>
+                <a:ea typeface="Courier" charset="0"/>
+                <a:cs typeface="Courier" charset="0"/>
+              </a:rPr>
+              <a:t>&gt; </a:t>
+            </a:r>
+            <a:r>
+              <a:rPr lang="en-US" altLang="ja-JP" sz="1200" dirty="0" err="1" smtClean="0">
+                <a:latin typeface="Courier" charset="0"/>
+                <a:ea typeface="Courier" charset="0"/>
+                <a:cs typeface="Courier" charset="0"/>
+              </a:rPr>
+              <a:t>cp</a:t>
+            </a:r>
+            <a:r>
+              <a:rPr lang="en-US" altLang="ja-JP" sz="1200" dirty="0" smtClean="0">
+                <a:latin typeface="Courier" charset="0"/>
+                <a:ea typeface="Courier" charset="0"/>
+                <a:cs typeface="Courier" charset="0"/>
+              </a:rPr>
+              <a:t> </a:t>
+            </a:r>
+            <a:r>
+              <a:rPr lang="en-US" altLang="ja-JP" sz="1200" dirty="0">
+                <a:latin typeface="Courier" charset="0"/>
+                <a:ea typeface="Courier" charset="0"/>
+                <a:cs typeface="Courier" charset="0"/>
+              </a:rPr>
+              <a:t>/</a:t>
+            </a:r>
+            <a:r>
+              <a:rPr lang="en-US" altLang="ja-JP" sz="1200" dirty="0" smtClean="0">
+                <a:latin typeface="Courier" charset="0"/>
+                <a:ea typeface="Courier" charset="0"/>
+                <a:cs typeface="Courier" charset="0"/>
+              </a:rPr>
+              <a:t>path/to/JSindo-4.0.jar $</a:t>
+            </a:r>
+            <a:r>
+              <a:rPr lang="en-US" altLang="ja-JP" sz="1200" dirty="0" err="1" smtClean="0">
+                <a:latin typeface="Courier" charset="0"/>
+                <a:ea typeface="Courier" charset="0"/>
+                <a:cs typeface="Courier" charset="0"/>
+              </a:rPr>
+              <a:t>jsindo_jar</a:t>
+            </a:r>
+            <a:endParaRPr lang="en-US" altLang="ja-JP" sz="1200" dirty="0" smtClean="0">
+              <a:latin typeface="Courier" charset="0"/>
+              <a:ea typeface="Courier" charset="0"/>
+              <a:cs typeface="Courier" charset="0"/>
+            </a:endParaRPr>
+          </a:p>
         </p:txBody>
       </p:sp>
       <p:sp>
@@ -8140,8 +9509,8 @@
         </p:nvSpPr>
         <p:spPr>
           <a:xfrm>
-            <a:off x="308921" y="1000897"/>
-            <a:ext cx="4528099" cy="369332"/>
+            <a:off x="635006" y="5755665"/>
+            <a:ext cx="8014724" cy="369332"/>
           </a:xfrm>
           <a:prstGeom prst="rect">
             <a:avLst/>
@@ -8149,205 +9518,231 @@
           <a:noFill/>
         </p:spPr>
         <p:txBody>
-          <a:bodyPr wrap="none" rtlCol="0">
+          <a:bodyPr wrap="square" rtlCol="0">
             <a:spAutoFit/>
           </a:bodyPr>
           <a:lstStyle/>
           <a:p>
             <a:r>
+              <a:rPr lang="en-US" altLang="ja-JP" smtClean="0"/>
+              <a:t>where </a:t>
+            </a:r>
+            <a:r>
+              <a:rPr lang="en-US" altLang="ja-JP" dirty="0" smtClean="0">
+                <a:solidFill>
+                  <a:srgbClr val="FF0000"/>
+                </a:solidFill>
+              </a:rPr>
+              <a:t>xxx</a:t>
+            </a:r>
+            <a:r>
               <a:rPr lang="en-US" altLang="ja-JP" dirty="0" smtClean="0"/>
-              <a:t>Type the following command to invoke </a:t>
-            </a:r>
-            <a:r>
-              <a:rPr lang="en-US" altLang="ja-JP" dirty="0" err="1" smtClean="0"/>
-              <a:t>JSindo</a:t>
+              <a:t> = </a:t>
+            </a:r>
+            <a:r>
+              <a:rPr lang="en-US" altLang="ja-JP" dirty="0"/>
+              <a:t>amd64 </a:t>
             </a:r>
             <a:r>
               <a:rPr lang="en-US" altLang="ja-JP" dirty="0" smtClean="0"/>
-              <a:t>:</a:t>
-            </a:r>
-            <a:endParaRPr kumimoji="1" lang="ja-JP" altLang="en-US" dirty="0"/>
-          </a:p>
-        </p:txBody>
-      </p:sp>
-      <p:sp>
-        <p:nvSpPr>
-          <p:cNvPr id="16" name="テキスト ボックス 15"/>
+              <a:t>or </a:t>
+            </a:r>
+            <a:r>
+              <a:rPr lang="en-US" altLang="ja-JP" dirty="0"/>
+              <a:t>i586 for </a:t>
+            </a:r>
+            <a:r>
+              <a:rPr lang="en-US" altLang="ja-JP" dirty="0" smtClean="0"/>
+              <a:t>64-bit or 32-bit, respectively. </a:t>
+            </a:r>
+          </a:p>
+        </p:txBody>
+      </p:sp>
+    </p:spTree>
+    <p:extLst>
+      <p:ext uri="{BB962C8B-B14F-4D97-AF65-F5344CB8AC3E}">
+        <p14:creationId xmlns:p14="http://schemas.microsoft.com/office/powerpoint/2010/main" val="1856527837"/>
+      </p:ext>
+    </p:extLst>
+  </p:cSld>
+  <p:clrMapOvr>
+    <a:masterClrMapping/>
+  </p:clrMapOvr>
+  <p:timing>
+    <p:tnLst>
+      <p:par>
+        <p:cTn id="1" dur="indefinite" restart="never" nodeType="tmRoot"/>
+      </p:par>
+    </p:tnLst>
+  </p:timing>
+</p:sld>
+</file>
+
+<file path=ppt/slides/slide9.xml><?xml version="1.0" encoding="utf-8"?>
+<p:sld xmlns:a="http://schemas.openxmlformats.org/drawingml/2006/main" xmlns:r="http://schemas.openxmlformats.org/officeDocument/2006/relationships" xmlns:p="http://schemas.openxmlformats.org/presentationml/2006/main">
+  <p:cSld>
+    <p:spTree>
+      <p:nvGrpSpPr>
+        <p:cNvPr id="1" name=""/>
+        <p:cNvGrpSpPr/>
+        <p:nvPr/>
+      </p:nvGrpSpPr>
+      <p:grpSpPr>
+        <a:xfrm>
+          <a:off x="0" y="0"/>
+          <a:ext cx="0" cy="0"/>
+          <a:chOff x="0" y="0"/>
+          <a:chExt cx="0" cy="0"/>
+        </a:xfrm>
+      </p:grpSpPr>
+      <p:sp>
+        <p:nvSpPr>
+          <p:cNvPr id="6" name="スライド番号プレースホルダー 5"/>
+          <p:cNvSpPr>
+            <a:spLocks noGrp="1"/>
+          </p:cNvSpPr>
+          <p:nvPr>
+            <p:ph type="sldNum" sz="quarter" idx="12"/>
+          </p:nvPr>
+        </p:nvSpPr>
+        <p:spPr/>
+        <p:txBody>
+          <a:bodyPr/>
+          <a:lstStyle/>
+          <a:p>
+            <a:fld id="{7D34BB6B-1E1A-9541-9560-488905BF54FF}" type="slidenum">
+              <a:rPr kumimoji="1" lang="ja-JP" altLang="en-US" smtClean="0"/>
+              <a:t>8</a:t>
+            </a:fld>
+            <a:endParaRPr kumimoji="1" lang="ja-JP" altLang="en-US"/>
+          </a:p>
+        </p:txBody>
+      </p:sp>
+      <p:sp>
+        <p:nvSpPr>
+          <p:cNvPr id="4" name="テキスト ボックス 3"/>
           <p:cNvSpPr txBox="1"/>
           <p:nvPr/>
         </p:nvSpPr>
         <p:spPr>
           <a:xfrm>
-            <a:off x="1259458" y="2463125"/>
-            <a:ext cx="5298245" cy="276999"/>
+            <a:off x="558343" y="1438664"/>
+            <a:ext cx="4567839" cy="5355312"/>
           </a:xfrm>
           <a:prstGeom prst="rect">
             <a:avLst/>
           </a:prstGeom>
           <a:noFill/>
-          <a:ln>
-            <a:solidFill>
-              <a:srgbClr val="00B050"/>
-            </a:solidFill>
-          </a:ln>
-        </p:spPr>
-        <p:txBody>
-          <a:bodyPr wrap="none" rtlCol="0">
+        </p:spPr>
+        <p:txBody>
+          <a:bodyPr wrap="square" rtlCol="0">
             <a:spAutoFit/>
           </a:bodyPr>
           <a:lstStyle/>
           <a:p>
             <a:r>
-              <a:rPr lang="en-US" altLang="ja-JP" sz="1200" dirty="0" smtClean="0">
-                <a:latin typeface="Courier" charset="0"/>
-                <a:ea typeface="Courier" charset="0"/>
-                <a:cs typeface="Courier" charset="0"/>
-              </a:rPr>
-              <a:t>&gt; export </a:t>
-            </a:r>
-            <a:r>
-              <a:rPr lang="en-US" altLang="ja-JP" sz="1200" dirty="0">
-                <a:latin typeface="Courier" charset="0"/>
-                <a:ea typeface="Courier" charset="0"/>
-                <a:cs typeface="Courier" charset="0"/>
-              </a:rPr>
-              <a:t>CLASSPATH=${CLASSPATH</a:t>
-            </a:r>
-            <a:r>
-              <a:rPr lang="en-US" altLang="ja-JP" sz="1200" dirty="0" smtClean="0">
-                <a:latin typeface="Courier" charset="0"/>
-                <a:ea typeface="Courier" charset="0"/>
-                <a:cs typeface="Courier" charset="0"/>
-              </a:rPr>
-              <a:t>}:/path/to/JSindo-4.0.jar</a:t>
-            </a:r>
-          </a:p>
-        </p:txBody>
-      </p:sp>
-      <p:sp>
-        <p:nvSpPr>
-          <p:cNvPr id="18" name="テキスト ボックス 17"/>
-          <p:cNvSpPr txBox="1"/>
-          <p:nvPr/>
-        </p:nvSpPr>
-        <p:spPr>
-          <a:xfrm>
-            <a:off x="1271333" y="3309897"/>
-            <a:ext cx="1393330" cy="276999"/>
-          </a:xfrm>
-          <a:prstGeom prst="rect">
-            <a:avLst/>
-          </a:prstGeom>
-          <a:noFill/>
-          <a:ln>
-            <a:solidFill>
-              <a:srgbClr val="00B050"/>
-            </a:solidFill>
-          </a:ln>
-        </p:spPr>
-        <p:txBody>
-          <a:bodyPr wrap="none" rtlCol="0">
-            <a:spAutoFit/>
-          </a:bodyPr>
-          <a:lstStyle/>
-          <a:p>
-            <a:r>
-              <a:rPr kumimoji="1" lang="en-US" altLang="ja-JP" sz="1200" smtClean="0">
-                <a:latin typeface="Courier" charset="0"/>
-                <a:ea typeface="Courier" charset="0"/>
-                <a:cs typeface="Courier" charset="0"/>
-              </a:rPr>
-              <a:t>&gt; </a:t>
-            </a:r>
-            <a:r>
-              <a:rPr kumimoji="1" lang="en-US" altLang="ja-JP" sz="1200" dirty="0" smtClean="0">
-                <a:latin typeface="Courier" charset="0"/>
-                <a:ea typeface="Courier" charset="0"/>
-                <a:cs typeface="Courier" charset="0"/>
-              </a:rPr>
-              <a:t>java </a:t>
-            </a:r>
-            <a:r>
-              <a:rPr kumimoji="1" lang="en-US" altLang="ja-JP" sz="1200" dirty="0" err="1" smtClean="0">
-                <a:latin typeface="Courier" charset="0"/>
-                <a:ea typeface="Courier" charset="0"/>
-                <a:cs typeface="Courier" charset="0"/>
-              </a:rPr>
+              <a:rPr lang="en-US" altLang="ja-JP" dirty="0" smtClean="0"/>
+              <a:t>With this command, you should see a control panel of </a:t>
+            </a:r>
+            <a:r>
+              <a:rPr lang="en-US" altLang="ja-JP" dirty="0" err="1" smtClean="0"/>
               <a:t>JSindo</a:t>
             </a:r>
-            <a:endParaRPr kumimoji="1" lang="ja-JP" altLang="en-US" sz="1200" dirty="0">
-              <a:latin typeface="Courier" charset="0"/>
-              <a:ea typeface="Courier" charset="0"/>
-              <a:cs typeface="Courier" charset="0"/>
-            </a:endParaRPr>
-          </a:p>
-        </p:txBody>
-      </p:sp>
-      <p:sp>
-        <p:nvSpPr>
-          <p:cNvPr id="8" name="テキスト ボックス 7"/>
-          <p:cNvSpPr txBox="1"/>
-          <p:nvPr/>
-        </p:nvSpPr>
-        <p:spPr>
-          <a:xfrm>
-            <a:off x="383059" y="2001795"/>
-            <a:ext cx="5185843" cy="369332"/>
-          </a:xfrm>
-          <a:prstGeom prst="rect">
-            <a:avLst/>
-          </a:prstGeom>
-          <a:noFill/>
-        </p:spPr>
-        <p:txBody>
-          <a:bodyPr wrap="none" rtlCol="0">
-            <a:spAutoFit/>
-          </a:bodyPr>
-          <a:lstStyle/>
-          <a:p>
-            <a:r>
-              <a:rPr kumimoji="1" lang="en-US" altLang="ja-JP" dirty="0" smtClean="0"/>
-              <a:t>Alternately, you may add in your ~/.</a:t>
-            </a:r>
-            <a:r>
-              <a:rPr kumimoji="1" lang="en-US" altLang="ja-JP" dirty="0" err="1" smtClean="0"/>
-              <a:t>bashrc</a:t>
-            </a:r>
-            <a:r>
-              <a:rPr kumimoji="1" lang="en-US" altLang="ja-JP" dirty="0" smtClean="0"/>
-              <a:t> as before, </a:t>
-            </a:r>
-            <a:endParaRPr kumimoji="1" lang="ja-JP" altLang="en-US" dirty="0"/>
-          </a:p>
-        </p:txBody>
-      </p:sp>
-      <p:sp>
-        <p:nvSpPr>
-          <p:cNvPr id="20" name="テキスト ボックス 19"/>
-          <p:cNvSpPr txBox="1"/>
-          <p:nvPr/>
-        </p:nvSpPr>
-        <p:spPr>
-          <a:xfrm>
-            <a:off x="383059" y="2866767"/>
-            <a:ext cx="2953244" cy="369332"/>
-          </a:xfrm>
-          <a:prstGeom prst="rect">
-            <a:avLst/>
-          </a:prstGeom>
-          <a:noFill/>
-        </p:spPr>
-        <p:txBody>
-          <a:bodyPr wrap="none" rtlCol="0">
-            <a:spAutoFit/>
-          </a:bodyPr>
-          <a:lstStyle/>
-          <a:p>
-            <a:r>
-              <a:rPr kumimoji="1" lang="en-US" altLang="ja-JP" dirty="0" smtClean="0"/>
-              <a:t>Then, you can simply start by,</a:t>
-            </a:r>
-            <a:endParaRPr kumimoji="1" lang="ja-JP" altLang="en-US" dirty="0"/>
+            <a:r>
+              <a:rPr lang="en-US" altLang="ja-JP" dirty="0"/>
+              <a:t>. If you don’t see the panel, </a:t>
+            </a:r>
+            <a:r>
+              <a:rPr lang="en-US" altLang="ja-JP" dirty="0" smtClean="0"/>
+              <a:t>you might try to reinstall or update </a:t>
+            </a:r>
+            <a:r>
+              <a:rPr lang="en-US" altLang="ja-JP" dirty="0"/>
+              <a:t>Java. </a:t>
+            </a:r>
+            <a:r>
+              <a:rPr lang="en-US" altLang="ja-JP" dirty="0" smtClean="0"/>
+              <a:t>See FAQ for some tips.</a:t>
+            </a:r>
+          </a:p>
+          <a:p>
+            <a:endParaRPr lang="en-US" altLang="ja-JP" dirty="0" smtClean="0"/>
+          </a:p>
+          <a:p>
+            <a:r>
+              <a:rPr lang="en-US" altLang="ja-JP" dirty="0"/>
+              <a:t>Let’s open “sample/h2co.minfo”, which is included in </a:t>
+            </a:r>
+            <a:r>
+              <a:rPr lang="en-US" altLang="ja-JP" dirty="0" err="1"/>
+              <a:t>sample.tar.gz</a:t>
+            </a:r>
+            <a:r>
+              <a:rPr lang="en-US" altLang="ja-JP" dirty="0"/>
+              <a:t>. </a:t>
+            </a:r>
+            <a:r>
+              <a:rPr lang="en-US" altLang="ja-JP" dirty="0" smtClean="0"/>
+              <a:t>You can extract the file by,</a:t>
+            </a:r>
+          </a:p>
+          <a:p>
+            <a:endParaRPr lang="en-US" altLang="ja-JP" dirty="0"/>
+          </a:p>
+          <a:p>
+            <a:endParaRPr lang="en-US" altLang="ja-JP" dirty="0"/>
+          </a:p>
+          <a:p>
+            <a:r>
+              <a:rPr lang="en-US" altLang="ja-JP" dirty="0" smtClean="0"/>
+              <a:t>In </a:t>
+            </a:r>
+            <a:r>
+              <a:rPr lang="en-US" altLang="ja-JP" dirty="0" err="1" smtClean="0"/>
+              <a:t>JSindo</a:t>
+            </a:r>
+            <a:r>
+              <a:rPr lang="en-US" altLang="ja-JP" dirty="0" smtClean="0"/>
+              <a:t> control panel, click </a:t>
+            </a:r>
+            <a:r>
+              <a:rPr lang="en-US" altLang="ja-JP" dirty="0"/>
+              <a:t>File -&gt; Open, choose “h2co.minfo”, and click Open. If you see formaldehyde, you’re done with the first step!</a:t>
+            </a:r>
+          </a:p>
+          <a:p>
+            <a:endParaRPr lang="en-US" altLang="ja-JP" dirty="0"/>
+          </a:p>
+          <a:p>
+            <a:r>
+              <a:rPr lang="en-US" altLang="ja-JP" dirty="0"/>
+              <a:t>If this step fails, it is highly likely that </a:t>
+            </a:r>
+            <a:r>
+              <a:rPr lang="en-US" altLang="ja-JP" dirty="0" err="1" smtClean="0"/>
+              <a:t>JogAmp</a:t>
+            </a:r>
+            <a:r>
+              <a:rPr lang="en-US" altLang="ja-JP" dirty="0" smtClean="0"/>
+              <a:t>/Java3D </a:t>
+            </a:r>
+            <a:r>
+              <a:rPr lang="en-US" altLang="ja-JP" dirty="0"/>
+              <a:t>has a problem. Double check if the </a:t>
+            </a:r>
+            <a:r>
+              <a:rPr lang="en-US" altLang="ja-JP" dirty="0" smtClean="0"/>
+              <a:t>right </a:t>
+            </a:r>
+            <a:r>
+              <a:rPr lang="en-US" altLang="ja-JP" dirty="0" err="1" smtClean="0"/>
+              <a:t>jarfiles</a:t>
+            </a:r>
+            <a:r>
+              <a:rPr lang="en-US" altLang="ja-JP" dirty="0" smtClean="0"/>
+              <a:t> (xxx = amd64 or i586) are located in the folder.</a:t>
+            </a:r>
+            <a:endParaRPr lang="en-US" altLang="ja-JP" dirty="0"/>
           </a:p>
         </p:txBody>
       </p:sp>
@@ -8372,7 +9767,7 @@
         </p:blipFill>
         <p:spPr bwMode="auto">
           <a:xfrm>
-            <a:off x="5196205" y="3989498"/>
+            <a:off x="5362460" y="983062"/>
             <a:ext cx="3404900" cy="1268257"/>
           </a:xfrm>
           <a:prstGeom prst="rect">
@@ -8398,6 +9793,503 @@
           </a:extLst>
         </p:spPr>
       </p:pic>
+      <p:sp>
+        <p:nvSpPr>
+          <p:cNvPr id="12" name="テキスト ボックス 11"/>
+          <p:cNvSpPr txBox="1"/>
+          <p:nvPr/>
+        </p:nvSpPr>
+        <p:spPr>
+          <a:xfrm>
+            <a:off x="1064479" y="955263"/>
+            <a:ext cx="3159839" cy="276999"/>
+          </a:xfrm>
+          <a:prstGeom prst="rect">
+            <a:avLst/>
+          </a:prstGeom>
+          <a:noFill/>
+          <a:ln>
+            <a:solidFill>
+              <a:srgbClr val="00B050"/>
+            </a:solidFill>
+          </a:ln>
+        </p:spPr>
+        <p:txBody>
+          <a:bodyPr wrap="none" rtlCol="0">
+            <a:spAutoFit/>
+          </a:bodyPr>
+          <a:lstStyle/>
+          <a:p>
+            <a:r>
+              <a:rPr kumimoji="1" lang="en-US" altLang="ja-JP" sz="1200" dirty="0" smtClean="0">
+                <a:latin typeface="Courier" charset="0"/>
+                <a:ea typeface="Courier" charset="0"/>
+                <a:cs typeface="Courier" charset="0"/>
+              </a:rPr>
+              <a:t>&gt;java –</a:t>
+            </a:r>
+            <a:r>
+              <a:rPr kumimoji="1" lang="en-US" altLang="ja-JP" sz="1200" dirty="0" err="1" smtClean="0">
+                <a:latin typeface="Courier" charset="0"/>
+                <a:ea typeface="Courier" charset="0"/>
+                <a:cs typeface="Courier" charset="0"/>
+              </a:rPr>
+              <a:t>cp</a:t>
+            </a:r>
+            <a:r>
+              <a:rPr kumimoji="1" lang="en-US" altLang="ja-JP" sz="1200" dirty="0" smtClean="0">
+                <a:latin typeface="Courier" charset="0"/>
+                <a:ea typeface="Courier" charset="0"/>
+                <a:cs typeface="Courier" charset="0"/>
+              </a:rPr>
+              <a:t> “$</a:t>
+            </a:r>
+            <a:r>
+              <a:rPr kumimoji="1" lang="en-US" altLang="ja-JP" sz="1200" dirty="0" err="1" smtClean="0">
+                <a:latin typeface="Courier" charset="0"/>
+                <a:ea typeface="Courier" charset="0"/>
+                <a:cs typeface="Courier" charset="0"/>
+              </a:rPr>
+              <a:t>jsindo_jar</a:t>
+            </a:r>
+            <a:r>
+              <a:rPr kumimoji="1" lang="en-US" altLang="ja-JP" sz="1200" dirty="0" smtClean="0">
+                <a:latin typeface="Courier" charset="0"/>
+                <a:ea typeface="Courier" charset="0"/>
+                <a:cs typeface="Courier" charset="0"/>
+              </a:rPr>
+              <a:t>/*” </a:t>
+            </a:r>
+            <a:r>
+              <a:rPr kumimoji="1" lang="en-US" altLang="ja-JP" sz="1200" dirty="0" err="1" smtClean="0">
+                <a:latin typeface="Courier" charset="0"/>
+                <a:ea typeface="Courier" charset="0"/>
+                <a:cs typeface="Courier" charset="0"/>
+              </a:rPr>
+              <a:t>JSindo</a:t>
+            </a:r>
+            <a:endParaRPr kumimoji="1" lang="ja-JP" altLang="en-US" sz="1200" dirty="0">
+              <a:latin typeface="Courier" charset="0"/>
+              <a:ea typeface="Courier" charset="0"/>
+              <a:cs typeface="Courier" charset="0"/>
+            </a:endParaRPr>
+          </a:p>
+        </p:txBody>
+      </p:sp>
+      <p:sp>
+        <p:nvSpPr>
+          <p:cNvPr id="13" name="テキスト ボックス 12"/>
+          <p:cNvSpPr txBox="1"/>
+          <p:nvPr/>
+        </p:nvSpPr>
+        <p:spPr>
+          <a:xfrm>
+            <a:off x="544448" y="419006"/>
+            <a:ext cx="5085110" cy="369332"/>
+          </a:xfrm>
+          <a:prstGeom prst="rect">
+            <a:avLst/>
+          </a:prstGeom>
+          <a:noFill/>
+        </p:spPr>
+        <p:txBody>
+          <a:bodyPr wrap="none" rtlCol="0">
+            <a:spAutoFit/>
+          </a:bodyPr>
+          <a:lstStyle/>
+          <a:p>
+            <a:r>
+              <a:rPr lang="en-US" altLang="ja-JP" dirty="0" smtClean="0"/>
+              <a:t>Then, type the following command to invoke </a:t>
+            </a:r>
+            <a:r>
+              <a:rPr lang="en-US" altLang="ja-JP" dirty="0" err="1" smtClean="0"/>
+              <a:t>JSindo</a:t>
+            </a:r>
+            <a:r>
+              <a:rPr lang="en-US" altLang="ja-JP" dirty="0" smtClean="0"/>
+              <a:t>:</a:t>
+            </a:r>
+            <a:endParaRPr kumimoji="1" lang="ja-JP" altLang="en-US" dirty="0"/>
+          </a:p>
+        </p:txBody>
+      </p:sp>
+      <p:grpSp>
+        <p:nvGrpSpPr>
+          <p:cNvPr id="3" name="図形グループ 2"/>
+          <p:cNvGrpSpPr/>
+          <p:nvPr/>
+        </p:nvGrpSpPr>
+        <p:grpSpPr>
+          <a:xfrm>
+            <a:off x="5481037" y="1310410"/>
+            <a:ext cx="3048599" cy="4973759"/>
+            <a:chOff x="5481037" y="2917537"/>
+            <a:chExt cx="3048599" cy="4973759"/>
+          </a:xfrm>
+        </p:grpSpPr>
+        <p:cxnSp>
+          <p:nvCxnSpPr>
+            <p:cNvPr id="26" name="直線矢印コネクタ 25"/>
+            <p:cNvCxnSpPr/>
+            <p:nvPr/>
+          </p:nvCxnSpPr>
+          <p:spPr>
+            <a:xfrm>
+              <a:off x="5550185" y="2917537"/>
+              <a:ext cx="0" cy="1278485"/>
+            </a:xfrm>
+            <a:prstGeom prst="straightConnector1">
+              <a:avLst/>
+            </a:prstGeom>
+            <a:ln w="28575">
+              <a:solidFill>
+                <a:srgbClr val="00B050"/>
+              </a:solidFill>
+              <a:tailEnd type="triangle"/>
+            </a:ln>
+          </p:spPr>
+          <p:style>
+            <a:lnRef idx="1">
+              <a:schemeClr val="accent1"/>
+            </a:lnRef>
+            <a:fillRef idx="0">
+              <a:schemeClr val="accent1"/>
+            </a:fillRef>
+            <a:effectRef idx="0">
+              <a:schemeClr val="accent1"/>
+            </a:effectRef>
+            <a:fontRef idx="minor">
+              <a:schemeClr val="tx1"/>
+            </a:fontRef>
+          </p:style>
+        </p:cxnSp>
+        <p:sp>
+          <p:nvSpPr>
+            <p:cNvPr id="27" name="テキスト ボックス 26"/>
+            <p:cNvSpPr txBox="1"/>
+            <p:nvPr/>
+          </p:nvSpPr>
+          <p:spPr>
+            <a:xfrm>
+              <a:off x="5597499" y="2935090"/>
+              <a:ext cx="696024" cy="369332"/>
+            </a:xfrm>
+            <a:prstGeom prst="rect">
+              <a:avLst/>
+            </a:prstGeom>
+            <a:noFill/>
+          </p:spPr>
+          <p:txBody>
+            <a:bodyPr wrap="none" rtlCol="0">
+              <a:spAutoFit/>
+            </a:bodyPr>
+            <a:lstStyle/>
+            <a:p>
+              <a:r>
+                <a:rPr kumimoji="1" lang="en-US" altLang="ja-JP" dirty="0" smtClean="0"/>
+                <a:t>Open</a:t>
+              </a:r>
+              <a:endParaRPr kumimoji="1" lang="ja-JP" altLang="en-US" dirty="0"/>
+            </a:p>
+          </p:txBody>
+        </p:sp>
+        <p:pic>
+          <p:nvPicPr>
+            <p:cNvPr id="28" name="図 27"/>
+            <p:cNvPicPr>
+              <a:picLocks noChangeAspect="1"/>
+            </p:cNvPicPr>
+            <p:nvPr/>
+          </p:nvPicPr>
+          <p:blipFill rotWithShape="1">
+            <a:blip r:embed="rId4">
+              <a:extLst>
+                <a:ext uri="{28A0092B-C50C-407E-A947-70E740481C1C}">
+                  <a14:useLocalDpi xmlns:a14="http://schemas.microsoft.com/office/drawing/2010/main" val="0"/>
+                </a:ext>
+              </a:extLst>
+            </a:blip>
+            <a:srcRect l="9182" t="7774" r="8854" b="19884"/>
+            <a:stretch/>
+          </p:blipFill>
+          <p:spPr>
+            <a:xfrm>
+              <a:off x="5481037" y="4282908"/>
+              <a:ext cx="2379121" cy="1328104"/>
+            </a:xfrm>
+            <a:prstGeom prst="rect">
+              <a:avLst/>
+            </a:prstGeom>
+            <a:ln>
+              <a:solidFill>
+                <a:schemeClr val="accent1"/>
+              </a:solidFill>
+            </a:ln>
+          </p:spPr>
+        </p:pic>
+        <p:sp>
+          <p:nvSpPr>
+            <p:cNvPr id="29" name="正方形/長方形 28"/>
+            <p:cNvSpPr/>
+            <p:nvPr/>
+          </p:nvSpPr>
+          <p:spPr>
+            <a:xfrm>
+              <a:off x="5527220" y="4644511"/>
+              <a:ext cx="480188" cy="141777"/>
+            </a:xfrm>
+            <a:prstGeom prst="rect">
+              <a:avLst/>
+            </a:prstGeom>
+            <a:noFill/>
+            <a:ln w="28575">
+              <a:solidFill>
+                <a:srgbClr val="00B050"/>
+              </a:solidFill>
+              <a:prstDash val="sysDash"/>
+            </a:ln>
+          </p:spPr>
+          <p:style>
+            <a:lnRef idx="2">
+              <a:schemeClr val="accent1">
+                <a:shade val="50000"/>
+              </a:schemeClr>
+            </a:lnRef>
+            <a:fillRef idx="1">
+              <a:schemeClr val="accent1"/>
+            </a:fillRef>
+            <a:effectRef idx="0">
+              <a:schemeClr val="accent1"/>
+            </a:effectRef>
+            <a:fontRef idx="minor">
+              <a:schemeClr val="lt1"/>
+            </a:fontRef>
+          </p:style>
+          <p:txBody>
+            <a:bodyPr rtlCol="0" anchor="ctr"/>
+            <a:lstStyle/>
+            <a:p>
+              <a:pPr algn="ctr"/>
+              <a:endParaRPr kumimoji="1" lang="ja-JP" altLang="en-US"/>
+            </a:p>
+          </p:txBody>
+        </p:sp>
+        <p:cxnSp>
+          <p:nvCxnSpPr>
+            <p:cNvPr id="30" name="直線矢印コネクタ 29"/>
+            <p:cNvCxnSpPr/>
+            <p:nvPr/>
+          </p:nvCxnSpPr>
+          <p:spPr>
+            <a:xfrm>
+              <a:off x="7578899" y="5584431"/>
+              <a:ext cx="7181" cy="323779"/>
+            </a:xfrm>
+            <a:prstGeom prst="straightConnector1">
+              <a:avLst/>
+            </a:prstGeom>
+            <a:ln w="28575">
+              <a:solidFill>
+                <a:srgbClr val="00B050"/>
+              </a:solidFill>
+              <a:tailEnd type="triangle"/>
+            </a:ln>
+          </p:spPr>
+          <p:style>
+            <a:lnRef idx="1">
+              <a:schemeClr val="accent1"/>
+            </a:lnRef>
+            <a:fillRef idx="0">
+              <a:schemeClr val="accent1"/>
+            </a:fillRef>
+            <a:effectRef idx="0">
+              <a:schemeClr val="accent1"/>
+            </a:effectRef>
+            <a:fontRef idx="minor">
+              <a:schemeClr val="tx1"/>
+            </a:fontRef>
+          </p:style>
+        </p:cxnSp>
+        <p:sp>
+          <p:nvSpPr>
+            <p:cNvPr id="31" name="テキスト ボックス 30"/>
+            <p:cNvSpPr txBox="1"/>
+            <p:nvPr/>
+          </p:nvSpPr>
+          <p:spPr>
+            <a:xfrm>
+              <a:off x="5939447" y="4722906"/>
+              <a:ext cx="1094124" cy="258837"/>
+            </a:xfrm>
+            <a:prstGeom prst="rect">
+              <a:avLst/>
+            </a:prstGeom>
+            <a:noFill/>
+          </p:spPr>
+          <p:txBody>
+            <a:bodyPr wrap="none" rtlCol="0">
+              <a:spAutoFit/>
+            </a:bodyPr>
+            <a:lstStyle/>
+            <a:p>
+              <a:r>
+                <a:rPr kumimoji="1" lang="en-US" altLang="ja-JP" dirty="0" smtClean="0"/>
+                <a:t>click to choose</a:t>
+              </a:r>
+              <a:endParaRPr kumimoji="1" lang="ja-JP" altLang="en-US" dirty="0"/>
+            </a:p>
+          </p:txBody>
+        </p:sp>
+        <p:sp>
+          <p:nvSpPr>
+            <p:cNvPr id="32" name="正方形/長方形 31"/>
+            <p:cNvSpPr/>
+            <p:nvPr/>
+          </p:nvSpPr>
+          <p:spPr>
+            <a:xfrm>
+              <a:off x="7395430" y="5405501"/>
+              <a:ext cx="391620" cy="150819"/>
+            </a:xfrm>
+            <a:prstGeom prst="rect">
+              <a:avLst/>
+            </a:prstGeom>
+            <a:noFill/>
+            <a:ln w="28575">
+              <a:solidFill>
+                <a:srgbClr val="00B050"/>
+              </a:solidFill>
+              <a:prstDash val="sysDash"/>
+            </a:ln>
+          </p:spPr>
+          <p:style>
+            <a:lnRef idx="2">
+              <a:schemeClr val="accent1">
+                <a:shade val="50000"/>
+              </a:schemeClr>
+            </a:lnRef>
+            <a:fillRef idx="1">
+              <a:schemeClr val="accent1"/>
+            </a:fillRef>
+            <a:effectRef idx="0">
+              <a:schemeClr val="accent1"/>
+            </a:effectRef>
+            <a:fontRef idx="minor">
+              <a:schemeClr val="lt1"/>
+            </a:fontRef>
+          </p:style>
+          <p:txBody>
+            <a:bodyPr rtlCol="0" anchor="ctr"/>
+            <a:lstStyle/>
+            <a:p>
+              <a:pPr algn="ctr"/>
+              <a:endParaRPr kumimoji="1" lang="ja-JP" altLang="en-US"/>
+            </a:p>
+          </p:txBody>
+        </p:sp>
+        <p:pic>
+          <p:nvPicPr>
+            <p:cNvPr id="33" name="図 32"/>
+            <p:cNvPicPr>
+              <a:picLocks noChangeAspect="1"/>
+            </p:cNvPicPr>
+            <p:nvPr/>
+          </p:nvPicPr>
+          <p:blipFill rotWithShape="1">
+            <a:blip r:embed="rId5">
+              <a:extLst>
+                <a:ext uri="{28A0092B-C50C-407E-A947-70E740481C1C}">
+                  <a14:useLocalDpi xmlns:a14="http://schemas.microsoft.com/office/drawing/2010/main" val="0"/>
+                </a:ext>
+              </a:extLst>
+            </a:blip>
+            <a:srcRect l="9606" t="5208" r="9167" b="14212"/>
+            <a:stretch/>
+          </p:blipFill>
+          <p:spPr>
+            <a:xfrm>
+              <a:off x="6586537" y="5963679"/>
+              <a:ext cx="1943099" cy="1927617"/>
+            </a:xfrm>
+            <a:prstGeom prst="rect">
+              <a:avLst/>
+            </a:prstGeom>
+            <a:ln>
+              <a:solidFill>
+                <a:schemeClr val="accent1"/>
+              </a:solidFill>
+            </a:ln>
+          </p:spPr>
+        </p:pic>
+      </p:grpSp>
+      <p:sp>
+        <p:nvSpPr>
+          <p:cNvPr id="16" name="テキスト ボックス 15"/>
+          <p:cNvSpPr txBox="1"/>
+          <p:nvPr/>
+        </p:nvSpPr>
+        <p:spPr>
+          <a:xfrm>
+            <a:off x="1064479" y="3817216"/>
+            <a:ext cx="2416046" cy="276999"/>
+          </a:xfrm>
+          <a:prstGeom prst="rect">
+            <a:avLst/>
+          </a:prstGeom>
+          <a:noFill/>
+          <a:ln>
+            <a:solidFill>
+              <a:srgbClr val="00B050"/>
+            </a:solidFill>
+          </a:ln>
+        </p:spPr>
+        <p:txBody>
+          <a:bodyPr wrap="none" rtlCol="0">
+            <a:spAutoFit/>
+          </a:bodyPr>
+          <a:lstStyle/>
+          <a:p>
+            <a:r>
+              <a:rPr kumimoji="1" lang="en-US" altLang="ja-JP" sz="1200" dirty="0" smtClean="0">
+                <a:latin typeface="Courier" charset="0"/>
+                <a:ea typeface="Courier" charset="0"/>
+                <a:cs typeface="Courier" charset="0"/>
+              </a:rPr>
+              <a:t>&gt;tar –</a:t>
+            </a:r>
+            <a:r>
+              <a:rPr kumimoji="1" lang="en-US" altLang="ja-JP" sz="1200" dirty="0" err="1" smtClean="0">
+                <a:latin typeface="Courier" charset="0"/>
+                <a:ea typeface="Courier" charset="0"/>
+                <a:cs typeface="Courier" charset="0"/>
+              </a:rPr>
+              <a:t>zxvf</a:t>
+            </a:r>
+            <a:r>
+              <a:rPr kumimoji="1" lang="en-US" altLang="ja-JP" sz="1200" dirty="0" smtClean="0">
+                <a:latin typeface="Courier" charset="0"/>
+                <a:ea typeface="Courier" charset="0"/>
+                <a:cs typeface="Courier" charset="0"/>
+              </a:rPr>
+              <a:t> </a:t>
+            </a:r>
+            <a:r>
+              <a:rPr kumimoji="1" lang="en-US" altLang="ja-JP" sz="1200" dirty="0" err="1" smtClean="0">
+                <a:latin typeface="Courier" charset="0"/>
+                <a:ea typeface="Courier" charset="0"/>
+                <a:cs typeface="Courier" charset="0"/>
+              </a:rPr>
+              <a:t>sample.tar.gz</a:t>
+            </a:r>
+            <a:endParaRPr kumimoji="1" lang="ja-JP" altLang="en-US" sz="1200" dirty="0">
+              <a:latin typeface="Courier" charset="0"/>
+              <a:ea typeface="Courier" charset="0"/>
+              <a:cs typeface="Courier" charset="0"/>
+            </a:endParaRPr>
+          </a:p>
+        </p:txBody>
+      </p:sp>
     </p:spTree>
     <p:extLst>
       <p:ext uri="{BB962C8B-B14F-4D97-AF65-F5344CB8AC3E}">
@@ -8408,472 +10300,13 @@
   <p:clrMapOvr>
     <a:masterClrMapping/>
   </p:clrMapOvr>
-</p:sld>
-</file>
-
-<file path=ppt/slides/slide9.xml><?xml version="1.0" encoding="utf-8"?>
-<p:sld xmlns:a="http://schemas.openxmlformats.org/drawingml/2006/main" xmlns:r="http://schemas.openxmlformats.org/officeDocument/2006/relationships" xmlns:p="http://schemas.openxmlformats.org/presentationml/2006/main">
-  <p:cSld>
-    <p:spTree>
-      <p:nvGrpSpPr>
-        <p:cNvPr id="1" name=""/>
-        <p:cNvGrpSpPr/>
-        <p:nvPr/>
-      </p:nvGrpSpPr>
-      <p:grpSpPr>
-        <a:xfrm>
-          <a:off x="0" y="0"/>
-          <a:ext cx="0" cy="0"/>
-          <a:chOff x="0" y="0"/>
-          <a:chExt cx="0" cy="0"/>
-        </a:xfrm>
-      </p:grpSpPr>
-      <p:sp>
-        <p:nvSpPr>
-          <p:cNvPr id="3" name="スライド番号プレースホルダー 2"/>
-          <p:cNvSpPr>
-            <a:spLocks noGrp="1"/>
-          </p:cNvSpPr>
-          <p:nvPr>
-            <p:ph type="sldNum" sz="quarter" idx="12"/>
-          </p:nvPr>
-        </p:nvSpPr>
-        <p:spPr/>
-        <p:txBody>
-          <a:bodyPr/>
-          <a:lstStyle/>
-          <a:p>
-            <a:fld id="{7D34BB6B-1E1A-9541-9560-488905BF54FF}" type="slidenum">
-              <a:rPr kumimoji="1" lang="ja-JP" altLang="en-US" smtClean="0"/>
-              <a:t>8</a:t>
-            </a:fld>
-            <a:endParaRPr kumimoji="1" lang="ja-JP" altLang="en-US"/>
-          </a:p>
-        </p:txBody>
-      </p:sp>
-      <p:sp>
-        <p:nvSpPr>
-          <p:cNvPr id="4" name="テキスト ボックス 3"/>
-          <p:cNvSpPr txBox="1"/>
-          <p:nvPr/>
-        </p:nvSpPr>
-        <p:spPr>
-          <a:xfrm>
-            <a:off x="322815" y="1278774"/>
-            <a:ext cx="5077859" cy="3139321"/>
-          </a:xfrm>
-          <a:prstGeom prst="rect">
-            <a:avLst/>
-          </a:prstGeom>
-          <a:noFill/>
-        </p:spPr>
-        <p:txBody>
-          <a:bodyPr wrap="square" rtlCol="0">
-            <a:spAutoFit/>
-          </a:bodyPr>
-          <a:lstStyle/>
-          <a:p>
-            <a:r>
-              <a:rPr lang="en-US" altLang="ja-JP" dirty="0" smtClean="0"/>
-              <a:t>Let’s open “sample/h2co.minfo”, </a:t>
-            </a:r>
-            <a:r>
-              <a:rPr lang="en-US" altLang="ja-JP" dirty="0"/>
-              <a:t>which comes with this </a:t>
-            </a:r>
-            <a:r>
-              <a:rPr lang="en-US" altLang="ja-JP" dirty="0" smtClean="0"/>
-              <a:t>document. It contains data of formaldehyde.</a:t>
-            </a:r>
-          </a:p>
-          <a:p>
-            <a:endParaRPr lang="en-US" altLang="ja-JP" dirty="0"/>
-          </a:p>
-          <a:p>
-            <a:r>
-              <a:rPr lang="en-US" altLang="ja-JP" dirty="0" smtClean="0"/>
-              <a:t>Click, File -&gt; Open, choose </a:t>
-            </a:r>
-            <a:r>
-              <a:rPr lang="en-US" altLang="ja-JP" dirty="0"/>
-              <a:t>“h2co.minfo</a:t>
-            </a:r>
-            <a:r>
-              <a:rPr lang="en-US" altLang="ja-JP" dirty="0" smtClean="0"/>
-              <a:t>”, and click Open. If you see formaldehyde, you’re done with the first step!</a:t>
-            </a:r>
-          </a:p>
-          <a:p>
-            <a:endParaRPr lang="en-US" altLang="ja-JP" dirty="0" smtClean="0"/>
-          </a:p>
-          <a:p>
-            <a:pPr lvl="1"/>
-            <a:r>
-              <a:rPr lang="en-US" altLang="ja-JP" dirty="0" smtClean="0"/>
-              <a:t>If this step fails, it is highly likely that Java3D has a problem. Double check if the </a:t>
-            </a:r>
-            <a:r>
-              <a:rPr lang="en-US" altLang="ja-JP" dirty="0" err="1" smtClean="0"/>
-              <a:t>jarfiles</a:t>
-            </a:r>
-            <a:r>
-              <a:rPr lang="en-US" altLang="ja-JP" dirty="0" smtClean="0"/>
-              <a:t> are set correctly, that is, if the right files are set to CLASSPATH.</a:t>
-            </a:r>
-          </a:p>
-        </p:txBody>
-      </p:sp>
-      <p:pic>
-        <p:nvPicPr>
-          <p:cNvPr id="5" name="図 9"/>
-          <p:cNvPicPr>
-            <a:picLocks noChangeAspect="1"/>
-          </p:cNvPicPr>
-          <p:nvPr/>
-        </p:nvPicPr>
-        <p:blipFill rotWithShape="1">
-          <a:blip r:embed="rId2">
-            <a:extLst>
-              <a:ext uri="{28A0092B-C50C-407E-A947-70E740481C1C}">
-                <a14:useLocalDpi xmlns:a14="http://schemas.microsoft.com/office/drawing/2010/main" val="0"/>
-              </a:ext>
-            </a:extLst>
-          </a:blip>
-          <a:srcRect b="1168"/>
-          <a:stretch/>
-        </p:blipFill>
-        <p:spPr bwMode="auto">
-          <a:xfrm>
-            <a:off x="5393913" y="566675"/>
-            <a:ext cx="3404900" cy="1268257"/>
-          </a:xfrm>
-          <a:prstGeom prst="rect">
-            <a:avLst/>
-          </a:prstGeom>
-          <a:noFill/>
-          <a:ln w="9525">
-            <a:solidFill>
-              <a:srgbClr val="000000"/>
-            </a:solidFill>
-            <a:miter lim="800000"/>
-            <a:headEnd/>
-            <a:tailEnd/>
-          </a:ln>
-          <a:extLst>
-            <a:ext uri="{909E8E84-426E-40DD-AFC4-6F175D3DCCD1}">
-              <a14:hiddenFill xmlns:a14="http://schemas.microsoft.com/office/drawing/2010/main">
-                <a:solidFill>
-                  <a:srgbClr val="FFFFFF"/>
-                </a:solidFill>
-              </a14:hiddenFill>
-            </a:ext>
-          </a:extLst>
-        </p:spPr>
-      </p:pic>
-      <p:cxnSp>
-        <p:nvCxnSpPr>
-          <p:cNvPr id="6" name="直線矢印コネクタ 5"/>
-          <p:cNvCxnSpPr/>
-          <p:nvPr/>
-        </p:nvCxnSpPr>
-        <p:spPr>
-          <a:xfrm>
-            <a:off x="5550185" y="908628"/>
-            <a:ext cx="0" cy="1278485"/>
-          </a:xfrm>
-          <a:prstGeom prst="straightConnector1">
-            <a:avLst/>
-          </a:prstGeom>
-          <a:ln w="28575">
-            <a:solidFill>
-              <a:srgbClr val="00B050"/>
-            </a:solidFill>
-            <a:tailEnd type="triangle"/>
-          </a:ln>
-        </p:spPr>
-        <p:style>
-          <a:lnRef idx="1">
-            <a:schemeClr val="accent1"/>
-          </a:lnRef>
-          <a:fillRef idx="0">
-            <a:schemeClr val="accent1"/>
-          </a:fillRef>
-          <a:effectRef idx="0">
-            <a:schemeClr val="accent1"/>
-          </a:effectRef>
-          <a:fontRef idx="minor">
-            <a:schemeClr val="tx1"/>
-          </a:fontRef>
-        </p:style>
-      </p:cxnSp>
-      <p:sp>
-        <p:nvSpPr>
-          <p:cNvPr id="7" name="テキスト ボックス 6"/>
-          <p:cNvSpPr txBox="1"/>
-          <p:nvPr/>
-        </p:nvSpPr>
-        <p:spPr>
-          <a:xfrm>
-            <a:off x="5597499" y="926181"/>
-            <a:ext cx="696024" cy="369332"/>
-          </a:xfrm>
-          <a:prstGeom prst="rect">
-            <a:avLst/>
-          </a:prstGeom>
-          <a:noFill/>
-        </p:spPr>
-        <p:txBody>
-          <a:bodyPr wrap="none" rtlCol="0">
-            <a:spAutoFit/>
-          </a:bodyPr>
-          <a:lstStyle/>
-          <a:p>
-            <a:r>
-              <a:rPr kumimoji="1" lang="en-US" altLang="ja-JP" dirty="0" smtClean="0"/>
-              <a:t>Open</a:t>
-            </a:r>
-            <a:endParaRPr kumimoji="1" lang="ja-JP" altLang="en-US" dirty="0"/>
-          </a:p>
-        </p:txBody>
-      </p:sp>
-      <p:pic>
-        <p:nvPicPr>
-          <p:cNvPr id="8" name="図 7"/>
-          <p:cNvPicPr>
-            <a:picLocks noChangeAspect="1"/>
-          </p:cNvPicPr>
-          <p:nvPr/>
-        </p:nvPicPr>
-        <p:blipFill rotWithShape="1">
-          <a:blip r:embed="rId3">
-            <a:extLst>
-              <a:ext uri="{28A0092B-C50C-407E-A947-70E740481C1C}">
-                <a14:useLocalDpi xmlns:a14="http://schemas.microsoft.com/office/drawing/2010/main" val="0"/>
-              </a:ext>
-            </a:extLst>
-          </a:blip>
-          <a:srcRect l="9182" t="7774" r="8854" b="19884"/>
-          <a:stretch/>
-        </p:blipFill>
-        <p:spPr>
-          <a:xfrm>
-            <a:off x="5481037" y="2273999"/>
-            <a:ext cx="2379121" cy="1328104"/>
-          </a:xfrm>
-          <a:prstGeom prst="rect">
-            <a:avLst/>
-          </a:prstGeom>
-          <a:ln>
-            <a:solidFill>
-              <a:schemeClr val="accent1"/>
-            </a:solidFill>
-          </a:ln>
-        </p:spPr>
-      </p:pic>
-      <p:sp>
-        <p:nvSpPr>
-          <p:cNvPr id="9" name="正方形/長方形 8"/>
-          <p:cNvSpPr/>
-          <p:nvPr/>
-        </p:nvSpPr>
-        <p:spPr>
-          <a:xfrm>
-            <a:off x="5527220" y="2635602"/>
-            <a:ext cx="480188" cy="141777"/>
-          </a:xfrm>
-          <a:prstGeom prst="rect">
-            <a:avLst/>
-          </a:prstGeom>
-          <a:noFill/>
-          <a:ln w="28575">
-            <a:solidFill>
-              <a:srgbClr val="00B050"/>
-            </a:solidFill>
-            <a:prstDash val="sysDash"/>
-          </a:ln>
-        </p:spPr>
-        <p:style>
-          <a:lnRef idx="2">
-            <a:schemeClr val="accent1">
-              <a:shade val="50000"/>
-            </a:schemeClr>
-          </a:lnRef>
-          <a:fillRef idx="1">
-            <a:schemeClr val="accent1"/>
-          </a:fillRef>
-          <a:effectRef idx="0">
-            <a:schemeClr val="accent1"/>
-          </a:effectRef>
-          <a:fontRef idx="minor">
-            <a:schemeClr val="lt1"/>
-          </a:fontRef>
-        </p:style>
-        <p:txBody>
-          <a:bodyPr rtlCol="0" anchor="ctr"/>
-          <a:lstStyle/>
-          <a:p>
-            <a:pPr algn="ctr"/>
-            <a:endParaRPr kumimoji="1" lang="ja-JP" altLang="en-US"/>
-          </a:p>
-        </p:txBody>
-      </p:sp>
-      <p:cxnSp>
-        <p:nvCxnSpPr>
-          <p:cNvPr id="10" name="直線矢印コネクタ 9"/>
-          <p:cNvCxnSpPr/>
-          <p:nvPr/>
-        </p:nvCxnSpPr>
-        <p:spPr>
-          <a:xfrm>
-            <a:off x="7578899" y="3575522"/>
-            <a:ext cx="7181" cy="323779"/>
-          </a:xfrm>
-          <a:prstGeom prst="straightConnector1">
-            <a:avLst/>
-          </a:prstGeom>
-          <a:ln w="28575">
-            <a:solidFill>
-              <a:srgbClr val="00B050"/>
-            </a:solidFill>
-            <a:tailEnd type="triangle"/>
-          </a:ln>
-        </p:spPr>
-        <p:style>
-          <a:lnRef idx="1">
-            <a:schemeClr val="accent1"/>
-          </a:lnRef>
-          <a:fillRef idx="0">
-            <a:schemeClr val="accent1"/>
-          </a:fillRef>
-          <a:effectRef idx="0">
-            <a:schemeClr val="accent1"/>
-          </a:effectRef>
-          <a:fontRef idx="minor">
-            <a:schemeClr val="tx1"/>
-          </a:fontRef>
-        </p:style>
-      </p:cxnSp>
-      <p:sp>
-        <p:nvSpPr>
-          <p:cNvPr id="11" name="テキスト ボックス 10"/>
-          <p:cNvSpPr txBox="1"/>
-          <p:nvPr/>
-        </p:nvSpPr>
-        <p:spPr>
-          <a:xfrm>
-            <a:off x="5939447" y="2713997"/>
-            <a:ext cx="1094124" cy="258837"/>
-          </a:xfrm>
-          <a:prstGeom prst="rect">
-            <a:avLst/>
-          </a:prstGeom>
-          <a:noFill/>
-        </p:spPr>
-        <p:txBody>
-          <a:bodyPr wrap="none" rtlCol="0">
-            <a:spAutoFit/>
-          </a:bodyPr>
-          <a:lstStyle/>
-          <a:p>
-            <a:r>
-              <a:rPr kumimoji="1" lang="en-US" altLang="ja-JP" dirty="0" smtClean="0"/>
-              <a:t>click to choose</a:t>
-            </a:r>
-            <a:endParaRPr kumimoji="1" lang="ja-JP" altLang="en-US" dirty="0"/>
-          </a:p>
-        </p:txBody>
-      </p:sp>
-      <p:sp>
-        <p:nvSpPr>
-          <p:cNvPr id="12" name="正方形/長方形 11"/>
-          <p:cNvSpPr/>
-          <p:nvPr/>
-        </p:nvSpPr>
-        <p:spPr>
-          <a:xfrm>
-            <a:off x="7395430" y="3396592"/>
-            <a:ext cx="391620" cy="150819"/>
-          </a:xfrm>
-          <a:prstGeom prst="rect">
-            <a:avLst/>
-          </a:prstGeom>
-          <a:noFill/>
-          <a:ln w="28575">
-            <a:solidFill>
-              <a:srgbClr val="00B050"/>
-            </a:solidFill>
-            <a:prstDash val="sysDash"/>
-          </a:ln>
-        </p:spPr>
-        <p:style>
-          <a:lnRef idx="2">
-            <a:schemeClr val="accent1">
-              <a:shade val="50000"/>
-            </a:schemeClr>
-          </a:lnRef>
-          <a:fillRef idx="1">
-            <a:schemeClr val="accent1"/>
-          </a:fillRef>
-          <a:effectRef idx="0">
-            <a:schemeClr val="accent1"/>
-          </a:effectRef>
-          <a:fontRef idx="minor">
-            <a:schemeClr val="lt1"/>
-          </a:fontRef>
-        </p:style>
-        <p:txBody>
-          <a:bodyPr rtlCol="0" anchor="ctr"/>
-          <a:lstStyle/>
-          <a:p>
-            <a:pPr algn="ctr"/>
-            <a:endParaRPr kumimoji="1" lang="ja-JP" altLang="en-US"/>
-          </a:p>
-        </p:txBody>
-      </p:sp>
-      <p:pic>
-        <p:nvPicPr>
-          <p:cNvPr id="13" name="図 12"/>
-          <p:cNvPicPr>
-            <a:picLocks noChangeAspect="1"/>
-          </p:cNvPicPr>
-          <p:nvPr/>
-        </p:nvPicPr>
-        <p:blipFill rotWithShape="1">
-          <a:blip r:embed="rId4">
-            <a:extLst>
-              <a:ext uri="{28A0092B-C50C-407E-A947-70E740481C1C}">
-                <a14:useLocalDpi xmlns:a14="http://schemas.microsoft.com/office/drawing/2010/main" val="0"/>
-              </a:ext>
-            </a:extLst>
-          </a:blip>
-          <a:srcRect l="9606" t="5208" r="9167" b="14212"/>
-          <a:stretch/>
-        </p:blipFill>
-        <p:spPr>
-          <a:xfrm>
-            <a:off x="6586537" y="4010190"/>
-            <a:ext cx="1943099" cy="1927617"/>
-          </a:xfrm>
-          <a:prstGeom prst="rect">
-            <a:avLst/>
-          </a:prstGeom>
-          <a:ln>
-            <a:solidFill>
-              <a:schemeClr val="accent1"/>
-            </a:solidFill>
-          </a:ln>
-        </p:spPr>
-      </p:pic>
-    </p:spTree>
-    <p:extLst>
-      <p:ext uri="{BB962C8B-B14F-4D97-AF65-F5344CB8AC3E}">
-        <p14:creationId xmlns:p14="http://schemas.microsoft.com/office/powerpoint/2010/main" val="1569966224"/>
-      </p:ext>
-    </p:extLst>
-  </p:cSld>
-  <p:clrMapOvr>
-    <a:masterClrMapping/>
-  </p:clrMapOvr>
+  <p:timing>
+    <p:tnLst>
+      <p:par>
+        <p:cTn id="1" dur="indefinite" restart="never" nodeType="tmRoot"/>
+      </p:par>
+    </p:tnLst>
+  </p:timing>
 </p:sld>
 </file>
 

--- a/doc/JSindo/install_linux.pptx
+++ b/doc/JSindo/install_linux.pptx
@@ -217,7 +217,7 @@
           <a:p>
             <a:fld id="{BB0F0136-69B4-D44B-9FED-4928016A3512}" type="datetimeFigureOut">
               <a:rPr kumimoji="1" lang="ja-JP" altLang="en-US" smtClean="0"/>
-              <a:t>2018/6/13</a:t>
+              <a:t>2018/9/20</a:t>
             </a:fld>
             <a:endParaRPr kumimoji="1" lang="ja-JP" altLang="en-US"/>
           </a:p>
@@ -816,7 +816,7 @@
           <a:p>
             <a:fld id="{8F1A2EAE-8A19-6140-AB90-FBA793328AFC}" type="datetime1">
               <a:rPr kumimoji="1" lang="ja-JP" altLang="en-US" smtClean="0"/>
-              <a:t>2018/6/13</a:t>
+              <a:t>2018/9/20</a:t>
             </a:fld>
             <a:endParaRPr kumimoji="1" lang="ja-JP" altLang="en-US"/>
           </a:p>
@@ -1013,7 +1013,7 @@
           <a:p>
             <a:fld id="{5032F6CD-D8C5-EA47-935C-33C61990A9AF}" type="datetime1">
               <a:rPr kumimoji="1" lang="ja-JP" altLang="en-US" smtClean="0"/>
-              <a:t>2018/6/13</a:t>
+              <a:t>2018/9/20</a:t>
             </a:fld>
             <a:endParaRPr kumimoji="1" lang="ja-JP" altLang="en-US"/>
           </a:p>
@@ -1220,7 +1220,7 @@
           <a:p>
             <a:fld id="{7432CAB7-B1D1-C842-BB27-1789136EF085}" type="datetime1">
               <a:rPr kumimoji="1" lang="ja-JP" altLang="en-US" smtClean="0"/>
-              <a:t>2018/6/13</a:t>
+              <a:t>2018/9/20</a:t>
             </a:fld>
             <a:endParaRPr kumimoji="1" lang="ja-JP" altLang="en-US"/>
           </a:p>
@@ -1417,7 +1417,7 @@
           <a:p>
             <a:fld id="{59F606A1-BF80-4F40-AD73-3A1303D72015}" type="datetime1">
               <a:rPr kumimoji="1" lang="ja-JP" altLang="en-US" smtClean="0"/>
-              <a:t>2018/6/13</a:t>
+              <a:t>2018/9/20</a:t>
             </a:fld>
             <a:endParaRPr kumimoji="1" lang="ja-JP" altLang="en-US"/>
           </a:p>
@@ -1656,7 +1656,7 @@
           <a:p>
             <a:fld id="{201370A8-86D7-DE4D-BAB6-D17D5C3BEC5A}" type="datetime1">
               <a:rPr kumimoji="1" lang="ja-JP" altLang="en-US" smtClean="0"/>
-              <a:t>2018/6/13</a:t>
+              <a:t>2018/9/20</a:t>
             </a:fld>
             <a:endParaRPr kumimoji="1" lang="ja-JP" altLang="en-US"/>
           </a:p>
@@ -1947,7 +1947,7 @@
           <a:p>
             <a:fld id="{2F8DFF1A-26F6-734D-81A6-596D27E77CDE}" type="datetime1">
               <a:rPr kumimoji="1" lang="ja-JP" altLang="en-US" smtClean="0"/>
-              <a:t>2018/6/13</a:t>
+              <a:t>2018/9/20</a:t>
             </a:fld>
             <a:endParaRPr kumimoji="1" lang="ja-JP" altLang="en-US"/>
           </a:p>
@@ -2373,7 +2373,7 @@
           <a:p>
             <a:fld id="{DA4D6ED2-2E77-3346-9932-196F8E0DDE9D}" type="datetime1">
               <a:rPr kumimoji="1" lang="ja-JP" altLang="en-US" smtClean="0"/>
-              <a:t>2018/6/13</a:t>
+              <a:t>2018/9/20</a:t>
             </a:fld>
             <a:endParaRPr kumimoji="1" lang="ja-JP" altLang="en-US"/>
           </a:p>
@@ -2486,7 +2486,7 @@
           <a:p>
             <a:fld id="{E0D62E53-0DE6-954C-A642-97CC889F03F2}" type="datetime1">
               <a:rPr kumimoji="1" lang="ja-JP" altLang="en-US" smtClean="0"/>
-              <a:t>2018/6/13</a:t>
+              <a:t>2018/9/20</a:t>
             </a:fld>
             <a:endParaRPr kumimoji="1" lang="ja-JP" altLang="en-US"/>
           </a:p>
@@ -2576,7 +2576,7 @@
           <a:p>
             <a:fld id="{4C76B436-8A19-1A40-8CF4-6DE75F461D19}" type="datetime1">
               <a:rPr kumimoji="1" lang="ja-JP" altLang="en-US" smtClean="0"/>
-              <a:t>2018/6/13</a:t>
+              <a:t>2018/9/20</a:t>
             </a:fld>
             <a:endParaRPr kumimoji="1" lang="ja-JP" altLang="en-US"/>
           </a:p>
@@ -2880,7 +2880,7 @@
           <a:p>
             <a:fld id="{50F977A8-A6EB-6544-A402-5123A38A5E0F}" type="datetime1">
               <a:rPr kumimoji="1" lang="ja-JP" altLang="en-US" smtClean="0"/>
-              <a:t>2018/6/13</a:t>
+              <a:t>2018/9/20</a:t>
             </a:fld>
             <a:endParaRPr kumimoji="1" lang="ja-JP" altLang="en-US"/>
           </a:p>
@@ -3132,7 +3132,7 @@
           <a:p>
             <a:fld id="{AC63A33F-D5AB-5D4B-9CED-7FFE32473911}" type="datetime1">
               <a:rPr kumimoji="1" lang="ja-JP" altLang="en-US" smtClean="0"/>
-              <a:t>2018/6/13</a:t>
+              <a:t>2018/9/20</a:t>
             </a:fld>
             <a:endParaRPr kumimoji="1" lang="ja-JP" altLang="en-US"/>
           </a:p>
@@ -3372,7 +3372,7 @@
           <a:p>
             <a:fld id="{533D1301-D078-CF4D-9B69-E985276E2D1F}" type="datetime1">
               <a:rPr kumimoji="1" lang="ja-JP" altLang="en-US" smtClean="0"/>
-              <a:t>2018/6/13</a:t>
+              <a:t>2018/9/20</a:t>
             </a:fld>
             <a:endParaRPr kumimoji="1" lang="ja-JP" altLang="en-US"/>
           </a:p>
@@ -3866,8 +3866,8 @@
           <a:p>
             <a:pPr algn="ctr"/>
             <a:r>
-              <a:rPr kumimoji="1" lang="en-US" altLang="ja-JP" dirty="0" smtClean="0"/>
-              <a:t>2018/06/04</a:t>
+              <a:rPr kumimoji="1" lang="en-US" altLang="ja-JP" smtClean="0"/>
+              <a:t>2018/09/20</a:t>
             </a:r>
             <a:endParaRPr kumimoji="1" lang="ja-JP" altLang="en-US" dirty="0"/>
           </a:p>
@@ -5819,293 +5819,16 @@
           <a:chExt cx="0" cy="0"/>
         </a:xfrm>
       </p:grpSpPr>
-      <p:sp>
-        <p:nvSpPr>
-          <p:cNvPr id="2" name="タイトル 1"/>
-          <p:cNvSpPr>
-            <a:spLocks noGrp="1"/>
-          </p:cNvSpPr>
-          <p:nvPr>
-            <p:ph type="title"/>
-          </p:nvPr>
-        </p:nvSpPr>
-        <p:spPr/>
-        <p:txBody>
-          <a:bodyPr/>
-          <a:lstStyle/>
-          <a:p>
-            <a:r>
-              <a:rPr lang="en-US" altLang="ja-JP" dirty="0"/>
-              <a:t>2. </a:t>
-            </a:r>
-            <a:r>
-              <a:rPr lang="en-US" altLang="ja-JP" dirty="0" smtClean="0"/>
-              <a:t>Download </a:t>
-            </a:r>
-            <a:r>
-              <a:rPr lang="en-US" altLang="ja-JP" dirty="0"/>
-              <a:t>Java3D</a:t>
-            </a:r>
-            <a:endParaRPr kumimoji="1" lang="ja-JP" altLang="en-US" dirty="0"/>
-          </a:p>
-        </p:txBody>
-      </p:sp>
-      <p:sp>
-        <p:nvSpPr>
-          <p:cNvPr id="3" name="スライド番号プレースホルダー 2"/>
-          <p:cNvSpPr>
-            <a:spLocks noGrp="1"/>
-          </p:cNvSpPr>
-          <p:nvPr>
-            <p:ph type="sldNum" sz="quarter" idx="12"/>
-          </p:nvPr>
-        </p:nvSpPr>
-        <p:spPr/>
-        <p:txBody>
-          <a:bodyPr/>
-          <a:lstStyle/>
-          <a:p>
-            <a:fld id="{7D34BB6B-1E1A-9541-9560-488905BF54FF}" type="slidenum">
-              <a:rPr kumimoji="1" lang="ja-JP" altLang="en-US" smtClean="0"/>
-              <a:t>3</a:t>
-            </a:fld>
-            <a:endParaRPr kumimoji="1" lang="ja-JP" altLang="en-US"/>
-          </a:p>
-        </p:txBody>
-      </p:sp>
-      <p:grpSp>
-        <p:nvGrpSpPr>
-          <p:cNvPr id="4" name="図形グループ 3"/>
-          <p:cNvGrpSpPr/>
-          <p:nvPr/>
-        </p:nvGrpSpPr>
-        <p:grpSpPr>
-          <a:xfrm>
-            <a:off x="4875448" y="1615108"/>
-            <a:ext cx="3365969" cy="5136979"/>
-            <a:chOff x="4395001" y="1295125"/>
-            <a:chExt cx="3521169" cy="5373838"/>
-          </a:xfrm>
-        </p:grpSpPr>
-        <p:pic>
-          <p:nvPicPr>
-            <p:cNvPr id="5" name="図 4"/>
-            <p:cNvPicPr>
-              <a:picLocks noChangeAspect="1"/>
-            </p:cNvPicPr>
-            <p:nvPr/>
-          </p:nvPicPr>
-          <p:blipFill>
-            <a:blip r:embed="rId2">
-              <a:extLst>
-                <a:ext uri="{28A0092B-C50C-407E-A947-70E740481C1C}">
-                  <a14:useLocalDpi xmlns:a14="http://schemas.microsoft.com/office/drawing/2010/main" val="0"/>
-                </a:ext>
-              </a:extLst>
-            </a:blip>
-            <a:stretch>
-              <a:fillRect/>
-            </a:stretch>
-          </p:blipFill>
-          <p:spPr>
-            <a:xfrm>
-              <a:off x="4395001" y="1295125"/>
-              <a:ext cx="3509493" cy="2104490"/>
-            </a:xfrm>
-            <a:prstGeom prst="rect">
-              <a:avLst/>
-            </a:prstGeom>
-          </p:spPr>
-        </p:pic>
-        <p:sp>
-          <p:nvSpPr>
-            <p:cNvPr id="6" name="正方形/長方形 5"/>
-            <p:cNvSpPr/>
-            <p:nvPr/>
-          </p:nvSpPr>
-          <p:spPr>
-            <a:xfrm>
-              <a:off x="4494758" y="2305053"/>
-              <a:ext cx="1251908" cy="194563"/>
-            </a:xfrm>
-            <a:prstGeom prst="rect">
-              <a:avLst/>
-            </a:prstGeom>
-            <a:noFill/>
-            <a:ln w="28575">
-              <a:solidFill>
-                <a:srgbClr val="00B050"/>
-              </a:solidFill>
-              <a:prstDash val="sysDash"/>
-            </a:ln>
-          </p:spPr>
-          <p:style>
-            <a:lnRef idx="2">
-              <a:schemeClr val="accent1">
-                <a:shade val="50000"/>
-              </a:schemeClr>
-            </a:lnRef>
-            <a:fillRef idx="1">
-              <a:schemeClr val="accent1"/>
-            </a:fillRef>
-            <a:effectRef idx="0">
-              <a:schemeClr val="accent1"/>
-            </a:effectRef>
-            <a:fontRef idx="minor">
-              <a:schemeClr val="lt1"/>
-            </a:fontRef>
-          </p:style>
-          <p:txBody>
-            <a:bodyPr rtlCol="0" anchor="ctr"/>
-            <a:lstStyle/>
-            <a:p>
-              <a:pPr algn="ctr"/>
-              <a:endParaRPr kumimoji="1" lang="ja-JP" altLang="en-US"/>
-            </a:p>
-          </p:txBody>
-        </p:sp>
-        <p:pic>
-          <p:nvPicPr>
-            <p:cNvPr id="7" name="図 6"/>
-            <p:cNvPicPr>
-              <a:picLocks noChangeAspect="1"/>
-            </p:cNvPicPr>
-            <p:nvPr/>
-          </p:nvPicPr>
-          <p:blipFill>
-            <a:blip r:embed="rId3">
-              <a:extLst>
-                <a:ext uri="{28A0092B-C50C-407E-A947-70E740481C1C}">
-                  <a14:useLocalDpi xmlns:a14="http://schemas.microsoft.com/office/drawing/2010/main" val="0"/>
-                </a:ext>
-              </a:extLst>
-            </a:blip>
-            <a:stretch>
-              <a:fillRect/>
-            </a:stretch>
-          </p:blipFill>
-          <p:spPr>
-            <a:xfrm>
-              <a:off x="4427860" y="3636955"/>
-              <a:ext cx="3488310" cy="3032008"/>
-            </a:xfrm>
-            <a:prstGeom prst="rect">
-              <a:avLst/>
-            </a:prstGeom>
-          </p:spPr>
-        </p:pic>
-        <p:sp>
-          <p:nvSpPr>
-            <p:cNvPr id="8" name="正方形/長方形 7"/>
-            <p:cNvSpPr/>
-            <p:nvPr/>
-          </p:nvSpPr>
-          <p:spPr>
-            <a:xfrm>
-              <a:off x="4477400" y="6437559"/>
-              <a:ext cx="1251908" cy="194563"/>
-            </a:xfrm>
-            <a:prstGeom prst="rect">
-              <a:avLst/>
-            </a:prstGeom>
-            <a:noFill/>
-            <a:ln w="28575">
-              <a:solidFill>
-                <a:srgbClr val="00B050"/>
-              </a:solidFill>
-              <a:prstDash val="sysDash"/>
-            </a:ln>
-          </p:spPr>
-          <p:style>
-            <a:lnRef idx="2">
-              <a:schemeClr val="accent1">
-                <a:shade val="50000"/>
-              </a:schemeClr>
-            </a:lnRef>
-            <a:fillRef idx="1">
-              <a:schemeClr val="accent1"/>
-            </a:fillRef>
-            <a:effectRef idx="0">
-              <a:schemeClr val="accent1"/>
-            </a:effectRef>
-            <a:fontRef idx="minor">
-              <a:schemeClr val="lt1"/>
-            </a:fontRef>
-          </p:style>
-          <p:txBody>
-            <a:bodyPr rtlCol="0" anchor="ctr"/>
-            <a:lstStyle/>
-            <a:p>
-              <a:pPr algn="ctr"/>
-              <a:endParaRPr kumimoji="1" lang="ja-JP" altLang="en-US"/>
-            </a:p>
-          </p:txBody>
-        </p:sp>
-      </p:grpSp>
-      <p:sp>
-        <p:nvSpPr>
-          <p:cNvPr id="9" name="テキスト ボックス 8"/>
-          <p:cNvSpPr txBox="1"/>
-          <p:nvPr/>
-        </p:nvSpPr>
-        <p:spPr>
-          <a:xfrm>
-            <a:off x="820948" y="836915"/>
-            <a:ext cx="7681784" cy="646331"/>
-          </a:xfrm>
-          <a:prstGeom prst="rect">
-            <a:avLst/>
-          </a:prstGeom>
-          <a:noFill/>
-        </p:spPr>
-        <p:txBody>
-          <a:bodyPr wrap="square" rtlCol="0">
-            <a:spAutoFit/>
-          </a:bodyPr>
-          <a:lstStyle/>
-          <a:p>
-            <a:r>
-              <a:rPr lang="en-US" altLang="ja-JP" dirty="0" err="1" smtClean="0"/>
-              <a:t>JSindo</a:t>
-            </a:r>
-            <a:r>
-              <a:rPr lang="en-US" altLang="ja-JP" dirty="0" smtClean="0"/>
-              <a:t> uses Java3D for visualization. A stable version, 1.6.0, is available from </a:t>
-            </a:r>
-            <a:r>
-              <a:rPr lang="en-US" altLang="ja-JP" dirty="0" err="1" smtClean="0"/>
-              <a:t>JogAmp</a:t>
-            </a:r>
-            <a:r>
-              <a:rPr lang="en-US" altLang="ja-JP" dirty="0" smtClean="0"/>
-              <a:t>. </a:t>
-            </a:r>
-            <a:r>
-              <a:rPr lang="en-US" altLang="ja-JP" dirty="0" err="1" smtClean="0"/>
-              <a:t>Goto</a:t>
-            </a:r>
-            <a:r>
-              <a:rPr lang="en-US" altLang="ja-JP" dirty="0" smtClean="0"/>
-              <a:t> http://</a:t>
-            </a:r>
-            <a:r>
-              <a:rPr lang="en-US" altLang="ja-JP" dirty="0" err="1" smtClean="0"/>
-              <a:t>jogamp.org</a:t>
-            </a:r>
-            <a:endParaRPr kumimoji="1" lang="ja-JP" altLang="en-US" dirty="0"/>
-          </a:p>
-        </p:txBody>
-      </p:sp>
       <p:pic>
         <p:nvPicPr>
-          <p:cNvPr id="10" name="図 9"/>
+          <p:cNvPr id="19" name="図 18"/>
           <p:cNvPicPr>
             <a:picLocks noChangeAspect="1"/>
           </p:cNvPicPr>
           <p:nvPr/>
         </p:nvPicPr>
         <p:blipFill>
-          <a:blip r:embed="rId4">
+          <a:blip r:embed="rId2">
             <a:extLst>
               <a:ext uri="{28A0092B-C50C-407E-A947-70E740481C1C}">
                 <a14:useLocalDpi xmlns:a14="http://schemas.microsoft.com/office/drawing/2010/main" val="0"/>
@@ -6118,62 +5841,78 @@
         </p:blipFill>
         <p:spPr>
           <a:xfrm>
-            <a:off x="925099" y="1566195"/>
-            <a:ext cx="3224666" cy="2796046"/>
+            <a:off x="4282021" y="1645002"/>
+            <a:ext cx="4608063" cy="3277093"/>
           </a:xfrm>
           <a:prstGeom prst="rect">
             <a:avLst/>
           </a:prstGeom>
         </p:spPr>
       </p:pic>
-      <p:cxnSp>
-        <p:nvCxnSpPr>
-          <p:cNvPr id="11" name="直線矢印コネクタ 10"/>
-          <p:cNvCxnSpPr>
-            <a:endCxn id="5" idx="1"/>
-          </p:cNvCxnSpPr>
-          <p:nvPr/>
-        </p:nvCxnSpPr>
-        <p:spPr>
-          <a:xfrm flipV="1">
-            <a:off x="1698171" y="2620974"/>
-            <a:ext cx="3177277" cy="395358"/>
-          </a:xfrm>
-          <a:prstGeom prst="straightConnector1">
-            <a:avLst/>
-          </a:prstGeom>
-          <a:ln w="28575">
-            <a:solidFill>
-              <a:srgbClr val="00B050"/>
-            </a:solidFill>
-            <a:tailEnd type="triangle"/>
-          </a:ln>
-        </p:spPr>
-        <p:style>
-          <a:lnRef idx="1">
-            <a:schemeClr val="accent1"/>
-          </a:lnRef>
-          <a:fillRef idx="0">
-            <a:schemeClr val="accent1"/>
-          </a:fillRef>
-          <a:effectRef idx="0">
-            <a:schemeClr val="accent1"/>
-          </a:effectRef>
-          <a:fontRef idx="minor">
-            <a:schemeClr val="tx1"/>
-          </a:fontRef>
-        </p:style>
-      </p:cxnSp>
-      <p:sp>
-        <p:nvSpPr>
-          <p:cNvPr id="12" name="正方形/長方形 11"/>
+      <p:sp>
+        <p:nvSpPr>
+          <p:cNvPr id="2" name="タイトル 1"/>
+          <p:cNvSpPr>
+            <a:spLocks noGrp="1"/>
+          </p:cNvSpPr>
+          <p:nvPr>
+            <p:ph type="title"/>
+          </p:nvPr>
+        </p:nvSpPr>
+        <p:spPr/>
+        <p:txBody>
+          <a:bodyPr/>
+          <a:lstStyle/>
+          <a:p>
+            <a:r>
+              <a:rPr lang="en-US" altLang="ja-JP" dirty="0"/>
+              <a:t>2. </a:t>
+            </a:r>
+            <a:r>
+              <a:rPr lang="en-US" altLang="ja-JP" dirty="0" smtClean="0"/>
+              <a:t>Download </a:t>
+            </a:r>
+            <a:r>
+              <a:rPr lang="en-US" altLang="ja-JP" dirty="0"/>
+              <a:t>Java3D</a:t>
+            </a:r>
+            <a:endParaRPr kumimoji="1" lang="ja-JP" altLang="en-US" dirty="0"/>
+          </a:p>
+        </p:txBody>
+      </p:sp>
+      <p:sp>
+        <p:nvSpPr>
+          <p:cNvPr id="3" name="スライド番号プレースホルダー 2"/>
+          <p:cNvSpPr>
+            <a:spLocks noGrp="1"/>
+          </p:cNvSpPr>
+          <p:nvPr>
+            <p:ph type="sldNum" sz="quarter" idx="12"/>
+          </p:nvPr>
+        </p:nvSpPr>
+        <p:spPr/>
+        <p:txBody>
+          <a:bodyPr/>
+          <a:lstStyle/>
+          <a:p>
+            <a:fld id="{7D34BB6B-1E1A-9541-9560-488905BF54FF}" type="slidenum">
+              <a:rPr kumimoji="1" lang="ja-JP" altLang="en-US" smtClean="0"/>
+              <a:t>3</a:t>
+            </a:fld>
+            <a:endParaRPr kumimoji="1" lang="ja-JP" altLang="en-US"/>
+          </a:p>
+        </p:txBody>
+      </p:sp>
+      <p:sp>
+        <p:nvSpPr>
+          <p:cNvPr id="6" name="正方形/長方形 5"/>
           <p:cNvSpPr/>
           <p:nvPr/>
         </p:nvSpPr>
         <p:spPr>
           <a:xfrm>
-            <a:off x="1138493" y="2962541"/>
-            <a:ext cx="546443" cy="142574"/>
+            <a:off x="4288973" y="3769553"/>
+            <a:ext cx="1268800" cy="198824"/>
           </a:xfrm>
           <a:prstGeom prst="rect">
             <a:avLst/>
@@ -6213,14 +5952,14 @@
       </p:sp>
       <p:sp>
         <p:nvSpPr>
-          <p:cNvPr id="13" name="テキスト ボックス 12"/>
+          <p:cNvPr id="9" name="テキスト ボックス 8"/>
           <p:cNvSpPr txBox="1"/>
           <p:nvPr/>
         </p:nvSpPr>
         <p:spPr>
           <a:xfrm>
-            <a:off x="1709906" y="2608219"/>
-            <a:ext cx="1072922" cy="369332"/>
+            <a:off x="820948" y="836915"/>
+            <a:ext cx="7681784" cy="646331"/>
           </a:xfrm>
           <a:prstGeom prst="rect">
             <a:avLst/>
@@ -6228,59 +5967,83 @@
           <a:noFill/>
         </p:spPr>
         <p:txBody>
-          <a:bodyPr wrap="none" rtlCol="0">
+          <a:bodyPr wrap="square" rtlCol="0">
             <a:spAutoFit/>
           </a:bodyPr>
           <a:lstStyle/>
           <a:p>
             <a:r>
-              <a:rPr kumimoji="1" lang="en-US" altLang="ja-JP" smtClean="0"/>
-              <a:t>click here</a:t>
+              <a:rPr lang="en-US" altLang="ja-JP" dirty="0" err="1" smtClean="0"/>
+              <a:t>JSindo</a:t>
+            </a:r>
+            <a:r>
+              <a:rPr lang="en-US" altLang="ja-JP" dirty="0" smtClean="0"/>
+              <a:t> uses Java3D for visualization. A stable version, 1.6.0, is available from </a:t>
+            </a:r>
+            <a:r>
+              <a:rPr lang="en-US" altLang="ja-JP" dirty="0" err="1" smtClean="0"/>
+              <a:t>JogAmp</a:t>
+            </a:r>
+            <a:r>
+              <a:rPr lang="en-US" altLang="ja-JP" dirty="0" smtClean="0"/>
+              <a:t>. </a:t>
+            </a:r>
+            <a:r>
+              <a:rPr lang="en-US" altLang="ja-JP" dirty="0" err="1" smtClean="0"/>
+              <a:t>Goto</a:t>
+            </a:r>
+            <a:r>
+              <a:rPr lang="en-US" altLang="ja-JP" dirty="0" smtClean="0"/>
+              <a:t> http://</a:t>
+            </a:r>
+            <a:r>
+              <a:rPr lang="en-US" altLang="ja-JP" dirty="0" err="1" smtClean="0"/>
+              <a:t>jogamp.org</a:t>
             </a:r>
             <a:endParaRPr kumimoji="1" lang="ja-JP" altLang="en-US" dirty="0"/>
           </a:p>
         </p:txBody>
       </p:sp>
-      <p:sp>
-        <p:nvSpPr>
-          <p:cNvPr id="14" name="テキスト ボックス 13"/>
-          <p:cNvSpPr txBox="1"/>
+      <p:pic>
+        <p:nvPicPr>
+          <p:cNvPr id="10" name="図 9"/>
+          <p:cNvPicPr>
+            <a:picLocks noChangeAspect="1"/>
+          </p:cNvPicPr>
           <p:nvPr/>
-        </p:nvSpPr>
+        </p:nvPicPr>
+        <p:blipFill>
+          <a:blip r:embed="rId3">
+            <a:extLst>
+              <a:ext uri="{28A0092B-C50C-407E-A947-70E740481C1C}">
+                <a14:useLocalDpi xmlns:a14="http://schemas.microsoft.com/office/drawing/2010/main" val="0"/>
+              </a:ext>
+            </a:extLst>
+          </a:blip>
+          <a:stretch>
+            <a:fillRect/>
+          </a:stretch>
+        </p:blipFill>
         <p:spPr>
           <a:xfrm>
-            <a:off x="5624144" y="2169935"/>
-            <a:ext cx="1072922" cy="369332"/>
+            <a:off x="712187" y="1673772"/>
+            <a:ext cx="3224666" cy="2796046"/>
           </a:xfrm>
           <a:prstGeom prst="rect">
             <a:avLst/>
           </a:prstGeom>
-          <a:noFill/>
-        </p:spPr>
-        <p:txBody>
-          <a:bodyPr wrap="none" rtlCol="0">
-            <a:spAutoFit/>
-          </a:bodyPr>
-          <a:lstStyle/>
-          <a:p>
-            <a:r>
-              <a:rPr kumimoji="1" lang="en-US" altLang="ja-JP" dirty="0" smtClean="0"/>
-              <a:t>click here</a:t>
-            </a:r>
-            <a:endParaRPr kumimoji="1" lang="ja-JP" altLang="en-US" dirty="0"/>
-          </a:p>
-        </p:txBody>
-      </p:sp>
+        </p:spPr>
+      </p:pic>
       <p:cxnSp>
         <p:nvCxnSpPr>
-          <p:cNvPr id="15" name="直線矢印コネクタ 14"/>
+          <p:cNvPr id="11" name="直線矢印コネクタ 10"/>
           <p:cNvCxnSpPr/>
           <p:nvPr/>
         </p:nvCxnSpPr>
         <p:spPr>
           <a:xfrm>
-            <a:off x="4261615" y="6319271"/>
-            <a:ext cx="580767" cy="291966"/>
+            <a:off x="2973525" y="3605319"/>
+            <a:ext cx="1192886" cy="0"/>
           </a:xfrm>
           <a:prstGeom prst="straightConnector1">
             <a:avLst/>
@@ -6309,19 +6072,66 @@
       </p:cxnSp>
       <p:sp>
         <p:nvSpPr>
-          <p:cNvPr id="16" name="テキスト ボックス 15"/>
-          <p:cNvSpPr txBox="1"/>
+          <p:cNvPr id="12" name="正方形/長方形 11"/>
+          <p:cNvSpPr/>
           <p:nvPr/>
         </p:nvSpPr>
         <p:spPr>
           <a:xfrm>
-            <a:off x="1906502" y="5735164"/>
-            <a:ext cx="2470035" cy="646331"/>
+            <a:off x="2810564" y="3536111"/>
+            <a:ext cx="157655" cy="142574"/>
           </a:xfrm>
           <a:prstGeom prst="rect">
             <a:avLst/>
           </a:prstGeom>
           <a:noFill/>
+          <a:ln w="28575">
+            <a:solidFill>
+              <a:srgbClr val="00B050"/>
+            </a:solidFill>
+            <a:prstDash val="sysDash"/>
+          </a:ln>
+        </p:spPr>
+        <p:style>
+          <a:lnRef idx="2">
+            <a:schemeClr val="accent1">
+              <a:shade val="50000"/>
+            </a:schemeClr>
+          </a:lnRef>
+          <a:fillRef idx="1">
+            <a:schemeClr val="accent1"/>
+          </a:fillRef>
+          <a:effectRef idx="0">
+            <a:schemeClr val="accent1"/>
+          </a:effectRef>
+          <a:fontRef idx="minor">
+            <a:schemeClr val="lt1"/>
+          </a:fontRef>
+        </p:style>
+        <p:txBody>
+          <a:bodyPr rtlCol="0" anchor="ctr"/>
+          <a:lstStyle/>
+          <a:p>
+            <a:pPr algn="ctr"/>
+            <a:endParaRPr kumimoji="1" lang="ja-JP" altLang="en-US"/>
+          </a:p>
+        </p:txBody>
+      </p:sp>
+      <p:sp>
+        <p:nvSpPr>
+          <p:cNvPr id="13" name="テキスト ボックス 12"/>
+          <p:cNvSpPr txBox="1"/>
+          <p:nvPr/>
+        </p:nvSpPr>
+        <p:spPr>
+          <a:xfrm>
+            <a:off x="3142914" y="3692457"/>
+            <a:ext cx="1072922" cy="369332"/>
+          </a:xfrm>
+          <a:prstGeom prst="rect">
+            <a:avLst/>
+          </a:prstGeom>
+          <a:noFill/>
         </p:spPr>
         <p:txBody>
           <a:bodyPr wrap="none" rtlCol="0">
@@ -6330,14 +6140,8 @@
           <a:lstStyle/>
           <a:p>
             <a:r>
-              <a:rPr kumimoji="1" lang="en-US" altLang="ja-JP" dirty="0" smtClean="0"/>
-              <a:t>click here and download</a:t>
-            </a:r>
-          </a:p>
-          <a:p>
-            <a:r>
-              <a:rPr lang="en-US" altLang="ja-JP" dirty="0" smtClean="0"/>
-              <a:t>jogamp-all-platforms.7z</a:t>
+              <a:rPr kumimoji="1" lang="en-US" altLang="ja-JP" smtClean="0"/>
+              <a:t>click here</a:t>
             </a:r>
             <a:endParaRPr kumimoji="1" lang="ja-JP" altLang="en-US" dirty="0"/>
           </a:p>
@@ -6345,14 +6149,14 @@
       </p:sp>
       <p:cxnSp>
         <p:nvCxnSpPr>
-          <p:cNvPr id="17" name="直線矢印コネクタ 16"/>
+          <p:cNvPr id="15" name="直線矢印コネクタ 14"/>
           <p:cNvCxnSpPr/>
           <p:nvPr/>
         </p:nvCxnSpPr>
         <p:spPr>
-          <a:xfrm flipH="1">
-            <a:off x="5521370" y="2699160"/>
-            <a:ext cx="509" cy="950418"/>
+          <a:xfrm flipV="1">
+            <a:off x="5351929" y="4042850"/>
+            <a:ext cx="1441" cy="946009"/>
           </a:xfrm>
           <a:prstGeom prst="straightConnector1">
             <a:avLst/>
@@ -6379,6 +6183,42 @@
           </a:fontRef>
         </p:style>
       </p:cxnSp>
+      <p:sp>
+        <p:nvSpPr>
+          <p:cNvPr id="16" name="テキスト ボックス 15"/>
+          <p:cNvSpPr txBox="1"/>
+          <p:nvPr/>
+        </p:nvSpPr>
+        <p:spPr>
+          <a:xfrm>
+            <a:off x="4811067" y="4968682"/>
+            <a:ext cx="2470035" cy="646331"/>
+          </a:xfrm>
+          <a:prstGeom prst="rect">
+            <a:avLst/>
+          </a:prstGeom>
+          <a:noFill/>
+        </p:spPr>
+        <p:txBody>
+          <a:bodyPr wrap="none" rtlCol="0">
+            <a:spAutoFit/>
+          </a:bodyPr>
+          <a:lstStyle/>
+          <a:p>
+            <a:r>
+              <a:rPr kumimoji="1" lang="en-US" altLang="ja-JP" dirty="0" smtClean="0"/>
+              <a:t>click here and download</a:t>
+            </a:r>
+          </a:p>
+          <a:p>
+            <a:r>
+              <a:rPr lang="en-US" altLang="ja-JP" dirty="0" smtClean="0"/>
+              <a:t>jogamp-all-platforms.7z</a:t>
+            </a:r>
+            <a:endParaRPr kumimoji="1" lang="ja-JP" altLang="en-US" dirty="0"/>
+          </a:p>
+        </p:txBody>
+      </p:sp>
     </p:spTree>
     <p:extLst>
       <p:ext uri="{BB962C8B-B14F-4D97-AF65-F5344CB8AC3E}">
@@ -7698,56 +7538,6 @@
       </p:sp>
       <p:sp>
         <p:nvSpPr>
-          <p:cNvPr id="18" name="テキスト ボックス 17"/>
-          <p:cNvSpPr txBox="1"/>
-          <p:nvPr/>
-        </p:nvSpPr>
-        <p:spPr>
-          <a:xfrm>
-            <a:off x="3760438" y="5777391"/>
-            <a:ext cx="4873706" cy="276999"/>
-          </a:xfrm>
-          <a:prstGeom prst="rect">
-            <a:avLst/>
-          </a:prstGeom>
-          <a:noFill/>
-        </p:spPr>
-        <p:txBody>
-          <a:bodyPr wrap="none" rtlCol="0">
-            <a:spAutoFit/>
-          </a:bodyPr>
-          <a:lstStyle/>
-          <a:p>
-            <a:r>
-              <a:rPr kumimoji="1" lang="en-US" altLang="ja-JP" sz="1200" dirty="0" smtClean="0"/>
-              <a:t>(* </a:t>
-            </a:r>
-            <a:r>
-              <a:rPr kumimoji="1" lang="en-US" altLang="ja-JP" sz="1200" dirty="0" smtClean="0">
-                <a:solidFill>
-                  <a:srgbClr val="FF0000"/>
-                </a:solidFill>
-              </a:rPr>
-              <a:t>XXX</a:t>
-            </a:r>
-            <a:r>
-              <a:rPr kumimoji="1" lang="en-US" altLang="ja-JP" sz="1200" dirty="0" smtClean="0"/>
-              <a:t> = armv6 and armv6hf are for ARM </a:t>
-            </a:r>
-            <a:r>
-              <a:rPr kumimoji="1" lang="en-US" altLang="ja-JP" sz="1200" dirty="0" err="1" smtClean="0"/>
-              <a:t>cpus</a:t>
-            </a:r>
-            <a:r>
-              <a:rPr kumimoji="1" lang="en-US" altLang="ja-JP" sz="1200" dirty="0" smtClean="0"/>
-              <a:t>, which are used for phones.) </a:t>
-            </a:r>
-            <a:endParaRPr kumimoji="1" lang="ja-JP" altLang="en-US" sz="1200" dirty="0"/>
-          </a:p>
-        </p:txBody>
-      </p:sp>
-      <p:sp>
-        <p:nvSpPr>
           <p:cNvPr id="8" name="テキスト ボックス 7"/>
           <p:cNvSpPr txBox="1"/>
           <p:nvPr/>
@@ -9627,7 +9417,7 @@
         <p:spPr>
           <a:xfrm>
             <a:off x="558343" y="1438664"/>
-            <a:ext cx="4567839" cy="5355312"/>
+            <a:ext cx="4567839" cy="5078313"/>
           </a:xfrm>
           <a:prstGeom prst="rect">
             <a:avLst/>
@@ -9660,10 +9450,7 @@
               <a:rPr lang="en-US" altLang="ja-JP" dirty="0"/>
               <a:t>Java. </a:t>
             </a:r>
-            <a:r>
-              <a:rPr lang="en-US" altLang="ja-JP" dirty="0" smtClean="0"/>
-              <a:t>See FAQ for some tips.</a:t>
-            </a:r>
+            <a:endParaRPr lang="en-US" altLang="ja-JP" dirty="0" smtClean="0"/>
           </a:p>
           <a:p>
             <a:endParaRPr lang="en-US" altLang="ja-JP" dirty="0" smtClean="0"/>
@@ -10231,7 +10018,7 @@
         </p:nvSpPr>
         <p:spPr>
           <a:xfrm>
-            <a:off x="1064479" y="3817216"/>
+            <a:off x="1064479" y="3534828"/>
             <a:ext cx="2416046" cy="276999"/>
           </a:xfrm>
           <a:prstGeom prst="rect">

--- a/doc/JSindo/install_linux.pptx
+++ b/doc/JSindo/install_linux.pptx
@@ -217,7 +217,7 @@
           <a:p>
             <a:fld id="{BB0F0136-69B4-D44B-9FED-4928016A3512}" type="datetimeFigureOut">
               <a:rPr kumimoji="1" lang="ja-JP" altLang="en-US" smtClean="0"/>
-              <a:t>2018/9/20</a:t>
+              <a:t>2019/5/3</a:t>
             </a:fld>
             <a:endParaRPr kumimoji="1" lang="ja-JP" altLang="en-US"/>
           </a:p>
@@ -281,70 +281,69 @@
           <a:p>
             <a:pPr lvl="0"/>
             <a:r>
-              <a:rPr kumimoji="1" lang="ja-JP" altLang="en-US" smtClean="0"/>
+              <a:rPr kumimoji="1" lang="ja-JP" altLang="en-US"/>
               <a:t>マスター テキストの書式設定</a:t>
             </a:r>
           </a:p>
           <a:p>
             <a:pPr lvl="1"/>
             <a:r>
-              <a:rPr kumimoji="1" lang="ja-JP" altLang="en-US" smtClean="0"/>
+              <a:rPr kumimoji="1" lang="ja-JP" altLang="en-US"/>
               <a:t>第 </a:t>
             </a:r>
             <a:r>
-              <a:rPr kumimoji="1" lang="en-US" altLang="ja-JP" smtClean="0"/>
+              <a:rPr kumimoji="1" lang="en-US" altLang="ja-JP"/>
               <a:t>2 </a:t>
             </a:r>
             <a:r>
-              <a:rPr kumimoji="1" lang="ja-JP" altLang="en-US" smtClean="0"/>
+              <a:rPr kumimoji="1" lang="ja-JP" altLang="en-US"/>
               <a:t>レベル</a:t>
             </a:r>
           </a:p>
           <a:p>
             <a:pPr lvl="2"/>
             <a:r>
-              <a:rPr kumimoji="1" lang="ja-JP" altLang="en-US" smtClean="0"/>
+              <a:rPr kumimoji="1" lang="ja-JP" altLang="en-US"/>
               <a:t>第 </a:t>
             </a:r>
             <a:r>
-              <a:rPr kumimoji="1" lang="en-US" altLang="ja-JP" smtClean="0"/>
+              <a:rPr kumimoji="1" lang="en-US" altLang="ja-JP"/>
               <a:t>3 </a:t>
             </a:r>
             <a:r>
-              <a:rPr kumimoji="1" lang="ja-JP" altLang="en-US" smtClean="0"/>
+              <a:rPr kumimoji="1" lang="ja-JP" altLang="en-US"/>
               <a:t>レベル</a:t>
             </a:r>
           </a:p>
           <a:p>
             <a:pPr lvl="3"/>
             <a:r>
-              <a:rPr kumimoji="1" lang="ja-JP" altLang="en-US" smtClean="0"/>
+              <a:rPr kumimoji="1" lang="ja-JP" altLang="en-US"/>
               <a:t>第 </a:t>
             </a:r>
             <a:r>
-              <a:rPr kumimoji="1" lang="en-US" altLang="ja-JP" smtClean="0"/>
+              <a:rPr kumimoji="1" lang="en-US" altLang="ja-JP"/>
               <a:t>4 </a:t>
             </a:r>
             <a:r>
-              <a:rPr kumimoji="1" lang="ja-JP" altLang="en-US" smtClean="0"/>
+              <a:rPr kumimoji="1" lang="ja-JP" altLang="en-US"/>
               <a:t>レベル</a:t>
             </a:r>
           </a:p>
           <a:p>
             <a:pPr lvl="4"/>
             <a:r>
-              <a:rPr kumimoji="1" lang="ja-JP" altLang="en-US" smtClean="0"/>
+              <a:rPr kumimoji="1" lang="ja-JP" altLang="en-US"/>
               <a:t>第 </a:t>
             </a:r>
             <a:r>
-              <a:rPr kumimoji="1" lang="en-US" altLang="ja-JP" smtClean="0"/>
+              <a:rPr kumimoji="1" lang="en-US" altLang="ja-JP"/>
               <a:t>5 </a:t>
             </a:r>
             <a:r>
-              <a:rPr kumimoji="1" lang="ja-JP" altLang="en-US" smtClean="0"/>
+              <a:rPr kumimoji="1" lang="ja-JP" altLang="en-US"/>
               <a:t>レベル</a:t>
             </a:r>
-            <a:endParaRPr kumimoji="1" lang="ja-JP" altLang="en-US"/>
           </a:p>
         </p:txBody>
       </p:sp>
@@ -727,7 +726,7 @@
           </a:lstStyle>
           <a:p>
             <a:r>
-              <a:rPr lang="ja-JP" altLang="en-US" smtClean="0"/>
+              <a:rPr lang="ja-JP" altLang="en-US"/>
               <a:t>マスター タイトルの書式設定</a:t>
             </a:r>
             <a:endParaRPr lang="en-US" dirty="0"/>
@@ -792,7 +791,7 @@
           </a:lstStyle>
           <a:p>
             <a:r>
-              <a:rPr lang="ja-JP" altLang="en-US" smtClean="0"/>
+              <a:rPr lang="ja-JP" altLang="en-US"/>
               <a:t>マスター サブタイトルの書式設定</a:t>
             </a:r>
             <a:endParaRPr lang="en-US" dirty="0"/>
@@ -816,7 +815,7 @@
           <a:p>
             <a:fld id="{8F1A2EAE-8A19-6140-AB90-FBA793328AFC}" type="datetime1">
               <a:rPr kumimoji="1" lang="ja-JP" altLang="en-US" smtClean="0"/>
-              <a:t>2018/9/20</a:t>
+              <a:t>2019/5/3</a:t>
             </a:fld>
             <a:endParaRPr kumimoji="1" lang="ja-JP" altLang="en-US"/>
           </a:p>
@@ -905,7 +904,7 @@
           <a:lstStyle/>
           <a:p>
             <a:r>
-              <a:rPr lang="ja-JP" altLang="en-US" smtClean="0"/>
+              <a:rPr lang="ja-JP" altLang="en-US"/>
               <a:t>マスター タイトルの書式設定</a:t>
             </a:r>
             <a:endParaRPr lang="en-US" dirty="0"/>
@@ -929,67 +928,67 @@
           <a:p>
             <a:pPr lvl="0"/>
             <a:r>
-              <a:rPr lang="ja-JP" altLang="en-US" smtClean="0"/>
+              <a:rPr lang="ja-JP" altLang="en-US"/>
               <a:t>マスター テキストの書式設定</a:t>
             </a:r>
           </a:p>
           <a:p>
             <a:pPr lvl="1"/>
             <a:r>
-              <a:rPr lang="ja-JP" altLang="en-US" smtClean="0"/>
+              <a:rPr lang="ja-JP" altLang="en-US"/>
               <a:t>第 </a:t>
             </a:r>
             <a:r>
-              <a:rPr lang="en-US" altLang="ja-JP" smtClean="0"/>
+              <a:rPr lang="en-US" altLang="ja-JP"/>
               <a:t>2 </a:t>
             </a:r>
             <a:r>
-              <a:rPr lang="ja-JP" altLang="en-US" smtClean="0"/>
+              <a:rPr lang="ja-JP" altLang="en-US"/>
               <a:t>レベル</a:t>
             </a:r>
           </a:p>
           <a:p>
             <a:pPr lvl="2"/>
             <a:r>
-              <a:rPr lang="ja-JP" altLang="en-US" smtClean="0"/>
+              <a:rPr lang="ja-JP" altLang="en-US"/>
               <a:t>第 </a:t>
             </a:r>
             <a:r>
-              <a:rPr lang="en-US" altLang="ja-JP" smtClean="0"/>
+              <a:rPr lang="en-US" altLang="ja-JP"/>
               <a:t>3 </a:t>
             </a:r>
             <a:r>
-              <a:rPr lang="ja-JP" altLang="en-US" smtClean="0"/>
+              <a:rPr lang="ja-JP" altLang="en-US"/>
               <a:t>レベル</a:t>
             </a:r>
           </a:p>
           <a:p>
             <a:pPr lvl="3"/>
             <a:r>
-              <a:rPr lang="ja-JP" altLang="en-US" smtClean="0"/>
+              <a:rPr lang="ja-JP" altLang="en-US"/>
               <a:t>第 </a:t>
             </a:r>
             <a:r>
-              <a:rPr lang="en-US" altLang="ja-JP" smtClean="0"/>
+              <a:rPr lang="en-US" altLang="ja-JP"/>
               <a:t>4 </a:t>
             </a:r>
             <a:r>
-              <a:rPr lang="ja-JP" altLang="en-US" smtClean="0"/>
+              <a:rPr lang="ja-JP" altLang="en-US"/>
               <a:t>レベル</a:t>
             </a:r>
           </a:p>
           <a:p>
             <a:pPr lvl="4"/>
             <a:r>
-              <a:rPr lang="ja-JP" altLang="en-US" smtClean="0"/>
+              <a:rPr lang="ja-JP" altLang="en-US"/>
               <a:t>第 </a:t>
             </a:r>
             <a:r>
-              <a:rPr lang="en-US" altLang="ja-JP" smtClean="0"/>
+              <a:rPr lang="en-US" altLang="ja-JP"/>
               <a:t>5 </a:t>
             </a:r>
             <a:r>
-              <a:rPr lang="ja-JP" altLang="en-US" smtClean="0"/>
+              <a:rPr lang="ja-JP" altLang="en-US"/>
               <a:t>レベル</a:t>
             </a:r>
             <a:endParaRPr lang="en-US" dirty="0"/>
@@ -1013,7 +1012,7 @@
           <a:p>
             <a:fld id="{5032F6CD-D8C5-EA47-935C-33C61990A9AF}" type="datetime1">
               <a:rPr kumimoji="1" lang="ja-JP" altLang="en-US" smtClean="0"/>
-              <a:t>2018/9/20</a:t>
+              <a:t>2019/5/3</a:t>
             </a:fld>
             <a:endParaRPr kumimoji="1" lang="ja-JP" altLang="en-US"/>
           </a:p>
@@ -1107,7 +1106,7 @@
           <a:lstStyle/>
           <a:p>
             <a:r>
-              <a:rPr lang="ja-JP" altLang="en-US" smtClean="0"/>
+              <a:rPr lang="ja-JP" altLang="en-US"/>
               <a:t>マスター タイトルの書式設定</a:t>
             </a:r>
             <a:endParaRPr lang="en-US" dirty="0"/>
@@ -1136,67 +1135,67 @@
           <a:p>
             <a:pPr lvl="0"/>
             <a:r>
-              <a:rPr lang="ja-JP" altLang="en-US" smtClean="0"/>
+              <a:rPr lang="ja-JP" altLang="en-US"/>
               <a:t>マスター テキストの書式設定</a:t>
             </a:r>
           </a:p>
           <a:p>
             <a:pPr lvl="1"/>
             <a:r>
-              <a:rPr lang="ja-JP" altLang="en-US" smtClean="0"/>
+              <a:rPr lang="ja-JP" altLang="en-US"/>
               <a:t>第 </a:t>
             </a:r>
             <a:r>
-              <a:rPr lang="en-US" altLang="ja-JP" smtClean="0"/>
+              <a:rPr lang="en-US" altLang="ja-JP"/>
               <a:t>2 </a:t>
             </a:r>
             <a:r>
-              <a:rPr lang="ja-JP" altLang="en-US" smtClean="0"/>
+              <a:rPr lang="ja-JP" altLang="en-US"/>
               <a:t>レベル</a:t>
             </a:r>
           </a:p>
           <a:p>
             <a:pPr lvl="2"/>
             <a:r>
-              <a:rPr lang="ja-JP" altLang="en-US" smtClean="0"/>
+              <a:rPr lang="ja-JP" altLang="en-US"/>
               <a:t>第 </a:t>
             </a:r>
             <a:r>
-              <a:rPr lang="en-US" altLang="ja-JP" smtClean="0"/>
+              <a:rPr lang="en-US" altLang="ja-JP"/>
               <a:t>3 </a:t>
             </a:r>
             <a:r>
-              <a:rPr lang="ja-JP" altLang="en-US" smtClean="0"/>
+              <a:rPr lang="ja-JP" altLang="en-US"/>
               <a:t>レベル</a:t>
             </a:r>
           </a:p>
           <a:p>
             <a:pPr lvl="3"/>
             <a:r>
-              <a:rPr lang="ja-JP" altLang="en-US" smtClean="0"/>
+              <a:rPr lang="ja-JP" altLang="en-US"/>
               <a:t>第 </a:t>
             </a:r>
             <a:r>
-              <a:rPr lang="en-US" altLang="ja-JP" smtClean="0"/>
+              <a:rPr lang="en-US" altLang="ja-JP"/>
               <a:t>4 </a:t>
             </a:r>
             <a:r>
-              <a:rPr lang="ja-JP" altLang="en-US" smtClean="0"/>
+              <a:rPr lang="ja-JP" altLang="en-US"/>
               <a:t>レベル</a:t>
             </a:r>
           </a:p>
           <a:p>
             <a:pPr lvl="4"/>
             <a:r>
-              <a:rPr lang="ja-JP" altLang="en-US" smtClean="0"/>
+              <a:rPr lang="ja-JP" altLang="en-US"/>
               <a:t>第 </a:t>
             </a:r>
             <a:r>
-              <a:rPr lang="en-US" altLang="ja-JP" smtClean="0"/>
+              <a:rPr lang="en-US" altLang="ja-JP"/>
               <a:t>5 </a:t>
             </a:r>
             <a:r>
-              <a:rPr lang="ja-JP" altLang="en-US" smtClean="0"/>
+              <a:rPr lang="ja-JP" altLang="en-US"/>
               <a:t>レベル</a:t>
             </a:r>
             <a:endParaRPr lang="en-US" dirty="0"/>
@@ -1220,7 +1219,7 @@
           <a:p>
             <a:fld id="{7432CAB7-B1D1-C842-BB27-1789136EF085}" type="datetime1">
               <a:rPr kumimoji="1" lang="ja-JP" altLang="en-US" smtClean="0"/>
-              <a:t>2018/9/20</a:t>
+              <a:t>2019/5/3</a:t>
             </a:fld>
             <a:endParaRPr kumimoji="1" lang="ja-JP" altLang="en-US"/>
           </a:p>
@@ -1309,7 +1308,7 @@
           <a:lstStyle/>
           <a:p>
             <a:r>
-              <a:rPr lang="ja-JP" altLang="en-US" smtClean="0"/>
+              <a:rPr lang="ja-JP" altLang="en-US"/>
               <a:t>マスター タイトルの書式設定</a:t>
             </a:r>
             <a:endParaRPr lang="en-US" dirty="0"/>
@@ -1333,67 +1332,67 @@
           <a:p>
             <a:pPr lvl="0"/>
             <a:r>
-              <a:rPr lang="ja-JP" altLang="en-US" smtClean="0"/>
+              <a:rPr lang="ja-JP" altLang="en-US"/>
               <a:t>マスター テキストの書式設定</a:t>
             </a:r>
           </a:p>
           <a:p>
             <a:pPr lvl="1"/>
             <a:r>
-              <a:rPr lang="ja-JP" altLang="en-US" smtClean="0"/>
+              <a:rPr lang="ja-JP" altLang="en-US"/>
               <a:t>第 </a:t>
             </a:r>
             <a:r>
-              <a:rPr lang="en-US" altLang="ja-JP" smtClean="0"/>
+              <a:rPr lang="en-US" altLang="ja-JP"/>
               <a:t>2 </a:t>
             </a:r>
             <a:r>
-              <a:rPr lang="ja-JP" altLang="en-US" smtClean="0"/>
+              <a:rPr lang="ja-JP" altLang="en-US"/>
               <a:t>レベル</a:t>
             </a:r>
           </a:p>
           <a:p>
             <a:pPr lvl="2"/>
             <a:r>
-              <a:rPr lang="ja-JP" altLang="en-US" smtClean="0"/>
+              <a:rPr lang="ja-JP" altLang="en-US"/>
               <a:t>第 </a:t>
             </a:r>
             <a:r>
-              <a:rPr lang="en-US" altLang="ja-JP" smtClean="0"/>
+              <a:rPr lang="en-US" altLang="ja-JP"/>
               <a:t>3 </a:t>
             </a:r>
             <a:r>
-              <a:rPr lang="ja-JP" altLang="en-US" smtClean="0"/>
+              <a:rPr lang="ja-JP" altLang="en-US"/>
               <a:t>レベル</a:t>
             </a:r>
           </a:p>
           <a:p>
             <a:pPr lvl="3"/>
             <a:r>
-              <a:rPr lang="ja-JP" altLang="en-US" smtClean="0"/>
+              <a:rPr lang="ja-JP" altLang="en-US"/>
               <a:t>第 </a:t>
             </a:r>
             <a:r>
-              <a:rPr lang="en-US" altLang="ja-JP" smtClean="0"/>
+              <a:rPr lang="en-US" altLang="ja-JP"/>
               <a:t>4 </a:t>
             </a:r>
             <a:r>
-              <a:rPr lang="ja-JP" altLang="en-US" smtClean="0"/>
+              <a:rPr lang="ja-JP" altLang="en-US"/>
               <a:t>レベル</a:t>
             </a:r>
           </a:p>
           <a:p>
             <a:pPr lvl="4"/>
             <a:r>
-              <a:rPr lang="ja-JP" altLang="en-US" smtClean="0"/>
+              <a:rPr lang="ja-JP" altLang="en-US"/>
               <a:t>第 </a:t>
             </a:r>
             <a:r>
-              <a:rPr lang="en-US" altLang="ja-JP" smtClean="0"/>
+              <a:rPr lang="en-US" altLang="ja-JP"/>
               <a:t>5 </a:t>
             </a:r>
             <a:r>
-              <a:rPr lang="ja-JP" altLang="en-US" smtClean="0"/>
+              <a:rPr lang="ja-JP" altLang="en-US"/>
               <a:t>レベル</a:t>
             </a:r>
             <a:endParaRPr lang="en-US" dirty="0"/>
@@ -1417,7 +1416,7 @@
           <a:p>
             <a:fld id="{59F606A1-BF80-4F40-AD73-3A1303D72015}" type="datetime1">
               <a:rPr kumimoji="1" lang="ja-JP" altLang="en-US" smtClean="0"/>
-              <a:t>2018/9/20</a:t>
+              <a:t>2019/5/3</a:t>
             </a:fld>
             <a:endParaRPr kumimoji="1" lang="ja-JP" altLang="en-US"/>
           </a:p>
@@ -1515,7 +1514,7 @@
           </a:lstStyle>
           <a:p>
             <a:r>
-              <a:rPr lang="ja-JP" altLang="en-US" smtClean="0"/>
+              <a:rPr lang="ja-JP" altLang="en-US"/>
               <a:t>マスター タイトルの書式設定</a:t>
             </a:r>
             <a:endParaRPr lang="en-US" dirty="0"/>
@@ -1633,7 +1632,7 @@
           <a:p>
             <a:pPr lvl="0"/>
             <a:r>
-              <a:rPr lang="ja-JP" altLang="en-US" smtClean="0"/>
+              <a:rPr lang="ja-JP" altLang="en-US"/>
               <a:t>マスター テキストの書式設定</a:t>
             </a:r>
           </a:p>
@@ -1656,7 +1655,7 @@
           <a:p>
             <a:fld id="{201370A8-86D7-DE4D-BAB6-D17D5C3BEC5A}" type="datetime1">
               <a:rPr kumimoji="1" lang="ja-JP" altLang="en-US" smtClean="0"/>
-              <a:t>2018/9/20</a:t>
+              <a:t>2019/5/3</a:t>
             </a:fld>
             <a:endParaRPr kumimoji="1" lang="ja-JP" altLang="en-US"/>
           </a:p>
@@ -1745,7 +1744,7 @@
           <a:lstStyle/>
           <a:p>
             <a:r>
-              <a:rPr lang="ja-JP" altLang="en-US" smtClean="0"/>
+              <a:rPr lang="ja-JP" altLang="en-US"/>
               <a:t>マスター タイトルの書式設定</a:t>
             </a:r>
             <a:endParaRPr lang="en-US" dirty="0"/>
@@ -1774,67 +1773,67 @@
           <a:p>
             <a:pPr lvl="0"/>
             <a:r>
-              <a:rPr lang="ja-JP" altLang="en-US" smtClean="0"/>
+              <a:rPr lang="ja-JP" altLang="en-US"/>
               <a:t>マスター テキストの書式設定</a:t>
             </a:r>
           </a:p>
           <a:p>
             <a:pPr lvl="1"/>
             <a:r>
-              <a:rPr lang="ja-JP" altLang="en-US" smtClean="0"/>
+              <a:rPr lang="ja-JP" altLang="en-US"/>
               <a:t>第 </a:t>
             </a:r>
             <a:r>
-              <a:rPr lang="en-US" altLang="ja-JP" smtClean="0"/>
+              <a:rPr lang="en-US" altLang="ja-JP"/>
               <a:t>2 </a:t>
             </a:r>
             <a:r>
-              <a:rPr lang="ja-JP" altLang="en-US" smtClean="0"/>
+              <a:rPr lang="ja-JP" altLang="en-US"/>
               <a:t>レベル</a:t>
             </a:r>
           </a:p>
           <a:p>
             <a:pPr lvl="2"/>
             <a:r>
-              <a:rPr lang="ja-JP" altLang="en-US" smtClean="0"/>
+              <a:rPr lang="ja-JP" altLang="en-US"/>
               <a:t>第 </a:t>
             </a:r>
             <a:r>
-              <a:rPr lang="en-US" altLang="ja-JP" smtClean="0"/>
+              <a:rPr lang="en-US" altLang="ja-JP"/>
               <a:t>3 </a:t>
             </a:r>
             <a:r>
-              <a:rPr lang="ja-JP" altLang="en-US" smtClean="0"/>
+              <a:rPr lang="ja-JP" altLang="en-US"/>
               <a:t>レベル</a:t>
             </a:r>
           </a:p>
           <a:p>
             <a:pPr lvl="3"/>
             <a:r>
-              <a:rPr lang="ja-JP" altLang="en-US" smtClean="0"/>
+              <a:rPr lang="ja-JP" altLang="en-US"/>
               <a:t>第 </a:t>
             </a:r>
             <a:r>
-              <a:rPr lang="en-US" altLang="ja-JP" smtClean="0"/>
+              <a:rPr lang="en-US" altLang="ja-JP"/>
               <a:t>4 </a:t>
             </a:r>
             <a:r>
-              <a:rPr lang="ja-JP" altLang="en-US" smtClean="0"/>
+              <a:rPr lang="ja-JP" altLang="en-US"/>
               <a:t>レベル</a:t>
             </a:r>
           </a:p>
           <a:p>
             <a:pPr lvl="4"/>
             <a:r>
-              <a:rPr lang="ja-JP" altLang="en-US" smtClean="0"/>
+              <a:rPr lang="ja-JP" altLang="en-US"/>
               <a:t>第 </a:t>
             </a:r>
             <a:r>
-              <a:rPr lang="en-US" altLang="ja-JP" smtClean="0"/>
+              <a:rPr lang="en-US" altLang="ja-JP"/>
               <a:t>5 </a:t>
             </a:r>
             <a:r>
-              <a:rPr lang="ja-JP" altLang="en-US" smtClean="0"/>
+              <a:rPr lang="ja-JP" altLang="en-US"/>
               <a:t>レベル</a:t>
             </a:r>
             <a:endParaRPr lang="en-US" dirty="0"/>
@@ -1863,67 +1862,67 @@
           <a:p>
             <a:pPr lvl="0"/>
             <a:r>
-              <a:rPr lang="ja-JP" altLang="en-US" smtClean="0"/>
+              <a:rPr lang="ja-JP" altLang="en-US"/>
               <a:t>マスター テキストの書式設定</a:t>
             </a:r>
           </a:p>
           <a:p>
             <a:pPr lvl="1"/>
             <a:r>
-              <a:rPr lang="ja-JP" altLang="en-US" smtClean="0"/>
+              <a:rPr lang="ja-JP" altLang="en-US"/>
               <a:t>第 </a:t>
             </a:r>
             <a:r>
-              <a:rPr lang="en-US" altLang="ja-JP" smtClean="0"/>
+              <a:rPr lang="en-US" altLang="ja-JP"/>
               <a:t>2 </a:t>
             </a:r>
             <a:r>
-              <a:rPr lang="ja-JP" altLang="en-US" smtClean="0"/>
+              <a:rPr lang="ja-JP" altLang="en-US"/>
               <a:t>レベル</a:t>
             </a:r>
           </a:p>
           <a:p>
             <a:pPr lvl="2"/>
             <a:r>
-              <a:rPr lang="ja-JP" altLang="en-US" smtClean="0"/>
+              <a:rPr lang="ja-JP" altLang="en-US"/>
               <a:t>第 </a:t>
             </a:r>
             <a:r>
-              <a:rPr lang="en-US" altLang="ja-JP" smtClean="0"/>
+              <a:rPr lang="en-US" altLang="ja-JP"/>
               <a:t>3 </a:t>
             </a:r>
             <a:r>
-              <a:rPr lang="ja-JP" altLang="en-US" smtClean="0"/>
+              <a:rPr lang="ja-JP" altLang="en-US"/>
               <a:t>レベル</a:t>
             </a:r>
           </a:p>
           <a:p>
             <a:pPr lvl="3"/>
             <a:r>
-              <a:rPr lang="ja-JP" altLang="en-US" smtClean="0"/>
+              <a:rPr lang="ja-JP" altLang="en-US"/>
               <a:t>第 </a:t>
             </a:r>
             <a:r>
-              <a:rPr lang="en-US" altLang="ja-JP" smtClean="0"/>
+              <a:rPr lang="en-US" altLang="ja-JP"/>
               <a:t>4 </a:t>
             </a:r>
             <a:r>
-              <a:rPr lang="ja-JP" altLang="en-US" smtClean="0"/>
+              <a:rPr lang="ja-JP" altLang="en-US"/>
               <a:t>レベル</a:t>
             </a:r>
           </a:p>
           <a:p>
             <a:pPr lvl="4"/>
             <a:r>
-              <a:rPr lang="ja-JP" altLang="en-US" smtClean="0"/>
+              <a:rPr lang="ja-JP" altLang="en-US"/>
               <a:t>第 </a:t>
             </a:r>
             <a:r>
-              <a:rPr lang="en-US" altLang="ja-JP" smtClean="0"/>
+              <a:rPr lang="en-US" altLang="ja-JP"/>
               <a:t>5 </a:t>
             </a:r>
             <a:r>
-              <a:rPr lang="ja-JP" altLang="en-US" smtClean="0"/>
+              <a:rPr lang="ja-JP" altLang="en-US"/>
               <a:t>レベル</a:t>
             </a:r>
             <a:endParaRPr lang="en-US" dirty="0"/>
@@ -1947,7 +1946,7 @@
           <a:p>
             <a:fld id="{2F8DFF1A-26F6-734D-81A6-596D27E77CDE}" type="datetime1">
               <a:rPr kumimoji="1" lang="ja-JP" altLang="en-US" smtClean="0"/>
-              <a:t>2018/9/20</a:t>
+              <a:t>2019/5/3</a:t>
             </a:fld>
             <a:endParaRPr kumimoji="1" lang="ja-JP" altLang="en-US"/>
           </a:p>
@@ -2041,7 +2040,7 @@
           <a:lstStyle/>
           <a:p>
             <a:r>
-              <a:rPr lang="ja-JP" altLang="en-US" smtClean="0"/>
+              <a:rPr lang="ja-JP" altLang="en-US"/>
               <a:t>マスター タイトルの書式設定</a:t>
             </a:r>
             <a:endParaRPr lang="en-US" dirty="0"/>
@@ -2107,7 +2106,7 @@
           <a:p>
             <a:pPr lvl="0"/>
             <a:r>
-              <a:rPr lang="ja-JP" altLang="en-US" smtClean="0"/>
+              <a:rPr lang="ja-JP" altLang="en-US"/>
               <a:t>マスター テキストの書式設定</a:t>
             </a:r>
           </a:p>
@@ -2135,67 +2134,67 @@
           <a:p>
             <a:pPr lvl="0"/>
             <a:r>
-              <a:rPr lang="ja-JP" altLang="en-US" smtClean="0"/>
+              <a:rPr lang="ja-JP" altLang="en-US"/>
               <a:t>マスター テキストの書式設定</a:t>
             </a:r>
           </a:p>
           <a:p>
             <a:pPr lvl="1"/>
             <a:r>
-              <a:rPr lang="ja-JP" altLang="en-US" smtClean="0"/>
+              <a:rPr lang="ja-JP" altLang="en-US"/>
               <a:t>第 </a:t>
             </a:r>
             <a:r>
-              <a:rPr lang="en-US" altLang="ja-JP" smtClean="0"/>
+              <a:rPr lang="en-US" altLang="ja-JP"/>
               <a:t>2 </a:t>
             </a:r>
             <a:r>
-              <a:rPr lang="ja-JP" altLang="en-US" smtClean="0"/>
+              <a:rPr lang="ja-JP" altLang="en-US"/>
               <a:t>レベル</a:t>
             </a:r>
           </a:p>
           <a:p>
             <a:pPr lvl="2"/>
             <a:r>
-              <a:rPr lang="ja-JP" altLang="en-US" smtClean="0"/>
+              <a:rPr lang="ja-JP" altLang="en-US"/>
               <a:t>第 </a:t>
             </a:r>
             <a:r>
-              <a:rPr lang="en-US" altLang="ja-JP" smtClean="0"/>
+              <a:rPr lang="en-US" altLang="ja-JP"/>
               <a:t>3 </a:t>
             </a:r>
             <a:r>
-              <a:rPr lang="ja-JP" altLang="en-US" smtClean="0"/>
+              <a:rPr lang="ja-JP" altLang="en-US"/>
               <a:t>レベル</a:t>
             </a:r>
           </a:p>
           <a:p>
             <a:pPr lvl="3"/>
             <a:r>
-              <a:rPr lang="ja-JP" altLang="en-US" smtClean="0"/>
+              <a:rPr lang="ja-JP" altLang="en-US"/>
               <a:t>第 </a:t>
             </a:r>
             <a:r>
-              <a:rPr lang="en-US" altLang="ja-JP" smtClean="0"/>
+              <a:rPr lang="en-US" altLang="ja-JP"/>
               <a:t>4 </a:t>
             </a:r>
             <a:r>
-              <a:rPr lang="ja-JP" altLang="en-US" smtClean="0"/>
+              <a:rPr lang="ja-JP" altLang="en-US"/>
               <a:t>レベル</a:t>
             </a:r>
           </a:p>
           <a:p>
             <a:pPr lvl="4"/>
             <a:r>
-              <a:rPr lang="ja-JP" altLang="en-US" smtClean="0"/>
+              <a:rPr lang="ja-JP" altLang="en-US"/>
               <a:t>第 </a:t>
             </a:r>
             <a:r>
-              <a:rPr lang="en-US" altLang="ja-JP" smtClean="0"/>
+              <a:rPr lang="en-US" altLang="ja-JP"/>
               <a:t>5 </a:t>
             </a:r>
             <a:r>
-              <a:rPr lang="ja-JP" altLang="en-US" smtClean="0"/>
+              <a:rPr lang="ja-JP" altLang="en-US"/>
               <a:t>レベル</a:t>
             </a:r>
             <a:endParaRPr lang="en-US" dirty="0"/>
@@ -2261,7 +2260,7 @@
           <a:p>
             <a:pPr lvl="0"/>
             <a:r>
-              <a:rPr lang="ja-JP" altLang="en-US" smtClean="0"/>
+              <a:rPr lang="ja-JP" altLang="en-US"/>
               <a:t>マスター テキストの書式設定</a:t>
             </a:r>
           </a:p>
@@ -2289,67 +2288,67 @@
           <a:p>
             <a:pPr lvl="0"/>
             <a:r>
-              <a:rPr lang="ja-JP" altLang="en-US" smtClean="0"/>
+              <a:rPr lang="ja-JP" altLang="en-US"/>
               <a:t>マスター テキストの書式設定</a:t>
             </a:r>
           </a:p>
           <a:p>
             <a:pPr lvl="1"/>
             <a:r>
-              <a:rPr lang="ja-JP" altLang="en-US" smtClean="0"/>
+              <a:rPr lang="ja-JP" altLang="en-US"/>
               <a:t>第 </a:t>
             </a:r>
             <a:r>
-              <a:rPr lang="en-US" altLang="ja-JP" smtClean="0"/>
+              <a:rPr lang="en-US" altLang="ja-JP"/>
               <a:t>2 </a:t>
             </a:r>
             <a:r>
-              <a:rPr lang="ja-JP" altLang="en-US" smtClean="0"/>
+              <a:rPr lang="ja-JP" altLang="en-US"/>
               <a:t>レベル</a:t>
             </a:r>
           </a:p>
           <a:p>
             <a:pPr lvl="2"/>
             <a:r>
-              <a:rPr lang="ja-JP" altLang="en-US" smtClean="0"/>
+              <a:rPr lang="ja-JP" altLang="en-US"/>
               <a:t>第 </a:t>
             </a:r>
             <a:r>
-              <a:rPr lang="en-US" altLang="ja-JP" smtClean="0"/>
+              <a:rPr lang="en-US" altLang="ja-JP"/>
               <a:t>3 </a:t>
             </a:r>
             <a:r>
-              <a:rPr lang="ja-JP" altLang="en-US" smtClean="0"/>
+              <a:rPr lang="ja-JP" altLang="en-US"/>
               <a:t>レベル</a:t>
             </a:r>
           </a:p>
           <a:p>
             <a:pPr lvl="3"/>
             <a:r>
-              <a:rPr lang="ja-JP" altLang="en-US" smtClean="0"/>
+              <a:rPr lang="ja-JP" altLang="en-US"/>
               <a:t>第 </a:t>
             </a:r>
             <a:r>
-              <a:rPr lang="en-US" altLang="ja-JP" smtClean="0"/>
+              <a:rPr lang="en-US" altLang="ja-JP"/>
               <a:t>4 </a:t>
             </a:r>
             <a:r>
-              <a:rPr lang="ja-JP" altLang="en-US" smtClean="0"/>
+              <a:rPr lang="ja-JP" altLang="en-US"/>
               <a:t>レベル</a:t>
             </a:r>
           </a:p>
           <a:p>
             <a:pPr lvl="4"/>
             <a:r>
-              <a:rPr lang="ja-JP" altLang="en-US" smtClean="0"/>
+              <a:rPr lang="ja-JP" altLang="en-US"/>
               <a:t>第 </a:t>
             </a:r>
             <a:r>
-              <a:rPr lang="en-US" altLang="ja-JP" smtClean="0"/>
+              <a:rPr lang="en-US" altLang="ja-JP"/>
               <a:t>5 </a:t>
             </a:r>
             <a:r>
-              <a:rPr lang="ja-JP" altLang="en-US" smtClean="0"/>
+              <a:rPr lang="ja-JP" altLang="en-US"/>
               <a:t>レベル</a:t>
             </a:r>
             <a:endParaRPr lang="en-US" dirty="0"/>
@@ -2373,7 +2372,7 @@
           <a:p>
             <a:fld id="{DA4D6ED2-2E77-3346-9932-196F8E0DDE9D}" type="datetime1">
               <a:rPr kumimoji="1" lang="ja-JP" altLang="en-US" smtClean="0"/>
-              <a:t>2018/9/20</a:t>
+              <a:t>2019/5/3</a:t>
             </a:fld>
             <a:endParaRPr kumimoji="1" lang="ja-JP" altLang="en-US"/>
           </a:p>
@@ -2462,7 +2461,7 @@
           <a:lstStyle/>
           <a:p>
             <a:r>
-              <a:rPr lang="ja-JP" altLang="en-US" smtClean="0"/>
+              <a:rPr lang="ja-JP" altLang="en-US"/>
               <a:t>マスター タイトルの書式設定</a:t>
             </a:r>
             <a:endParaRPr lang="en-US" dirty="0"/>
@@ -2486,7 +2485,7 @@
           <a:p>
             <a:fld id="{E0D62E53-0DE6-954C-A642-97CC889F03F2}" type="datetime1">
               <a:rPr kumimoji="1" lang="ja-JP" altLang="en-US" smtClean="0"/>
-              <a:t>2018/9/20</a:t>
+              <a:t>2019/5/3</a:t>
             </a:fld>
             <a:endParaRPr kumimoji="1" lang="ja-JP" altLang="en-US"/>
           </a:p>
@@ -2576,7 +2575,7 @@
           <a:p>
             <a:fld id="{4C76B436-8A19-1A40-8CF4-6DE75F461D19}" type="datetime1">
               <a:rPr kumimoji="1" lang="ja-JP" altLang="en-US" smtClean="0"/>
-              <a:t>2018/9/20</a:t>
+              <a:t>2019/5/3</a:t>
             </a:fld>
             <a:endParaRPr kumimoji="1" lang="ja-JP" altLang="en-US"/>
           </a:p>
@@ -2674,7 +2673,7 @@
           </a:lstStyle>
           <a:p>
             <a:r>
-              <a:rPr lang="ja-JP" altLang="en-US" smtClean="0"/>
+              <a:rPr lang="ja-JP" altLang="en-US"/>
               <a:t>マスター タイトルの書式設定</a:t>
             </a:r>
             <a:endParaRPr lang="en-US" dirty="0"/>
@@ -2731,67 +2730,67 @@
           <a:p>
             <a:pPr lvl="0"/>
             <a:r>
-              <a:rPr lang="ja-JP" altLang="en-US" smtClean="0"/>
+              <a:rPr lang="ja-JP" altLang="en-US"/>
               <a:t>マスター テキストの書式設定</a:t>
             </a:r>
           </a:p>
           <a:p>
             <a:pPr lvl="1"/>
             <a:r>
-              <a:rPr lang="ja-JP" altLang="en-US" smtClean="0"/>
+              <a:rPr lang="ja-JP" altLang="en-US"/>
               <a:t>第 </a:t>
             </a:r>
             <a:r>
-              <a:rPr lang="en-US" altLang="ja-JP" smtClean="0"/>
+              <a:rPr lang="en-US" altLang="ja-JP"/>
               <a:t>2 </a:t>
             </a:r>
             <a:r>
-              <a:rPr lang="ja-JP" altLang="en-US" smtClean="0"/>
+              <a:rPr lang="ja-JP" altLang="en-US"/>
               <a:t>レベル</a:t>
             </a:r>
           </a:p>
           <a:p>
             <a:pPr lvl="2"/>
             <a:r>
-              <a:rPr lang="ja-JP" altLang="en-US" smtClean="0"/>
+              <a:rPr lang="ja-JP" altLang="en-US"/>
               <a:t>第 </a:t>
             </a:r>
             <a:r>
-              <a:rPr lang="en-US" altLang="ja-JP" smtClean="0"/>
+              <a:rPr lang="en-US" altLang="ja-JP"/>
               <a:t>3 </a:t>
             </a:r>
             <a:r>
-              <a:rPr lang="ja-JP" altLang="en-US" smtClean="0"/>
+              <a:rPr lang="ja-JP" altLang="en-US"/>
               <a:t>レベル</a:t>
             </a:r>
           </a:p>
           <a:p>
             <a:pPr lvl="3"/>
             <a:r>
-              <a:rPr lang="ja-JP" altLang="en-US" smtClean="0"/>
+              <a:rPr lang="ja-JP" altLang="en-US"/>
               <a:t>第 </a:t>
             </a:r>
             <a:r>
-              <a:rPr lang="en-US" altLang="ja-JP" smtClean="0"/>
+              <a:rPr lang="en-US" altLang="ja-JP"/>
               <a:t>4 </a:t>
             </a:r>
             <a:r>
-              <a:rPr lang="ja-JP" altLang="en-US" smtClean="0"/>
+              <a:rPr lang="ja-JP" altLang="en-US"/>
               <a:t>レベル</a:t>
             </a:r>
           </a:p>
           <a:p>
             <a:pPr lvl="4"/>
             <a:r>
-              <a:rPr lang="ja-JP" altLang="en-US" smtClean="0"/>
+              <a:rPr lang="ja-JP" altLang="en-US"/>
               <a:t>第 </a:t>
             </a:r>
             <a:r>
-              <a:rPr lang="en-US" altLang="ja-JP" smtClean="0"/>
+              <a:rPr lang="en-US" altLang="ja-JP"/>
               <a:t>5 </a:t>
             </a:r>
             <a:r>
-              <a:rPr lang="ja-JP" altLang="en-US" smtClean="0"/>
+              <a:rPr lang="ja-JP" altLang="en-US"/>
               <a:t>レベル</a:t>
             </a:r>
             <a:endParaRPr lang="en-US" dirty="0"/>
@@ -2857,7 +2856,7 @@
           <a:p>
             <a:pPr lvl="0"/>
             <a:r>
-              <a:rPr lang="ja-JP" altLang="en-US" smtClean="0"/>
+              <a:rPr lang="ja-JP" altLang="en-US"/>
               <a:t>マスター テキストの書式設定</a:t>
             </a:r>
           </a:p>
@@ -2880,7 +2879,7 @@
           <a:p>
             <a:fld id="{50F977A8-A6EB-6544-A402-5123A38A5E0F}" type="datetime1">
               <a:rPr kumimoji="1" lang="ja-JP" altLang="en-US" smtClean="0"/>
-              <a:t>2018/9/20</a:t>
+              <a:t>2019/5/3</a:t>
             </a:fld>
             <a:endParaRPr kumimoji="1" lang="ja-JP" altLang="en-US"/>
           </a:p>
@@ -2978,7 +2977,7 @@
           </a:lstStyle>
           <a:p>
             <a:r>
-              <a:rPr lang="ja-JP" altLang="en-US" smtClean="0"/>
+              <a:rPr lang="ja-JP" altLang="en-US"/>
               <a:t>マスター タイトルの書式設定</a:t>
             </a:r>
             <a:endParaRPr lang="en-US" dirty="0"/>
@@ -3043,7 +3042,7 @@
           </a:lstStyle>
           <a:p>
             <a:r>
-              <a:rPr lang="ja-JP" altLang="en-US" smtClean="0"/>
+              <a:rPr lang="ja-JP" altLang="en-US"/>
               <a:t>プレースホルダーまでドラッグするかアイコンをクリックして図を追加</a:t>
             </a:r>
             <a:endParaRPr lang="en-US" dirty="0"/>
@@ -3109,7 +3108,7 @@
           <a:p>
             <a:pPr lvl="0"/>
             <a:r>
-              <a:rPr lang="ja-JP" altLang="en-US" smtClean="0"/>
+              <a:rPr lang="ja-JP" altLang="en-US"/>
               <a:t>マスター テキストの書式設定</a:t>
             </a:r>
           </a:p>
@@ -3132,7 +3131,7 @@
           <a:p>
             <a:fld id="{AC63A33F-D5AB-5D4B-9CED-7FFE32473911}" type="datetime1">
               <a:rPr kumimoji="1" lang="ja-JP" altLang="en-US" smtClean="0"/>
-              <a:t>2018/9/20</a:t>
+              <a:t>2019/5/3</a:t>
             </a:fld>
             <a:endParaRPr kumimoji="1" lang="ja-JP" altLang="en-US"/>
           </a:p>
@@ -3236,7 +3235,7 @@
           <a:lstStyle/>
           <a:p>
             <a:r>
-              <a:rPr lang="ja-JP" altLang="en-US" smtClean="0"/>
+              <a:rPr lang="ja-JP" altLang="en-US"/>
               <a:t>マスター タイトルの書式設定</a:t>
             </a:r>
             <a:endParaRPr lang="en-US" dirty="0"/>
@@ -3270,67 +3269,67 @@
           <a:p>
             <a:pPr lvl="0"/>
             <a:r>
-              <a:rPr lang="ja-JP" altLang="en-US" smtClean="0"/>
+              <a:rPr lang="ja-JP" altLang="en-US"/>
               <a:t>マスター テキストの書式設定</a:t>
             </a:r>
           </a:p>
           <a:p>
             <a:pPr lvl="1"/>
             <a:r>
-              <a:rPr lang="ja-JP" altLang="en-US" smtClean="0"/>
+              <a:rPr lang="ja-JP" altLang="en-US"/>
               <a:t>第 </a:t>
             </a:r>
             <a:r>
-              <a:rPr lang="en-US" altLang="ja-JP" smtClean="0"/>
+              <a:rPr lang="en-US" altLang="ja-JP"/>
               <a:t>2 </a:t>
             </a:r>
             <a:r>
-              <a:rPr lang="ja-JP" altLang="en-US" smtClean="0"/>
+              <a:rPr lang="ja-JP" altLang="en-US"/>
               <a:t>レベル</a:t>
             </a:r>
           </a:p>
           <a:p>
             <a:pPr lvl="2"/>
             <a:r>
-              <a:rPr lang="ja-JP" altLang="en-US" smtClean="0"/>
+              <a:rPr lang="ja-JP" altLang="en-US"/>
               <a:t>第 </a:t>
             </a:r>
             <a:r>
-              <a:rPr lang="en-US" altLang="ja-JP" smtClean="0"/>
+              <a:rPr lang="en-US" altLang="ja-JP"/>
               <a:t>3 </a:t>
             </a:r>
             <a:r>
-              <a:rPr lang="ja-JP" altLang="en-US" smtClean="0"/>
+              <a:rPr lang="ja-JP" altLang="en-US"/>
               <a:t>レベル</a:t>
             </a:r>
           </a:p>
           <a:p>
             <a:pPr lvl="3"/>
             <a:r>
-              <a:rPr lang="ja-JP" altLang="en-US" smtClean="0"/>
+              <a:rPr lang="ja-JP" altLang="en-US"/>
               <a:t>第 </a:t>
             </a:r>
             <a:r>
-              <a:rPr lang="en-US" altLang="ja-JP" smtClean="0"/>
+              <a:rPr lang="en-US" altLang="ja-JP"/>
               <a:t>4 </a:t>
             </a:r>
             <a:r>
-              <a:rPr lang="ja-JP" altLang="en-US" smtClean="0"/>
+              <a:rPr lang="ja-JP" altLang="en-US"/>
               <a:t>レベル</a:t>
             </a:r>
           </a:p>
           <a:p>
             <a:pPr lvl="4"/>
             <a:r>
-              <a:rPr lang="ja-JP" altLang="en-US" smtClean="0"/>
+              <a:rPr lang="ja-JP" altLang="en-US"/>
               <a:t>第 </a:t>
             </a:r>
             <a:r>
-              <a:rPr lang="en-US" altLang="ja-JP" smtClean="0"/>
+              <a:rPr lang="en-US" altLang="ja-JP"/>
               <a:t>5 </a:t>
             </a:r>
             <a:r>
-              <a:rPr lang="ja-JP" altLang="en-US" smtClean="0"/>
+              <a:rPr lang="ja-JP" altLang="en-US"/>
               <a:t>レベル</a:t>
             </a:r>
             <a:endParaRPr lang="en-US" dirty="0"/>
@@ -3372,7 +3371,7 @@
           <a:p>
             <a:fld id="{533D1301-D078-CF4D-9B69-E985276E2D1F}" type="datetime1">
               <a:rPr kumimoji="1" lang="ja-JP" altLang="en-US" smtClean="0"/>
-              <a:t>2018/9/20</a:t>
+              <a:t>2019/5/3</a:t>
             </a:fld>
             <a:endParaRPr kumimoji="1" lang="ja-JP" altLang="en-US"/>
           </a:p>
@@ -3801,24 +3800,20 @@
           <a:lstStyle/>
           <a:p>
             <a:r>
-              <a:rPr kumimoji="1" lang="en-US" altLang="ja-JP" sz="4400" dirty="0" smtClean="0"/>
+              <a:rPr kumimoji="1" lang="en-US" altLang="ja-JP" sz="4400" dirty="0"/>
               <a:t>How to Install </a:t>
             </a:r>
             <a:r>
-              <a:rPr kumimoji="1" lang="en-US" altLang="ja-JP" sz="4400" dirty="0" err="1" smtClean="0"/>
+              <a:rPr kumimoji="1" lang="en-US" altLang="ja-JP" sz="4400" dirty="0" err="1"/>
               <a:t>JSindo</a:t>
             </a:r>
-            <a:endParaRPr kumimoji="1" lang="en-US" altLang="ja-JP" sz="4400" dirty="0" smtClean="0"/>
+            <a:endParaRPr kumimoji="1" lang="en-US" altLang="ja-JP" sz="4400" dirty="0"/>
           </a:p>
           <a:p>
             <a:pPr algn="ctr"/>
             <a:r>
               <a:rPr lang="en-US" altLang="ja-JP" sz="4400" dirty="0"/>
-              <a:t> </a:t>
-            </a:r>
-            <a:r>
-              <a:rPr lang="en-US" altLang="ja-JP" sz="4400" dirty="0" smtClean="0"/>
-              <a:t>for LINUX</a:t>
+              <a:t> for LINUX</a:t>
             </a:r>
             <a:endParaRPr kumimoji="1" lang="ja-JP" altLang="en-US" sz="4400" dirty="0"/>
           </a:p>
@@ -3832,8 +3827,8 @@
         </p:nvSpPr>
         <p:spPr>
           <a:xfrm>
-            <a:off x="2409225" y="4020685"/>
-            <a:ext cx="4070923" cy="1200329"/>
+            <a:off x="2397781" y="4020685"/>
+            <a:ext cx="4093813" cy="1200329"/>
           </a:xfrm>
           <a:prstGeom prst="rect">
             <a:avLst/>
@@ -3848,15 +3843,15 @@
           <a:p>
             <a:pPr algn="ctr"/>
             <a:r>
-              <a:rPr lang="en-US" altLang="ja-JP" dirty="0" smtClean="0"/>
+              <a:rPr lang="en-US" altLang="ja-JP" dirty="0"/>
               <a:t>Theoretical Molecular Science Laboratory</a:t>
             </a:r>
           </a:p>
           <a:p>
             <a:pPr algn="ctr"/>
             <a:r>
-              <a:rPr kumimoji="1" lang="en-US" altLang="ja-JP" dirty="0" smtClean="0"/>
-              <a:t>RIKEN Pioneering Research Cluster</a:t>
+              <a:rPr kumimoji="1" lang="en-US" altLang="ja-JP" dirty="0"/>
+              <a:t>RIKEN Cluster for Pioneering Research</a:t>
             </a:r>
           </a:p>
           <a:p>
@@ -3866,8 +3861,8 @@
           <a:p>
             <a:pPr algn="ctr"/>
             <a:r>
-              <a:rPr kumimoji="1" lang="en-US" altLang="ja-JP" smtClean="0"/>
-              <a:t>2018/09/20</a:t>
+              <a:rPr kumimoji="1" lang="en-US" altLang="ja-JP" dirty="0"/>
+              <a:t>2019/05/14</a:t>
             </a:r>
             <a:endParaRPr kumimoji="1" lang="ja-JP" altLang="en-US" dirty="0"/>
           </a:p>
@@ -3897,17 +3892,17 @@
           <a:p>
             <a:pPr algn="ctr"/>
             <a:r>
-              <a:rPr kumimoji="1" lang="en-US" altLang="ja-JP" dirty="0" smtClean="0"/>
+              <a:rPr kumimoji="1" lang="en-US" altLang="ja-JP" dirty="0"/>
               <a:t>Kiyoshi Yagi</a:t>
             </a:r>
           </a:p>
           <a:p>
             <a:pPr algn="ctr"/>
             <a:r>
-              <a:rPr kumimoji="1" lang="en-US" altLang="ja-JP" dirty="0" err="1" smtClean="0"/>
+              <a:rPr kumimoji="1" lang="en-US" altLang="ja-JP" dirty="0" err="1"/>
               <a:t>kiyoshi.yagi@riken.jp</a:t>
             </a:r>
-            <a:endParaRPr kumimoji="1" lang="en-US" altLang="ja-JP" dirty="0" smtClean="0"/>
+            <a:endParaRPr kumimoji="1" lang="en-US" altLang="ja-JP" dirty="0"/>
           </a:p>
         </p:txBody>
       </p:sp>
@@ -4049,7 +4044,7 @@
           <a:lstStyle/>
           <a:p>
             <a:r>
-              <a:rPr lang="en-US" altLang="ja-JP" dirty="0" smtClean="0"/>
+              <a:rPr lang="en-US" altLang="ja-JP" dirty="0"/>
               <a:t>Harmonic Analysis</a:t>
             </a:r>
             <a:endParaRPr kumimoji="1" lang="ja-JP" altLang="en-US" dirty="0"/>
@@ -4079,71 +4074,54 @@
           <a:lstStyle/>
           <a:p>
             <a:r>
-              <a:rPr lang="en-US" altLang="ja-JP" dirty="0" smtClean="0"/>
+              <a:rPr lang="en-US" altLang="ja-JP" dirty="0"/>
               <a:t>Finally, </a:t>
             </a:r>
             <a:r>
-              <a:rPr lang="en-US" altLang="ja-JP" dirty="0" err="1" smtClean="0"/>
+              <a:rPr lang="en-US" altLang="ja-JP" dirty="0" err="1"/>
               <a:t>goto</a:t>
             </a:r>
             <a:r>
-              <a:rPr lang="en-US" altLang="ja-JP" dirty="0" smtClean="0"/>
+              <a:rPr lang="en-US" altLang="ja-JP" dirty="0"/>
               <a:t> Tools -&gt; Harmonic Analysis. This should create a panel of “Normal modes”. </a:t>
             </a:r>
           </a:p>
           <a:p>
-            <a:endParaRPr lang="en-US" altLang="ja-JP" dirty="0" smtClean="0"/>
+            <a:endParaRPr lang="en-US" altLang="ja-JP" dirty="0"/>
           </a:p>
           <a:p>
             <a:pPr lvl="1"/>
             <a:r>
-              <a:rPr lang="en-US" altLang="ja-JP" dirty="0" smtClean="0"/>
-              <a:t>If </a:t>
-            </a:r>
-            <a:r>
               <a:rPr lang="en-US" altLang="ja-JP" dirty="0"/>
-              <a:t>you don’t see </a:t>
-            </a:r>
-            <a:r>
-              <a:rPr lang="en-US" altLang="ja-JP" dirty="0" smtClean="0"/>
-              <a:t>this </a:t>
+              <a:t>If you don’t see this panel, JAMA isn’t working. Check if the </a:t>
+            </a:r>
+            <a:r>
+              <a:rPr lang="en-US" altLang="ja-JP" dirty="0" err="1"/>
+              <a:t>jarfile</a:t>
             </a:r>
             <a:r>
               <a:rPr lang="en-US" altLang="ja-JP" dirty="0"/>
-              <a:t>panel, </a:t>
-            </a:r>
-            <a:r>
-              <a:rPr lang="en-US" altLang="ja-JP" dirty="0" smtClean="0"/>
-              <a:t>JAMA isn’t working. Check if the </a:t>
-            </a:r>
-            <a:r>
-              <a:rPr lang="en-US" altLang="ja-JP" dirty="0" err="1" smtClean="0"/>
-              <a:t>jarfile</a:t>
-            </a:r>
-            <a:r>
-              <a:rPr lang="en-US" altLang="ja-JP" dirty="0" smtClean="0"/>
               <a:t> of JAMA is located in the folder.</a:t>
             </a:r>
+          </a:p>
+          <a:p>
             <a:endParaRPr lang="en-US" altLang="ja-JP" dirty="0"/>
           </a:p>
           <a:p>
-            <a:endParaRPr lang="en-US" altLang="ja-JP" dirty="0" smtClean="0"/>
-          </a:p>
-          <a:p>
-            <a:r>
-              <a:rPr lang="en-US" altLang="ja-JP" dirty="0" smtClean="0"/>
+            <a:r>
+              <a:rPr lang="en-US" altLang="ja-JP" dirty="0"/>
               <a:t>If the panel appears, you’re all set! Congratulations!</a:t>
             </a:r>
           </a:p>
           <a:p>
-            <a:endParaRPr lang="en-US" altLang="ja-JP" dirty="0" smtClean="0"/>
-          </a:p>
-          <a:p>
             <a:endParaRPr lang="en-US" altLang="ja-JP" dirty="0"/>
           </a:p>
           <a:p>
-            <a:r>
-              <a:rPr lang="en-US" altLang="ja-JP" dirty="0" smtClean="0"/>
+            <a:endParaRPr lang="en-US" altLang="ja-JP" dirty="0"/>
+          </a:p>
+          <a:p>
+            <a:r>
+              <a:rPr lang="en-US" altLang="ja-JP" dirty="0"/>
               <a:t>Check on ”show vibrational coordinates”, and choose a mode you want to see. Vibrational motion will be indicated by arrows. You can “Invert the arrows” by a check box, and change the magnitude using a slider. </a:t>
             </a:r>
           </a:p>
@@ -4151,19 +4129,19 @@
             <a:endParaRPr lang="en-US" altLang="ja-JP" dirty="0"/>
           </a:p>
           <a:p>
-            <a:endParaRPr lang="en-US" altLang="ja-JP" dirty="0" smtClean="0"/>
-          </a:p>
-          <a:p>
-            <a:r>
-              <a:rPr lang="en-US" altLang="ja-JP" dirty="0" smtClean="0"/>
+            <a:endParaRPr lang="en-US" altLang="ja-JP" dirty="0"/>
+          </a:p>
+          <a:p>
+            <a:r>
+              <a:rPr lang="en-US" altLang="ja-JP" dirty="0"/>
               <a:t>Thanks for using </a:t>
             </a:r>
             <a:r>
-              <a:rPr lang="en-US" altLang="ja-JP" dirty="0" err="1" smtClean="0"/>
+              <a:rPr lang="en-US" altLang="ja-JP" dirty="0" err="1"/>
               <a:t>JSindo</a:t>
             </a:r>
             <a:r>
-              <a:rPr lang="en-US" altLang="ja-JP" dirty="0" smtClean="0"/>
+              <a:rPr lang="en-US" altLang="ja-JP" dirty="0"/>
               <a:t>!</a:t>
             </a:r>
           </a:p>
@@ -4174,7 +4152,7 @@
             </a:r>
           </a:p>
           <a:p>
-            <a:endParaRPr lang="en-US" altLang="ja-JP" dirty="0" smtClean="0"/>
+            <a:endParaRPr lang="en-US" altLang="ja-JP" dirty="0"/>
           </a:p>
         </p:txBody>
       </p:sp>
@@ -4279,13 +4257,6 @@
   <p:clrMapOvr>
     <a:masterClrMapping/>
   </p:clrMapOvr>
-  <p:timing>
-    <p:tnLst>
-      <p:par>
-        <p:cTn id="1" dur="indefinite" restart="never" nodeType="tmRoot"/>
-      </p:par>
-    </p:tnLst>
-  </p:timing>
 </p:sld>
 </file>
 
@@ -4376,21 +4347,12 @@
           <a:p>
             <a:r>
               <a:rPr lang="en-US" altLang="ja-JP" dirty="0"/>
-              <a:t>Let’s check if </a:t>
-            </a:r>
-            <a:r>
-              <a:rPr lang="en-US" altLang="ja-JP" dirty="0" smtClean="0"/>
-              <a:t>you have </a:t>
-            </a:r>
+              <a:t>Let’s check if you have Java installed or not, and the version of Java if you have. </a:t>
+            </a:r>
+          </a:p>
+          <a:p>
             <a:r>
               <a:rPr lang="en-US" altLang="ja-JP" dirty="0"/>
-              <a:t>Java installed or not, and the version of Java if you have. </a:t>
-            </a:r>
-            <a:endParaRPr lang="en-US" altLang="ja-JP" dirty="0" smtClean="0"/>
-          </a:p>
-          <a:p>
-            <a:r>
-              <a:rPr lang="en-US" altLang="ja-JP" dirty="0" smtClean="0"/>
               <a:t>In the terminal, type “java -version” and you will see a message like this:</a:t>
             </a:r>
           </a:p>
@@ -4424,7 +4386,7 @@
           <a:lstStyle/>
           <a:p>
             <a:r>
-              <a:rPr kumimoji="1" lang="en-US" altLang="ja-JP" sz="1200" dirty="0" smtClean="0">
+              <a:rPr kumimoji="1" lang="en-US" altLang="ja-JP" sz="1200" dirty="0">
                 <a:latin typeface="Courier" charset="0"/>
                 <a:ea typeface="Courier" charset="0"/>
                 <a:cs typeface="Courier" charset="0"/>
@@ -4450,7 +4412,7 @@
               <a:t> version "</a:t>
             </a:r>
             <a:r>
-              <a:rPr lang="en-US" altLang="ja-JP" sz="1200" b="1" dirty="0" smtClean="0">
+              <a:rPr lang="en-US" altLang="ja-JP" sz="1200" b="1" dirty="0">
                 <a:solidFill>
                   <a:srgbClr val="FF0000"/>
                 </a:solidFill>
@@ -4461,7 +4423,7 @@
               <a:t>1.8.0_121</a:t>
             </a:r>
             <a:r>
-              <a:rPr lang="en-US" altLang="ja-JP" sz="1200" dirty="0" smtClean="0">
+              <a:rPr lang="en-US" altLang="ja-JP" sz="1200" dirty="0">
                 <a:latin typeface="Courier" charset="0"/>
                 <a:ea typeface="Courier" charset="0"/>
                 <a:cs typeface="Courier" charset="0"/>
@@ -4471,7 +4433,7 @@
           </a:p>
           <a:p>
             <a:r>
-              <a:rPr lang="en-US" altLang="ja-JP" sz="1200" dirty="0" err="1" smtClean="0">
+              <a:rPr lang="en-US" altLang="ja-JP" sz="1200" dirty="0" err="1">
                 <a:latin typeface="Courier" charset="0"/>
                 <a:ea typeface="Courier" charset="0"/>
                 <a:cs typeface="Courier" charset="0"/>
@@ -4479,33 +4441,17 @@
               <a:t>OpenJDK</a:t>
             </a:r>
             <a:r>
-              <a:rPr lang="en-US" altLang="ja-JP" sz="1200" dirty="0" smtClean="0">
-                <a:latin typeface="Courier" charset="0"/>
-                <a:ea typeface="Courier" charset="0"/>
-                <a:cs typeface="Courier" charset="0"/>
-              </a:rPr>
-              <a:t> </a:t>
-            </a:r>
-            <a:r>
               <a:rPr lang="en-US" altLang="ja-JP" sz="1200" dirty="0">
                 <a:latin typeface="Courier" charset="0"/>
                 <a:ea typeface="Courier" charset="0"/>
                 <a:cs typeface="Courier" charset="0"/>
               </a:rPr>
-              <a:t>Runtime Environment (build 1.8.0_121-b13</a:t>
-            </a:r>
-            <a:r>
-              <a:rPr lang="en-US" altLang="ja-JP" sz="1200" dirty="0" smtClean="0">
-                <a:latin typeface="Courier" charset="0"/>
-                <a:ea typeface="Courier" charset="0"/>
-                <a:cs typeface="Courier" charset="0"/>
-              </a:rPr>
-              <a:t>)</a:t>
-            </a:r>
-          </a:p>
-          <a:p>
-            <a:r>
-              <a:rPr lang="en-US" altLang="ja-JP" sz="1200" dirty="0" err="1" smtClean="0">
+              <a:t> Runtime Environment (build 1.8.0_121-b13)</a:t>
+            </a:r>
+          </a:p>
+          <a:p>
+            <a:r>
+              <a:rPr lang="en-US" altLang="ja-JP" sz="1200" dirty="0" err="1">
                 <a:latin typeface="Courier" charset="0"/>
                 <a:ea typeface="Courier" charset="0"/>
                 <a:cs typeface="Courier" charset="0"/>
@@ -4513,28 +4459,12 @@
               <a:t>OpenJDK</a:t>
             </a:r>
             <a:r>
-              <a:rPr lang="en-US" altLang="ja-JP" sz="1200" dirty="0" smtClean="0">
-                <a:latin typeface="Courier" charset="0"/>
-                <a:ea typeface="Courier" charset="0"/>
-                <a:cs typeface="Courier" charset="0"/>
-              </a:rPr>
-              <a:t> </a:t>
-            </a:r>
-            <a:r>
               <a:rPr lang="en-US" altLang="ja-JP" sz="1200" dirty="0">
                 <a:latin typeface="Courier" charset="0"/>
                 <a:ea typeface="Courier" charset="0"/>
                 <a:cs typeface="Courier" charset="0"/>
               </a:rPr>
-              <a:t>64-Bit Server VM (build 25.121-b13, mixed mode</a:t>
-            </a:r>
-            <a:r>
-              <a:rPr lang="en-US" altLang="ja-JP" sz="1200" dirty="0" smtClean="0">
-                <a:latin typeface="Courier" charset="0"/>
-                <a:ea typeface="Courier" charset="0"/>
-                <a:cs typeface="Courier" charset="0"/>
-              </a:rPr>
-              <a:t>)</a:t>
+              <a:t> 64-Bit Server VM (build 25.121-b13, mixed mode)</a:t>
             </a:r>
           </a:p>
         </p:txBody>
@@ -4562,7 +4492,7 @@
           <a:lstStyle/>
           <a:p>
             <a:r>
-              <a:rPr lang="en-US" dirty="0" smtClean="0"/>
+              <a:rPr lang="en-US" dirty="0"/>
               <a:t>If your Java is 1.8.xxx (=JDK8), then you can skip the installation and go to Chap. 2. </a:t>
             </a:r>
           </a:p>
@@ -4620,12 +4550,8 @@
           <a:lstStyle/>
           <a:p>
             <a:r>
-              <a:rPr lang="en-US" altLang="ja-JP" sz="1600" dirty="0" smtClean="0"/>
-              <a:t>http</a:t>
-            </a:r>
-            <a:r>
               <a:rPr lang="en-US" altLang="ja-JP" sz="1600" dirty="0"/>
-              <a:t>://</a:t>
+              <a:t>http://</a:t>
             </a:r>
             <a:r>
               <a:rPr lang="en-US" altLang="ja-JP" sz="1600" dirty="0" err="1"/>
@@ -4672,29 +4598,8 @@
                 <a:ea typeface="Courier" charset="0"/>
                 <a:cs typeface="Courier" charset="0"/>
               </a:rPr>
-              <a:t>&gt; </a:t>
-            </a:r>
-            <a:r>
-              <a:rPr lang="en-US" altLang="ja-JP" sz="1200" dirty="0" smtClean="0">
-                <a:latin typeface="Courier" charset="0"/>
-                <a:ea typeface="Courier" charset="0"/>
-                <a:cs typeface="Courier" charset="0"/>
-              </a:rPr>
-              <a:t>apt-get </a:t>
-            </a:r>
-            <a:r>
-              <a:rPr lang="en-US" altLang="ja-JP" sz="1200" dirty="0">
-                <a:latin typeface="Courier" charset="0"/>
-                <a:ea typeface="Courier" charset="0"/>
-                <a:cs typeface="Courier" charset="0"/>
-              </a:rPr>
-              <a:t>install openjdk-8-jre</a:t>
-            </a:r>
-            <a:endParaRPr lang="en-US" altLang="ja-JP" sz="1200" dirty="0" smtClean="0">
-              <a:latin typeface="Courier" charset="0"/>
-              <a:ea typeface="Courier" charset="0"/>
-              <a:cs typeface="Courier" charset="0"/>
-            </a:endParaRPr>
+              <a:t>&gt; apt-get install openjdk-8-jre</a:t>
+            </a:r>
           </a:p>
         </p:txBody>
       </p:sp>
@@ -4721,7 +4626,7 @@
           <a:lstStyle/>
           <a:p>
             <a:r>
-              <a:rPr kumimoji="1" lang="en-US" altLang="ja-JP" dirty="0" smtClean="0"/>
+              <a:rPr kumimoji="1" lang="en-US" altLang="ja-JP" dirty="0"/>
               <a:t>To install JDK8, type in the terminal, </a:t>
             </a:r>
             <a:endParaRPr kumimoji="1" lang="ja-JP" altLang="en-US" dirty="0"/>
@@ -4751,15 +4656,15 @@
           <a:lstStyle/>
           <a:p>
             <a:r>
-              <a:rPr kumimoji="1" lang="en-US" altLang="ja-JP" dirty="0" smtClean="0"/>
+              <a:rPr kumimoji="1" lang="en-US" altLang="ja-JP" dirty="0"/>
               <a:t>(</a:t>
             </a:r>
             <a:r>
-              <a:rPr kumimoji="1" lang="en-US" altLang="ja-JP" dirty="0" err="1" smtClean="0"/>
+              <a:rPr kumimoji="1" lang="en-US" altLang="ja-JP" dirty="0" err="1"/>
               <a:t>Debian</a:t>
             </a:r>
             <a:r>
-              <a:rPr lang="en-US" altLang="ja-JP" dirty="0" smtClean="0"/>
+              <a:rPr lang="en-US" altLang="ja-JP" dirty="0"/>
               <a:t>, Ubuntu)</a:t>
             </a:r>
             <a:endParaRPr kumimoji="1" lang="ja-JP" altLang="en-US" dirty="0"/>
@@ -4801,11 +4706,6 @@
               </a:rPr>
               <a:t>&gt; yum install java-1.8.0-openjdk</a:t>
             </a:r>
-            <a:endParaRPr lang="en-US" altLang="ja-JP" sz="1200" dirty="0" smtClean="0">
-              <a:latin typeface="Courier" charset="0"/>
-              <a:ea typeface="Courier" charset="0"/>
-              <a:cs typeface="Courier" charset="0"/>
-            </a:endParaRPr>
           </a:p>
         </p:txBody>
       </p:sp>
@@ -4832,11 +4732,11 @@
           <a:lstStyle/>
           <a:p>
             <a:r>
-              <a:rPr kumimoji="1" lang="en-US" altLang="ja-JP" dirty="0" smtClean="0"/>
+              <a:rPr kumimoji="1" lang="en-US" altLang="ja-JP" dirty="0"/>
               <a:t>(Fedora</a:t>
             </a:r>
             <a:r>
-              <a:rPr lang="en-US" altLang="ja-JP" dirty="0" smtClean="0"/>
+              <a:rPr lang="en-US" altLang="ja-JP" dirty="0"/>
               <a:t>)</a:t>
             </a:r>
             <a:endParaRPr kumimoji="1" lang="ja-JP" altLang="en-US" dirty="0"/>
@@ -4866,15 +4766,15 @@
           <a:lstStyle/>
           <a:p>
             <a:r>
-              <a:rPr kumimoji="1" lang="en-US" altLang="ja-JP" dirty="0" smtClean="0"/>
+              <a:rPr kumimoji="1" lang="en-US" altLang="ja-JP" dirty="0"/>
               <a:t>See the </a:t>
             </a:r>
             <a:r>
-              <a:rPr kumimoji="1" lang="en-US" altLang="ja-JP" dirty="0" err="1" smtClean="0"/>
+              <a:rPr kumimoji="1" lang="en-US" altLang="ja-JP" dirty="0" err="1"/>
               <a:t>OpenJDK</a:t>
             </a:r>
             <a:r>
-              <a:rPr kumimoji="1" lang="en-US" altLang="ja-JP" dirty="0" smtClean="0"/>
+              <a:rPr kumimoji="1" lang="en-US" altLang="ja-JP" dirty="0"/>
               <a:t> website for further details.</a:t>
             </a:r>
             <a:endParaRPr kumimoji="1" lang="ja-JP" altLang="en-US" dirty="0"/>
@@ -4904,28 +4804,8 @@
           <a:lstStyle/>
           <a:p>
             <a:r>
-              <a:rPr lang="en-US" altLang="ja-JP" dirty="0" smtClean="0"/>
-              <a:t>If </a:t>
-            </a:r>
-            <a:r>
               <a:rPr lang="en-US" altLang="ja-JP" dirty="0"/>
-              <a:t>your Java is a newer </a:t>
-            </a:r>
-            <a:r>
-              <a:rPr lang="en-US" altLang="ja-JP" dirty="0" smtClean="0"/>
-              <a:t>one, 1.9.xxx (=JDK9) </a:t>
-            </a:r>
-            <a:r>
-              <a:rPr lang="en-US" altLang="ja-JP" dirty="0"/>
-              <a:t>and </a:t>
-            </a:r>
-            <a:r>
-              <a:rPr lang="en-US" altLang="ja-JP" dirty="0" smtClean="0"/>
-              <a:t>later, </a:t>
-            </a:r>
-            <a:r>
-              <a:rPr lang="en-US" altLang="ja-JP" dirty="0"/>
-              <a:t>it is unfortunately </a:t>
+              <a:t>If your Java is a newer one, 1.9.xxx (=JDK9) and later, it is unfortunately </a:t>
             </a:r>
             <a:r>
               <a:rPr lang="en-US" altLang="ja-JP" dirty="0">
@@ -4945,13 +4825,8 @@
             </a:r>
             <a:r>
               <a:rPr lang="en-US" altLang="ja-JP" dirty="0"/>
-              <a:t> use for visualization. </a:t>
-            </a:r>
-            <a:r>
-              <a:rPr lang="en-US" altLang="ja-JP" dirty="0" smtClean="0"/>
-              <a:t>You may either uninstall or switch to JDK8 keeping the current ones. Ask google for details. </a:t>
-            </a:r>
-            <a:endParaRPr lang="en-US" altLang="ja-JP" dirty="0"/>
+              <a:t> use for visualization. You may either uninstall or switch to JDK8 keeping the current ones. Ask google for details. </a:t>
+            </a:r>
           </a:p>
         </p:txBody>
       </p:sp>
@@ -5241,10 +5116,9 @@
             <a:lstStyle/>
             <a:p>
               <a:r>
-                <a:rPr lang="en-US" dirty="0" smtClean="0"/>
+                <a:rPr lang="en-US" dirty="0"/>
                 <a:t>Not this! </a:t>
               </a:r>
-              <a:endParaRPr lang="en-US" dirty="0"/>
             </a:p>
           </p:txBody>
         </p:sp>
@@ -5271,10 +5145,9 @@
             <a:lstStyle/>
             <a:p>
               <a:r>
-                <a:rPr lang="en-US" smtClean="0"/>
+                <a:rPr lang="en-US"/>
                 <a:t>Java SE 8u</a:t>
               </a:r>
-              <a:endParaRPr lang="en-US"/>
             </a:p>
           </p:txBody>
         </p:sp>
@@ -5362,23 +5235,15 @@
           <a:p>
             <a:r>
               <a:rPr lang="en-US" altLang="ja-JP" dirty="0"/>
-              <a:t>Search “Java SE download” in </a:t>
-            </a:r>
-            <a:r>
-              <a:rPr lang="en-US" altLang="ja-JP" dirty="0" smtClean="0"/>
-              <a:t>Google and </a:t>
-            </a:r>
-            <a:r>
-              <a:rPr lang="en-US" altLang="ja-JP" dirty="0" err="1" smtClean="0"/>
+              <a:t>Search “Java SE download” in Google and </a:t>
+            </a:r>
+            <a:r>
+              <a:rPr lang="en-US" altLang="ja-JP" dirty="0" err="1"/>
               <a:t>goto</a:t>
             </a:r>
             <a:r>
               <a:rPr lang="en-US" altLang="ja-JP" dirty="0"/>
-              <a:t> </a:t>
-            </a:r>
-            <a:r>
-              <a:rPr lang="en-US" altLang="ja-JP" dirty="0" smtClean="0"/>
-              <a:t>the following website. </a:t>
+              <a:t> the following website. </a:t>
             </a:r>
           </a:p>
         </p:txBody>
@@ -5406,18 +5271,17 @@
           <a:lstStyle/>
           <a:p>
             <a:r>
-              <a:rPr lang="en-US" dirty="0" smtClean="0"/>
+              <a:rPr lang="en-US" dirty="0"/>
               <a:t>Alternately, you may use Oracle Java 1.8.x. </a:t>
             </a:r>
             <a:r>
-              <a:rPr lang="en-US" smtClean="0"/>
+              <a:rPr lang="en-US"/>
               <a:t>It </a:t>
             </a:r>
             <a:r>
-              <a:rPr lang="en-US" dirty="0" smtClean="0"/>
+              <a:rPr lang="en-US" dirty="0"/>
               <a:t>is available from here. </a:t>
             </a:r>
-            <a:endParaRPr lang="en-US" dirty="0"/>
           </a:p>
         </p:txBody>
       </p:sp>
@@ -5658,10 +5522,9 @@
           <a:lstStyle/>
           <a:p>
             <a:r>
-              <a:rPr lang="en-US" dirty="0" smtClean="0"/>
+              <a:rPr lang="en-US" dirty="0"/>
               <a:t>accept</a:t>
             </a:r>
-            <a:endParaRPr lang="en-US" dirty="0"/>
           </a:p>
         </p:txBody>
       </p:sp>
@@ -5692,31 +5555,31 @@
               <a:t>http://</a:t>
             </a:r>
             <a:r>
-              <a:rPr lang="en-US" altLang="ja-JP" sz="1600" dirty="0" err="1" smtClean="0"/>
+              <a:rPr lang="en-US" altLang="ja-JP" sz="1600" dirty="0" err="1"/>
               <a:t>www.oracle.com</a:t>
             </a:r>
             <a:r>
-              <a:rPr lang="en-US" altLang="ja-JP" sz="1600" dirty="0" smtClean="0"/>
+              <a:rPr lang="en-US" altLang="ja-JP" sz="1600" dirty="0"/>
               <a:t>/</a:t>
             </a:r>
             <a:r>
-              <a:rPr lang="en-US" altLang="ja-JP" sz="1600" dirty="0" err="1" smtClean="0"/>
+              <a:rPr lang="en-US" altLang="ja-JP" sz="1600" dirty="0" err="1"/>
               <a:t>technetwork</a:t>
             </a:r>
             <a:r>
-              <a:rPr lang="en-US" altLang="ja-JP" sz="1600" dirty="0" smtClean="0"/>
+              <a:rPr lang="en-US" altLang="ja-JP" sz="1600" dirty="0"/>
               <a:t>/java/</a:t>
             </a:r>
             <a:r>
-              <a:rPr lang="en-US" altLang="ja-JP" sz="1600" dirty="0" err="1" smtClean="0"/>
+              <a:rPr lang="en-US" altLang="ja-JP" sz="1600" dirty="0" err="1"/>
               <a:t>javase</a:t>
             </a:r>
             <a:r>
-              <a:rPr lang="en-US" altLang="ja-JP" sz="1600" dirty="0" smtClean="0"/>
+              <a:rPr lang="en-US" altLang="ja-JP" sz="1600" dirty="0"/>
               <a:t>/downloads/</a:t>
             </a:r>
             <a:r>
-              <a:rPr lang="en-US" altLang="ja-JP" sz="1600" dirty="0" err="1" smtClean="0"/>
+              <a:rPr lang="en-US" altLang="ja-JP" sz="1600" dirty="0" err="1"/>
               <a:t>index.html</a:t>
             </a:r>
             <a:endParaRPr lang="en-US" altLang="ja-JP" sz="1600" dirty="0"/>
@@ -5782,7 +5645,7 @@
           <a:lstStyle/>
           <a:p>
             <a:r>
-              <a:rPr kumimoji="1" lang="en-US" altLang="ja-JP" dirty="0" smtClean="0"/>
+              <a:rPr kumimoji="1" lang="en-US" altLang="ja-JP" dirty="0"/>
               <a:t>i586 and x64 is 32- and 64-bit, respectively. I think you will normally choose 64-bit. </a:t>
             </a:r>
             <a:endParaRPr kumimoji="1" lang="ja-JP" altLang="en-US" dirty="0"/>
@@ -5866,15 +5729,7 @@
           <a:p>
             <a:r>
               <a:rPr lang="en-US" altLang="ja-JP" dirty="0"/>
-              <a:t>2. </a:t>
-            </a:r>
-            <a:r>
-              <a:rPr lang="en-US" altLang="ja-JP" dirty="0" smtClean="0"/>
-              <a:t>Download </a:t>
-            </a:r>
-            <a:r>
-              <a:rPr lang="en-US" altLang="ja-JP" dirty="0"/>
-              <a:t>Java3D</a:t>
+              <a:t>2. Download Java3D</a:t>
             </a:r>
             <a:endParaRPr kumimoji="1" lang="ja-JP" altLang="en-US" dirty="0"/>
           </a:p>
@@ -5973,31 +5828,31 @@
           <a:lstStyle/>
           <a:p>
             <a:r>
-              <a:rPr lang="en-US" altLang="ja-JP" dirty="0" err="1" smtClean="0"/>
+              <a:rPr lang="en-US" altLang="ja-JP" dirty="0" err="1"/>
               <a:t>JSindo</a:t>
             </a:r>
             <a:r>
-              <a:rPr lang="en-US" altLang="ja-JP" dirty="0" smtClean="0"/>
+              <a:rPr lang="en-US" altLang="ja-JP" dirty="0"/>
               <a:t> uses Java3D for visualization. A stable version, 1.6.0, is available from </a:t>
             </a:r>
             <a:r>
-              <a:rPr lang="en-US" altLang="ja-JP" dirty="0" err="1" smtClean="0"/>
+              <a:rPr lang="en-US" altLang="ja-JP" dirty="0" err="1"/>
               <a:t>JogAmp</a:t>
             </a:r>
             <a:r>
-              <a:rPr lang="en-US" altLang="ja-JP" dirty="0" smtClean="0"/>
+              <a:rPr lang="en-US" altLang="ja-JP" dirty="0"/>
               <a:t>. </a:t>
             </a:r>
             <a:r>
-              <a:rPr lang="en-US" altLang="ja-JP" dirty="0" err="1" smtClean="0"/>
+              <a:rPr lang="en-US" altLang="ja-JP" dirty="0" err="1"/>
               <a:t>Goto</a:t>
             </a:r>
             <a:r>
-              <a:rPr lang="en-US" altLang="ja-JP" dirty="0" smtClean="0"/>
+              <a:rPr lang="en-US" altLang="ja-JP" dirty="0"/>
               <a:t> http://</a:t>
             </a:r>
             <a:r>
-              <a:rPr lang="en-US" altLang="ja-JP" dirty="0" err="1" smtClean="0"/>
+              <a:rPr lang="en-US" altLang="ja-JP" dirty="0" err="1"/>
               <a:t>jogamp.org</a:t>
             </a:r>
             <a:endParaRPr kumimoji="1" lang="ja-JP" altLang="en-US" dirty="0"/>
@@ -6140,7 +5995,7 @@
           <a:lstStyle/>
           <a:p>
             <a:r>
-              <a:rPr kumimoji="1" lang="en-US" altLang="ja-JP" smtClean="0"/>
+              <a:rPr kumimoji="1" lang="en-US" altLang="ja-JP"/>
               <a:t>click here</a:t>
             </a:r>
             <a:endParaRPr kumimoji="1" lang="ja-JP" altLang="en-US" dirty="0"/>
@@ -6206,19 +6061,156 @@
           <a:lstStyle/>
           <a:p>
             <a:r>
-              <a:rPr kumimoji="1" lang="en-US" altLang="ja-JP" dirty="0" smtClean="0"/>
+              <a:rPr kumimoji="1" lang="en-US" altLang="ja-JP" dirty="0"/>
               <a:t>click here and download</a:t>
             </a:r>
           </a:p>
           <a:p>
             <a:r>
-              <a:rPr lang="en-US" altLang="ja-JP" dirty="0" smtClean="0"/>
+              <a:rPr lang="en-US" altLang="ja-JP" dirty="0"/>
               <a:t>jogamp-all-platforms.7z</a:t>
             </a:r>
             <a:endParaRPr kumimoji="1" lang="ja-JP" altLang="en-US" dirty="0"/>
           </a:p>
         </p:txBody>
       </p:sp>
+      <p:sp>
+        <p:nvSpPr>
+          <p:cNvPr id="14" name="テキスト ボックス 13">
+            <a:extLst>
+              <a:ext uri="{FF2B5EF4-FFF2-40B4-BE49-F238E27FC236}">
+                <a16:creationId xmlns:a16="http://schemas.microsoft.com/office/drawing/2014/main" id="{96C109A1-90F1-334B-B36C-4B7157E2B3F7}"/>
+              </a:ext>
+            </a:extLst>
+          </p:cNvPr>
+          <p:cNvSpPr txBox="1"/>
+          <p:nvPr/>
+        </p:nvSpPr>
+        <p:spPr>
+          <a:xfrm>
+            <a:off x="1816227" y="5910029"/>
+            <a:ext cx="4698402" cy="369332"/>
+          </a:xfrm>
+          <a:prstGeom prst="rect">
+            <a:avLst/>
+          </a:prstGeom>
+          <a:noFill/>
+        </p:spPr>
+        <p:txBody>
+          <a:bodyPr wrap="none" rtlCol="0">
+            <a:spAutoFit/>
+          </a:bodyPr>
+          <a:lstStyle/>
+          <a:p>
+            <a:r>
+              <a:rPr kumimoji="1" lang="en-US" altLang="ja-JP" dirty="0"/>
+              <a:t>Go back to the main page, then go to </a:t>
+            </a:r>
+            <a:r>
+              <a:rPr lang="en-US" altLang="ja-JP" dirty="0"/>
+              <a:t>Wiki page,</a:t>
+            </a:r>
+            <a:endParaRPr kumimoji="1" lang="ja-JP" altLang="en-US" dirty="0"/>
+          </a:p>
+        </p:txBody>
+      </p:sp>
+      <p:sp>
+        <p:nvSpPr>
+          <p:cNvPr id="18" name="正方形/長方形 17">
+            <a:extLst>
+              <a:ext uri="{FF2B5EF4-FFF2-40B4-BE49-F238E27FC236}">
+                <a16:creationId xmlns:a16="http://schemas.microsoft.com/office/drawing/2014/main" id="{71962A50-011D-B349-9093-B256A0FF4046}"/>
+              </a:ext>
+            </a:extLst>
+          </p:cNvPr>
+          <p:cNvSpPr/>
+          <p:nvPr/>
+        </p:nvSpPr>
+        <p:spPr>
+          <a:xfrm>
+            <a:off x="2407507" y="2027753"/>
+            <a:ext cx="283141" cy="210950"/>
+          </a:xfrm>
+          <a:prstGeom prst="rect">
+            <a:avLst/>
+          </a:prstGeom>
+          <a:noFill/>
+          <a:ln w="28575">
+            <a:solidFill>
+              <a:srgbClr val="00B050"/>
+            </a:solidFill>
+            <a:prstDash val="sysDash"/>
+          </a:ln>
+        </p:spPr>
+        <p:style>
+          <a:lnRef idx="2">
+            <a:schemeClr val="accent1">
+              <a:shade val="50000"/>
+            </a:schemeClr>
+          </a:lnRef>
+          <a:fillRef idx="1">
+            <a:schemeClr val="accent1"/>
+          </a:fillRef>
+          <a:effectRef idx="0">
+            <a:schemeClr val="accent1"/>
+          </a:effectRef>
+          <a:fontRef idx="minor">
+            <a:schemeClr val="lt1"/>
+          </a:fontRef>
+        </p:style>
+        <p:txBody>
+          <a:bodyPr rtlCol="0" anchor="ctr"/>
+          <a:lstStyle/>
+          <a:p>
+            <a:pPr algn="ctr"/>
+            <a:endParaRPr kumimoji="1" lang="ja-JP" altLang="en-US"/>
+          </a:p>
+        </p:txBody>
+      </p:sp>
+      <p:cxnSp>
+        <p:nvCxnSpPr>
+          <p:cNvPr id="20" name="直線矢印コネクタ 19">
+            <a:extLst>
+              <a:ext uri="{FF2B5EF4-FFF2-40B4-BE49-F238E27FC236}">
+                <a16:creationId xmlns:a16="http://schemas.microsoft.com/office/drawing/2014/main" id="{D13518B5-3788-BD46-8670-0034D573C0EF}"/>
+              </a:ext>
+            </a:extLst>
+          </p:cNvPr>
+          <p:cNvCxnSpPr>
+            <a:cxnSpLocks/>
+          </p:cNvCxnSpPr>
+          <p:nvPr/>
+        </p:nvCxnSpPr>
+        <p:spPr>
+          <a:xfrm flipV="1">
+            <a:off x="2483768" y="2280746"/>
+            <a:ext cx="0" cy="3436882"/>
+          </a:xfrm>
+          <a:prstGeom prst="straightConnector1">
+            <a:avLst/>
+          </a:prstGeom>
+          <a:ln w="28575">
+            <a:solidFill>
+              <a:srgbClr val="00B050"/>
+            </a:solidFill>
+            <a:tailEnd type="triangle"/>
+          </a:ln>
+        </p:spPr>
+        <p:style>
+          <a:lnRef idx="1">
+            <a:schemeClr val="accent1"/>
+          </a:lnRef>
+          <a:fillRef idx="0">
+            <a:schemeClr val="accent1"/>
+          </a:fillRef>
+          <a:effectRef idx="0">
+            <a:schemeClr val="accent1"/>
+          </a:effectRef>
+          <a:fontRef idx="minor">
+            <a:schemeClr val="tx1"/>
+          </a:fontRef>
+        </p:style>
+      </p:cxnSp>
     </p:spTree>
     <p:extLst>
       <p:ext uri="{BB962C8B-B14F-4D97-AF65-F5344CB8AC3E}">
@@ -6271,7 +6263,7 @@
         </p:blipFill>
         <p:spPr>
           <a:xfrm>
-            <a:off x="4832385" y="987937"/>
+            <a:off x="4832385" y="1104052"/>
             <a:ext cx="3851026" cy="1747715"/>
           </a:xfrm>
           <a:prstGeom prst="rect">
@@ -6301,7 +6293,7 @@
         </p:blipFill>
         <p:spPr>
           <a:xfrm>
-            <a:off x="1099473" y="2141320"/>
+            <a:off x="1099473" y="2257435"/>
             <a:ext cx="3511779" cy="1347401"/>
           </a:xfrm>
           <a:prstGeom prst="rect">
@@ -6330,7 +6322,7 @@
         </p:blipFill>
         <p:spPr>
           <a:xfrm>
-            <a:off x="1110044" y="807086"/>
+            <a:off x="1110044" y="923201"/>
             <a:ext cx="3509493" cy="770774"/>
           </a:xfrm>
           <a:prstGeom prst="rect">
@@ -6346,7 +6338,7 @@
         </p:nvSpPr>
         <p:spPr>
           <a:xfrm>
-            <a:off x="1186355" y="2813476"/>
+            <a:off x="1186355" y="2929591"/>
             <a:ext cx="1251908" cy="194563"/>
           </a:xfrm>
           <a:prstGeom prst="rect">
@@ -6393,7 +6385,7 @@
         </p:nvSpPr>
         <p:spPr>
           <a:xfrm>
-            <a:off x="2100822" y="2998213"/>
+            <a:off x="2100822" y="3114328"/>
             <a:ext cx="1072922" cy="369332"/>
           </a:xfrm>
           <a:prstGeom prst="rect">
@@ -6408,7 +6400,7 @@
           <a:lstStyle/>
           <a:p>
             <a:r>
-              <a:rPr kumimoji="1" lang="en-US" altLang="ja-JP" dirty="0" smtClean="0"/>
+              <a:rPr kumimoji="1" lang="en-US" altLang="ja-JP" dirty="0"/>
               <a:t>click here</a:t>
             </a:r>
             <a:endParaRPr kumimoji="1" lang="ja-JP" altLang="en-US" dirty="0"/>
@@ -6423,7 +6415,7 @@
         </p:nvCxnSpPr>
         <p:spPr>
           <a:xfrm flipH="1" flipV="1">
-            <a:off x="5340380" y="2441600"/>
+            <a:off x="5340380" y="2557715"/>
             <a:ext cx="1117" cy="432078"/>
           </a:xfrm>
           <a:prstGeom prst="straightConnector1">
@@ -6459,7 +6451,7 @@
         </p:nvSpPr>
         <p:spPr>
           <a:xfrm>
-            <a:off x="5123526" y="2255077"/>
+            <a:off x="5123526" y="2371192"/>
             <a:ext cx="1251908" cy="194563"/>
           </a:xfrm>
           <a:prstGeom prst="rect">
@@ -6506,7 +6498,7 @@
         </p:nvSpPr>
         <p:spPr>
           <a:xfrm>
-            <a:off x="5070437" y="2813613"/>
+            <a:off x="5070437" y="2929728"/>
             <a:ext cx="2470035" cy="646331"/>
           </a:xfrm>
           <a:prstGeom prst="rect">
@@ -6521,21 +6513,21 @@
           <a:lstStyle/>
           <a:p>
             <a:r>
-              <a:rPr kumimoji="1" lang="en-US" altLang="ja-JP" dirty="0" smtClean="0"/>
+              <a:rPr kumimoji="1" lang="en-US" altLang="ja-JP" dirty="0"/>
               <a:t>click </a:t>
             </a:r>
             <a:r>
-              <a:rPr kumimoji="1" lang="en-US" altLang="ja-JP" smtClean="0"/>
+              <a:rPr kumimoji="1" lang="en-US" altLang="ja-JP"/>
               <a:t>here and </a:t>
             </a:r>
             <a:r>
-              <a:rPr kumimoji="1" lang="en-US" altLang="ja-JP" dirty="0" smtClean="0"/>
+              <a:rPr kumimoji="1" lang="en-US" altLang="ja-JP" dirty="0"/>
               <a:t>download</a:t>
             </a:r>
           </a:p>
           <a:p>
             <a:r>
-              <a:rPr lang="en-US" altLang="ja-JP" dirty="0" smtClean="0"/>
+              <a:rPr lang="en-US" altLang="ja-JP" dirty="0"/>
               <a:t>jogamp-java3d.7z</a:t>
             </a:r>
             <a:endParaRPr kumimoji="1" lang="ja-JP" altLang="en-US" dirty="0"/>
@@ -6550,7 +6542,7 @@
         </p:nvCxnSpPr>
         <p:spPr>
           <a:xfrm flipV="1">
-            <a:off x="2553646" y="1867720"/>
+            <a:off x="2553646" y="1983835"/>
             <a:ext cx="2132654" cy="1022275"/>
           </a:xfrm>
           <a:prstGeom prst="straightConnector1">
@@ -6586,7 +6578,7 @@
         </p:nvSpPr>
         <p:spPr>
           <a:xfrm rot="5400000">
-            <a:off x="1568397" y="1577860"/>
+            <a:off x="1568397" y="1693975"/>
             <a:ext cx="343364" cy="369332"/>
           </a:xfrm>
           <a:prstGeom prst="rect">
@@ -6601,7 +6593,7 @@
           <a:lstStyle/>
           <a:p>
             <a:r>
-              <a:rPr kumimoji="1" lang="en-US" altLang="ja-JP" smtClean="0"/>
+              <a:rPr kumimoji="1" lang="en-US" altLang="ja-JP"/>
               <a:t>…</a:t>
             </a:r>
             <a:endParaRPr kumimoji="1" lang="ja-JP" altLang="en-US" dirty="0"/>
@@ -6610,14 +6602,14 @@
       </p:sp>
       <p:sp>
         <p:nvSpPr>
-          <p:cNvPr id="45" name="テキスト ボックス 44"/>
+          <p:cNvPr id="53" name="テキスト ボックス 52"/>
           <p:cNvSpPr txBox="1"/>
           <p:nvPr/>
         </p:nvSpPr>
         <p:spPr>
           <a:xfrm>
-            <a:off x="529293" y="261552"/>
-            <a:ext cx="4134145" cy="369332"/>
+            <a:off x="570176" y="4149882"/>
+            <a:ext cx="8413186" cy="369332"/>
           </a:xfrm>
           <a:prstGeom prst="rect">
             <a:avLst/>
@@ -6625,52 +6617,18 @@
           <a:noFill/>
         </p:spPr>
         <p:txBody>
-          <a:bodyPr wrap="none" rtlCol="0">
-            <a:spAutoFit/>
-          </a:bodyPr>
-          <a:lstStyle/>
-          <a:p>
-            <a:r>
-              <a:rPr kumimoji="1" lang="en-US" altLang="ja-JP" dirty="0" smtClean="0"/>
-              <a:t>Go back to the Main page and scroll down</a:t>
-            </a:r>
-            <a:endParaRPr kumimoji="1" lang="ja-JP" altLang="en-US" dirty="0"/>
-          </a:p>
-        </p:txBody>
-      </p:sp>
-      <p:sp>
-        <p:nvSpPr>
-          <p:cNvPr id="53" name="テキスト ボックス 52"/>
-          <p:cNvSpPr txBox="1"/>
-          <p:nvPr/>
-        </p:nvSpPr>
-        <p:spPr>
-          <a:xfrm>
-            <a:off x="570176" y="4149882"/>
-            <a:ext cx="8413186" cy="369332"/>
-          </a:xfrm>
-          <a:prstGeom prst="rect">
-            <a:avLst/>
-          </a:prstGeom>
-          <a:noFill/>
-        </p:spPr>
-        <p:txBody>
           <a:bodyPr wrap="square" rtlCol="0">
             <a:spAutoFit/>
           </a:bodyPr>
           <a:lstStyle/>
           <a:p>
             <a:r>
-              <a:rPr kumimoji="1" lang="en-US" altLang="ja-JP" dirty="0" smtClean="0"/>
+              <a:rPr kumimoji="1" lang="en-US" altLang="ja-JP" dirty="0"/>
               <a:t>Unarchive the two files you’ve just downloaded. </a:t>
             </a:r>
             <a:r>
               <a:rPr lang="en-US" altLang="ja-JP" dirty="0"/>
-              <a:t>7z files can be unarchived by</a:t>
-            </a:r>
-            <a:r>
-              <a:rPr lang="en-US" altLang="ja-JP" dirty="0" smtClean="0"/>
-              <a:t>, </a:t>
+              <a:t>7z files can be unarchived by, </a:t>
             </a:r>
             <a:endParaRPr kumimoji="1" lang="ja-JP" altLang="en-US" dirty="0"/>
           </a:p>
@@ -6684,7 +6642,7 @@
         </p:nvCxnSpPr>
         <p:spPr>
           <a:xfrm flipH="1">
-            <a:off x="1899788" y="1596731"/>
+            <a:off x="1899788" y="1712846"/>
             <a:ext cx="2" cy="379141"/>
           </a:xfrm>
           <a:prstGeom prst="straightConnector1">
@@ -6720,7 +6678,7 @@
         </p:nvSpPr>
         <p:spPr>
           <a:xfrm>
-            <a:off x="1926479" y="1593659"/>
+            <a:off x="1926479" y="1709774"/>
             <a:ext cx="1275093" cy="369332"/>
           </a:xfrm>
           <a:prstGeom prst="rect">
@@ -6735,11 +6693,11 @@
           <a:lstStyle/>
           <a:p>
             <a:r>
-              <a:rPr kumimoji="1" lang="en-US" altLang="ja-JP" smtClean="0"/>
+              <a:rPr kumimoji="1" lang="en-US" altLang="ja-JP"/>
               <a:t>Scroll </a:t>
             </a:r>
             <a:r>
-              <a:rPr kumimoji="1" lang="en-US" altLang="ja-JP" dirty="0" smtClean="0"/>
+              <a:rPr kumimoji="1" lang="en-US" altLang="ja-JP" dirty="0"/>
               <a:t>down</a:t>
             </a:r>
             <a:endParaRPr kumimoji="1" lang="ja-JP" altLang="en-US" dirty="0"/>
@@ -6792,11 +6750,11 @@
           <a:lstStyle/>
           <a:p>
             <a:r>
-              <a:rPr kumimoji="1" lang="en-US" altLang="ja-JP" smtClean="0"/>
+              <a:rPr kumimoji="1" lang="en-US" altLang="ja-JP"/>
               <a:t>If </a:t>
             </a:r>
             <a:r>
-              <a:rPr kumimoji="1" lang="en-US" altLang="ja-JP" dirty="0" smtClean="0"/>
+              <a:rPr kumimoji="1" lang="en-US" altLang="ja-JP" dirty="0"/>
               <a:t>you don’t have the command, install p7zip package,</a:t>
             </a:r>
           </a:p>
@@ -6830,7 +6788,7 @@
           <a:lstStyle/>
           <a:p>
             <a:r>
-              <a:rPr lang="en-US" altLang="ja-JP" sz="1200" dirty="0" smtClean="0">
+              <a:rPr lang="en-US" altLang="ja-JP" sz="1200" dirty="0">
                 <a:latin typeface="Courier" charset="0"/>
                 <a:ea typeface="Courier" charset="0"/>
                 <a:cs typeface="Courier" charset="0"/>
@@ -6838,14 +6796,14 @@
               <a:t>&gt; </a:t>
             </a:r>
             <a:r>
-              <a:rPr lang="en-US" altLang="ja-JP" sz="1200" smtClean="0">
+              <a:rPr lang="en-US" altLang="ja-JP" sz="1200">
                 <a:latin typeface="Courier" charset="0"/>
                 <a:ea typeface="Courier" charset="0"/>
                 <a:cs typeface="Courier" charset="0"/>
               </a:rPr>
               <a:t>yum install p7zip</a:t>
             </a:r>
-            <a:endParaRPr lang="en-US" altLang="ja-JP" sz="1200" dirty="0" smtClean="0">
+            <a:endParaRPr lang="en-US" altLang="ja-JP" sz="1200" dirty="0">
               <a:latin typeface="Courier" charset="0"/>
               <a:ea typeface="Courier" charset="0"/>
               <a:cs typeface="Courier" charset="0"/>
@@ -6881,7 +6839,7 @@
           <a:lstStyle/>
           <a:p>
             <a:r>
-              <a:rPr lang="en-US" altLang="ja-JP" sz="1200" dirty="0" smtClean="0">
+              <a:rPr lang="en-US" altLang="ja-JP" sz="1200" dirty="0">
                 <a:latin typeface="Courier" charset="0"/>
                 <a:ea typeface="Courier" charset="0"/>
                 <a:cs typeface="Courier" charset="0"/>
@@ -6914,7 +6872,7 @@
           <a:lstStyle/>
           <a:p>
             <a:r>
-              <a:rPr kumimoji="1" lang="en-US" altLang="ja-JP" dirty="0" smtClean="0"/>
+              <a:rPr kumimoji="1" lang="en-US" altLang="ja-JP" dirty="0"/>
               <a:t>(Fedora)</a:t>
             </a:r>
             <a:endParaRPr kumimoji="1" lang="ja-JP" altLang="en-US" dirty="0"/>
@@ -6944,15 +6902,15 @@
           <a:lstStyle/>
           <a:p>
             <a:r>
-              <a:rPr lang="en-US" altLang="ja-JP" dirty="0" smtClean="0"/>
+              <a:rPr lang="en-US" altLang="ja-JP" dirty="0"/>
               <a:t>(</a:t>
             </a:r>
             <a:r>
-              <a:rPr kumimoji="1" lang="en-US" altLang="ja-JP" dirty="0" err="1" smtClean="0"/>
+              <a:rPr kumimoji="1" lang="en-US" altLang="ja-JP" dirty="0" err="1"/>
               <a:t>Debian</a:t>
             </a:r>
             <a:r>
-              <a:rPr kumimoji="1" lang="en-US" altLang="ja-JP" dirty="0" smtClean="0"/>
+              <a:rPr kumimoji="1" lang="en-US" altLang="ja-JP" dirty="0"/>
               <a:t> and Ubuntu)</a:t>
             </a:r>
             <a:endParaRPr kumimoji="1" lang="ja-JP" altLang="en-US" dirty="0"/>
@@ -6987,7 +6945,7 @@
           <a:lstStyle/>
           <a:p>
             <a:r>
-              <a:rPr lang="en-US" altLang="ja-JP" sz="1200" dirty="0" smtClean="0">
+              <a:rPr lang="en-US" altLang="ja-JP" sz="1200" dirty="0">
                 <a:latin typeface="Courier" charset="0"/>
                 <a:ea typeface="Courier" charset="0"/>
                 <a:cs typeface="Courier" charset="0"/>
@@ -6997,7 +6955,7 @@
           </a:p>
           <a:p>
             <a:r>
-              <a:rPr lang="en-US" altLang="ja-JP" sz="1200" dirty="0" smtClean="0">
+              <a:rPr lang="en-US" altLang="ja-JP" sz="1200" dirty="0">
                 <a:latin typeface="Courier" charset="0"/>
                 <a:ea typeface="Courier" charset="0"/>
                 <a:cs typeface="Courier" charset="0"/>
@@ -7005,7 +6963,7 @@
               <a:t>&gt; </a:t>
             </a:r>
             <a:r>
-              <a:rPr lang="en-US" altLang="ja-JP" sz="1200" smtClean="0">
+              <a:rPr lang="en-US" altLang="ja-JP" sz="1200">
                 <a:latin typeface="Courier" charset="0"/>
                 <a:ea typeface="Courier" charset="0"/>
                 <a:cs typeface="Courier" charset="0"/>
@@ -7013,13 +6971,53 @@
               <a:t>7za x </a:t>
             </a:r>
             <a:r>
-              <a:rPr lang="en-US" altLang="ja-JP" sz="1200" dirty="0" smtClean="0">
+              <a:rPr lang="en-US" altLang="ja-JP" sz="1200" dirty="0">
                 <a:latin typeface="Courier" charset="0"/>
                 <a:ea typeface="Courier" charset="0"/>
                 <a:cs typeface="Courier" charset="0"/>
               </a:rPr>
               <a:t>jogamp-java3d.7z </a:t>
             </a:r>
+          </a:p>
+        </p:txBody>
+      </p:sp>
+      <p:sp>
+        <p:nvSpPr>
+          <p:cNvPr id="26" name="テキスト ボックス 25">
+            <a:extLst>
+              <a:ext uri="{FF2B5EF4-FFF2-40B4-BE49-F238E27FC236}">
+                <a16:creationId xmlns:a16="http://schemas.microsoft.com/office/drawing/2014/main" id="{58D8FAAE-78C7-4644-AA2B-FB07DE5D3BAA}"/>
+              </a:ext>
+            </a:extLst>
+          </p:cNvPr>
+          <p:cNvSpPr txBox="1"/>
+          <p:nvPr/>
+        </p:nvSpPr>
+        <p:spPr>
+          <a:xfrm>
+            <a:off x="529293" y="290580"/>
+            <a:ext cx="2670796" cy="369332"/>
+          </a:xfrm>
+          <a:prstGeom prst="rect">
+            <a:avLst/>
+          </a:prstGeom>
+          <a:noFill/>
+        </p:spPr>
+        <p:txBody>
+          <a:bodyPr wrap="none" rtlCol="0">
+            <a:spAutoFit/>
+          </a:bodyPr>
+          <a:lstStyle/>
+          <a:p>
+            <a:r>
+              <a:rPr kumimoji="1" lang="en-US" altLang="ja-JP" dirty="0"/>
+              <a:t>Scroll down the </a:t>
+            </a:r>
+            <a:r>
+              <a:rPr lang="en-US" altLang="ja-JP" dirty="0"/>
+              <a:t>Wiki page,</a:t>
+            </a:r>
+            <a:endParaRPr kumimoji="1" lang="ja-JP" altLang="en-US" dirty="0"/>
           </a:p>
         </p:txBody>
       </p:sp>
@@ -7099,27 +7097,27 @@
           <a:lstStyle/>
           <a:p>
             <a:r>
-              <a:rPr kumimoji="1" lang="en-US" altLang="ja-JP" dirty="0" smtClean="0"/>
+              <a:rPr kumimoji="1" lang="en-US" altLang="ja-JP" dirty="0"/>
               <a:t>You will find jar files </a:t>
             </a:r>
             <a:r>
-              <a:rPr lang="en-US" altLang="ja-JP" dirty="0" smtClean="0"/>
+              <a:rPr lang="en-US" altLang="ja-JP" dirty="0"/>
               <a:t>in </a:t>
             </a:r>
             <a:r>
-              <a:rPr lang="en-US" altLang="ja-JP" dirty="0" err="1" smtClean="0"/>
+              <a:rPr lang="en-US" altLang="ja-JP" dirty="0" err="1"/>
               <a:t>jogamp</a:t>
             </a:r>
             <a:r>
-              <a:rPr lang="en-US" altLang="ja-JP" dirty="0" smtClean="0"/>
+              <a:rPr lang="en-US" altLang="ja-JP" dirty="0"/>
               <a:t>-all-platforms/jar and in jogamp-java3d. The following jar files are needed for </a:t>
             </a:r>
             <a:r>
-              <a:rPr lang="en-US" altLang="ja-JP" dirty="0" err="1" smtClean="0"/>
+              <a:rPr lang="en-US" altLang="ja-JP" dirty="0" err="1"/>
               <a:t>JSindo</a:t>
             </a:r>
             <a:r>
-              <a:rPr lang="en-US" altLang="ja-JP" dirty="0" smtClean="0"/>
+              <a:rPr lang="en-US" altLang="ja-JP" dirty="0"/>
               <a:t>:</a:t>
             </a:r>
             <a:endParaRPr kumimoji="1" lang="ja-JP" altLang="en-US" dirty="0"/>
@@ -7154,7 +7152,7 @@
           <a:lstStyle/>
           <a:p>
             <a:r>
-              <a:rPr lang="en-US" altLang="ja-JP" sz="1200" dirty="0" err="1" smtClean="0">
+              <a:rPr lang="en-US" altLang="ja-JP" sz="1200" dirty="0" err="1">
                 <a:latin typeface="Courier" charset="0"/>
                 <a:ea typeface="Courier" charset="0"/>
                 <a:cs typeface="Courier" charset="0"/>
@@ -7162,7 +7160,7 @@
               <a:t>jogamp</a:t>
             </a:r>
             <a:r>
-              <a:rPr lang="en-US" altLang="ja-JP" sz="1200" dirty="0" smtClean="0">
+              <a:rPr lang="en-US" altLang="ja-JP" sz="1200" dirty="0">
                 <a:latin typeface="Courier" charset="0"/>
                 <a:ea typeface="Courier" charset="0"/>
                 <a:cs typeface="Courier" charset="0"/>
@@ -7173,14 +7171,14 @@
           <a:p>
             <a:pPr lvl="1"/>
             <a:r>
-              <a:rPr lang="en-US" altLang="ja-JP" sz="1200" dirty="0" err="1" smtClean="0">
+              <a:rPr lang="en-US" altLang="ja-JP" sz="1200" dirty="0" err="1">
                 <a:latin typeface="Courier" charset="0"/>
                 <a:ea typeface="Courier" charset="0"/>
                 <a:cs typeface="Courier" charset="0"/>
               </a:rPr>
               <a:t>gluegen-rt.jar</a:t>
             </a:r>
-            <a:endParaRPr lang="en-US" altLang="ja-JP" sz="1200" dirty="0" smtClean="0">
+            <a:endParaRPr lang="en-US" altLang="ja-JP" sz="1200" dirty="0">
               <a:latin typeface="Courier" charset="0"/>
               <a:ea typeface="Courier" charset="0"/>
               <a:cs typeface="Courier" charset="0"/>
@@ -7189,14 +7187,14 @@
           <a:p>
             <a:pPr lvl="1"/>
             <a:r>
-              <a:rPr lang="en-US" altLang="ja-JP" sz="1200" dirty="0" err="1" smtClean="0">
+              <a:rPr lang="en-US" altLang="ja-JP" sz="1200" dirty="0" err="1">
                 <a:latin typeface="Courier" charset="0"/>
                 <a:ea typeface="Courier" charset="0"/>
                 <a:cs typeface="Courier" charset="0"/>
               </a:rPr>
               <a:t>gluegen.jar</a:t>
             </a:r>
-            <a:endParaRPr lang="en-US" altLang="ja-JP" sz="1200" dirty="0" smtClean="0">
+            <a:endParaRPr lang="en-US" altLang="ja-JP" sz="1200" dirty="0">
               <a:latin typeface="Courier" charset="0"/>
               <a:ea typeface="Courier" charset="0"/>
               <a:cs typeface="Courier" charset="0"/>
@@ -7205,7 +7203,7 @@
           <a:p>
             <a:pPr lvl="1"/>
             <a:r>
-              <a:rPr lang="en-US" altLang="ja-JP" sz="1200" dirty="0" err="1" smtClean="0">
+              <a:rPr lang="en-US" altLang="ja-JP" sz="1200" dirty="0" err="1">
                 <a:latin typeface="Courier" charset="0"/>
                 <a:ea typeface="Courier" charset="0"/>
                 <a:cs typeface="Courier" charset="0"/>
@@ -7213,7 +7211,7 @@
               <a:t>gluegen</a:t>
             </a:r>
             <a:r>
-              <a:rPr lang="en-US" altLang="ja-JP" sz="1200" dirty="0" smtClean="0">
+              <a:rPr lang="en-US" altLang="ja-JP" sz="1200" dirty="0">
                 <a:latin typeface="Courier" charset="0"/>
                 <a:ea typeface="Courier" charset="0"/>
                 <a:cs typeface="Courier" charset="0"/>
@@ -7221,7 +7219,7 @@
               <a:t>-</a:t>
             </a:r>
             <a:r>
-              <a:rPr lang="en-US" altLang="ja-JP" sz="1200" dirty="0" err="1" smtClean="0">
+              <a:rPr lang="en-US" altLang="ja-JP" sz="1200" dirty="0" err="1">
                 <a:latin typeface="Courier" charset="0"/>
                 <a:ea typeface="Courier" charset="0"/>
                 <a:cs typeface="Courier" charset="0"/>
@@ -7229,7 +7227,7 @@
               <a:t>rt</a:t>
             </a:r>
             <a:r>
-              <a:rPr lang="en-US" altLang="ja-JP" sz="1200" dirty="0" smtClean="0">
+              <a:rPr lang="en-US" altLang="ja-JP" sz="1200" dirty="0">
                 <a:latin typeface="Courier" charset="0"/>
                 <a:ea typeface="Courier" charset="0"/>
                 <a:cs typeface="Courier" charset="0"/>
@@ -7237,7 +7235,7 @@
               <a:t>-natives-</a:t>
             </a:r>
             <a:r>
-              <a:rPr lang="en-US" altLang="ja-JP" sz="1200" dirty="0" err="1" smtClean="0">
+              <a:rPr lang="en-US" altLang="ja-JP" sz="1200" dirty="0" err="1">
                 <a:solidFill>
                   <a:srgbClr val="FF0000"/>
                 </a:solidFill>
@@ -7248,7 +7246,7 @@
               <a:t>linux</a:t>
             </a:r>
             <a:r>
-              <a:rPr lang="en-US" altLang="ja-JP" sz="1200" dirty="0" smtClean="0">
+              <a:rPr lang="en-US" altLang="ja-JP" sz="1200" dirty="0">
                 <a:solidFill>
                   <a:srgbClr val="FF0000"/>
                 </a:solidFill>
@@ -7259,7 +7257,7 @@
               <a:t>-</a:t>
             </a:r>
             <a:r>
-              <a:rPr lang="en-US" altLang="ja-JP" sz="1200" dirty="0" err="1" smtClean="0">
+              <a:rPr lang="en-US" altLang="ja-JP" sz="1200" dirty="0" err="1">
                 <a:solidFill>
                   <a:srgbClr val="FF0000"/>
                 </a:solidFill>
@@ -7270,7 +7268,7 @@
               <a:t>XXX</a:t>
             </a:r>
             <a:r>
-              <a:rPr lang="en-US" altLang="ja-JP" sz="1200" dirty="0" err="1" smtClean="0">
+              <a:rPr lang="en-US" altLang="ja-JP" sz="1200" dirty="0" err="1">
                 <a:latin typeface="Courier" charset="0"/>
                 <a:ea typeface="Courier" charset="0"/>
                 <a:cs typeface="Courier" charset="0"/>
@@ -7278,7 +7276,7 @@
               <a:t>.jar</a:t>
             </a:r>
             <a:r>
-              <a:rPr lang="en-US" altLang="ja-JP" sz="1200" dirty="0" smtClean="0">
+              <a:rPr lang="en-US" altLang="ja-JP" sz="1200" dirty="0">
                 <a:latin typeface="Courier" charset="0"/>
                 <a:ea typeface="Courier" charset="0"/>
                 <a:cs typeface="Courier" charset="0"/>
@@ -7289,14 +7287,14 @@
           <a:p>
             <a:pPr lvl="1"/>
             <a:r>
-              <a:rPr lang="en-US" altLang="ja-JP" sz="1200" dirty="0" err="1" smtClean="0">
+              <a:rPr lang="en-US" altLang="ja-JP" sz="1200" dirty="0" err="1">
                 <a:latin typeface="Courier" charset="0"/>
                 <a:ea typeface="Courier" charset="0"/>
                 <a:cs typeface="Courier" charset="0"/>
               </a:rPr>
               <a:t>jogl-all.jar</a:t>
             </a:r>
-            <a:endParaRPr lang="en-US" altLang="ja-JP" sz="1200" dirty="0" smtClean="0">
+            <a:endParaRPr lang="en-US" altLang="ja-JP" sz="1200" dirty="0">
               <a:latin typeface="Courier" charset="0"/>
               <a:ea typeface="Courier" charset="0"/>
               <a:cs typeface="Courier" charset="0"/>
@@ -7305,7 +7303,7 @@
           <a:p>
             <a:pPr lvl="1"/>
             <a:r>
-              <a:rPr lang="en-US" altLang="ja-JP" sz="1200" dirty="0" err="1" smtClean="0">
+              <a:rPr lang="en-US" altLang="ja-JP" sz="1200" dirty="0" err="1">
                 <a:latin typeface="Courier" charset="0"/>
                 <a:ea typeface="Courier" charset="0"/>
                 <a:cs typeface="Courier" charset="0"/>
@@ -7313,7 +7311,7 @@
               <a:t>jogl</a:t>
             </a:r>
             <a:r>
-              <a:rPr lang="en-US" altLang="ja-JP" sz="1200" dirty="0" smtClean="0">
+              <a:rPr lang="en-US" altLang="ja-JP" sz="1200" dirty="0">
                 <a:latin typeface="Courier" charset="0"/>
                 <a:ea typeface="Courier" charset="0"/>
                 <a:cs typeface="Courier" charset="0"/>
@@ -7321,7 +7319,7 @@
               <a:t>-all-natives-</a:t>
             </a:r>
             <a:r>
-              <a:rPr lang="en-US" altLang="ja-JP" sz="1200" dirty="0" err="1" smtClean="0">
+              <a:rPr lang="en-US" altLang="ja-JP" sz="1200" dirty="0" err="1">
                 <a:solidFill>
                   <a:srgbClr val="FF0000"/>
                 </a:solidFill>
@@ -7332,7 +7330,7 @@
               <a:t>linux</a:t>
             </a:r>
             <a:r>
-              <a:rPr lang="en-US" altLang="ja-JP" sz="1200" dirty="0" smtClean="0">
+              <a:rPr lang="en-US" altLang="ja-JP" sz="1200" dirty="0">
                 <a:solidFill>
                   <a:srgbClr val="FF0000"/>
                 </a:solidFill>
@@ -7343,7 +7341,7 @@
               <a:t>-</a:t>
             </a:r>
             <a:r>
-              <a:rPr lang="en-US" altLang="ja-JP" sz="1200" dirty="0" err="1" smtClean="0">
+              <a:rPr lang="en-US" altLang="ja-JP" sz="1200" dirty="0" err="1">
                 <a:solidFill>
                   <a:srgbClr val="FF0000"/>
                 </a:solidFill>
@@ -7354,14 +7352,14 @@
               <a:t>XXX</a:t>
             </a:r>
             <a:r>
-              <a:rPr lang="en-US" altLang="ja-JP" sz="1200" dirty="0" err="1" smtClean="0">
+              <a:rPr lang="en-US" altLang="ja-JP" sz="1200" dirty="0" err="1">
                 <a:latin typeface="Courier" charset="0"/>
                 <a:ea typeface="Courier" charset="0"/>
                 <a:cs typeface="Courier" charset="0"/>
               </a:rPr>
               <a:t>.jar</a:t>
             </a:r>
-            <a:endParaRPr lang="en-US" altLang="ja-JP" sz="1200" dirty="0" smtClean="0">
+            <a:endParaRPr lang="en-US" altLang="ja-JP" sz="1200" dirty="0">
               <a:latin typeface="Courier" charset="0"/>
               <a:ea typeface="Courier" charset="0"/>
               <a:cs typeface="Courier" charset="0"/>
@@ -7397,7 +7395,7 @@
           <a:lstStyle/>
           <a:p>
             <a:r>
-              <a:rPr lang="en-US" altLang="ja-JP" sz="1200" dirty="0" smtClean="0">
+              <a:rPr lang="en-US" altLang="ja-JP" sz="1200" dirty="0">
                 <a:latin typeface="Courier" charset="0"/>
                 <a:ea typeface="Courier" charset="0"/>
                 <a:cs typeface="Courier" charset="0"/>
@@ -7408,7 +7406,7 @@
           <a:p>
             <a:pPr lvl="1"/>
             <a:r>
-              <a:rPr lang="en-US" altLang="ja-JP" sz="1200" dirty="0" smtClean="0">
+              <a:rPr lang="en-US" altLang="ja-JP" sz="1200" dirty="0">
                 <a:latin typeface="Courier" charset="0"/>
                 <a:ea typeface="Courier" charset="0"/>
                 <a:cs typeface="Courier" charset="0"/>
@@ -7419,7 +7417,7 @@
           <a:p>
             <a:pPr lvl="1"/>
             <a:r>
-              <a:rPr lang="en-US" altLang="ja-JP" sz="1200" dirty="0" smtClean="0">
+              <a:rPr lang="en-US" altLang="ja-JP" sz="1200" dirty="0">
                 <a:latin typeface="Courier" charset="0"/>
                 <a:ea typeface="Courier" charset="0"/>
                 <a:cs typeface="Courier" charset="0"/>
@@ -7437,7 +7435,7 @@
               </a:rPr>
               <a:t>vecmath.jar</a:t>
             </a:r>
-            <a:endParaRPr lang="en-US" altLang="ja-JP" sz="1200" dirty="0" smtClean="0">
+            <a:endParaRPr lang="en-US" altLang="ja-JP" sz="1200" dirty="0">
               <a:latin typeface="Courier" charset="0"/>
               <a:ea typeface="Courier" charset="0"/>
               <a:cs typeface="Courier" charset="0"/>
@@ -7468,11 +7466,11 @@
           <a:lstStyle/>
           <a:p>
             <a:r>
-              <a:rPr kumimoji="1" lang="en-US" altLang="ja-JP" dirty="0" smtClean="0"/>
+              <a:rPr kumimoji="1" lang="en-US" altLang="ja-JP" dirty="0"/>
               <a:t>where </a:t>
             </a:r>
             <a:r>
-              <a:rPr kumimoji="1" lang="en-US" altLang="ja-JP" dirty="0" smtClean="0">
+              <a:rPr kumimoji="1" lang="en-US" altLang="ja-JP" dirty="0">
                 <a:solidFill>
                   <a:srgbClr val="FF0000"/>
                 </a:solidFill>
@@ -7480,40 +7478,12 @@
               <a:t>XXX</a:t>
             </a:r>
             <a:r>
-              <a:rPr kumimoji="1" lang="en-US" altLang="ja-JP" dirty="0" smtClean="0"/>
+              <a:rPr kumimoji="1" lang="en-US" altLang="ja-JP" dirty="0"/>
               <a:t> = </a:t>
             </a:r>
             <a:r>
-              <a:rPr lang="en-US" altLang="ja-JP" dirty="0" smtClean="0"/>
-              <a:t>amd64 </a:t>
-            </a:r>
-            <a:r>
               <a:rPr lang="en-US" altLang="ja-JP" dirty="0"/>
-              <a:t>or </a:t>
-            </a:r>
-            <a:r>
-              <a:rPr lang="en-US" altLang="ja-JP" dirty="0" smtClean="0"/>
-              <a:t>i586 </a:t>
-            </a:r>
-            <a:r>
-              <a:rPr lang="en-US" altLang="ja-JP" dirty="0"/>
-              <a:t>for </a:t>
-            </a:r>
-            <a:r>
-              <a:rPr lang="en-US" altLang="ja-JP" dirty="0" smtClean="0"/>
-              <a:t>64 or 32-bit, respectively</a:t>
-            </a:r>
-            <a:r>
-              <a:rPr lang="en-US" altLang="ja-JP" dirty="0"/>
-              <a:t>. </a:t>
-            </a:r>
-            <a:r>
-              <a:rPr lang="en-US" altLang="ja-JP" dirty="0" smtClean="0"/>
-              <a:t>You can check </a:t>
-            </a:r>
-            <a:r>
-              <a:rPr lang="en-US" altLang="ja-JP" dirty="0"/>
-              <a:t>if your Java is 32- or 64-bit. In the terminal, type “java -version” and you will see a message like this:</a:t>
+              <a:t>amd64 or i586 for 64 or 32-bit, respectively. You can check if your Java is 32- or 64-bit. In the terminal, type “java -version” and you will see a message like this:</a:t>
             </a:r>
           </a:p>
           <a:p>
@@ -7564,7 +7534,7 @@
           <a:lstStyle/>
           <a:p>
             <a:r>
-              <a:rPr kumimoji="1" lang="en-US" altLang="ja-JP" sz="1200" dirty="0" smtClean="0">
+              <a:rPr kumimoji="1" lang="en-US" altLang="ja-JP" sz="1200" dirty="0">
                 <a:latin typeface="Courier" charset="0"/>
                 <a:ea typeface="Courier" charset="0"/>
                 <a:cs typeface="Courier" charset="0"/>
@@ -7587,20 +7557,12 @@
                 <a:ea typeface="Courier" charset="0"/>
                 <a:cs typeface="Courier" charset="0"/>
               </a:rPr>
-              <a:t> version "</a:t>
-            </a:r>
-            <a:r>
-              <a:rPr lang="en-US" altLang="ja-JP" sz="1200" dirty="0" smtClean="0">
-                <a:latin typeface="Courier" charset="0"/>
-                <a:ea typeface="Courier" charset="0"/>
-                <a:cs typeface="Courier" charset="0"/>
-              </a:rPr>
-              <a:t>1.8.0_121”</a:t>
-            </a:r>
-          </a:p>
-          <a:p>
-            <a:r>
-              <a:rPr lang="en-US" altLang="ja-JP" sz="1200" dirty="0" err="1" smtClean="0">
+              <a:t> version "1.8.0_121”</a:t>
+            </a:r>
+          </a:p>
+          <a:p>
+            <a:r>
+              <a:rPr lang="en-US" altLang="ja-JP" sz="1200" dirty="0" err="1">
                 <a:latin typeface="Courier" charset="0"/>
                 <a:ea typeface="Courier" charset="0"/>
                 <a:cs typeface="Courier" charset="0"/>
@@ -7608,33 +7570,17 @@
               <a:t>OpenJDK</a:t>
             </a:r>
             <a:r>
-              <a:rPr lang="en-US" altLang="ja-JP" sz="1200" dirty="0" smtClean="0">
-                <a:latin typeface="Courier" charset="0"/>
-                <a:ea typeface="Courier" charset="0"/>
-                <a:cs typeface="Courier" charset="0"/>
-              </a:rPr>
-              <a:t> </a:t>
-            </a:r>
-            <a:r>
               <a:rPr lang="en-US" altLang="ja-JP" sz="1200" dirty="0">
                 <a:latin typeface="Courier" charset="0"/>
                 <a:ea typeface="Courier" charset="0"/>
                 <a:cs typeface="Courier" charset="0"/>
               </a:rPr>
-              <a:t>Runtime Environment (build 1.8.0_121-b13</a:t>
-            </a:r>
-            <a:r>
-              <a:rPr lang="en-US" altLang="ja-JP" sz="1200" dirty="0" smtClean="0">
-                <a:latin typeface="Courier" charset="0"/>
-                <a:ea typeface="Courier" charset="0"/>
-                <a:cs typeface="Courier" charset="0"/>
-              </a:rPr>
-              <a:t>)</a:t>
-            </a:r>
-          </a:p>
-          <a:p>
-            <a:r>
-              <a:rPr lang="en-US" altLang="ja-JP" sz="1200" dirty="0" err="1" smtClean="0">
+              <a:t> Runtime Environment (build 1.8.0_121-b13)</a:t>
+            </a:r>
+          </a:p>
+          <a:p>
+            <a:r>
+              <a:rPr lang="en-US" altLang="ja-JP" sz="1200" dirty="0" err="1">
                 <a:latin typeface="Courier" charset="0"/>
                 <a:ea typeface="Courier" charset="0"/>
                 <a:cs typeface="Courier" charset="0"/>
@@ -7642,7 +7588,7 @@
               <a:t>OpenJDK</a:t>
             </a:r>
             <a:r>
-              <a:rPr lang="en-US" altLang="ja-JP" sz="1200" dirty="0" smtClean="0">
+              <a:rPr lang="en-US" altLang="ja-JP" sz="1200" dirty="0">
                 <a:latin typeface="Courier" charset="0"/>
                 <a:ea typeface="Courier" charset="0"/>
                 <a:cs typeface="Courier" charset="0"/>
@@ -7666,15 +7612,7 @@
                 <a:ea typeface="Courier" charset="0"/>
                 <a:cs typeface="Courier" charset="0"/>
               </a:rPr>
-              <a:t> Server VM (build 25.121-b13, mixed mode</a:t>
-            </a:r>
-            <a:r>
-              <a:rPr lang="en-US" altLang="ja-JP" sz="1200" dirty="0" smtClean="0">
-                <a:latin typeface="Courier" charset="0"/>
-                <a:ea typeface="Courier" charset="0"/>
-                <a:cs typeface="Courier" charset="0"/>
-              </a:rPr>
-              <a:t>)</a:t>
+              <a:t> Server VM (build 25.121-b13, mixed mode)</a:t>
             </a:r>
           </a:p>
         </p:txBody>
@@ -7725,7 +7663,7 @@
           <a:lstStyle/>
           <a:p>
             <a:r>
-              <a:rPr kumimoji="1" lang="en-US" altLang="ja-JP" dirty="0" smtClean="0"/>
+              <a:rPr kumimoji="1" lang="en-US" altLang="ja-JP" dirty="0"/>
               <a:t>3. Download JAMA</a:t>
             </a:r>
             <a:endParaRPr kumimoji="1" lang="ja-JP" altLang="en-US" dirty="0"/>
@@ -7809,15 +7747,15 @@
           <a:lstStyle/>
           <a:p>
             <a:r>
-              <a:rPr kumimoji="1" lang="en-US" altLang="ja-JP" dirty="0" smtClean="0"/>
+              <a:rPr kumimoji="1" lang="en-US" altLang="ja-JP" dirty="0"/>
               <a:t>JAMA is  a linear algebra library for JAVA. We use it for </a:t>
             </a:r>
             <a:r>
-              <a:rPr kumimoji="1" lang="en-US" altLang="ja-JP" smtClean="0"/>
+              <a:rPr kumimoji="1" lang="en-US" altLang="ja-JP"/>
               <a:t>matrix multiplications</a:t>
             </a:r>
             <a:r>
-              <a:rPr kumimoji="1" lang="en-US" altLang="ja-JP" dirty="0" smtClean="0"/>
+              <a:rPr kumimoji="1" lang="en-US" altLang="ja-JP" dirty="0"/>
               <a:t>, diagonalization, and so on. It can be downloaded from, </a:t>
             </a:r>
             <a:endParaRPr kumimoji="1" lang="ja-JP" altLang="en-US" dirty="0"/>
@@ -7907,7 +7845,7 @@
           <a:lstStyle/>
           <a:p>
             <a:r>
-              <a:rPr kumimoji="1" lang="en-US" altLang="ja-JP" smtClean="0"/>
+              <a:rPr kumimoji="1" lang="en-US" altLang="ja-JP"/>
               <a:t>…</a:t>
             </a:r>
             <a:endParaRPr kumimoji="1" lang="ja-JP" altLang="en-US" dirty="0"/>
@@ -7973,11 +7911,11 @@
           <a:lstStyle/>
           <a:p>
             <a:r>
-              <a:rPr kumimoji="1" lang="en-US" altLang="ja-JP" smtClean="0"/>
+              <a:rPr kumimoji="1" lang="en-US" altLang="ja-JP"/>
               <a:t>Scroll </a:t>
             </a:r>
             <a:r>
-              <a:rPr kumimoji="1" lang="en-US" altLang="ja-JP" dirty="0" smtClean="0"/>
+              <a:rPr kumimoji="1" lang="en-US" altLang="ja-JP" dirty="0"/>
               <a:t>down</a:t>
             </a:r>
             <a:endParaRPr kumimoji="1" lang="ja-JP" altLang="en-US" dirty="0"/>
@@ -8054,15 +7992,15 @@
           <a:lstStyle/>
           <a:p>
             <a:r>
-              <a:rPr kumimoji="1" lang="en-US" altLang="ja-JP" dirty="0" smtClean="0"/>
+              <a:rPr kumimoji="1" lang="en-US" altLang="ja-JP" dirty="0"/>
               <a:t>click here and download a </a:t>
             </a:r>
             <a:r>
-              <a:rPr kumimoji="1" lang="en-US" altLang="ja-JP" dirty="0" err="1" smtClean="0"/>
+              <a:rPr kumimoji="1" lang="en-US" altLang="ja-JP" dirty="0" err="1"/>
               <a:t>jarfile</a:t>
             </a:r>
             <a:r>
-              <a:rPr kumimoji="1" lang="en-US" altLang="ja-JP" dirty="0" smtClean="0"/>
+              <a:rPr kumimoji="1" lang="en-US" altLang="ja-JP" dirty="0"/>
               <a:t>.</a:t>
             </a:r>
             <a:endParaRPr kumimoji="1" lang="ja-JP" altLang="en-US" dirty="0"/>
@@ -8182,14 +8120,10 @@
           <a:p>
             <a:r>
               <a:rPr lang="en-US" altLang="ja-JP" dirty="0"/>
-              <a:t>4. </a:t>
-            </a:r>
-            <a:r>
-              <a:rPr lang="en-US" altLang="ja-JP" dirty="0" smtClean="0"/>
-              <a:t>Download and test </a:t>
-            </a:r>
-            <a:r>
-              <a:rPr lang="en-US" altLang="ja-JP" dirty="0" err="1" smtClean="0"/>
+              <a:t>4. Download and test </a:t>
+            </a:r>
+            <a:r>
+              <a:rPr lang="en-US" altLang="ja-JP" dirty="0" err="1"/>
               <a:t>JSindo</a:t>
             </a:r>
             <a:endParaRPr kumimoji="1" lang="ja-JP" altLang="en-US" dirty="0"/>
@@ -8227,8 +8161,8 @@
         </p:nvSpPr>
         <p:spPr>
           <a:xfrm>
-            <a:off x="635006" y="1184217"/>
-            <a:ext cx="8014724" cy="1477328"/>
+            <a:off x="635006" y="1012767"/>
+            <a:ext cx="8014724" cy="5355312"/>
           </a:xfrm>
           <a:prstGeom prst="rect">
             <a:avLst/>
@@ -8242,24 +8176,8 @@
           <a:lstStyle/>
           <a:p>
             <a:r>
-              <a:rPr lang="en-US" altLang="ja-JP" dirty="0" smtClean="0"/>
-              <a:t>Download JSindo-4.x.jar and </a:t>
-            </a:r>
-            <a:r>
-              <a:rPr lang="en-US" altLang="ja-JP" dirty="0" err="1" smtClean="0"/>
-              <a:t>sample.tar.gz</a:t>
-            </a:r>
-            <a:r>
-              <a:rPr lang="en-US" altLang="ja-JP" dirty="0" smtClean="0"/>
-              <a:t> (or </a:t>
-            </a:r>
-            <a:r>
-              <a:rPr lang="en-US" altLang="ja-JP" dirty="0" err="1" smtClean="0"/>
-              <a:t>sample.zip</a:t>
-            </a:r>
-            <a:r>
-              <a:rPr lang="en-US" altLang="ja-JP" dirty="0" smtClean="0"/>
-              <a:t>) from our website:</a:t>
+              <a:rPr lang="en-US" altLang="ja-JP" dirty="0"/>
+              <a:t>Download sindo-4.0.tar.gz from our website:</a:t>
             </a:r>
           </a:p>
           <a:p>
@@ -8307,20 +8225,75 @@
             <a:endParaRPr lang="en-US" altLang="ja-JP" dirty="0"/>
           </a:p>
           <a:p>
-            <a:endParaRPr lang="en-US" altLang="ja-JP" dirty="0" smtClean="0"/>
-          </a:p>
-          <a:p>
-            <a:r>
-              <a:rPr lang="en-US" altLang="ja-JP" dirty="0" smtClean="0"/>
-              <a:t>Now, create a new folder (${HOME}/</a:t>
-            </a:r>
-            <a:r>
-              <a:rPr lang="en-US" altLang="ja-JP" dirty="0" err="1" smtClean="0"/>
-              <a:t>JSindo</a:t>
-            </a:r>
-            <a:r>
-              <a:rPr lang="en-US" altLang="ja-JP" dirty="0" smtClean="0"/>
-              <a:t>/jar in the example below), and copy all jar files in there, </a:t>
+            <a:endParaRPr lang="en-US" altLang="ja-JP" dirty="0"/>
+          </a:p>
+          <a:p>
+            <a:r>
+              <a:rPr lang="en-US" altLang="ja-JP" dirty="0"/>
+              <a:t>Extract the tar ball and go to sindo-4.0/jar, </a:t>
+            </a:r>
+          </a:p>
+          <a:p>
+            <a:endParaRPr lang="en-US" altLang="ja-JP" dirty="0"/>
+          </a:p>
+          <a:p>
+            <a:endParaRPr lang="en-US" altLang="ja-JP" dirty="0"/>
+          </a:p>
+          <a:p>
+            <a:endParaRPr lang="en-US" altLang="ja-JP" dirty="0"/>
+          </a:p>
+          <a:p>
+            <a:endParaRPr lang="en-US" altLang="ja-JP" dirty="0"/>
+          </a:p>
+          <a:p>
+            <a:r>
+              <a:rPr lang="en-US" altLang="ja-JP" dirty="0"/>
+              <a:t>Then, copy all jar files in this folder, </a:t>
+            </a:r>
+          </a:p>
+          <a:p>
+            <a:endParaRPr lang="en-US" altLang="ja-JP" dirty="0"/>
+          </a:p>
+          <a:p>
+            <a:endParaRPr lang="en-US" altLang="ja-JP" dirty="0"/>
+          </a:p>
+          <a:p>
+            <a:endParaRPr lang="en-US" altLang="ja-JP" dirty="0"/>
+          </a:p>
+          <a:p>
+            <a:endParaRPr lang="en-US" altLang="ja-JP" dirty="0"/>
+          </a:p>
+          <a:p>
+            <a:endParaRPr lang="en-US" altLang="ja-JP" dirty="0"/>
+          </a:p>
+          <a:p>
+            <a:endParaRPr lang="en-US" altLang="ja-JP" dirty="0"/>
+          </a:p>
+          <a:p>
+            <a:endParaRPr lang="en-US" altLang="ja-JP" dirty="0"/>
+          </a:p>
+          <a:p>
+            <a:endParaRPr lang="en-US" altLang="ja-JP" dirty="0"/>
+          </a:p>
+          <a:p>
+            <a:endParaRPr lang="en-US" altLang="ja-JP" dirty="0"/>
+          </a:p>
+          <a:p>
+            <a:r>
+              <a:rPr lang="en-US" altLang="ja-JP" dirty="0"/>
+              <a:t>where </a:t>
+            </a:r>
+            <a:r>
+              <a:rPr lang="en-US" altLang="ja-JP" dirty="0">
+                <a:solidFill>
+                  <a:srgbClr val="FF0000"/>
+                </a:solidFill>
+              </a:rPr>
+              <a:t>xxx</a:t>
+            </a:r>
+            <a:r>
+              <a:rPr lang="en-US" altLang="ja-JP" dirty="0"/>
+              <a:t> = amd64 or i586 for 64-bit or 32-bit, respectively.</a:t>
             </a:r>
           </a:p>
         </p:txBody>
@@ -8333,8 +8306,8 @@
         </p:nvSpPr>
         <p:spPr>
           <a:xfrm>
-            <a:off x="891550" y="2777340"/>
-            <a:ext cx="8030778" cy="2862322"/>
+            <a:off x="891550" y="2305857"/>
+            <a:ext cx="7538075" cy="830997"/>
           </a:xfrm>
           <a:prstGeom prst="rect">
             <a:avLst/>
@@ -8353,7 +8326,97 @@
           <a:lstStyle/>
           <a:p>
             <a:r>
-              <a:rPr lang="en-US" altLang="ja-JP" sz="1200" dirty="0" smtClean="0">
+              <a:rPr lang="en-US" altLang="ja-JP" sz="1200" dirty="0">
+                <a:latin typeface="Courier" charset="0"/>
+                <a:ea typeface="Courier" charset="0"/>
+                <a:cs typeface="Courier" charset="0"/>
+              </a:rPr>
+              <a:t>&gt; tar –</a:t>
+            </a:r>
+            <a:r>
+              <a:rPr lang="en-US" altLang="ja-JP" sz="1200" dirty="0" err="1">
+                <a:latin typeface="Courier" charset="0"/>
+                <a:ea typeface="Courier" charset="0"/>
+                <a:cs typeface="Courier" charset="0"/>
+              </a:rPr>
+              <a:t>zxvf</a:t>
+            </a:r>
+            <a:r>
+              <a:rPr lang="en-US" altLang="ja-JP" sz="1200" dirty="0">
+                <a:latin typeface="Courier" charset="0"/>
+                <a:ea typeface="Courier" charset="0"/>
+                <a:cs typeface="Courier" charset="0"/>
+              </a:rPr>
+              <a:t> sindo-4.0.tar.gz </a:t>
+            </a:r>
+          </a:p>
+          <a:p>
+            <a:r>
+              <a:rPr lang="en-US" altLang="ja-JP" sz="1200" dirty="0">
+                <a:latin typeface="Courier" charset="0"/>
+                <a:ea typeface="Courier" charset="0"/>
+                <a:cs typeface="Courier" charset="0"/>
+              </a:rPr>
+              <a:t>&gt; cd sindo-4.0/jar</a:t>
+            </a:r>
+          </a:p>
+          <a:p>
+            <a:r>
+              <a:rPr lang="en-US" altLang="ja-JP" sz="1200" dirty="0">
+                <a:latin typeface="Courier" charset="0"/>
+                <a:ea typeface="Courier" charset="0"/>
+                <a:cs typeface="Courier" charset="0"/>
+              </a:rPr>
+              <a:t>&gt; ls</a:t>
+            </a:r>
+          </a:p>
+          <a:p>
+            <a:r>
+              <a:rPr lang="en-US" altLang="ja-JP" sz="1200" dirty="0">
+                <a:latin typeface="Courier" charset="0"/>
+                <a:ea typeface="Courier" charset="0"/>
+                <a:cs typeface="Courier" charset="0"/>
+              </a:rPr>
+              <a:t>JSindo-4.0.jar</a:t>
+            </a:r>
+          </a:p>
+        </p:txBody>
+      </p:sp>
+      <p:sp>
+        <p:nvSpPr>
+          <p:cNvPr id="9" name="テキスト ボックス 8">
+            <a:extLst>
+              <a:ext uri="{FF2B5EF4-FFF2-40B4-BE49-F238E27FC236}">
+                <a16:creationId xmlns:a16="http://schemas.microsoft.com/office/drawing/2014/main" id="{58772C2E-1B3F-CD45-836F-8F586273757B}"/>
+              </a:ext>
+            </a:extLst>
+          </p:cNvPr>
+          <p:cNvSpPr txBox="1"/>
+          <p:nvPr/>
+        </p:nvSpPr>
+        <p:spPr>
+          <a:xfrm>
+            <a:off x="891550" y="3657600"/>
+            <a:ext cx="7538075" cy="2123658"/>
+          </a:xfrm>
+          <a:prstGeom prst="rect">
+            <a:avLst/>
+          </a:prstGeom>
+          <a:noFill/>
+          <a:ln>
+            <a:solidFill>
+              <a:srgbClr val="00B050"/>
+            </a:solidFill>
+          </a:ln>
+        </p:spPr>
+        <p:txBody>
+          <a:bodyPr wrap="square" rtlCol="0">
+            <a:spAutoFit/>
+          </a:bodyPr>
+          <a:lstStyle/>
+          <a:p>
+            <a:r>
+              <a:rPr lang="en-US" altLang="ja-JP" sz="1200" dirty="0">
                 <a:latin typeface="Courier" charset="0"/>
                 <a:ea typeface="Courier" charset="0"/>
                 <a:cs typeface="Courier" charset="0"/>
@@ -8361,20 +8424,12 @@
               <a:t>&gt; </a:t>
             </a:r>
             <a:r>
-              <a:rPr lang="en-US" altLang="ja-JP" sz="1200" dirty="0" err="1" smtClean="0">
-                <a:latin typeface="Courier" charset="0"/>
-                <a:ea typeface="Courier" charset="0"/>
-                <a:cs typeface="Courier" charset="0"/>
-              </a:rPr>
-              <a:t>jsindo_jar</a:t>
-            </a:r>
-            <a:r>
-              <a:rPr lang="en-US" altLang="ja-JP" sz="1200" dirty="0" smtClean="0">
-                <a:latin typeface="Courier" charset="0"/>
-                <a:ea typeface="Courier" charset="0"/>
-                <a:cs typeface="Courier" charset="0"/>
-              </a:rPr>
-              <a:t>=${</a:t>
+              <a:rPr lang="en-US" altLang="ja-JP" sz="1200" dirty="0" err="1">
+                <a:latin typeface="Courier" charset="0"/>
+                <a:ea typeface="Courier" charset="0"/>
+                <a:cs typeface="Courier" charset="0"/>
+              </a:rPr>
+              <a:t>cp</a:t>
             </a:r>
             <a:r>
               <a:rPr lang="en-US" altLang="ja-JP" sz="1200" dirty="0">
@@ -8382,36 +8437,44 @@
                 <a:ea typeface="Courier" charset="0"/>
                 <a:cs typeface="Courier" charset="0"/>
               </a:rPr>
-              <a:t>HOME</a:t>
-            </a:r>
-            <a:r>
-              <a:rPr lang="en-US" altLang="ja-JP" sz="1200" dirty="0" smtClean="0">
-                <a:latin typeface="Courier" charset="0"/>
-                <a:ea typeface="Courier" charset="0"/>
-                <a:cs typeface="Courier" charset="0"/>
-              </a:rPr>
-              <a:t>}/</a:t>
-            </a:r>
-            <a:r>
-              <a:rPr lang="en-US" altLang="ja-JP" sz="1200" dirty="0" err="1" smtClean="0">
-                <a:latin typeface="Courier" charset="0"/>
-                <a:ea typeface="Courier" charset="0"/>
-                <a:cs typeface="Courier" charset="0"/>
-              </a:rPr>
-              <a:t>JSindo</a:t>
-            </a:r>
-            <a:r>
-              <a:rPr lang="en-US" altLang="ja-JP" sz="1200" dirty="0" smtClean="0">
-                <a:latin typeface="Courier" charset="0"/>
-                <a:ea typeface="Courier" charset="0"/>
-                <a:cs typeface="Courier" charset="0"/>
-              </a:rPr>
-              <a:t>/jar</a:t>
-            </a:r>
-          </a:p>
-          <a:p>
-            <a:r>
-              <a:rPr lang="en-US" altLang="ja-JP" sz="1200" dirty="0" smtClean="0">
+              <a:t> /path/to/</a:t>
+            </a:r>
+            <a:r>
+              <a:rPr lang="en-US" altLang="ja-JP" sz="1200" dirty="0" err="1">
+                <a:latin typeface="Courier" charset="0"/>
+                <a:ea typeface="Courier" charset="0"/>
+                <a:cs typeface="Courier" charset="0"/>
+              </a:rPr>
+              <a:t>jogamp</a:t>
+            </a:r>
+            <a:r>
+              <a:rPr lang="en-US" altLang="ja-JP" sz="1200" dirty="0">
+                <a:latin typeface="Courier" charset="0"/>
+                <a:ea typeface="Courier" charset="0"/>
+                <a:cs typeface="Courier" charset="0"/>
+              </a:rPr>
+              <a:t>-all-platforms/jar/</a:t>
+            </a:r>
+            <a:r>
+              <a:rPr lang="en-US" altLang="ja-JP" sz="1200" dirty="0" err="1">
+                <a:latin typeface="Courier" charset="0"/>
+                <a:ea typeface="Courier" charset="0"/>
+                <a:cs typeface="Courier" charset="0"/>
+              </a:rPr>
+              <a:t>gluegen.jar</a:t>
+            </a:r>
+            <a:r>
+              <a:rPr lang="en-US" altLang="ja-JP" sz="1200" dirty="0">
+                <a:latin typeface="Courier" charset="0"/>
+                <a:ea typeface="Courier" charset="0"/>
+                <a:cs typeface="Courier" charset="0"/>
+              </a:rPr>
+              <a:t>    ./</a:t>
+            </a:r>
+          </a:p>
+          <a:p>
+            <a:r>
+              <a:rPr lang="en-US" altLang="ja-JP" sz="1200" dirty="0">
                 <a:latin typeface="Courier" charset="0"/>
                 <a:ea typeface="Courier" charset="0"/>
                 <a:cs typeface="Courier" charset="0"/>
@@ -8419,45 +8482,57 @@
               <a:t>&gt; </a:t>
             </a:r>
             <a:r>
-              <a:rPr lang="en-US" altLang="ja-JP" sz="1200" dirty="0" err="1" smtClean="0">
-                <a:latin typeface="Courier" charset="0"/>
-                <a:ea typeface="Courier" charset="0"/>
-                <a:cs typeface="Courier" charset="0"/>
-              </a:rPr>
-              <a:t>mkdir</a:t>
-            </a:r>
-            <a:r>
-              <a:rPr lang="en-US" altLang="ja-JP" sz="1200" smtClean="0">
-                <a:latin typeface="Courier" charset="0"/>
-                <a:ea typeface="Courier" charset="0"/>
-                <a:cs typeface="Courier" charset="0"/>
-              </a:rPr>
-              <a:t> -p $</a:t>
-            </a:r>
-            <a:r>
-              <a:rPr lang="en-US" altLang="ja-JP" sz="1200" dirty="0" err="1" smtClean="0">
-                <a:latin typeface="Courier" charset="0"/>
-                <a:ea typeface="Courier" charset="0"/>
-                <a:cs typeface="Courier" charset="0"/>
-              </a:rPr>
-              <a:t>jarfiles</a:t>
-            </a:r>
-            <a:endParaRPr lang="en-US" altLang="ja-JP" sz="1200" dirty="0" smtClean="0">
-              <a:latin typeface="Courier" charset="0"/>
-              <a:ea typeface="Courier" charset="0"/>
-              <a:cs typeface="Courier" charset="0"/>
-            </a:endParaRPr>
-          </a:p>
-          <a:p>
-            <a:endParaRPr lang="en-US" altLang="ja-JP" sz="1200" dirty="0" smtClean="0">
-              <a:latin typeface="Courier" charset="0"/>
-              <a:ea typeface="Courier" charset="0"/>
-              <a:cs typeface="Courier" charset="0"/>
-            </a:endParaRPr>
-          </a:p>
-          <a:p>
-            <a:r>
-              <a:rPr lang="en-US" altLang="ja-JP" sz="1200" dirty="0" smtClean="0">
+              <a:rPr lang="en-US" altLang="ja-JP" sz="1200" dirty="0" err="1">
+                <a:latin typeface="Courier" charset="0"/>
+                <a:ea typeface="Courier" charset="0"/>
+                <a:cs typeface="Courier" charset="0"/>
+              </a:rPr>
+              <a:t>cp</a:t>
+            </a:r>
+            <a:r>
+              <a:rPr lang="en-US" altLang="ja-JP" sz="1200" dirty="0">
+                <a:latin typeface="Courier" charset="0"/>
+                <a:ea typeface="Courier" charset="0"/>
+                <a:cs typeface="Courier" charset="0"/>
+              </a:rPr>
+              <a:t> /path/to/</a:t>
+            </a:r>
+            <a:r>
+              <a:rPr lang="en-US" altLang="ja-JP" sz="1200" dirty="0" err="1">
+                <a:latin typeface="Courier" charset="0"/>
+                <a:ea typeface="Courier" charset="0"/>
+                <a:cs typeface="Courier" charset="0"/>
+              </a:rPr>
+              <a:t>jogamp</a:t>
+            </a:r>
+            <a:r>
+              <a:rPr lang="en-US" altLang="ja-JP" sz="1200" dirty="0">
+                <a:latin typeface="Courier" charset="0"/>
+                <a:ea typeface="Courier" charset="0"/>
+                <a:cs typeface="Courier" charset="0"/>
+              </a:rPr>
+              <a:t>-all-platforms/jar/</a:t>
+            </a:r>
+            <a:r>
+              <a:rPr lang="en-US" altLang="ja-JP" sz="1200" dirty="0" err="1">
+                <a:latin typeface="Courier" charset="0"/>
+                <a:ea typeface="Courier" charset="0"/>
+                <a:cs typeface="Courier" charset="0"/>
+              </a:rPr>
+              <a:t>gluegen-rt.jar</a:t>
+            </a:r>
+            <a:r>
+              <a:rPr lang="en-US" altLang="ja-JP" sz="1200" dirty="0">
+                <a:latin typeface="Courier" charset="0"/>
+                <a:ea typeface="Courier" charset="0"/>
+                <a:cs typeface="Courier" charset="0"/>
+              </a:rPr>
+              <a:t> ./</a:t>
+            </a:r>
+          </a:p>
+          <a:p>
+            <a:r>
+              <a:rPr lang="en-US" altLang="ja-JP" sz="1200" dirty="0">
                 <a:latin typeface="Courier" charset="0"/>
                 <a:ea typeface="Courier" charset="0"/>
                 <a:cs typeface="Courier" charset="0"/>
@@ -8465,7 +8540,7 @@
               <a:t>&gt; </a:t>
             </a:r>
             <a:r>
-              <a:rPr lang="en-US" altLang="ja-JP" sz="1200" dirty="0" err="1" smtClean="0">
+              <a:rPr lang="en-US" altLang="ja-JP" sz="1200" dirty="0" err="1">
                 <a:latin typeface="Courier" charset="0"/>
                 <a:ea typeface="Courier" charset="0"/>
                 <a:cs typeface="Courier" charset="0"/>
@@ -8473,7 +8548,7 @@
               <a:t>cp</a:t>
             </a:r>
             <a:r>
-              <a:rPr lang="en-US" altLang="ja-JP" sz="1200" dirty="0" smtClean="0">
+              <a:rPr lang="en-US" altLang="ja-JP" sz="1200" dirty="0">
                 <a:latin typeface="Courier" charset="0"/>
                 <a:ea typeface="Courier" charset="0"/>
                 <a:cs typeface="Courier" charset="0"/>
@@ -8481,7 +8556,7 @@
               <a:t> /path/to/</a:t>
             </a:r>
             <a:r>
-              <a:rPr lang="en-US" altLang="ja-JP" sz="1200" dirty="0" err="1" smtClean="0">
+              <a:rPr lang="en-US" altLang="ja-JP" sz="1200" dirty="0" err="1">
                 <a:latin typeface="Courier" charset="0"/>
                 <a:ea typeface="Courier" charset="0"/>
                 <a:cs typeface="Courier" charset="0"/>
@@ -8489,7 +8564,7 @@
               <a:t>jogamp</a:t>
             </a:r>
             <a:r>
-              <a:rPr lang="en-US" altLang="ja-JP" sz="1200" dirty="0" smtClean="0">
+              <a:rPr lang="en-US" altLang="ja-JP" sz="1200" dirty="0">
                 <a:latin typeface="Courier" charset="0"/>
                 <a:ea typeface="Courier" charset="0"/>
                 <a:cs typeface="Courier" charset="0"/>
@@ -8497,38 +8572,25 @@
               <a:t>-all-platforms/jar/</a:t>
             </a:r>
             <a:r>
-              <a:rPr lang="en-US" altLang="ja-JP" sz="1200" dirty="0" err="1" smtClean="0">
-                <a:latin typeface="Courier" charset="0"/>
-                <a:ea typeface="Courier" charset="0"/>
-                <a:cs typeface="Courier" charset="0"/>
-              </a:rPr>
-              <a:t>gluegen.jar</a:t>
-            </a:r>
-            <a:r>
-              <a:rPr lang="en-US" altLang="ja-JP" sz="1200" dirty="0" smtClean="0">
-                <a:latin typeface="Courier" charset="0"/>
-                <a:ea typeface="Courier" charset="0"/>
-                <a:cs typeface="Courier" charset="0"/>
-              </a:rPr>
-              <a:t>    $</a:t>
-            </a:r>
-            <a:r>
-              <a:rPr lang="en-US" altLang="ja-JP" sz="1200" dirty="0" err="1" smtClean="0">
-                <a:latin typeface="Courier" charset="0"/>
-                <a:ea typeface="Courier" charset="0"/>
-                <a:cs typeface="Courier" charset="0"/>
-              </a:rPr>
-              <a:t>jsindo_jar</a:t>
-            </a:r>
-            <a:endParaRPr lang="en-US" altLang="ja-JP" sz="1200" dirty="0" smtClean="0">
-              <a:latin typeface="Courier" charset="0"/>
-              <a:ea typeface="Courier" charset="0"/>
-              <a:cs typeface="Courier" charset="0"/>
-            </a:endParaRPr>
-          </a:p>
-          <a:p>
-            <a:r>
-              <a:rPr lang="en-US" altLang="ja-JP" sz="1200" dirty="0" smtClean="0">
+              <a:rPr lang="en-US" altLang="ja-JP" sz="1200" dirty="0" err="1">
+                <a:latin typeface="Courier" charset="0"/>
+                <a:ea typeface="Courier" charset="0"/>
+                <a:cs typeface="Courier" charset="0"/>
+              </a:rPr>
+              <a:t>jogl-all.jar</a:t>
+            </a:r>
+            <a:r>
+              <a:rPr lang="en-US" altLang="ja-JP" sz="1200" dirty="0">
+                <a:latin typeface="Courier" charset="0"/>
+                <a:ea typeface="Courier" charset="0"/>
+                <a:cs typeface="Courier" charset="0"/>
+              </a:rPr>
+              <a:t>   ./</a:t>
+            </a:r>
+          </a:p>
+          <a:p>
+            <a:r>
+              <a:rPr lang="en-US" altLang="ja-JP" sz="1200" dirty="0">
                 <a:latin typeface="Courier" charset="0"/>
                 <a:ea typeface="Courier" charset="0"/>
                 <a:cs typeface="Courier" charset="0"/>
@@ -8536,7 +8598,7 @@
               <a:t>&gt; </a:t>
             </a:r>
             <a:r>
-              <a:rPr lang="en-US" altLang="ja-JP" sz="1200" dirty="0" err="1" smtClean="0">
+              <a:rPr lang="en-US" altLang="ja-JP" sz="1200" dirty="0" err="1">
                 <a:latin typeface="Courier" charset="0"/>
                 <a:ea typeface="Courier" charset="0"/>
                 <a:cs typeface="Courier" charset="0"/>
@@ -8544,31 +8606,15 @@
               <a:t>cp</a:t>
             </a:r>
             <a:r>
-              <a:rPr lang="en-US" altLang="ja-JP" sz="1200" dirty="0" smtClean="0">
-                <a:latin typeface="Courier" charset="0"/>
-                <a:ea typeface="Courier" charset="0"/>
-                <a:cs typeface="Courier" charset="0"/>
-              </a:rPr>
-              <a:t> </a:t>
-            </a:r>
-            <a:r>
               <a:rPr lang="en-US" altLang="ja-JP" sz="1200" dirty="0">
                 <a:latin typeface="Courier" charset="0"/>
                 <a:ea typeface="Courier" charset="0"/>
                 <a:cs typeface="Courier" charset="0"/>
               </a:rPr>
-              <a:t>/</a:t>
-            </a:r>
-            <a:r>
-              <a:rPr lang="en-US" altLang="ja-JP" sz="1200" dirty="0" smtClean="0">
-                <a:latin typeface="Courier" charset="0"/>
-                <a:ea typeface="Courier" charset="0"/>
-                <a:cs typeface="Courier" charset="0"/>
-              </a:rPr>
-              <a:t>path/to/</a:t>
-            </a:r>
-            <a:r>
-              <a:rPr lang="en-US" altLang="ja-JP" sz="1200" dirty="0" err="1" smtClean="0">
+              <a:t> /path/to/</a:t>
+            </a:r>
+            <a:r>
+              <a:rPr lang="en-US" altLang="ja-JP" sz="1200" dirty="0" err="1">
                 <a:latin typeface="Courier" charset="0"/>
                 <a:ea typeface="Courier" charset="0"/>
                 <a:cs typeface="Courier" charset="0"/>
@@ -8576,7 +8622,7 @@
               <a:t>jogamp</a:t>
             </a:r>
             <a:r>
-              <a:rPr lang="en-US" altLang="ja-JP" sz="1200" dirty="0" smtClean="0">
+              <a:rPr lang="en-US" altLang="ja-JP" sz="1200" dirty="0">
                 <a:latin typeface="Courier" charset="0"/>
                 <a:ea typeface="Courier" charset="0"/>
                 <a:cs typeface="Courier" charset="0"/>
@@ -8584,29 +8630,183 @@
               <a:t>-all-platforms/jar/</a:t>
             </a:r>
             <a:r>
-              <a:rPr lang="en-US" altLang="ja-JP" sz="1200" dirty="0" err="1" smtClean="0">
-                <a:latin typeface="Courier" charset="0"/>
-                <a:ea typeface="Courier" charset="0"/>
-                <a:cs typeface="Courier" charset="0"/>
-              </a:rPr>
-              <a:t>gluegen-rt.jar</a:t>
-            </a:r>
-            <a:r>
-              <a:rPr lang="en-US" altLang="ja-JP" sz="1200" dirty="0" smtClean="0">
-                <a:latin typeface="Courier" charset="0"/>
-                <a:ea typeface="Courier" charset="0"/>
-                <a:cs typeface="Courier" charset="0"/>
-              </a:rPr>
-              <a:t> $</a:t>
-            </a:r>
-            <a:r>
-              <a:rPr lang="en-US" altLang="ja-JP" sz="1200" dirty="0" err="1" smtClean="0">
-                <a:latin typeface="Courier" charset="0"/>
-                <a:ea typeface="Courier" charset="0"/>
-                <a:cs typeface="Courier" charset="0"/>
-              </a:rPr>
-              <a:t>jsindo_jar</a:t>
-            </a:r>
+              <a:rPr lang="en-US" altLang="ja-JP" sz="1200" dirty="0" err="1">
+                <a:latin typeface="Courier" charset="0"/>
+                <a:ea typeface="Courier" charset="0"/>
+                <a:cs typeface="Courier" charset="0"/>
+              </a:rPr>
+              <a:t>gluegen</a:t>
+            </a:r>
+            <a:r>
+              <a:rPr lang="en-US" altLang="ja-JP" sz="1200" dirty="0">
+                <a:latin typeface="Courier" charset="0"/>
+                <a:ea typeface="Courier" charset="0"/>
+                <a:cs typeface="Courier" charset="0"/>
+              </a:rPr>
+              <a:t>-</a:t>
+            </a:r>
+            <a:r>
+              <a:rPr lang="en-US" altLang="ja-JP" sz="1200" dirty="0" err="1">
+                <a:latin typeface="Courier" charset="0"/>
+                <a:ea typeface="Courier" charset="0"/>
+                <a:cs typeface="Courier" charset="0"/>
+              </a:rPr>
+              <a:t>rt</a:t>
+            </a:r>
+            <a:r>
+              <a:rPr lang="en-US" altLang="ja-JP" sz="1200" dirty="0">
+                <a:latin typeface="Courier" charset="0"/>
+                <a:ea typeface="Courier" charset="0"/>
+                <a:cs typeface="Courier" charset="0"/>
+              </a:rPr>
+              <a:t>-natives-</a:t>
+            </a:r>
+            <a:r>
+              <a:rPr lang="en-US" altLang="ja-JP" sz="1200" dirty="0" err="1">
+                <a:latin typeface="Courier" charset="0"/>
+                <a:ea typeface="Courier" charset="0"/>
+                <a:cs typeface="Courier" charset="0"/>
+              </a:rPr>
+              <a:t>linux</a:t>
+            </a:r>
+            <a:r>
+              <a:rPr lang="en-US" altLang="ja-JP" sz="1200" dirty="0">
+                <a:latin typeface="Courier" charset="0"/>
+                <a:ea typeface="Courier" charset="0"/>
+                <a:cs typeface="Courier" charset="0"/>
+              </a:rPr>
+              <a:t>-</a:t>
+            </a:r>
+            <a:r>
+              <a:rPr lang="en-US" altLang="ja-JP" sz="1200" dirty="0" err="1">
+                <a:solidFill>
+                  <a:srgbClr val="FF0000"/>
+                </a:solidFill>
+                <a:latin typeface="Courier" charset="0"/>
+                <a:ea typeface="Courier" charset="0"/>
+                <a:cs typeface="Courier" charset="0"/>
+              </a:rPr>
+              <a:t>xxx</a:t>
+            </a:r>
+            <a:r>
+              <a:rPr lang="en-US" altLang="ja-JP" sz="1200" dirty="0" err="1">
+                <a:latin typeface="Courier" charset="0"/>
+                <a:ea typeface="Courier" charset="0"/>
+                <a:cs typeface="Courier" charset="0"/>
+              </a:rPr>
+              <a:t>.jar</a:t>
+            </a:r>
+            <a:r>
+              <a:rPr lang="en-US" altLang="ja-JP" sz="1200" dirty="0">
+                <a:latin typeface="Courier" charset="0"/>
+                <a:ea typeface="Courier" charset="0"/>
+                <a:cs typeface="Courier" charset="0"/>
+              </a:rPr>
+              <a:t> ./</a:t>
+            </a:r>
+          </a:p>
+          <a:p>
+            <a:r>
+              <a:rPr lang="en-US" altLang="ja-JP" sz="1200" dirty="0">
+                <a:latin typeface="Courier" charset="0"/>
+                <a:ea typeface="Courier" charset="0"/>
+                <a:cs typeface="Courier" charset="0"/>
+              </a:rPr>
+              <a:t>&gt; </a:t>
+            </a:r>
+            <a:r>
+              <a:rPr lang="en-US" altLang="ja-JP" sz="1200" dirty="0" err="1">
+                <a:latin typeface="Courier" charset="0"/>
+                <a:ea typeface="Courier" charset="0"/>
+                <a:cs typeface="Courier" charset="0"/>
+              </a:rPr>
+              <a:t>cp</a:t>
+            </a:r>
+            <a:r>
+              <a:rPr lang="en-US" altLang="ja-JP" sz="1200" dirty="0">
+                <a:latin typeface="Courier" charset="0"/>
+                <a:ea typeface="Courier" charset="0"/>
+                <a:cs typeface="Courier" charset="0"/>
+              </a:rPr>
+              <a:t> /path/to/</a:t>
+            </a:r>
+            <a:r>
+              <a:rPr lang="en-US" altLang="ja-JP" sz="1200" dirty="0" err="1">
+                <a:latin typeface="Courier" charset="0"/>
+                <a:ea typeface="Courier" charset="0"/>
+                <a:cs typeface="Courier" charset="0"/>
+              </a:rPr>
+              <a:t>jogamp</a:t>
+            </a:r>
+            <a:r>
+              <a:rPr lang="en-US" altLang="ja-JP" sz="1200" dirty="0">
+                <a:latin typeface="Courier" charset="0"/>
+                <a:ea typeface="Courier" charset="0"/>
+                <a:cs typeface="Courier" charset="0"/>
+              </a:rPr>
+              <a:t>-all-platforms/jar/</a:t>
+            </a:r>
+            <a:r>
+              <a:rPr lang="en-US" altLang="ja-JP" sz="1200" dirty="0" err="1">
+                <a:latin typeface="Courier" charset="0"/>
+                <a:ea typeface="Courier" charset="0"/>
+                <a:cs typeface="Courier" charset="0"/>
+              </a:rPr>
+              <a:t>jogl</a:t>
+            </a:r>
+            <a:r>
+              <a:rPr lang="en-US" altLang="ja-JP" sz="1200" dirty="0">
+                <a:latin typeface="Courier" charset="0"/>
+                <a:ea typeface="Courier" charset="0"/>
+                <a:cs typeface="Courier" charset="0"/>
+              </a:rPr>
+              <a:t>-all-natives-</a:t>
+            </a:r>
+            <a:r>
+              <a:rPr lang="en-US" altLang="ja-JP" sz="1200" dirty="0" err="1">
+                <a:latin typeface="Courier" charset="0"/>
+                <a:ea typeface="Courier" charset="0"/>
+                <a:cs typeface="Courier" charset="0"/>
+              </a:rPr>
+              <a:t>linux</a:t>
+            </a:r>
+            <a:r>
+              <a:rPr lang="en-US" altLang="ja-JP" sz="1200" dirty="0">
+                <a:latin typeface="Courier" charset="0"/>
+                <a:ea typeface="Courier" charset="0"/>
+                <a:cs typeface="Courier" charset="0"/>
+              </a:rPr>
+              <a:t>-</a:t>
+            </a:r>
+            <a:r>
+              <a:rPr lang="en-US" altLang="ja-JP" sz="1200" dirty="0" err="1">
+                <a:solidFill>
+                  <a:srgbClr val="FF0000"/>
+                </a:solidFill>
+                <a:latin typeface="Courier" charset="0"/>
+                <a:ea typeface="Courier" charset="0"/>
+                <a:cs typeface="Courier" charset="0"/>
+              </a:rPr>
+              <a:t>xxx</a:t>
+            </a:r>
+            <a:r>
+              <a:rPr lang="en-US" altLang="ja-JP" sz="1200" dirty="0" err="1">
+                <a:latin typeface="Courier" charset="0"/>
+                <a:ea typeface="Courier" charset="0"/>
+                <a:cs typeface="Courier" charset="0"/>
+              </a:rPr>
+              <a:t>.jar</a:t>
+            </a:r>
+            <a:r>
+              <a:rPr lang="en-US" altLang="ja-JP" sz="1200" dirty="0">
+                <a:latin typeface="Courier" charset="0"/>
+                <a:ea typeface="Courier" charset="0"/>
+                <a:cs typeface="Courier" charset="0"/>
+              </a:rPr>
+              <a:t>   ./</a:t>
+            </a:r>
+          </a:p>
+          <a:p>
             <a:endParaRPr lang="en-US" altLang="ja-JP" sz="1200" dirty="0">
               <a:latin typeface="Courier" charset="0"/>
               <a:ea typeface="Courier" charset="0"/>
@@ -8615,7 +8815,7 @@
           </a:p>
           <a:p>
             <a:r>
-              <a:rPr lang="en-US" altLang="ja-JP" sz="1200" dirty="0" smtClean="0">
+              <a:rPr lang="en-US" altLang="ja-JP" sz="1200" dirty="0">
                 <a:latin typeface="Courier" charset="0"/>
                 <a:ea typeface="Courier" charset="0"/>
                 <a:cs typeface="Courier" charset="0"/>
@@ -8623,7 +8823,7 @@
               <a:t>&gt; </a:t>
             </a:r>
             <a:r>
-              <a:rPr lang="en-US" altLang="ja-JP" sz="1200" dirty="0" err="1" smtClean="0">
+              <a:rPr lang="en-US" altLang="ja-JP" sz="1200" dirty="0" err="1">
                 <a:latin typeface="Courier" charset="0"/>
                 <a:ea typeface="Courier" charset="0"/>
                 <a:cs typeface="Courier" charset="0"/>
@@ -8631,69 +8831,83 @@
               <a:t>cp</a:t>
             </a:r>
             <a:r>
-              <a:rPr lang="en-US" altLang="ja-JP" sz="1200" dirty="0" smtClean="0">
-                <a:latin typeface="Courier" charset="0"/>
-                <a:ea typeface="Courier" charset="0"/>
-                <a:cs typeface="Courier" charset="0"/>
-              </a:rPr>
-              <a:t> </a:t>
-            </a:r>
-            <a:r>
               <a:rPr lang="en-US" altLang="ja-JP" sz="1200" dirty="0">
                 <a:latin typeface="Courier" charset="0"/>
                 <a:ea typeface="Courier" charset="0"/>
                 <a:cs typeface="Courier" charset="0"/>
               </a:rPr>
-              <a:t>/path/to</a:t>
-            </a:r>
-            <a:r>
-              <a:rPr lang="en-US" altLang="ja-JP" sz="1200" dirty="0" smtClean="0">
-                <a:latin typeface="Courier" charset="0"/>
-                <a:ea typeface="Courier" charset="0"/>
-                <a:cs typeface="Courier" charset="0"/>
-              </a:rPr>
-              <a:t>/</a:t>
-            </a:r>
-            <a:r>
-              <a:rPr lang="en-US" altLang="ja-JP" sz="1200" dirty="0" err="1" smtClean="0">
-                <a:latin typeface="Courier" charset="0"/>
-                <a:ea typeface="Courier" charset="0"/>
-                <a:cs typeface="Courier" charset="0"/>
-              </a:rPr>
-              <a:t>jogamp</a:t>
-            </a:r>
-            <a:r>
-              <a:rPr lang="en-US" altLang="ja-JP" sz="1200" dirty="0" smtClean="0">
-                <a:latin typeface="Courier" charset="0"/>
-                <a:ea typeface="Courier" charset="0"/>
-                <a:cs typeface="Courier" charset="0"/>
-              </a:rPr>
-              <a:t>-all-platforms/jar/</a:t>
-            </a:r>
-            <a:r>
-              <a:rPr lang="en-US" altLang="ja-JP" sz="1200" dirty="0" err="1" smtClean="0">
-                <a:latin typeface="Courier" charset="0"/>
-                <a:ea typeface="Courier" charset="0"/>
-                <a:cs typeface="Courier" charset="0"/>
-              </a:rPr>
-              <a:t>jogl-all.jar</a:t>
-            </a:r>
-            <a:r>
-              <a:rPr lang="en-US" altLang="ja-JP" sz="1200" dirty="0" smtClean="0">
-                <a:latin typeface="Courier" charset="0"/>
-                <a:ea typeface="Courier" charset="0"/>
-                <a:cs typeface="Courier" charset="0"/>
-              </a:rPr>
-              <a:t>   $</a:t>
-            </a:r>
-            <a:r>
-              <a:rPr lang="en-US" altLang="ja-JP" sz="1200" dirty="0" err="1" smtClean="0">
-                <a:latin typeface="Courier" charset="0"/>
-                <a:ea typeface="Courier" charset="0"/>
-                <a:cs typeface="Courier" charset="0"/>
-              </a:rPr>
-              <a:t>jsindo_jar</a:t>
-            </a:r>
+              <a:t> /path/to/jogamp-java3d/j3dutils.jar ./</a:t>
+            </a:r>
+          </a:p>
+          <a:p>
+            <a:r>
+              <a:rPr lang="en-US" altLang="ja-JP" sz="1200" dirty="0">
+                <a:latin typeface="Courier" charset="0"/>
+                <a:ea typeface="Courier" charset="0"/>
+                <a:cs typeface="Courier" charset="0"/>
+              </a:rPr>
+              <a:t>&gt; </a:t>
+            </a:r>
+            <a:r>
+              <a:rPr lang="en-US" altLang="ja-JP" sz="1200" dirty="0" err="1">
+                <a:latin typeface="Courier" charset="0"/>
+                <a:ea typeface="Courier" charset="0"/>
+                <a:cs typeface="Courier" charset="0"/>
+              </a:rPr>
+              <a:t>cp</a:t>
+            </a:r>
+            <a:r>
+              <a:rPr lang="en-US" altLang="ja-JP" sz="1200" dirty="0">
+                <a:latin typeface="Courier" charset="0"/>
+                <a:ea typeface="Courier" charset="0"/>
+                <a:cs typeface="Courier" charset="0"/>
+              </a:rPr>
+              <a:t> /path/to/jogamp-java3d/j3dcore.jar  ./</a:t>
+            </a:r>
+          </a:p>
+          <a:p>
+            <a:r>
+              <a:rPr lang="en-US" altLang="ja-JP" sz="1200" dirty="0">
+                <a:latin typeface="Courier" charset="0"/>
+                <a:ea typeface="Courier" charset="0"/>
+                <a:cs typeface="Courier" charset="0"/>
+              </a:rPr>
+              <a:t>&gt; </a:t>
+            </a:r>
+            <a:r>
+              <a:rPr lang="en-US" altLang="ja-JP" sz="1200" dirty="0" err="1">
+                <a:latin typeface="Courier" charset="0"/>
+                <a:ea typeface="Courier" charset="0"/>
+                <a:cs typeface="Courier" charset="0"/>
+              </a:rPr>
+              <a:t>cp</a:t>
+            </a:r>
+            <a:r>
+              <a:rPr lang="en-US" altLang="ja-JP" sz="1200" dirty="0">
+                <a:latin typeface="Courier" charset="0"/>
+                <a:ea typeface="Courier" charset="0"/>
+                <a:cs typeface="Courier" charset="0"/>
+              </a:rPr>
+              <a:t> /path/to/jogamp-java3d/</a:t>
+            </a:r>
+            <a:r>
+              <a:rPr lang="en-US" altLang="ja-JP" sz="1200" dirty="0" err="1">
+                <a:latin typeface="Courier" charset="0"/>
+                <a:ea typeface="Courier" charset="0"/>
+                <a:cs typeface="Courier" charset="0"/>
+              </a:rPr>
+              <a:t>vecmath.jar</a:t>
+            </a:r>
+            <a:r>
+              <a:rPr lang="en-US" altLang="ja-JP" sz="1200" dirty="0">
+                <a:latin typeface="Courier" charset="0"/>
+                <a:ea typeface="Courier" charset="0"/>
+                <a:cs typeface="Courier" charset="0"/>
+              </a:rPr>
+              <a:t>  ./</a:t>
+            </a:r>
+          </a:p>
+          <a:p>
             <a:endParaRPr lang="en-US" altLang="ja-JP" sz="1200" dirty="0">
               <a:latin typeface="Courier" charset="0"/>
               <a:ea typeface="Courier" charset="0"/>
@@ -8702,7 +8916,7 @@
           </a:p>
           <a:p>
             <a:r>
-              <a:rPr lang="en-US" altLang="ja-JP" sz="1200" dirty="0" smtClean="0">
+              <a:rPr lang="en-US" altLang="ja-JP" sz="1200" dirty="0">
                 <a:latin typeface="Courier" charset="0"/>
                 <a:ea typeface="Courier" charset="0"/>
                 <a:cs typeface="Courier" charset="0"/>
@@ -8710,7 +8924,7 @@
               <a:t>&gt; </a:t>
             </a:r>
             <a:r>
-              <a:rPr lang="en-US" altLang="ja-JP" sz="1200" dirty="0" err="1" smtClean="0">
+              <a:rPr lang="en-US" altLang="ja-JP" sz="1200" dirty="0" err="1">
                 <a:latin typeface="Courier" charset="0"/>
                 <a:ea typeface="Courier" charset="0"/>
                 <a:cs typeface="Courier" charset="0"/>
@@ -8718,632 +8932,12 @@
               <a:t>cp</a:t>
             </a:r>
             <a:r>
-              <a:rPr lang="en-US" altLang="ja-JP" sz="1200" dirty="0" smtClean="0">
-                <a:latin typeface="Courier" charset="0"/>
-                <a:ea typeface="Courier" charset="0"/>
-                <a:cs typeface="Courier" charset="0"/>
-              </a:rPr>
-              <a:t> </a:t>
-            </a:r>
-            <a:r>
               <a:rPr lang="en-US" altLang="ja-JP" sz="1200" dirty="0">
                 <a:latin typeface="Courier" charset="0"/>
                 <a:ea typeface="Courier" charset="0"/>
                 <a:cs typeface="Courier" charset="0"/>
               </a:rPr>
-              <a:t>/path/to</a:t>
-            </a:r>
-            <a:r>
-              <a:rPr lang="en-US" altLang="ja-JP" sz="1200" dirty="0" smtClean="0">
-                <a:latin typeface="Courier" charset="0"/>
-                <a:ea typeface="Courier" charset="0"/>
-                <a:cs typeface="Courier" charset="0"/>
-              </a:rPr>
-              <a:t>/</a:t>
-            </a:r>
-            <a:r>
-              <a:rPr lang="en-US" altLang="ja-JP" sz="1200" dirty="0" err="1" smtClean="0">
-                <a:latin typeface="Courier" charset="0"/>
-                <a:ea typeface="Courier" charset="0"/>
-                <a:cs typeface="Courier" charset="0"/>
-              </a:rPr>
-              <a:t>jogamp</a:t>
-            </a:r>
-            <a:r>
-              <a:rPr lang="en-US" altLang="ja-JP" sz="1200" dirty="0" smtClean="0">
-                <a:latin typeface="Courier" charset="0"/>
-                <a:ea typeface="Courier" charset="0"/>
-                <a:cs typeface="Courier" charset="0"/>
-              </a:rPr>
-              <a:t>-all-platforms/jar/</a:t>
-            </a:r>
-            <a:r>
-              <a:rPr lang="en-US" altLang="ja-JP" sz="1200" dirty="0" err="1" smtClean="0">
-                <a:latin typeface="Courier" charset="0"/>
-                <a:ea typeface="Courier" charset="0"/>
-                <a:cs typeface="Courier" charset="0"/>
-              </a:rPr>
-              <a:t>gluegen</a:t>
-            </a:r>
-            <a:r>
-              <a:rPr lang="en-US" altLang="ja-JP" sz="1200" dirty="0" smtClean="0">
-                <a:latin typeface="Courier" charset="0"/>
-                <a:ea typeface="Courier" charset="0"/>
-                <a:cs typeface="Courier" charset="0"/>
-              </a:rPr>
-              <a:t>-</a:t>
-            </a:r>
-            <a:r>
-              <a:rPr lang="en-US" altLang="ja-JP" sz="1200" dirty="0" err="1" smtClean="0">
-                <a:latin typeface="Courier" charset="0"/>
-                <a:ea typeface="Courier" charset="0"/>
-                <a:cs typeface="Courier" charset="0"/>
-              </a:rPr>
-              <a:t>rt</a:t>
-            </a:r>
-            <a:r>
-              <a:rPr lang="en-US" altLang="ja-JP" sz="1200" dirty="0" smtClean="0">
-                <a:latin typeface="Courier" charset="0"/>
-                <a:ea typeface="Courier" charset="0"/>
-                <a:cs typeface="Courier" charset="0"/>
-              </a:rPr>
-              <a:t>-natives-</a:t>
-            </a:r>
-            <a:r>
-              <a:rPr lang="en-US" altLang="ja-JP" sz="1200" dirty="0" err="1" smtClean="0">
-                <a:latin typeface="Courier" charset="0"/>
-                <a:ea typeface="Courier" charset="0"/>
-                <a:cs typeface="Courier" charset="0"/>
-              </a:rPr>
-              <a:t>linux</a:t>
-            </a:r>
-            <a:r>
-              <a:rPr lang="en-US" altLang="ja-JP" sz="1200" dirty="0" smtClean="0">
-                <a:latin typeface="Courier" charset="0"/>
-                <a:ea typeface="Courier" charset="0"/>
-                <a:cs typeface="Courier" charset="0"/>
-              </a:rPr>
-              <a:t>-</a:t>
-            </a:r>
-            <a:r>
-              <a:rPr lang="en-US" altLang="ja-JP" sz="1200" dirty="0" err="1" smtClean="0">
-                <a:solidFill>
-                  <a:srgbClr val="FF0000"/>
-                </a:solidFill>
-                <a:latin typeface="Courier" charset="0"/>
-                <a:ea typeface="Courier" charset="0"/>
-                <a:cs typeface="Courier" charset="0"/>
-              </a:rPr>
-              <a:t>xxx</a:t>
-            </a:r>
-            <a:r>
-              <a:rPr lang="en-US" altLang="ja-JP" sz="1200" dirty="0" err="1" smtClean="0">
-                <a:latin typeface="Courier" charset="0"/>
-                <a:ea typeface="Courier" charset="0"/>
-                <a:cs typeface="Courier" charset="0"/>
-              </a:rPr>
-              <a:t>.jar</a:t>
-            </a:r>
-            <a:r>
-              <a:rPr lang="en-US" altLang="ja-JP" sz="1200" dirty="0" smtClean="0">
-                <a:latin typeface="Courier" charset="0"/>
-                <a:ea typeface="Courier" charset="0"/>
-                <a:cs typeface="Courier" charset="0"/>
-              </a:rPr>
-              <a:t> </a:t>
-            </a:r>
-            <a:r>
-              <a:rPr lang="en-US" altLang="ja-JP" sz="1200" dirty="0">
-                <a:latin typeface="Courier" charset="0"/>
-                <a:ea typeface="Courier" charset="0"/>
-                <a:cs typeface="Courier" charset="0"/>
-              </a:rPr>
-              <a:t>$</a:t>
-            </a:r>
-            <a:r>
-              <a:rPr lang="en-US" altLang="ja-JP" sz="1200" dirty="0" err="1" smtClean="0">
-                <a:latin typeface="Courier" charset="0"/>
-                <a:ea typeface="Courier" charset="0"/>
-                <a:cs typeface="Courier" charset="0"/>
-              </a:rPr>
-              <a:t>jsindo_jar</a:t>
-            </a:r>
-            <a:endParaRPr lang="en-US" altLang="ja-JP" sz="1200" dirty="0">
-              <a:latin typeface="Courier" charset="0"/>
-              <a:ea typeface="Courier" charset="0"/>
-              <a:cs typeface="Courier" charset="0"/>
-            </a:endParaRPr>
-          </a:p>
-          <a:p>
-            <a:r>
-              <a:rPr lang="en-US" altLang="ja-JP" sz="1200" dirty="0" smtClean="0">
-                <a:latin typeface="Courier" charset="0"/>
-                <a:ea typeface="Courier" charset="0"/>
-                <a:cs typeface="Courier" charset="0"/>
-              </a:rPr>
-              <a:t>&gt; </a:t>
-            </a:r>
-            <a:r>
-              <a:rPr lang="en-US" altLang="ja-JP" sz="1200" dirty="0" err="1" smtClean="0">
-                <a:latin typeface="Courier" charset="0"/>
-                <a:ea typeface="Courier" charset="0"/>
-                <a:cs typeface="Courier" charset="0"/>
-              </a:rPr>
-              <a:t>cp</a:t>
-            </a:r>
-            <a:r>
-              <a:rPr lang="en-US" altLang="ja-JP" sz="1200" dirty="0" smtClean="0">
-                <a:latin typeface="Courier" charset="0"/>
-                <a:ea typeface="Courier" charset="0"/>
-                <a:cs typeface="Courier" charset="0"/>
-              </a:rPr>
-              <a:t> </a:t>
-            </a:r>
-            <a:r>
-              <a:rPr lang="en-US" altLang="ja-JP" sz="1200" dirty="0">
-                <a:latin typeface="Courier" charset="0"/>
-                <a:ea typeface="Courier" charset="0"/>
-                <a:cs typeface="Courier" charset="0"/>
-              </a:rPr>
-              <a:t>/path/to</a:t>
-            </a:r>
-            <a:r>
-              <a:rPr lang="en-US" altLang="ja-JP" sz="1200" dirty="0" smtClean="0">
-                <a:latin typeface="Courier" charset="0"/>
-                <a:ea typeface="Courier" charset="0"/>
-                <a:cs typeface="Courier" charset="0"/>
-              </a:rPr>
-              <a:t>/</a:t>
-            </a:r>
-            <a:r>
-              <a:rPr lang="en-US" altLang="ja-JP" sz="1200" dirty="0" err="1" smtClean="0">
-                <a:latin typeface="Courier" charset="0"/>
-                <a:ea typeface="Courier" charset="0"/>
-                <a:cs typeface="Courier" charset="0"/>
-              </a:rPr>
-              <a:t>jogamp</a:t>
-            </a:r>
-            <a:r>
-              <a:rPr lang="en-US" altLang="ja-JP" sz="1200" dirty="0" smtClean="0">
-                <a:latin typeface="Courier" charset="0"/>
-                <a:ea typeface="Courier" charset="0"/>
-                <a:cs typeface="Courier" charset="0"/>
-              </a:rPr>
-              <a:t>-all-platforms/jar/</a:t>
-            </a:r>
-            <a:r>
-              <a:rPr lang="en-US" altLang="ja-JP" sz="1200" dirty="0" err="1" smtClean="0">
-                <a:latin typeface="Courier" charset="0"/>
-                <a:ea typeface="Courier" charset="0"/>
-                <a:cs typeface="Courier" charset="0"/>
-              </a:rPr>
-              <a:t>jogl</a:t>
-            </a:r>
-            <a:r>
-              <a:rPr lang="en-US" altLang="ja-JP" sz="1200" dirty="0" smtClean="0">
-                <a:latin typeface="Courier" charset="0"/>
-                <a:ea typeface="Courier" charset="0"/>
-                <a:cs typeface="Courier" charset="0"/>
-              </a:rPr>
-              <a:t>-all-natives-</a:t>
-            </a:r>
-            <a:r>
-              <a:rPr lang="en-US" altLang="ja-JP" sz="1200" dirty="0" err="1" smtClean="0">
-                <a:latin typeface="Courier" charset="0"/>
-                <a:ea typeface="Courier" charset="0"/>
-                <a:cs typeface="Courier" charset="0"/>
-              </a:rPr>
-              <a:t>linux</a:t>
-            </a:r>
-            <a:r>
-              <a:rPr lang="en-US" altLang="ja-JP" sz="1200" dirty="0" smtClean="0">
-                <a:latin typeface="Courier" charset="0"/>
-                <a:ea typeface="Courier" charset="0"/>
-                <a:cs typeface="Courier" charset="0"/>
-              </a:rPr>
-              <a:t>-</a:t>
-            </a:r>
-            <a:r>
-              <a:rPr lang="en-US" altLang="ja-JP" sz="1200" dirty="0" err="1" smtClean="0">
-                <a:solidFill>
-                  <a:srgbClr val="FF0000"/>
-                </a:solidFill>
-                <a:latin typeface="Courier" charset="0"/>
-                <a:ea typeface="Courier" charset="0"/>
-                <a:cs typeface="Courier" charset="0"/>
-              </a:rPr>
-              <a:t>xxx</a:t>
-            </a:r>
-            <a:r>
-              <a:rPr lang="en-US" altLang="ja-JP" sz="1200" dirty="0" err="1" smtClean="0">
-                <a:latin typeface="Courier" charset="0"/>
-                <a:ea typeface="Courier" charset="0"/>
-                <a:cs typeface="Courier" charset="0"/>
-              </a:rPr>
-              <a:t>.jar</a:t>
-            </a:r>
-            <a:r>
-              <a:rPr lang="en-US" altLang="ja-JP" sz="1200" dirty="0" smtClean="0">
-                <a:latin typeface="Courier" charset="0"/>
-                <a:ea typeface="Courier" charset="0"/>
-                <a:cs typeface="Courier" charset="0"/>
-              </a:rPr>
-              <a:t>   $</a:t>
-            </a:r>
-            <a:r>
-              <a:rPr lang="en-US" altLang="ja-JP" sz="1200" dirty="0" err="1" smtClean="0">
-                <a:latin typeface="Courier" charset="0"/>
-                <a:ea typeface="Courier" charset="0"/>
-                <a:cs typeface="Courier" charset="0"/>
-              </a:rPr>
-              <a:t>jsindo_jar</a:t>
-            </a:r>
-            <a:endParaRPr lang="en-US" altLang="ja-JP" sz="1200" dirty="0" smtClean="0">
-              <a:latin typeface="Courier" charset="0"/>
-              <a:ea typeface="Courier" charset="0"/>
-              <a:cs typeface="Courier" charset="0"/>
-            </a:endParaRPr>
-          </a:p>
-          <a:p>
-            <a:endParaRPr lang="en-US" altLang="ja-JP" sz="1200" dirty="0" smtClean="0">
-              <a:latin typeface="Courier" charset="0"/>
-              <a:ea typeface="Courier" charset="0"/>
-              <a:cs typeface="Courier" charset="0"/>
-            </a:endParaRPr>
-          </a:p>
-          <a:p>
-            <a:r>
-              <a:rPr lang="en-US" altLang="ja-JP" sz="1200" dirty="0" smtClean="0">
-                <a:latin typeface="Courier" charset="0"/>
-                <a:ea typeface="Courier" charset="0"/>
-                <a:cs typeface="Courier" charset="0"/>
-              </a:rPr>
-              <a:t>&gt; </a:t>
-            </a:r>
-            <a:r>
-              <a:rPr lang="en-US" altLang="ja-JP" sz="1200" dirty="0" err="1" smtClean="0">
-                <a:latin typeface="Courier" charset="0"/>
-                <a:ea typeface="Courier" charset="0"/>
-                <a:cs typeface="Courier" charset="0"/>
-              </a:rPr>
-              <a:t>cp</a:t>
-            </a:r>
-            <a:r>
-              <a:rPr lang="en-US" altLang="ja-JP" sz="1200" dirty="0" smtClean="0">
-                <a:latin typeface="Courier" charset="0"/>
-                <a:ea typeface="Courier" charset="0"/>
-                <a:cs typeface="Courier" charset="0"/>
-              </a:rPr>
-              <a:t> </a:t>
-            </a:r>
-            <a:r>
-              <a:rPr lang="en-US" altLang="ja-JP" sz="1200" dirty="0">
-                <a:latin typeface="Courier" charset="0"/>
-                <a:ea typeface="Courier" charset="0"/>
-                <a:cs typeface="Courier" charset="0"/>
-              </a:rPr>
-              <a:t>/path/to</a:t>
-            </a:r>
-            <a:r>
-              <a:rPr lang="en-US" altLang="ja-JP" sz="1200" dirty="0" smtClean="0">
-                <a:latin typeface="Courier" charset="0"/>
-                <a:ea typeface="Courier" charset="0"/>
-                <a:cs typeface="Courier" charset="0"/>
-              </a:rPr>
-              <a:t>/jogamp-java3d/j3dutils.jar $</a:t>
-            </a:r>
-            <a:r>
-              <a:rPr lang="en-US" altLang="ja-JP" sz="1200" dirty="0" err="1" smtClean="0">
-                <a:latin typeface="Courier" charset="0"/>
-                <a:ea typeface="Courier" charset="0"/>
-                <a:cs typeface="Courier" charset="0"/>
-              </a:rPr>
-              <a:t>jsindo_jar</a:t>
-            </a:r>
-            <a:endParaRPr lang="en-US" altLang="ja-JP" sz="1200" dirty="0" smtClean="0">
-              <a:latin typeface="Courier" charset="0"/>
-              <a:ea typeface="Courier" charset="0"/>
-              <a:cs typeface="Courier" charset="0"/>
-            </a:endParaRPr>
-          </a:p>
-          <a:p>
-            <a:r>
-              <a:rPr lang="en-US" altLang="ja-JP" sz="1200" dirty="0" smtClean="0">
-                <a:latin typeface="Courier" charset="0"/>
-                <a:ea typeface="Courier" charset="0"/>
-                <a:cs typeface="Courier" charset="0"/>
-              </a:rPr>
-              <a:t>&gt; </a:t>
-            </a:r>
-            <a:r>
-              <a:rPr lang="en-US" altLang="ja-JP" sz="1200" dirty="0" err="1" smtClean="0">
-                <a:latin typeface="Courier" charset="0"/>
-                <a:ea typeface="Courier" charset="0"/>
-                <a:cs typeface="Courier" charset="0"/>
-              </a:rPr>
-              <a:t>cp</a:t>
-            </a:r>
-            <a:r>
-              <a:rPr lang="en-US" altLang="ja-JP" sz="1200" dirty="0" smtClean="0">
-                <a:latin typeface="Courier" charset="0"/>
-                <a:ea typeface="Courier" charset="0"/>
-                <a:cs typeface="Courier" charset="0"/>
-              </a:rPr>
-              <a:t> </a:t>
-            </a:r>
-            <a:r>
-              <a:rPr lang="en-US" altLang="ja-JP" sz="1200" dirty="0">
-                <a:latin typeface="Courier" charset="0"/>
-                <a:ea typeface="Courier" charset="0"/>
-                <a:cs typeface="Courier" charset="0"/>
-              </a:rPr>
-              <a:t>/path/to</a:t>
-            </a:r>
-            <a:r>
-              <a:rPr lang="en-US" altLang="ja-JP" sz="1200" dirty="0" smtClean="0">
-                <a:latin typeface="Courier" charset="0"/>
-                <a:ea typeface="Courier" charset="0"/>
-                <a:cs typeface="Courier" charset="0"/>
-              </a:rPr>
-              <a:t>/jogamp-java3d/j3dcore.jar  $</a:t>
-            </a:r>
-            <a:r>
-              <a:rPr lang="en-US" altLang="ja-JP" sz="1200" dirty="0" err="1" smtClean="0">
-                <a:latin typeface="Courier" charset="0"/>
-                <a:ea typeface="Courier" charset="0"/>
-                <a:cs typeface="Courier" charset="0"/>
-              </a:rPr>
-              <a:t>jsindo_jar</a:t>
-            </a:r>
-            <a:endParaRPr lang="en-US" altLang="ja-JP" sz="1200" dirty="0">
-              <a:latin typeface="Courier" charset="0"/>
-              <a:ea typeface="Courier" charset="0"/>
-              <a:cs typeface="Courier" charset="0"/>
-            </a:endParaRPr>
-          </a:p>
-          <a:p>
-            <a:r>
-              <a:rPr lang="en-US" altLang="ja-JP" sz="1200" dirty="0" smtClean="0">
-                <a:latin typeface="Courier" charset="0"/>
-                <a:ea typeface="Courier" charset="0"/>
-                <a:cs typeface="Courier" charset="0"/>
-              </a:rPr>
-              <a:t>&gt; </a:t>
-            </a:r>
-            <a:r>
-              <a:rPr lang="en-US" altLang="ja-JP" sz="1200" dirty="0" err="1" smtClean="0">
-                <a:latin typeface="Courier" charset="0"/>
-                <a:ea typeface="Courier" charset="0"/>
-                <a:cs typeface="Courier" charset="0"/>
-              </a:rPr>
-              <a:t>cp</a:t>
-            </a:r>
-            <a:r>
-              <a:rPr lang="en-US" altLang="ja-JP" sz="1200" dirty="0" smtClean="0">
-                <a:latin typeface="Courier" charset="0"/>
-                <a:ea typeface="Courier" charset="0"/>
-                <a:cs typeface="Courier" charset="0"/>
-              </a:rPr>
-              <a:t> </a:t>
-            </a:r>
-            <a:r>
-              <a:rPr lang="en-US" altLang="ja-JP" sz="1200" dirty="0">
-                <a:latin typeface="Courier" charset="0"/>
-                <a:ea typeface="Courier" charset="0"/>
-                <a:cs typeface="Courier" charset="0"/>
-              </a:rPr>
-              <a:t>/path/to</a:t>
-            </a:r>
-            <a:r>
-              <a:rPr lang="en-US" altLang="ja-JP" sz="1200" dirty="0" smtClean="0">
-                <a:latin typeface="Courier" charset="0"/>
-                <a:ea typeface="Courier" charset="0"/>
-                <a:cs typeface="Courier" charset="0"/>
-              </a:rPr>
-              <a:t>/jogamp-java3d/</a:t>
-            </a:r>
-            <a:r>
-              <a:rPr lang="en-US" altLang="ja-JP" sz="1200" dirty="0" err="1" smtClean="0">
-                <a:latin typeface="Courier" charset="0"/>
-                <a:ea typeface="Courier" charset="0"/>
-                <a:cs typeface="Courier" charset="0"/>
-              </a:rPr>
-              <a:t>vecmath.jar</a:t>
-            </a:r>
-            <a:r>
-              <a:rPr lang="en-US" altLang="ja-JP" sz="1200" dirty="0" smtClean="0">
-                <a:latin typeface="Courier" charset="0"/>
-                <a:ea typeface="Courier" charset="0"/>
-                <a:cs typeface="Courier" charset="0"/>
-              </a:rPr>
-              <a:t>  $</a:t>
-            </a:r>
-            <a:r>
-              <a:rPr lang="en-US" altLang="ja-JP" sz="1200" dirty="0" err="1" smtClean="0">
-                <a:latin typeface="Courier" charset="0"/>
-                <a:ea typeface="Courier" charset="0"/>
-                <a:cs typeface="Courier" charset="0"/>
-              </a:rPr>
-              <a:t>jsindo_jar</a:t>
-            </a:r>
-            <a:endParaRPr lang="en-US" altLang="ja-JP" sz="1200" dirty="0" smtClean="0">
-              <a:latin typeface="Courier" charset="0"/>
-              <a:ea typeface="Courier" charset="0"/>
-              <a:cs typeface="Courier" charset="0"/>
-            </a:endParaRPr>
-          </a:p>
-          <a:p>
-            <a:endParaRPr lang="en-US" altLang="ja-JP" sz="1200" dirty="0" smtClean="0">
-              <a:latin typeface="Courier" charset="0"/>
-              <a:ea typeface="Courier" charset="0"/>
-              <a:cs typeface="Courier" charset="0"/>
-            </a:endParaRPr>
-          </a:p>
-          <a:p>
-            <a:r>
-              <a:rPr lang="en-US" altLang="ja-JP" sz="1200" dirty="0" smtClean="0">
-                <a:latin typeface="Courier" charset="0"/>
-                <a:ea typeface="Courier" charset="0"/>
-                <a:cs typeface="Courier" charset="0"/>
-              </a:rPr>
-              <a:t>&gt; </a:t>
-            </a:r>
-            <a:r>
-              <a:rPr lang="en-US" altLang="ja-JP" sz="1200" dirty="0" err="1" smtClean="0">
-                <a:latin typeface="Courier" charset="0"/>
-                <a:ea typeface="Courier" charset="0"/>
-                <a:cs typeface="Courier" charset="0"/>
-              </a:rPr>
-              <a:t>cp</a:t>
-            </a:r>
-            <a:r>
-              <a:rPr lang="en-US" altLang="ja-JP" sz="1200" dirty="0" smtClean="0">
-                <a:latin typeface="Courier" charset="0"/>
-                <a:ea typeface="Courier" charset="0"/>
-                <a:cs typeface="Courier" charset="0"/>
-              </a:rPr>
-              <a:t> </a:t>
-            </a:r>
-            <a:r>
-              <a:rPr lang="en-US" altLang="ja-JP" sz="1200" dirty="0">
-                <a:latin typeface="Courier" charset="0"/>
-                <a:ea typeface="Courier" charset="0"/>
-                <a:cs typeface="Courier" charset="0"/>
-              </a:rPr>
-              <a:t>/path/to</a:t>
-            </a:r>
-            <a:r>
-              <a:rPr lang="en-US" altLang="ja-JP" sz="1200" dirty="0" smtClean="0">
-                <a:latin typeface="Courier" charset="0"/>
-                <a:ea typeface="Courier" charset="0"/>
-                <a:cs typeface="Courier" charset="0"/>
-              </a:rPr>
-              <a:t>/Jama-1.0.3.jar $</a:t>
-            </a:r>
-            <a:r>
-              <a:rPr lang="en-US" altLang="ja-JP" sz="1200" dirty="0" err="1" smtClean="0">
-                <a:latin typeface="Courier" charset="0"/>
-                <a:ea typeface="Courier" charset="0"/>
-                <a:cs typeface="Courier" charset="0"/>
-              </a:rPr>
-              <a:t>jsindo_jar</a:t>
-            </a:r>
-            <a:endParaRPr lang="en-US" altLang="ja-JP" sz="1200" dirty="0" smtClean="0">
-              <a:latin typeface="Courier" charset="0"/>
-              <a:ea typeface="Courier" charset="0"/>
-              <a:cs typeface="Courier" charset="0"/>
-            </a:endParaRPr>
-          </a:p>
-          <a:p>
-            <a:r>
-              <a:rPr lang="en-US" altLang="ja-JP" sz="1200" dirty="0" smtClean="0">
-                <a:latin typeface="Courier" charset="0"/>
-                <a:ea typeface="Courier" charset="0"/>
-                <a:cs typeface="Courier" charset="0"/>
-              </a:rPr>
-              <a:t>&gt; </a:t>
-            </a:r>
-            <a:r>
-              <a:rPr lang="en-US" altLang="ja-JP" sz="1200" dirty="0" err="1" smtClean="0">
-                <a:latin typeface="Courier" charset="0"/>
-                <a:ea typeface="Courier" charset="0"/>
-                <a:cs typeface="Courier" charset="0"/>
-              </a:rPr>
-              <a:t>cp</a:t>
-            </a:r>
-            <a:r>
-              <a:rPr lang="en-US" altLang="ja-JP" sz="1200" dirty="0" smtClean="0">
-                <a:latin typeface="Courier" charset="0"/>
-                <a:ea typeface="Courier" charset="0"/>
-                <a:cs typeface="Courier" charset="0"/>
-              </a:rPr>
-              <a:t> </a:t>
-            </a:r>
-            <a:r>
-              <a:rPr lang="en-US" altLang="ja-JP" sz="1200" dirty="0">
-                <a:latin typeface="Courier" charset="0"/>
-                <a:ea typeface="Courier" charset="0"/>
-                <a:cs typeface="Courier" charset="0"/>
-              </a:rPr>
-              <a:t>/</a:t>
-            </a:r>
-            <a:r>
-              <a:rPr lang="en-US" altLang="ja-JP" sz="1200" dirty="0" smtClean="0">
-                <a:latin typeface="Courier" charset="0"/>
-                <a:ea typeface="Courier" charset="0"/>
-                <a:cs typeface="Courier" charset="0"/>
-              </a:rPr>
-              <a:t>path/to/JSindo-4.0.jar $</a:t>
-            </a:r>
-            <a:r>
-              <a:rPr lang="en-US" altLang="ja-JP" sz="1200" dirty="0" err="1" smtClean="0">
-                <a:latin typeface="Courier" charset="0"/>
-                <a:ea typeface="Courier" charset="0"/>
-                <a:cs typeface="Courier" charset="0"/>
-              </a:rPr>
-              <a:t>jsindo_jar</a:t>
-            </a:r>
-            <a:endParaRPr lang="en-US" altLang="ja-JP" sz="1200" dirty="0" smtClean="0">
-              <a:latin typeface="Courier" charset="0"/>
-              <a:ea typeface="Courier" charset="0"/>
-              <a:cs typeface="Courier" charset="0"/>
-            </a:endParaRPr>
-          </a:p>
-        </p:txBody>
-      </p:sp>
-      <p:sp>
-        <p:nvSpPr>
-          <p:cNvPr id="7" name="テキスト ボックス 6"/>
-          <p:cNvSpPr txBox="1"/>
-          <p:nvPr/>
-        </p:nvSpPr>
-        <p:spPr>
-          <a:xfrm>
-            <a:off x="635006" y="5755665"/>
-            <a:ext cx="8014724" cy="369332"/>
-          </a:xfrm>
-          <a:prstGeom prst="rect">
-            <a:avLst/>
-          </a:prstGeom>
-          <a:noFill/>
-        </p:spPr>
-        <p:txBody>
-          <a:bodyPr wrap="square" rtlCol="0">
-            <a:spAutoFit/>
-          </a:bodyPr>
-          <a:lstStyle/>
-          <a:p>
-            <a:r>
-              <a:rPr lang="en-US" altLang="ja-JP" smtClean="0"/>
-              <a:t>where </a:t>
-            </a:r>
-            <a:r>
-              <a:rPr lang="en-US" altLang="ja-JP" dirty="0" smtClean="0">
-                <a:solidFill>
-                  <a:srgbClr val="FF0000"/>
-                </a:solidFill>
-              </a:rPr>
-              <a:t>xxx</a:t>
-            </a:r>
-            <a:r>
-              <a:rPr lang="en-US" altLang="ja-JP" dirty="0" smtClean="0"/>
-              <a:t> = </a:t>
-            </a:r>
-            <a:r>
-              <a:rPr lang="en-US" altLang="ja-JP" dirty="0"/>
-              <a:t>amd64 </a:t>
-            </a:r>
-            <a:r>
-              <a:rPr lang="en-US" altLang="ja-JP" dirty="0" smtClean="0"/>
-              <a:t>or </a:t>
-            </a:r>
-            <a:r>
-              <a:rPr lang="en-US" altLang="ja-JP" dirty="0"/>
-              <a:t>i586 for </a:t>
-            </a:r>
-            <a:r>
-              <a:rPr lang="en-US" altLang="ja-JP" dirty="0" smtClean="0"/>
-              <a:t>64-bit or 32-bit, respectively. </a:t>
+              <a:t> /path/to/Jama-1.0.3.jar ./</a:t>
             </a:r>
           </a:p>
         </p:txBody>
@@ -9358,13 +8952,6 @@
   <p:clrMapOvr>
     <a:masterClrMapping/>
   </p:clrMapOvr>
-  <p:timing>
-    <p:tnLst>
-      <p:par>
-        <p:cTn id="1" dur="indefinite" restart="never" nodeType="tmRoot"/>
-      </p:par>
-    </p:tnLst>
-  </p:timing>
 </p:sld>
 </file>
 
@@ -9416,8 +9003,8 @@
         </p:nvSpPr>
         <p:spPr>
           <a:xfrm>
-            <a:off x="558343" y="1438664"/>
-            <a:ext cx="4567839" cy="5078313"/>
+            <a:off x="415468" y="1438664"/>
+            <a:ext cx="4713745" cy="4247317"/>
           </a:xfrm>
           <a:prstGeom prst="rect">
             <a:avLst/>
@@ -9431,70 +9018,50 @@
           <a:lstStyle/>
           <a:p>
             <a:r>
-              <a:rPr lang="en-US" altLang="ja-JP" dirty="0" smtClean="0"/>
+              <a:rPr lang="en-US" altLang="ja-JP" dirty="0"/>
               <a:t>With this command, you should see a control panel of </a:t>
             </a:r>
             <a:r>
-              <a:rPr lang="en-US" altLang="ja-JP" dirty="0" err="1" smtClean="0"/>
+              <a:rPr lang="en-US" altLang="ja-JP" dirty="0" err="1"/>
               <a:t>JSindo</a:t>
             </a:r>
             <a:r>
               <a:rPr lang="en-US" altLang="ja-JP" dirty="0"/>
-              <a:t>. If you don’t see the panel, </a:t>
-            </a:r>
-            <a:r>
-              <a:rPr lang="en-US" altLang="ja-JP" dirty="0" smtClean="0"/>
-              <a:t>you might try to reinstall or update </a:t>
-            </a:r>
+              <a:t>. If you don’t see the panel, review the installation of Java.</a:t>
+            </a:r>
+          </a:p>
+          <a:p>
+            <a:endParaRPr lang="en-US" altLang="ja-JP" dirty="0"/>
+          </a:p>
+          <a:p>
             <a:r>
               <a:rPr lang="en-US" altLang="ja-JP" dirty="0"/>
-              <a:t>Java. </a:t>
-            </a:r>
-            <a:endParaRPr lang="en-US" altLang="ja-JP" dirty="0" smtClean="0"/>
-          </a:p>
-          <a:p>
-            <a:endParaRPr lang="en-US" altLang="ja-JP" dirty="0" smtClean="0"/>
-          </a:p>
-          <a:p>
+              <a:t>Let’s test the program. Sample files are included in sindo-4.0/doc/</a:t>
+            </a:r>
+            <a:r>
+              <a:rPr lang="en-US" altLang="ja-JP" dirty="0" err="1"/>
+              <a:t>sample_JSindo</a:t>
+            </a:r>
             <a:r>
               <a:rPr lang="en-US" altLang="ja-JP" dirty="0"/>
-              <a:t>Let’s open “sample/h2co.minfo”, which is included in </a:t>
+              <a:t>.</a:t>
+            </a:r>
+          </a:p>
+          <a:p>
+            <a:endParaRPr lang="en-US" altLang="ja-JP" dirty="0"/>
+          </a:p>
+          <a:p>
+            <a:r>
+              <a:rPr lang="en-US" altLang="ja-JP" dirty="0"/>
+              <a:t>In </a:t>
             </a:r>
             <a:r>
               <a:rPr lang="en-US" altLang="ja-JP" dirty="0" err="1"/>
-              <a:t>sample.tar.gz</a:t>
+              <a:t>JSindo</a:t>
             </a:r>
             <a:r>
               <a:rPr lang="en-US" altLang="ja-JP" dirty="0"/>
-              <a:t>. </a:t>
-            </a:r>
-            <a:r>
-              <a:rPr lang="en-US" altLang="ja-JP" dirty="0" smtClean="0"/>
-              <a:t>You can extract the file by,</a:t>
-            </a:r>
-          </a:p>
-          <a:p>
-            <a:endParaRPr lang="en-US" altLang="ja-JP" dirty="0"/>
-          </a:p>
-          <a:p>
-            <a:endParaRPr lang="en-US" altLang="ja-JP" dirty="0"/>
-          </a:p>
-          <a:p>
-            <a:r>
-              <a:rPr lang="en-US" altLang="ja-JP" dirty="0" smtClean="0"/>
-              <a:t>In </a:t>
-            </a:r>
-            <a:r>
-              <a:rPr lang="en-US" altLang="ja-JP" dirty="0" err="1" smtClean="0"/>
-              <a:t>JSindo</a:t>
-            </a:r>
-            <a:r>
-              <a:rPr lang="en-US" altLang="ja-JP" dirty="0" smtClean="0"/>
-              <a:t> control panel, click </a:t>
-            </a:r>
-            <a:r>
-              <a:rPr lang="en-US" altLang="ja-JP" dirty="0"/>
-              <a:t>File -&gt; Open, choose “h2co.minfo”, and click Open. If you see formaldehyde, you’re done with the first step!</a:t>
+              <a:t> control panel, click File -&gt; Open, choose “h2co.minfo”, and click Open. If you see formaldehyde, you’re done with the first step!</a:t>
             </a:r>
           </a:p>
           <a:p>
@@ -9506,30 +9073,21 @@
               <a:t>If this step fails, it is highly likely that </a:t>
             </a:r>
             <a:r>
-              <a:rPr lang="en-US" altLang="ja-JP" dirty="0" err="1" smtClean="0"/>
+              <a:rPr lang="en-US" altLang="ja-JP" dirty="0" err="1"/>
               <a:t>JogAmp</a:t>
             </a:r>
             <a:r>
-              <a:rPr lang="en-US" altLang="ja-JP" dirty="0" smtClean="0"/>
-              <a:t>/Java3D </a:t>
-            </a:r>
-            <a:r>
               <a:rPr lang="en-US" altLang="ja-JP" dirty="0"/>
-              <a:t>has a problem. Double check if the </a:t>
-            </a:r>
-            <a:r>
-              <a:rPr lang="en-US" altLang="ja-JP" dirty="0" smtClean="0"/>
-              <a:t>right </a:t>
-            </a:r>
-            <a:r>
-              <a:rPr lang="en-US" altLang="ja-JP" dirty="0" err="1" smtClean="0"/>
+              <a:t>/Java3D has a problem. Double check if the right </a:t>
+            </a:r>
+            <a:r>
+              <a:rPr lang="en-US" altLang="ja-JP" dirty="0" err="1"/>
               <a:t>jarfiles</a:t>
             </a:r>
             <a:r>
-              <a:rPr lang="en-US" altLang="ja-JP" dirty="0" smtClean="0"/>
+              <a:rPr lang="en-US" altLang="ja-JP" dirty="0"/>
               <a:t> (xxx = amd64 or i586) are located in the folder.</a:t>
             </a:r>
-            <a:endParaRPr lang="en-US" altLang="ja-JP" dirty="0"/>
           </a:p>
         </p:txBody>
       </p:sp>
@@ -9588,8 +9146,8 @@
         </p:nvSpPr>
         <p:spPr>
           <a:xfrm>
-            <a:off x="1064479" y="955263"/>
-            <a:ext cx="3159839" cy="276999"/>
+            <a:off x="893029" y="898111"/>
+            <a:ext cx="3996607" cy="461665"/>
           </a:xfrm>
           <a:prstGeom prst="rect">
             <a:avLst/>
@@ -9608,15 +9166,41 @@
           <a:lstStyle/>
           <a:p>
             <a:r>
-              <a:rPr kumimoji="1" lang="en-US" altLang="ja-JP" sz="1200" dirty="0" smtClean="0">
-                <a:latin typeface="Courier" charset="0"/>
-                <a:ea typeface="Courier" charset="0"/>
-                <a:cs typeface="Courier" charset="0"/>
-              </a:rPr>
-              <a:t>&gt;java –</a:t>
-            </a:r>
-            <a:r>
-              <a:rPr kumimoji="1" lang="en-US" altLang="ja-JP" sz="1200" dirty="0" err="1" smtClean="0">
+              <a:rPr kumimoji="1" lang="en-US" altLang="ja-JP" sz="1200" dirty="0">
+                <a:latin typeface="Courier" charset="0"/>
+                <a:ea typeface="Courier" charset="0"/>
+                <a:cs typeface="Courier" charset="0"/>
+              </a:rPr>
+              <a:t>&gt; export </a:t>
+            </a:r>
+            <a:r>
+              <a:rPr kumimoji="1" lang="en-US" altLang="ja-JP" sz="1200" dirty="0" err="1">
+                <a:latin typeface="Courier" charset="0"/>
+                <a:ea typeface="Courier" charset="0"/>
+                <a:cs typeface="Courier" charset="0"/>
+              </a:rPr>
+              <a:t>sindo_jar</a:t>
+            </a:r>
+            <a:r>
+              <a:rPr kumimoji="1" lang="en-US" altLang="ja-JP" sz="1200" dirty="0">
+                <a:latin typeface="Courier" charset="0"/>
+                <a:ea typeface="Courier" charset="0"/>
+                <a:cs typeface="Courier" charset="0"/>
+              </a:rPr>
+              <a:t>=/path/to/sindo-4.0/jar</a:t>
+            </a:r>
+          </a:p>
+          <a:p>
+            <a:r>
+              <a:rPr kumimoji="1" lang="en-US" altLang="ja-JP" sz="1200" dirty="0">
+                <a:latin typeface="Courier" charset="0"/>
+                <a:ea typeface="Courier" charset="0"/>
+                <a:cs typeface="Courier" charset="0"/>
+              </a:rPr>
+              <a:t>&gt; java –</a:t>
+            </a:r>
+            <a:r>
+              <a:rPr kumimoji="1" lang="en-US" altLang="ja-JP" sz="1200" dirty="0" err="1">
                 <a:latin typeface="Courier" charset="0"/>
                 <a:ea typeface="Courier" charset="0"/>
                 <a:cs typeface="Courier" charset="0"/>
@@ -9624,7 +9208,7 @@
               <a:t>cp</a:t>
             </a:r>
             <a:r>
-              <a:rPr kumimoji="1" lang="en-US" altLang="ja-JP" sz="1200" dirty="0" smtClean="0">
+              <a:rPr kumimoji="1" lang="en-US" altLang="ja-JP" sz="1200" dirty="0">
                 <a:latin typeface="Courier" charset="0"/>
                 <a:ea typeface="Courier" charset="0"/>
                 <a:cs typeface="Courier" charset="0"/>
@@ -9632,15 +9216,15 @@
               <a:t> “$</a:t>
             </a:r>
             <a:r>
-              <a:rPr kumimoji="1" lang="en-US" altLang="ja-JP" sz="1200" dirty="0" err="1" smtClean="0">
-                <a:latin typeface="Courier" charset="0"/>
-                <a:ea typeface="Courier" charset="0"/>
-                <a:cs typeface="Courier" charset="0"/>
-              </a:rPr>
-              <a:t>jsindo_jar</a:t>
-            </a:r>
-            <a:r>
-              <a:rPr kumimoji="1" lang="en-US" altLang="ja-JP" sz="1200" dirty="0" smtClean="0">
+              <a:rPr kumimoji="1" lang="en-US" altLang="ja-JP" sz="1200" dirty="0" err="1">
+                <a:latin typeface="Courier" charset="0"/>
+                <a:ea typeface="Courier" charset="0"/>
+                <a:cs typeface="Courier" charset="0"/>
+              </a:rPr>
+              <a:t>sindo_jar</a:t>
+            </a:r>
+            <a:r>
+              <a:rPr kumimoji="1" lang="en-US" altLang="ja-JP" sz="1200" dirty="0">
                 <a:latin typeface="Courier" charset="0"/>
                 <a:ea typeface="Courier" charset="0"/>
                 <a:cs typeface="Courier" charset="0"/>
@@ -9648,7 +9232,7 @@
               <a:t>/*” </a:t>
             </a:r>
             <a:r>
-              <a:rPr kumimoji="1" lang="en-US" altLang="ja-JP" sz="1200" dirty="0" err="1" smtClean="0">
+              <a:rPr kumimoji="1" lang="en-US" altLang="ja-JP" sz="1200" dirty="0" err="1">
                 <a:latin typeface="Courier" charset="0"/>
                 <a:ea typeface="Courier" charset="0"/>
                 <a:cs typeface="Courier" charset="0"/>
@@ -9671,7 +9255,7 @@
         </p:nvSpPr>
         <p:spPr>
           <a:xfrm>
-            <a:off x="544448" y="419006"/>
+            <a:off x="372998" y="419006"/>
             <a:ext cx="5085110" cy="369332"/>
           </a:xfrm>
           <a:prstGeom prst="rect">
@@ -9686,15 +9270,15 @@
           <a:lstStyle/>
           <a:p>
             <a:r>
-              <a:rPr lang="en-US" altLang="ja-JP" dirty="0" smtClean="0"/>
+              <a:rPr lang="en-US" altLang="ja-JP" dirty="0"/>
               <a:t>Then, type the following command to invoke </a:t>
             </a:r>
             <a:r>
-              <a:rPr lang="en-US" altLang="ja-JP" dirty="0" err="1" smtClean="0"/>
+              <a:rPr lang="en-US" altLang="ja-JP" dirty="0" err="1"/>
               <a:t>JSindo</a:t>
             </a:r>
             <a:r>
-              <a:rPr lang="en-US" altLang="ja-JP" dirty="0" smtClean="0"/>
+              <a:rPr lang="en-US" altLang="ja-JP" dirty="0"/>
               <a:t>:</a:t>
             </a:r>
             <a:endParaRPr kumimoji="1" lang="ja-JP" altLang="en-US" dirty="0"/>
@@ -9774,7 +9358,7 @@
             <a:lstStyle/>
             <a:p>
               <a:r>
-                <a:rPr kumimoji="1" lang="en-US" altLang="ja-JP" dirty="0" smtClean="0"/>
+                <a:rPr kumimoji="1" lang="en-US" altLang="ja-JP" dirty="0"/>
                 <a:t>Open</a:t>
               </a:r>
               <a:endParaRPr kumimoji="1" lang="ja-JP" altLang="en-US" dirty="0"/>
@@ -9921,7 +9505,7 @@
             <a:lstStyle/>
             <a:p>
               <a:r>
-                <a:rPr kumimoji="1" lang="en-US" altLang="ja-JP" dirty="0" smtClean="0"/>
+                <a:rPr kumimoji="1" lang="en-US" altLang="ja-JP" dirty="0"/>
                 <a:t>click to choose</a:t>
               </a:r>
               <a:endParaRPr kumimoji="1" lang="ja-JP" altLang="en-US" dirty="0"/>
@@ -10010,73 +9594,6 @@
           </p:spPr>
         </p:pic>
       </p:grpSp>
-      <p:sp>
-        <p:nvSpPr>
-          <p:cNvPr id="16" name="テキスト ボックス 15"/>
-          <p:cNvSpPr txBox="1"/>
-          <p:nvPr/>
-        </p:nvSpPr>
-        <p:spPr>
-          <a:xfrm>
-            <a:off x="1064479" y="3534828"/>
-            <a:ext cx="2416046" cy="276999"/>
-          </a:xfrm>
-          <a:prstGeom prst="rect">
-            <a:avLst/>
-          </a:prstGeom>
-          <a:noFill/>
-          <a:ln>
-            <a:solidFill>
-              <a:srgbClr val="00B050"/>
-            </a:solidFill>
-          </a:ln>
-        </p:spPr>
-        <p:txBody>
-          <a:bodyPr wrap="none" rtlCol="0">
-            <a:spAutoFit/>
-          </a:bodyPr>
-          <a:lstStyle/>
-          <a:p>
-            <a:r>
-              <a:rPr kumimoji="1" lang="en-US" altLang="ja-JP" sz="1200" dirty="0" smtClean="0">
-                <a:latin typeface="Courier" charset="0"/>
-                <a:ea typeface="Courier" charset="0"/>
-                <a:cs typeface="Courier" charset="0"/>
-              </a:rPr>
-              <a:t>&gt;tar –</a:t>
-            </a:r>
-            <a:r>
-              <a:rPr kumimoji="1" lang="en-US" altLang="ja-JP" sz="1200" dirty="0" err="1" smtClean="0">
-                <a:latin typeface="Courier" charset="0"/>
-                <a:ea typeface="Courier" charset="0"/>
-                <a:cs typeface="Courier" charset="0"/>
-              </a:rPr>
-              <a:t>zxvf</a:t>
-            </a:r>
-            <a:r>
-              <a:rPr kumimoji="1" lang="en-US" altLang="ja-JP" sz="1200" dirty="0" smtClean="0">
-                <a:latin typeface="Courier" charset="0"/>
-                <a:ea typeface="Courier" charset="0"/>
-                <a:cs typeface="Courier" charset="0"/>
-              </a:rPr>
-              <a:t> </a:t>
-            </a:r>
-            <a:r>
-              <a:rPr kumimoji="1" lang="en-US" altLang="ja-JP" sz="1200" dirty="0" err="1" smtClean="0">
-                <a:latin typeface="Courier" charset="0"/>
-                <a:ea typeface="Courier" charset="0"/>
-                <a:cs typeface="Courier" charset="0"/>
-              </a:rPr>
-              <a:t>sample.tar.gz</a:t>
-            </a:r>
-            <a:endParaRPr kumimoji="1" lang="ja-JP" altLang="en-US" sz="1200" dirty="0">
-              <a:latin typeface="Courier" charset="0"/>
-              <a:ea typeface="Courier" charset="0"/>
-              <a:cs typeface="Courier" charset="0"/>
-            </a:endParaRPr>
-          </a:p>
-        </p:txBody>
-      </p:sp>
     </p:spTree>
     <p:extLst>
       <p:ext uri="{BB962C8B-B14F-4D97-AF65-F5344CB8AC3E}">
@@ -10087,13 +9604,6 @@
   <p:clrMapOvr>
     <a:masterClrMapping/>
   </p:clrMapOvr>
-  <p:timing>
-    <p:tnLst>
-      <p:par>
-        <p:cTn id="1" dur="indefinite" restart="never" nodeType="tmRoot"/>
-      </p:par>
-    </p:tnLst>
-  </p:timing>
 </p:sld>
 </file>
 
